--- a/planning/2017.11.28(Week13).pptx
+++ b/planning/2017.11.28(Week13).pptx
@@ -114,7 +114,7 @@
   </p:defaultTextStyle>
   <p:extLst>
     <p:ext uri="{EFAFB233-063F-42B5-8137-9DF3F51BA10A}">
-      <p15:sldGuideLst xmlns:p15="http://schemas.microsoft.com/office/powerpoint/2012/main"/>
+      <p15:sldGuideLst xmlns:p15="http://schemas.microsoft.com/office/powerpoint/2012/main" xmlns=""/>
     </p:ext>
   </p:extLst>
 </p:presentation>
@@ -146,7 +146,7 @@
           <p:cNvPr id="2" name="제목 1">
             <a:extLst>
               <a:ext uri="{FF2B5EF4-FFF2-40B4-BE49-F238E27FC236}">
-                <a16:creationId xmlns:a16="http://schemas.microsoft.com/office/drawing/2014/main" id="{7A9CC03E-6742-4C20-8960-BDDB3B566461}"/>
+                <a16:creationId xmlns:a16="http://schemas.microsoft.com/office/drawing/2014/main" xmlns="" id="{7A9CC03E-6742-4C20-8960-BDDB3B566461}"/>
               </a:ext>
             </a:extLst>
           </p:cNvPr>
@@ -184,7 +184,7 @@
           <p:cNvPr id="3" name="부제목 2">
             <a:extLst>
               <a:ext uri="{FF2B5EF4-FFF2-40B4-BE49-F238E27FC236}">
-                <a16:creationId xmlns:a16="http://schemas.microsoft.com/office/drawing/2014/main" id="{C6C03689-DC53-4941-85DB-98C7DCDFD13C}"/>
+                <a16:creationId xmlns:a16="http://schemas.microsoft.com/office/drawing/2014/main" xmlns="" id="{C6C03689-DC53-4941-85DB-98C7DCDFD13C}"/>
               </a:ext>
             </a:extLst>
           </p:cNvPr>
@@ -255,7 +255,7 @@
           <p:cNvPr id="4" name="날짜 개체 틀 3">
             <a:extLst>
               <a:ext uri="{FF2B5EF4-FFF2-40B4-BE49-F238E27FC236}">
-                <a16:creationId xmlns:a16="http://schemas.microsoft.com/office/drawing/2014/main" id="{532D1E67-D7D6-4613-829D-4A0143E28374}"/>
+                <a16:creationId xmlns:a16="http://schemas.microsoft.com/office/drawing/2014/main" xmlns="" id="{532D1E67-D7D6-4613-829D-4A0143E28374}"/>
               </a:ext>
             </a:extLst>
           </p:cNvPr>
@@ -273,6 +273,7 @@
           <a:p>
             <a:fld id="{23234DB1-0FD5-486D-82FC-652663E7F307}" type="datetimeFigureOut">
               <a:rPr lang="en-US" smtClean="0"/>
+              <a:pPr/>
               <a:t>11/27/2017</a:t>
             </a:fld>
             <a:endParaRPr lang="en-US" dirty="0"/>
@@ -284,7 +285,7 @@
           <p:cNvPr id="5" name="바닥글 개체 틀 4">
             <a:extLst>
               <a:ext uri="{FF2B5EF4-FFF2-40B4-BE49-F238E27FC236}">
-                <a16:creationId xmlns:a16="http://schemas.microsoft.com/office/drawing/2014/main" id="{C5638A6A-7E62-44CC-A79A-105C6B2495E4}"/>
+                <a16:creationId xmlns:a16="http://schemas.microsoft.com/office/drawing/2014/main" xmlns="" id="{C5638A6A-7E62-44CC-A79A-105C6B2495E4}"/>
               </a:ext>
             </a:extLst>
           </p:cNvPr>
@@ -309,7 +310,7 @@
           <p:cNvPr id="6" name="슬라이드 번호 개체 틀 5">
             <a:extLst>
               <a:ext uri="{FF2B5EF4-FFF2-40B4-BE49-F238E27FC236}">
-                <a16:creationId xmlns:a16="http://schemas.microsoft.com/office/drawing/2014/main" id="{68E0B2C5-C73B-4749-84E8-45BC3EA720FE}"/>
+                <a16:creationId xmlns:a16="http://schemas.microsoft.com/office/drawing/2014/main" xmlns="" id="{68E0B2C5-C73B-4749-84E8-45BC3EA720FE}"/>
               </a:ext>
             </a:extLst>
           </p:cNvPr>
@@ -327,6 +328,7 @@
           <a:p>
             <a:fld id="{7802671D-4591-46CD-B6FC-DF193C79B0EC}" type="slidenum">
               <a:rPr lang="en-US" smtClean="0"/>
+              <a:pPr/>
               <a:t>‹#›</a:t>
             </a:fld>
             <a:endParaRPr lang="en-US" dirty="0"/>
@@ -336,7 +338,7 @@
     </p:spTree>
     <p:extLst>
       <p:ext uri="{BB962C8B-B14F-4D97-AF65-F5344CB8AC3E}">
-        <p14:creationId xmlns:p14="http://schemas.microsoft.com/office/powerpoint/2010/main" val="3772163097"/>
+        <p14:creationId xmlns:p14="http://schemas.microsoft.com/office/powerpoint/2010/main" xmlns="" val="3772163097"/>
       </p:ext>
     </p:extLst>
   </p:cSld>
@@ -368,7 +370,7 @@
           <p:cNvPr id="2" name="제목 1">
             <a:extLst>
               <a:ext uri="{FF2B5EF4-FFF2-40B4-BE49-F238E27FC236}">
-                <a16:creationId xmlns:a16="http://schemas.microsoft.com/office/drawing/2014/main" id="{375BCF1A-D064-4898-819B-E6468E6A3CFC}"/>
+                <a16:creationId xmlns:a16="http://schemas.microsoft.com/office/drawing/2014/main" xmlns="" id="{375BCF1A-D064-4898-819B-E6468E6A3CFC}"/>
               </a:ext>
             </a:extLst>
           </p:cNvPr>
@@ -397,7 +399,7 @@
           <p:cNvPr id="3" name="세로 텍스트 개체 틀 2">
             <a:extLst>
               <a:ext uri="{FF2B5EF4-FFF2-40B4-BE49-F238E27FC236}">
-                <a16:creationId xmlns:a16="http://schemas.microsoft.com/office/drawing/2014/main" id="{0A2AF64F-8EF4-4D10-B289-A4AB95E90BBB}"/>
+                <a16:creationId xmlns:a16="http://schemas.microsoft.com/office/drawing/2014/main" xmlns="" id="{0A2AF64F-8EF4-4D10-B289-A4AB95E90BBB}"/>
               </a:ext>
             </a:extLst>
           </p:cNvPr>
@@ -455,7 +457,7 @@
           <p:cNvPr id="4" name="날짜 개체 틀 3">
             <a:extLst>
               <a:ext uri="{FF2B5EF4-FFF2-40B4-BE49-F238E27FC236}">
-                <a16:creationId xmlns:a16="http://schemas.microsoft.com/office/drawing/2014/main" id="{975ECEF4-E132-4B6A-8F32-A31294502947}"/>
+                <a16:creationId xmlns:a16="http://schemas.microsoft.com/office/drawing/2014/main" xmlns="" id="{975ECEF4-E132-4B6A-8F32-A31294502947}"/>
               </a:ext>
             </a:extLst>
           </p:cNvPr>
@@ -473,6 +475,7 @@
           <a:p>
             <a:fld id="{23234DB1-0FD5-486D-82FC-652663E7F307}" type="datetimeFigureOut">
               <a:rPr lang="en-US" smtClean="0"/>
+              <a:pPr/>
               <a:t>11/27/2017</a:t>
             </a:fld>
             <a:endParaRPr lang="en-US" dirty="0"/>
@@ -484,7 +487,7 @@
           <p:cNvPr id="5" name="바닥글 개체 틀 4">
             <a:extLst>
               <a:ext uri="{FF2B5EF4-FFF2-40B4-BE49-F238E27FC236}">
-                <a16:creationId xmlns:a16="http://schemas.microsoft.com/office/drawing/2014/main" id="{E8B608BF-2D58-4900-AC16-03BA8C58ED24}"/>
+                <a16:creationId xmlns:a16="http://schemas.microsoft.com/office/drawing/2014/main" xmlns="" id="{E8B608BF-2D58-4900-AC16-03BA8C58ED24}"/>
               </a:ext>
             </a:extLst>
           </p:cNvPr>
@@ -509,7 +512,7 @@
           <p:cNvPr id="6" name="슬라이드 번호 개체 틀 5">
             <a:extLst>
               <a:ext uri="{FF2B5EF4-FFF2-40B4-BE49-F238E27FC236}">
-                <a16:creationId xmlns:a16="http://schemas.microsoft.com/office/drawing/2014/main" id="{8053EFC1-7174-431F-AB63-BE39D2202D52}"/>
+                <a16:creationId xmlns:a16="http://schemas.microsoft.com/office/drawing/2014/main" xmlns="" id="{8053EFC1-7174-431F-AB63-BE39D2202D52}"/>
               </a:ext>
             </a:extLst>
           </p:cNvPr>
@@ -527,6 +530,7 @@
           <a:p>
             <a:fld id="{7802671D-4591-46CD-B6FC-DF193C79B0EC}" type="slidenum">
               <a:rPr lang="en-US" smtClean="0"/>
+              <a:pPr/>
               <a:t>‹#›</a:t>
             </a:fld>
             <a:endParaRPr lang="en-US" dirty="0"/>
@@ -536,7 +540,7 @@
     </p:spTree>
     <p:extLst>
       <p:ext uri="{BB962C8B-B14F-4D97-AF65-F5344CB8AC3E}">
-        <p14:creationId xmlns:p14="http://schemas.microsoft.com/office/powerpoint/2010/main" val="2263265270"/>
+        <p14:creationId xmlns:p14="http://schemas.microsoft.com/office/powerpoint/2010/main" xmlns="" val="2263265270"/>
       </p:ext>
     </p:extLst>
   </p:cSld>
@@ -568,7 +572,7 @@
           <p:cNvPr id="2" name="세로 제목 1">
             <a:extLst>
               <a:ext uri="{FF2B5EF4-FFF2-40B4-BE49-F238E27FC236}">
-                <a16:creationId xmlns:a16="http://schemas.microsoft.com/office/drawing/2014/main" id="{741ED8B6-3D86-4246-A102-2B39E2AC8A72}"/>
+                <a16:creationId xmlns:a16="http://schemas.microsoft.com/office/drawing/2014/main" xmlns="" id="{741ED8B6-3D86-4246-A102-2B39E2AC8A72}"/>
               </a:ext>
             </a:extLst>
           </p:cNvPr>
@@ -602,7 +606,7 @@
           <p:cNvPr id="3" name="세로 텍스트 개체 틀 2">
             <a:extLst>
               <a:ext uri="{FF2B5EF4-FFF2-40B4-BE49-F238E27FC236}">
-                <a16:creationId xmlns:a16="http://schemas.microsoft.com/office/drawing/2014/main" id="{28D457F9-1FB2-4613-A0F4-9D312CB632D6}"/>
+                <a16:creationId xmlns:a16="http://schemas.microsoft.com/office/drawing/2014/main" xmlns="" id="{28D457F9-1FB2-4613-A0F4-9D312CB632D6}"/>
               </a:ext>
             </a:extLst>
           </p:cNvPr>
@@ -665,7 +669,7 @@
           <p:cNvPr id="4" name="날짜 개체 틀 3">
             <a:extLst>
               <a:ext uri="{FF2B5EF4-FFF2-40B4-BE49-F238E27FC236}">
-                <a16:creationId xmlns:a16="http://schemas.microsoft.com/office/drawing/2014/main" id="{EC70A350-162C-463D-B915-721391B9088F}"/>
+                <a16:creationId xmlns:a16="http://schemas.microsoft.com/office/drawing/2014/main" xmlns="" id="{EC70A350-162C-463D-B915-721391B9088F}"/>
               </a:ext>
             </a:extLst>
           </p:cNvPr>
@@ -683,6 +687,7 @@
           <a:p>
             <a:fld id="{23234DB1-0FD5-486D-82FC-652663E7F307}" type="datetimeFigureOut">
               <a:rPr lang="en-US" smtClean="0"/>
+              <a:pPr/>
               <a:t>11/27/2017</a:t>
             </a:fld>
             <a:endParaRPr lang="en-US" dirty="0"/>
@@ -694,7 +699,7 @@
           <p:cNvPr id="5" name="바닥글 개체 틀 4">
             <a:extLst>
               <a:ext uri="{FF2B5EF4-FFF2-40B4-BE49-F238E27FC236}">
-                <a16:creationId xmlns:a16="http://schemas.microsoft.com/office/drawing/2014/main" id="{6E90282C-28B1-4E81-AFDA-FAB19EE035F7}"/>
+                <a16:creationId xmlns:a16="http://schemas.microsoft.com/office/drawing/2014/main" xmlns="" id="{6E90282C-28B1-4E81-AFDA-FAB19EE035F7}"/>
               </a:ext>
             </a:extLst>
           </p:cNvPr>
@@ -719,7 +724,7 @@
           <p:cNvPr id="6" name="슬라이드 번호 개체 틀 5">
             <a:extLst>
               <a:ext uri="{FF2B5EF4-FFF2-40B4-BE49-F238E27FC236}">
-                <a16:creationId xmlns:a16="http://schemas.microsoft.com/office/drawing/2014/main" id="{512403B5-F9F3-4EB9-9035-0F8DA16D43C7}"/>
+                <a16:creationId xmlns:a16="http://schemas.microsoft.com/office/drawing/2014/main" xmlns="" id="{512403B5-F9F3-4EB9-9035-0F8DA16D43C7}"/>
               </a:ext>
             </a:extLst>
           </p:cNvPr>
@@ -737,6 +742,7 @@
           <a:p>
             <a:fld id="{7802671D-4591-46CD-B6FC-DF193C79B0EC}" type="slidenum">
               <a:rPr lang="en-US" smtClean="0"/>
+              <a:pPr/>
               <a:t>‹#›</a:t>
             </a:fld>
             <a:endParaRPr lang="en-US" dirty="0"/>
@@ -746,7 +752,7 @@
     </p:spTree>
     <p:extLst>
       <p:ext uri="{BB962C8B-B14F-4D97-AF65-F5344CB8AC3E}">
-        <p14:creationId xmlns:p14="http://schemas.microsoft.com/office/powerpoint/2010/main" val="1032671659"/>
+        <p14:creationId xmlns:p14="http://schemas.microsoft.com/office/powerpoint/2010/main" xmlns="" val="1032671659"/>
       </p:ext>
     </p:extLst>
   </p:cSld>
@@ -778,7 +784,7 @@
           <p:cNvPr id="2" name="제목 1">
             <a:extLst>
               <a:ext uri="{FF2B5EF4-FFF2-40B4-BE49-F238E27FC236}">
-                <a16:creationId xmlns:a16="http://schemas.microsoft.com/office/drawing/2014/main" id="{DAA105B8-BC07-419E-9D16-88331F6EB141}"/>
+                <a16:creationId xmlns:a16="http://schemas.microsoft.com/office/drawing/2014/main" xmlns="" id="{DAA105B8-BC07-419E-9D16-88331F6EB141}"/>
               </a:ext>
             </a:extLst>
           </p:cNvPr>
@@ -807,7 +813,7 @@
           <p:cNvPr id="3" name="내용 개체 틀 2">
             <a:extLst>
               <a:ext uri="{FF2B5EF4-FFF2-40B4-BE49-F238E27FC236}">
-                <a16:creationId xmlns:a16="http://schemas.microsoft.com/office/drawing/2014/main" id="{C85D92F4-3A76-4F27-9F32-BF53692C8520}"/>
+                <a16:creationId xmlns:a16="http://schemas.microsoft.com/office/drawing/2014/main" xmlns="" id="{C85D92F4-3A76-4F27-9F32-BF53692C8520}"/>
               </a:ext>
             </a:extLst>
           </p:cNvPr>
@@ -865,7 +871,7 @@
           <p:cNvPr id="4" name="날짜 개체 틀 3">
             <a:extLst>
               <a:ext uri="{FF2B5EF4-FFF2-40B4-BE49-F238E27FC236}">
-                <a16:creationId xmlns:a16="http://schemas.microsoft.com/office/drawing/2014/main" id="{5689BA9A-1195-4131-AB09-B772BEF75D1D}"/>
+                <a16:creationId xmlns:a16="http://schemas.microsoft.com/office/drawing/2014/main" xmlns="" id="{5689BA9A-1195-4131-AB09-B772BEF75D1D}"/>
               </a:ext>
             </a:extLst>
           </p:cNvPr>
@@ -883,6 +889,7 @@
           <a:p>
             <a:fld id="{23234DB1-0FD5-486D-82FC-652663E7F307}" type="datetimeFigureOut">
               <a:rPr lang="en-US" smtClean="0"/>
+              <a:pPr/>
               <a:t>11/27/2017</a:t>
             </a:fld>
             <a:endParaRPr lang="en-US" dirty="0"/>
@@ -894,7 +901,7 @@
           <p:cNvPr id="5" name="바닥글 개체 틀 4">
             <a:extLst>
               <a:ext uri="{FF2B5EF4-FFF2-40B4-BE49-F238E27FC236}">
-                <a16:creationId xmlns:a16="http://schemas.microsoft.com/office/drawing/2014/main" id="{879D55B7-0BB0-47EB-AF30-59422FCDDB48}"/>
+                <a16:creationId xmlns:a16="http://schemas.microsoft.com/office/drawing/2014/main" xmlns="" id="{879D55B7-0BB0-47EB-AF30-59422FCDDB48}"/>
               </a:ext>
             </a:extLst>
           </p:cNvPr>
@@ -919,7 +926,7 @@
           <p:cNvPr id="6" name="슬라이드 번호 개체 틀 5">
             <a:extLst>
               <a:ext uri="{FF2B5EF4-FFF2-40B4-BE49-F238E27FC236}">
-                <a16:creationId xmlns:a16="http://schemas.microsoft.com/office/drawing/2014/main" id="{5D28346C-4075-46CF-BD5C-3A1D7DC6BA26}"/>
+                <a16:creationId xmlns:a16="http://schemas.microsoft.com/office/drawing/2014/main" xmlns="" id="{5D28346C-4075-46CF-BD5C-3A1D7DC6BA26}"/>
               </a:ext>
             </a:extLst>
           </p:cNvPr>
@@ -937,6 +944,7 @@
           <a:p>
             <a:fld id="{7802671D-4591-46CD-B6FC-DF193C79B0EC}" type="slidenum">
               <a:rPr lang="en-US" smtClean="0"/>
+              <a:pPr/>
               <a:t>‹#›</a:t>
             </a:fld>
             <a:endParaRPr lang="en-US" dirty="0"/>
@@ -946,7 +954,7 @@
     </p:spTree>
     <p:extLst>
       <p:ext uri="{BB962C8B-B14F-4D97-AF65-F5344CB8AC3E}">
-        <p14:creationId xmlns:p14="http://schemas.microsoft.com/office/powerpoint/2010/main" val="1845909514"/>
+        <p14:creationId xmlns:p14="http://schemas.microsoft.com/office/powerpoint/2010/main" xmlns="" val="1845909514"/>
       </p:ext>
     </p:extLst>
   </p:cSld>
@@ -978,7 +986,7 @@
           <p:cNvPr id="2" name="제목 1">
             <a:extLst>
               <a:ext uri="{FF2B5EF4-FFF2-40B4-BE49-F238E27FC236}">
-                <a16:creationId xmlns:a16="http://schemas.microsoft.com/office/drawing/2014/main" id="{FF454EF3-7A40-4BAB-A09C-DF5A7278E571}"/>
+                <a16:creationId xmlns:a16="http://schemas.microsoft.com/office/drawing/2014/main" xmlns="" id="{FF454EF3-7A40-4BAB-A09C-DF5A7278E571}"/>
               </a:ext>
             </a:extLst>
           </p:cNvPr>
@@ -1016,7 +1024,7 @@
           <p:cNvPr id="3" name="텍스트 개체 틀 2">
             <a:extLst>
               <a:ext uri="{FF2B5EF4-FFF2-40B4-BE49-F238E27FC236}">
-                <a16:creationId xmlns:a16="http://schemas.microsoft.com/office/drawing/2014/main" id="{623C8C69-DB4E-42F1-9CAE-8134CAEDED20}"/>
+                <a16:creationId xmlns:a16="http://schemas.microsoft.com/office/drawing/2014/main" xmlns="" id="{623C8C69-DB4E-42F1-9CAE-8134CAEDED20}"/>
               </a:ext>
             </a:extLst>
           </p:cNvPr>
@@ -1141,7 +1149,7 @@
           <p:cNvPr id="4" name="날짜 개체 틀 3">
             <a:extLst>
               <a:ext uri="{FF2B5EF4-FFF2-40B4-BE49-F238E27FC236}">
-                <a16:creationId xmlns:a16="http://schemas.microsoft.com/office/drawing/2014/main" id="{2777C5BE-4E17-41F9-B914-DB556510BC0E}"/>
+                <a16:creationId xmlns:a16="http://schemas.microsoft.com/office/drawing/2014/main" xmlns="" id="{2777C5BE-4E17-41F9-B914-DB556510BC0E}"/>
               </a:ext>
             </a:extLst>
           </p:cNvPr>
@@ -1159,6 +1167,7 @@
           <a:p>
             <a:fld id="{23234DB1-0FD5-486D-82FC-652663E7F307}" type="datetimeFigureOut">
               <a:rPr lang="en-US" smtClean="0"/>
+              <a:pPr/>
               <a:t>11/27/2017</a:t>
             </a:fld>
             <a:endParaRPr lang="en-US" dirty="0"/>
@@ -1170,7 +1179,7 @@
           <p:cNvPr id="5" name="바닥글 개체 틀 4">
             <a:extLst>
               <a:ext uri="{FF2B5EF4-FFF2-40B4-BE49-F238E27FC236}">
-                <a16:creationId xmlns:a16="http://schemas.microsoft.com/office/drawing/2014/main" id="{BB2C4D10-0770-4417-8837-CE2D58CC18FB}"/>
+                <a16:creationId xmlns:a16="http://schemas.microsoft.com/office/drawing/2014/main" xmlns="" id="{BB2C4D10-0770-4417-8837-CE2D58CC18FB}"/>
               </a:ext>
             </a:extLst>
           </p:cNvPr>
@@ -1195,7 +1204,7 @@
           <p:cNvPr id="6" name="슬라이드 번호 개체 틀 5">
             <a:extLst>
               <a:ext uri="{FF2B5EF4-FFF2-40B4-BE49-F238E27FC236}">
-                <a16:creationId xmlns:a16="http://schemas.microsoft.com/office/drawing/2014/main" id="{BDB462AC-E78F-42B2-AFE4-D9815C258DF5}"/>
+                <a16:creationId xmlns:a16="http://schemas.microsoft.com/office/drawing/2014/main" xmlns="" id="{BDB462AC-E78F-42B2-AFE4-D9815C258DF5}"/>
               </a:ext>
             </a:extLst>
           </p:cNvPr>
@@ -1213,6 +1222,7 @@
           <a:p>
             <a:fld id="{7802671D-4591-46CD-B6FC-DF193C79B0EC}" type="slidenum">
               <a:rPr lang="en-US" smtClean="0"/>
+              <a:pPr/>
               <a:t>‹#›</a:t>
             </a:fld>
             <a:endParaRPr lang="en-US" dirty="0"/>
@@ -1222,7 +1232,7 @@
     </p:spTree>
     <p:extLst>
       <p:ext uri="{BB962C8B-B14F-4D97-AF65-F5344CB8AC3E}">
-        <p14:creationId xmlns:p14="http://schemas.microsoft.com/office/powerpoint/2010/main" val="2272453526"/>
+        <p14:creationId xmlns:p14="http://schemas.microsoft.com/office/powerpoint/2010/main" xmlns="" val="2272453526"/>
       </p:ext>
     </p:extLst>
   </p:cSld>
@@ -1254,7 +1264,7 @@
           <p:cNvPr id="2" name="제목 1">
             <a:extLst>
               <a:ext uri="{FF2B5EF4-FFF2-40B4-BE49-F238E27FC236}">
-                <a16:creationId xmlns:a16="http://schemas.microsoft.com/office/drawing/2014/main" id="{DC958A29-33DC-46A1-8C20-03D586359EC0}"/>
+                <a16:creationId xmlns:a16="http://schemas.microsoft.com/office/drawing/2014/main" xmlns="" id="{DC958A29-33DC-46A1-8C20-03D586359EC0}"/>
               </a:ext>
             </a:extLst>
           </p:cNvPr>
@@ -1283,7 +1293,7 @@
           <p:cNvPr id="3" name="내용 개체 틀 2">
             <a:extLst>
               <a:ext uri="{FF2B5EF4-FFF2-40B4-BE49-F238E27FC236}">
-                <a16:creationId xmlns:a16="http://schemas.microsoft.com/office/drawing/2014/main" id="{6DDE83B6-EC5E-4E2B-8AB3-1554014D716A}"/>
+                <a16:creationId xmlns:a16="http://schemas.microsoft.com/office/drawing/2014/main" xmlns="" id="{6DDE83B6-EC5E-4E2B-8AB3-1554014D716A}"/>
               </a:ext>
             </a:extLst>
           </p:cNvPr>
@@ -1346,7 +1356,7 @@
           <p:cNvPr id="4" name="내용 개체 틀 3">
             <a:extLst>
               <a:ext uri="{FF2B5EF4-FFF2-40B4-BE49-F238E27FC236}">
-                <a16:creationId xmlns:a16="http://schemas.microsoft.com/office/drawing/2014/main" id="{F8A63148-B147-4584-BDAE-9F5A431E7712}"/>
+                <a16:creationId xmlns:a16="http://schemas.microsoft.com/office/drawing/2014/main" xmlns="" id="{F8A63148-B147-4584-BDAE-9F5A431E7712}"/>
               </a:ext>
             </a:extLst>
           </p:cNvPr>
@@ -1409,7 +1419,7 @@
           <p:cNvPr id="5" name="날짜 개체 틀 4">
             <a:extLst>
               <a:ext uri="{FF2B5EF4-FFF2-40B4-BE49-F238E27FC236}">
-                <a16:creationId xmlns:a16="http://schemas.microsoft.com/office/drawing/2014/main" id="{ECC9A059-E358-45F0-A3E1-B9672EB8522B}"/>
+                <a16:creationId xmlns:a16="http://schemas.microsoft.com/office/drawing/2014/main" xmlns="" id="{ECC9A059-E358-45F0-A3E1-B9672EB8522B}"/>
               </a:ext>
             </a:extLst>
           </p:cNvPr>
@@ -1427,6 +1437,7 @@
           <a:p>
             <a:fld id="{23234DB1-0FD5-486D-82FC-652663E7F307}" type="datetimeFigureOut">
               <a:rPr lang="en-US" smtClean="0"/>
+              <a:pPr/>
               <a:t>11/27/2017</a:t>
             </a:fld>
             <a:endParaRPr lang="en-US" dirty="0"/>
@@ -1438,7 +1449,7 @@
           <p:cNvPr id="6" name="바닥글 개체 틀 5">
             <a:extLst>
               <a:ext uri="{FF2B5EF4-FFF2-40B4-BE49-F238E27FC236}">
-                <a16:creationId xmlns:a16="http://schemas.microsoft.com/office/drawing/2014/main" id="{3795FF66-D87C-415D-92FE-6F4961092EBB}"/>
+                <a16:creationId xmlns:a16="http://schemas.microsoft.com/office/drawing/2014/main" xmlns="" id="{3795FF66-D87C-415D-92FE-6F4961092EBB}"/>
               </a:ext>
             </a:extLst>
           </p:cNvPr>
@@ -1463,7 +1474,7 @@
           <p:cNvPr id="7" name="슬라이드 번호 개체 틀 6">
             <a:extLst>
               <a:ext uri="{FF2B5EF4-FFF2-40B4-BE49-F238E27FC236}">
-                <a16:creationId xmlns:a16="http://schemas.microsoft.com/office/drawing/2014/main" id="{E3F1F2C3-FE14-4E8F-B0C4-29567266F380}"/>
+                <a16:creationId xmlns:a16="http://schemas.microsoft.com/office/drawing/2014/main" xmlns="" id="{E3F1F2C3-FE14-4E8F-B0C4-29567266F380}"/>
               </a:ext>
             </a:extLst>
           </p:cNvPr>
@@ -1481,6 +1492,7 @@
           <a:p>
             <a:fld id="{7802671D-4591-46CD-B6FC-DF193C79B0EC}" type="slidenum">
               <a:rPr lang="en-US" smtClean="0"/>
+              <a:pPr/>
               <a:t>‹#›</a:t>
             </a:fld>
             <a:endParaRPr lang="en-US" dirty="0"/>
@@ -1490,7 +1502,7 @@
     </p:spTree>
     <p:extLst>
       <p:ext uri="{BB962C8B-B14F-4D97-AF65-F5344CB8AC3E}">
-        <p14:creationId xmlns:p14="http://schemas.microsoft.com/office/powerpoint/2010/main" val="1132003778"/>
+        <p14:creationId xmlns:p14="http://schemas.microsoft.com/office/powerpoint/2010/main" xmlns="" val="1132003778"/>
       </p:ext>
     </p:extLst>
   </p:cSld>
@@ -1522,7 +1534,7 @@
           <p:cNvPr id="2" name="제목 1">
             <a:extLst>
               <a:ext uri="{FF2B5EF4-FFF2-40B4-BE49-F238E27FC236}">
-                <a16:creationId xmlns:a16="http://schemas.microsoft.com/office/drawing/2014/main" id="{80573470-2053-41F2-A06A-F70C20B3A069}"/>
+                <a16:creationId xmlns:a16="http://schemas.microsoft.com/office/drawing/2014/main" xmlns="" id="{80573470-2053-41F2-A06A-F70C20B3A069}"/>
               </a:ext>
             </a:extLst>
           </p:cNvPr>
@@ -1556,7 +1568,7 @@
           <p:cNvPr id="3" name="텍스트 개체 틀 2">
             <a:extLst>
               <a:ext uri="{FF2B5EF4-FFF2-40B4-BE49-F238E27FC236}">
-                <a16:creationId xmlns:a16="http://schemas.microsoft.com/office/drawing/2014/main" id="{1F812604-6AC5-415C-8F78-694AF6968836}"/>
+                <a16:creationId xmlns:a16="http://schemas.microsoft.com/office/drawing/2014/main" xmlns="" id="{1F812604-6AC5-415C-8F78-694AF6968836}"/>
               </a:ext>
             </a:extLst>
           </p:cNvPr>
@@ -1627,7 +1639,7 @@
           <p:cNvPr id="4" name="내용 개체 틀 3">
             <a:extLst>
               <a:ext uri="{FF2B5EF4-FFF2-40B4-BE49-F238E27FC236}">
-                <a16:creationId xmlns:a16="http://schemas.microsoft.com/office/drawing/2014/main" id="{F38270D3-48D8-40EC-9A59-A7207AA2DDA4}"/>
+                <a16:creationId xmlns:a16="http://schemas.microsoft.com/office/drawing/2014/main" xmlns="" id="{F38270D3-48D8-40EC-9A59-A7207AA2DDA4}"/>
               </a:ext>
             </a:extLst>
           </p:cNvPr>
@@ -1690,7 +1702,7 @@
           <p:cNvPr id="5" name="텍스트 개체 틀 4">
             <a:extLst>
               <a:ext uri="{FF2B5EF4-FFF2-40B4-BE49-F238E27FC236}">
-                <a16:creationId xmlns:a16="http://schemas.microsoft.com/office/drawing/2014/main" id="{73E72BAD-5DAA-475A-8047-32DFE2DF6FDF}"/>
+                <a16:creationId xmlns:a16="http://schemas.microsoft.com/office/drawing/2014/main" xmlns="" id="{73E72BAD-5DAA-475A-8047-32DFE2DF6FDF}"/>
               </a:ext>
             </a:extLst>
           </p:cNvPr>
@@ -1761,7 +1773,7 @@
           <p:cNvPr id="6" name="내용 개체 틀 5">
             <a:extLst>
               <a:ext uri="{FF2B5EF4-FFF2-40B4-BE49-F238E27FC236}">
-                <a16:creationId xmlns:a16="http://schemas.microsoft.com/office/drawing/2014/main" id="{8F6F1260-B7D6-40BB-AFDA-F48E9BDAD2E9}"/>
+                <a16:creationId xmlns:a16="http://schemas.microsoft.com/office/drawing/2014/main" xmlns="" id="{8F6F1260-B7D6-40BB-AFDA-F48E9BDAD2E9}"/>
               </a:ext>
             </a:extLst>
           </p:cNvPr>
@@ -1824,7 +1836,7 @@
           <p:cNvPr id="7" name="날짜 개체 틀 6">
             <a:extLst>
               <a:ext uri="{FF2B5EF4-FFF2-40B4-BE49-F238E27FC236}">
-                <a16:creationId xmlns:a16="http://schemas.microsoft.com/office/drawing/2014/main" id="{111EB14A-3A52-4A43-AE12-060EDD6F7C29}"/>
+                <a16:creationId xmlns:a16="http://schemas.microsoft.com/office/drawing/2014/main" xmlns="" id="{111EB14A-3A52-4A43-AE12-060EDD6F7C29}"/>
               </a:ext>
             </a:extLst>
           </p:cNvPr>
@@ -1842,6 +1854,7 @@
           <a:p>
             <a:fld id="{23234DB1-0FD5-486D-82FC-652663E7F307}" type="datetimeFigureOut">
               <a:rPr lang="en-US" smtClean="0"/>
+              <a:pPr/>
               <a:t>11/27/2017</a:t>
             </a:fld>
             <a:endParaRPr lang="en-US" dirty="0"/>
@@ -1853,7 +1866,7 @@
           <p:cNvPr id="8" name="바닥글 개체 틀 7">
             <a:extLst>
               <a:ext uri="{FF2B5EF4-FFF2-40B4-BE49-F238E27FC236}">
-                <a16:creationId xmlns:a16="http://schemas.microsoft.com/office/drawing/2014/main" id="{0CF912B8-B59B-489E-94D0-3EAA7948CFD6}"/>
+                <a16:creationId xmlns:a16="http://schemas.microsoft.com/office/drawing/2014/main" xmlns="" id="{0CF912B8-B59B-489E-94D0-3EAA7948CFD6}"/>
               </a:ext>
             </a:extLst>
           </p:cNvPr>
@@ -1878,7 +1891,7 @@
           <p:cNvPr id="9" name="슬라이드 번호 개체 틀 8">
             <a:extLst>
               <a:ext uri="{FF2B5EF4-FFF2-40B4-BE49-F238E27FC236}">
-                <a16:creationId xmlns:a16="http://schemas.microsoft.com/office/drawing/2014/main" id="{C428FCA3-0D39-4D73-B287-BC344BC99243}"/>
+                <a16:creationId xmlns:a16="http://schemas.microsoft.com/office/drawing/2014/main" xmlns="" id="{C428FCA3-0D39-4D73-B287-BC344BC99243}"/>
               </a:ext>
             </a:extLst>
           </p:cNvPr>
@@ -1896,6 +1909,7 @@
           <a:p>
             <a:fld id="{7802671D-4591-46CD-B6FC-DF193C79B0EC}" type="slidenum">
               <a:rPr lang="en-US" smtClean="0"/>
+              <a:pPr/>
               <a:t>‹#›</a:t>
             </a:fld>
             <a:endParaRPr lang="en-US" dirty="0"/>
@@ -1905,7 +1919,7 @@
     </p:spTree>
     <p:extLst>
       <p:ext uri="{BB962C8B-B14F-4D97-AF65-F5344CB8AC3E}">
-        <p14:creationId xmlns:p14="http://schemas.microsoft.com/office/powerpoint/2010/main" val="2439001094"/>
+        <p14:creationId xmlns:p14="http://schemas.microsoft.com/office/powerpoint/2010/main" xmlns="" val="2439001094"/>
       </p:ext>
     </p:extLst>
   </p:cSld>
@@ -1937,7 +1951,7 @@
           <p:cNvPr id="2" name="제목 1">
             <a:extLst>
               <a:ext uri="{FF2B5EF4-FFF2-40B4-BE49-F238E27FC236}">
-                <a16:creationId xmlns:a16="http://schemas.microsoft.com/office/drawing/2014/main" id="{9E5888CE-3FE1-48ED-B744-8F0DE20182D4}"/>
+                <a16:creationId xmlns:a16="http://schemas.microsoft.com/office/drawing/2014/main" xmlns="" id="{9E5888CE-3FE1-48ED-B744-8F0DE20182D4}"/>
               </a:ext>
             </a:extLst>
           </p:cNvPr>
@@ -1966,7 +1980,7 @@
           <p:cNvPr id="3" name="날짜 개체 틀 2">
             <a:extLst>
               <a:ext uri="{FF2B5EF4-FFF2-40B4-BE49-F238E27FC236}">
-                <a16:creationId xmlns:a16="http://schemas.microsoft.com/office/drawing/2014/main" id="{E8380B46-FA50-4378-97A0-36435B00450E}"/>
+                <a16:creationId xmlns:a16="http://schemas.microsoft.com/office/drawing/2014/main" xmlns="" id="{E8380B46-FA50-4378-97A0-36435B00450E}"/>
               </a:ext>
             </a:extLst>
           </p:cNvPr>
@@ -1984,6 +1998,7 @@
           <a:p>
             <a:fld id="{23234DB1-0FD5-486D-82FC-652663E7F307}" type="datetimeFigureOut">
               <a:rPr lang="en-US" smtClean="0"/>
+              <a:pPr/>
               <a:t>11/27/2017</a:t>
             </a:fld>
             <a:endParaRPr lang="en-US" dirty="0"/>
@@ -1995,7 +2010,7 @@
           <p:cNvPr id="4" name="바닥글 개체 틀 3">
             <a:extLst>
               <a:ext uri="{FF2B5EF4-FFF2-40B4-BE49-F238E27FC236}">
-                <a16:creationId xmlns:a16="http://schemas.microsoft.com/office/drawing/2014/main" id="{BC845D0B-2012-4AA7-81C7-455883014A6F}"/>
+                <a16:creationId xmlns:a16="http://schemas.microsoft.com/office/drawing/2014/main" xmlns="" id="{BC845D0B-2012-4AA7-81C7-455883014A6F}"/>
               </a:ext>
             </a:extLst>
           </p:cNvPr>
@@ -2020,7 +2035,7 @@
           <p:cNvPr id="5" name="슬라이드 번호 개체 틀 4">
             <a:extLst>
               <a:ext uri="{FF2B5EF4-FFF2-40B4-BE49-F238E27FC236}">
-                <a16:creationId xmlns:a16="http://schemas.microsoft.com/office/drawing/2014/main" id="{192F528B-D478-4957-8314-7CD9C7D737F1}"/>
+                <a16:creationId xmlns:a16="http://schemas.microsoft.com/office/drawing/2014/main" xmlns="" id="{192F528B-D478-4957-8314-7CD9C7D737F1}"/>
               </a:ext>
             </a:extLst>
           </p:cNvPr>
@@ -2038,6 +2053,7 @@
           <a:p>
             <a:fld id="{7802671D-4591-46CD-B6FC-DF193C79B0EC}" type="slidenum">
               <a:rPr lang="en-US" smtClean="0"/>
+              <a:pPr/>
               <a:t>‹#›</a:t>
             </a:fld>
             <a:endParaRPr lang="en-US" dirty="0"/>
@@ -2047,7 +2063,7 @@
     </p:spTree>
     <p:extLst>
       <p:ext uri="{BB962C8B-B14F-4D97-AF65-F5344CB8AC3E}">
-        <p14:creationId xmlns:p14="http://schemas.microsoft.com/office/powerpoint/2010/main" val="836966845"/>
+        <p14:creationId xmlns:p14="http://schemas.microsoft.com/office/powerpoint/2010/main" xmlns="" val="836966845"/>
       </p:ext>
     </p:extLst>
   </p:cSld>
@@ -2079,7 +2095,7 @@
           <p:cNvPr id="2" name="날짜 개체 틀 1">
             <a:extLst>
               <a:ext uri="{FF2B5EF4-FFF2-40B4-BE49-F238E27FC236}">
-                <a16:creationId xmlns:a16="http://schemas.microsoft.com/office/drawing/2014/main" id="{68AFB92B-9336-40E9-B0DE-9497C21AEA6B}"/>
+                <a16:creationId xmlns:a16="http://schemas.microsoft.com/office/drawing/2014/main" xmlns="" id="{68AFB92B-9336-40E9-B0DE-9497C21AEA6B}"/>
               </a:ext>
             </a:extLst>
           </p:cNvPr>
@@ -2097,6 +2113,7 @@
           <a:p>
             <a:fld id="{23234DB1-0FD5-486D-82FC-652663E7F307}" type="datetimeFigureOut">
               <a:rPr lang="en-US" smtClean="0"/>
+              <a:pPr/>
               <a:t>11/27/2017</a:t>
             </a:fld>
             <a:endParaRPr lang="en-US" dirty="0"/>
@@ -2108,7 +2125,7 @@
           <p:cNvPr id="3" name="바닥글 개체 틀 2">
             <a:extLst>
               <a:ext uri="{FF2B5EF4-FFF2-40B4-BE49-F238E27FC236}">
-                <a16:creationId xmlns:a16="http://schemas.microsoft.com/office/drawing/2014/main" id="{83A98D41-31F6-4224-96AC-BE9BCF530D7E}"/>
+                <a16:creationId xmlns:a16="http://schemas.microsoft.com/office/drawing/2014/main" xmlns="" id="{83A98D41-31F6-4224-96AC-BE9BCF530D7E}"/>
               </a:ext>
             </a:extLst>
           </p:cNvPr>
@@ -2133,7 +2150,7 @@
           <p:cNvPr id="4" name="슬라이드 번호 개체 틀 3">
             <a:extLst>
               <a:ext uri="{FF2B5EF4-FFF2-40B4-BE49-F238E27FC236}">
-                <a16:creationId xmlns:a16="http://schemas.microsoft.com/office/drawing/2014/main" id="{38D499B3-FB97-4553-8303-393876CC342A}"/>
+                <a16:creationId xmlns:a16="http://schemas.microsoft.com/office/drawing/2014/main" xmlns="" id="{38D499B3-FB97-4553-8303-393876CC342A}"/>
               </a:ext>
             </a:extLst>
           </p:cNvPr>
@@ -2151,6 +2168,7 @@
           <a:p>
             <a:fld id="{7802671D-4591-46CD-B6FC-DF193C79B0EC}" type="slidenum">
               <a:rPr lang="en-US" smtClean="0"/>
+              <a:pPr/>
               <a:t>‹#›</a:t>
             </a:fld>
             <a:endParaRPr lang="en-US" dirty="0"/>
@@ -2160,7 +2178,7 @@
     </p:spTree>
     <p:extLst>
       <p:ext uri="{BB962C8B-B14F-4D97-AF65-F5344CB8AC3E}">
-        <p14:creationId xmlns:p14="http://schemas.microsoft.com/office/powerpoint/2010/main" val="880771253"/>
+        <p14:creationId xmlns:p14="http://schemas.microsoft.com/office/powerpoint/2010/main" xmlns="" val="880771253"/>
       </p:ext>
     </p:extLst>
   </p:cSld>
@@ -2192,7 +2210,7 @@
           <p:cNvPr id="2" name="제목 1">
             <a:extLst>
               <a:ext uri="{FF2B5EF4-FFF2-40B4-BE49-F238E27FC236}">
-                <a16:creationId xmlns:a16="http://schemas.microsoft.com/office/drawing/2014/main" id="{C60AFB33-818D-423F-9FD5-48889DFAB572}"/>
+                <a16:creationId xmlns:a16="http://schemas.microsoft.com/office/drawing/2014/main" xmlns="" id="{C60AFB33-818D-423F-9FD5-48889DFAB572}"/>
               </a:ext>
             </a:extLst>
           </p:cNvPr>
@@ -2230,7 +2248,7 @@
           <p:cNvPr id="3" name="내용 개체 틀 2">
             <a:extLst>
               <a:ext uri="{FF2B5EF4-FFF2-40B4-BE49-F238E27FC236}">
-                <a16:creationId xmlns:a16="http://schemas.microsoft.com/office/drawing/2014/main" id="{33316A57-5E4B-4B67-AE4F-FB1A8C5BBE7D}"/>
+                <a16:creationId xmlns:a16="http://schemas.microsoft.com/office/drawing/2014/main" xmlns="" id="{33316A57-5E4B-4B67-AE4F-FB1A8C5BBE7D}"/>
               </a:ext>
             </a:extLst>
           </p:cNvPr>
@@ -2321,7 +2339,7 @@
           <p:cNvPr id="4" name="텍스트 개체 틀 3">
             <a:extLst>
               <a:ext uri="{FF2B5EF4-FFF2-40B4-BE49-F238E27FC236}">
-                <a16:creationId xmlns:a16="http://schemas.microsoft.com/office/drawing/2014/main" id="{A09DF470-C48E-498A-A413-3C6325B0E403}"/>
+                <a16:creationId xmlns:a16="http://schemas.microsoft.com/office/drawing/2014/main" xmlns="" id="{A09DF470-C48E-498A-A413-3C6325B0E403}"/>
               </a:ext>
             </a:extLst>
           </p:cNvPr>
@@ -2392,7 +2410,7 @@
           <p:cNvPr id="5" name="날짜 개체 틀 4">
             <a:extLst>
               <a:ext uri="{FF2B5EF4-FFF2-40B4-BE49-F238E27FC236}">
-                <a16:creationId xmlns:a16="http://schemas.microsoft.com/office/drawing/2014/main" id="{F8B421E4-97E3-4B53-8F5C-3F15B1DC7792}"/>
+                <a16:creationId xmlns:a16="http://schemas.microsoft.com/office/drawing/2014/main" xmlns="" id="{F8B421E4-97E3-4B53-8F5C-3F15B1DC7792}"/>
               </a:ext>
             </a:extLst>
           </p:cNvPr>
@@ -2410,6 +2428,7 @@
           <a:p>
             <a:fld id="{23234DB1-0FD5-486D-82FC-652663E7F307}" type="datetimeFigureOut">
               <a:rPr lang="en-US" smtClean="0"/>
+              <a:pPr/>
               <a:t>11/27/2017</a:t>
             </a:fld>
             <a:endParaRPr lang="en-US" dirty="0"/>
@@ -2421,7 +2440,7 @@
           <p:cNvPr id="6" name="바닥글 개체 틀 5">
             <a:extLst>
               <a:ext uri="{FF2B5EF4-FFF2-40B4-BE49-F238E27FC236}">
-                <a16:creationId xmlns:a16="http://schemas.microsoft.com/office/drawing/2014/main" id="{24EC79D6-CDC4-4615-A225-696F4A226290}"/>
+                <a16:creationId xmlns:a16="http://schemas.microsoft.com/office/drawing/2014/main" xmlns="" id="{24EC79D6-CDC4-4615-A225-696F4A226290}"/>
               </a:ext>
             </a:extLst>
           </p:cNvPr>
@@ -2446,7 +2465,7 @@
           <p:cNvPr id="7" name="슬라이드 번호 개체 틀 6">
             <a:extLst>
               <a:ext uri="{FF2B5EF4-FFF2-40B4-BE49-F238E27FC236}">
-                <a16:creationId xmlns:a16="http://schemas.microsoft.com/office/drawing/2014/main" id="{0793EF21-533A-4F76-BABC-B12A02E3EFEB}"/>
+                <a16:creationId xmlns:a16="http://schemas.microsoft.com/office/drawing/2014/main" xmlns="" id="{0793EF21-533A-4F76-BABC-B12A02E3EFEB}"/>
               </a:ext>
             </a:extLst>
           </p:cNvPr>
@@ -2464,6 +2483,7 @@
           <a:p>
             <a:fld id="{7802671D-4591-46CD-B6FC-DF193C79B0EC}" type="slidenum">
               <a:rPr lang="en-US" smtClean="0"/>
+              <a:pPr/>
               <a:t>‹#›</a:t>
             </a:fld>
             <a:endParaRPr lang="en-US" dirty="0"/>
@@ -2473,7 +2493,7 @@
     </p:spTree>
     <p:extLst>
       <p:ext uri="{BB962C8B-B14F-4D97-AF65-F5344CB8AC3E}">
-        <p14:creationId xmlns:p14="http://schemas.microsoft.com/office/powerpoint/2010/main" val="3462359445"/>
+        <p14:creationId xmlns:p14="http://schemas.microsoft.com/office/powerpoint/2010/main" xmlns="" val="3462359445"/>
       </p:ext>
     </p:extLst>
   </p:cSld>
@@ -2505,7 +2525,7 @@
           <p:cNvPr id="2" name="제목 1">
             <a:extLst>
               <a:ext uri="{FF2B5EF4-FFF2-40B4-BE49-F238E27FC236}">
-                <a16:creationId xmlns:a16="http://schemas.microsoft.com/office/drawing/2014/main" id="{D7387E35-DBE0-4C3A-BBC1-D37F474871C9}"/>
+                <a16:creationId xmlns:a16="http://schemas.microsoft.com/office/drawing/2014/main" xmlns="" id="{D7387E35-DBE0-4C3A-BBC1-D37F474871C9}"/>
               </a:ext>
             </a:extLst>
           </p:cNvPr>
@@ -2543,7 +2563,7 @@
           <p:cNvPr id="3" name="그림 개체 틀 2">
             <a:extLst>
               <a:ext uri="{FF2B5EF4-FFF2-40B4-BE49-F238E27FC236}">
-                <a16:creationId xmlns:a16="http://schemas.microsoft.com/office/drawing/2014/main" id="{B75D9812-D89E-4A1A-B929-D8D474B17488}"/>
+                <a16:creationId xmlns:a16="http://schemas.microsoft.com/office/drawing/2014/main" xmlns="" id="{B75D9812-D89E-4A1A-B929-D8D474B17488}"/>
               </a:ext>
             </a:extLst>
           </p:cNvPr>
@@ -2610,7 +2630,7 @@
           <p:cNvPr id="4" name="텍스트 개체 틀 3">
             <a:extLst>
               <a:ext uri="{FF2B5EF4-FFF2-40B4-BE49-F238E27FC236}">
-                <a16:creationId xmlns:a16="http://schemas.microsoft.com/office/drawing/2014/main" id="{487C2BC6-F831-4664-A4B7-78EB245DFE9F}"/>
+                <a16:creationId xmlns:a16="http://schemas.microsoft.com/office/drawing/2014/main" xmlns="" id="{487C2BC6-F831-4664-A4B7-78EB245DFE9F}"/>
               </a:ext>
             </a:extLst>
           </p:cNvPr>
@@ -2681,7 +2701,7 @@
           <p:cNvPr id="5" name="날짜 개체 틀 4">
             <a:extLst>
               <a:ext uri="{FF2B5EF4-FFF2-40B4-BE49-F238E27FC236}">
-                <a16:creationId xmlns:a16="http://schemas.microsoft.com/office/drawing/2014/main" id="{ECF6115B-3032-4114-B865-B98962A2B81E}"/>
+                <a16:creationId xmlns:a16="http://schemas.microsoft.com/office/drawing/2014/main" xmlns="" id="{ECF6115B-3032-4114-B865-B98962A2B81E}"/>
               </a:ext>
             </a:extLst>
           </p:cNvPr>
@@ -2699,6 +2719,7 @@
           <a:p>
             <a:fld id="{23234DB1-0FD5-486D-82FC-652663E7F307}" type="datetimeFigureOut">
               <a:rPr lang="en-US" smtClean="0"/>
+              <a:pPr/>
               <a:t>11/27/2017</a:t>
             </a:fld>
             <a:endParaRPr lang="en-US" dirty="0"/>
@@ -2710,7 +2731,7 @@
           <p:cNvPr id="6" name="바닥글 개체 틀 5">
             <a:extLst>
               <a:ext uri="{FF2B5EF4-FFF2-40B4-BE49-F238E27FC236}">
-                <a16:creationId xmlns:a16="http://schemas.microsoft.com/office/drawing/2014/main" id="{64C44C23-CE50-427C-B0AD-F35AF488550F}"/>
+                <a16:creationId xmlns:a16="http://schemas.microsoft.com/office/drawing/2014/main" xmlns="" id="{64C44C23-CE50-427C-B0AD-F35AF488550F}"/>
               </a:ext>
             </a:extLst>
           </p:cNvPr>
@@ -2735,7 +2756,7 @@
           <p:cNvPr id="7" name="슬라이드 번호 개체 틀 6">
             <a:extLst>
               <a:ext uri="{FF2B5EF4-FFF2-40B4-BE49-F238E27FC236}">
-                <a16:creationId xmlns:a16="http://schemas.microsoft.com/office/drawing/2014/main" id="{381066B4-8229-49CD-8D3C-42E80900C5CD}"/>
+                <a16:creationId xmlns:a16="http://schemas.microsoft.com/office/drawing/2014/main" xmlns="" id="{381066B4-8229-49CD-8D3C-42E80900C5CD}"/>
               </a:ext>
             </a:extLst>
           </p:cNvPr>
@@ -2753,6 +2774,7 @@
           <a:p>
             <a:fld id="{7802671D-4591-46CD-B6FC-DF193C79B0EC}" type="slidenum">
               <a:rPr lang="en-US" smtClean="0"/>
+              <a:pPr/>
               <a:t>‹#›</a:t>
             </a:fld>
             <a:endParaRPr lang="en-US" dirty="0"/>
@@ -2762,7 +2784,7 @@
     </p:spTree>
     <p:extLst>
       <p:ext uri="{BB962C8B-B14F-4D97-AF65-F5344CB8AC3E}">
-        <p14:creationId xmlns:p14="http://schemas.microsoft.com/office/powerpoint/2010/main" val="3534112958"/>
+        <p14:creationId xmlns:p14="http://schemas.microsoft.com/office/powerpoint/2010/main" xmlns="" val="3534112958"/>
       </p:ext>
     </p:extLst>
   </p:cSld>
@@ -2799,7 +2821,7 @@
           <p:cNvPr id="2" name="제목 개체 틀 1">
             <a:extLst>
               <a:ext uri="{FF2B5EF4-FFF2-40B4-BE49-F238E27FC236}">
-                <a16:creationId xmlns:a16="http://schemas.microsoft.com/office/drawing/2014/main" id="{2A868514-619D-4DE6-B49C-B9097C5A3C35}"/>
+                <a16:creationId xmlns:a16="http://schemas.microsoft.com/office/drawing/2014/main" xmlns="" id="{2A868514-619D-4DE6-B49C-B9097C5A3C35}"/>
               </a:ext>
             </a:extLst>
           </p:cNvPr>
@@ -2838,7 +2860,7 @@
           <p:cNvPr id="3" name="텍스트 개체 틀 2">
             <a:extLst>
               <a:ext uri="{FF2B5EF4-FFF2-40B4-BE49-F238E27FC236}">
-                <a16:creationId xmlns:a16="http://schemas.microsoft.com/office/drawing/2014/main" id="{4EC325D9-F8DA-45F5-AE68-17B65C5DCEAD}"/>
+                <a16:creationId xmlns:a16="http://schemas.microsoft.com/office/drawing/2014/main" xmlns="" id="{4EC325D9-F8DA-45F5-AE68-17B65C5DCEAD}"/>
               </a:ext>
             </a:extLst>
           </p:cNvPr>
@@ -2906,7 +2928,7 @@
           <p:cNvPr id="4" name="날짜 개체 틀 3">
             <a:extLst>
               <a:ext uri="{FF2B5EF4-FFF2-40B4-BE49-F238E27FC236}">
-                <a16:creationId xmlns:a16="http://schemas.microsoft.com/office/drawing/2014/main" id="{9933A78D-BBFD-4A9A-A9B5-EC8163E16C03}"/>
+                <a16:creationId xmlns:a16="http://schemas.microsoft.com/office/drawing/2014/main" xmlns="" id="{9933A78D-BBFD-4A9A-A9B5-EC8163E16C03}"/>
               </a:ext>
             </a:extLst>
           </p:cNvPr>
@@ -2942,6 +2964,7 @@
           <a:p>
             <a:fld id="{23234DB1-0FD5-486D-82FC-652663E7F307}" type="datetimeFigureOut">
               <a:rPr lang="en-US" smtClean="0"/>
+              <a:pPr/>
               <a:t>11/27/2017</a:t>
             </a:fld>
             <a:endParaRPr lang="en-US" dirty="0"/>
@@ -2953,7 +2976,7 @@
           <p:cNvPr id="5" name="바닥글 개체 틀 4">
             <a:extLst>
               <a:ext uri="{FF2B5EF4-FFF2-40B4-BE49-F238E27FC236}">
-                <a16:creationId xmlns:a16="http://schemas.microsoft.com/office/drawing/2014/main" id="{E572AE73-FA7C-485A-AC93-F113543B5523}"/>
+                <a16:creationId xmlns:a16="http://schemas.microsoft.com/office/drawing/2014/main" xmlns="" id="{E572AE73-FA7C-485A-AC93-F113543B5523}"/>
               </a:ext>
             </a:extLst>
           </p:cNvPr>
@@ -2996,7 +3019,7 @@
           <p:cNvPr id="6" name="슬라이드 번호 개체 틀 5">
             <a:extLst>
               <a:ext uri="{FF2B5EF4-FFF2-40B4-BE49-F238E27FC236}">
-                <a16:creationId xmlns:a16="http://schemas.microsoft.com/office/drawing/2014/main" id="{3661F44B-E2B0-48A5-B63D-04930151A2A9}"/>
+                <a16:creationId xmlns:a16="http://schemas.microsoft.com/office/drawing/2014/main" xmlns="" id="{3661F44B-E2B0-48A5-B63D-04930151A2A9}"/>
               </a:ext>
             </a:extLst>
           </p:cNvPr>
@@ -3032,6 +3055,7 @@
           <a:p>
             <a:fld id="{7802671D-4591-46CD-B6FC-DF193C79B0EC}" type="slidenum">
               <a:rPr lang="en-US" smtClean="0"/>
+              <a:pPr/>
               <a:t>‹#›</a:t>
             </a:fld>
             <a:endParaRPr lang="en-US" dirty="0"/>
@@ -3041,7 +3065,7 @@
     </p:spTree>
     <p:extLst>
       <p:ext uri="{BB962C8B-B14F-4D97-AF65-F5344CB8AC3E}">
-        <p14:creationId xmlns:p14="http://schemas.microsoft.com/office/powerpoint/2010/main" val="2960719367"/>
+        <p14:creationId xmlns:p14="http://schemas.microsoft.com/office/powerpoint/2010/main" xmlns="" val="2960719367"/>
       </p:ext>
     </p:extLst>
   </p:cSld>
@@ -3348,7 +3372,7 @@
     <p:bg>
       <p:bgPr>
         <a:blipFill dpi="0" rotWithShape="1">
-          <a:blip r:embed="rId2">
+          <a:blip r:embed="rId2" cstate="print">
             <a:lum/>
           </a:blip>
           <a:srcRect/>
@@ -3378,7 +3402,7 @@
           <p:cNvPr id="4" name="TextBox 3">
             <a:extLst>
               <a:ext uri="{FF2B5EF4-FFF2-40B4-BE49-F238E27FC236}">
-                <a16:creationId xmlns:a16="http://schemas.microsoft.com/office/drawing/2014/main" id="{9C3D2B6E-ACF8-414D-AA22-6094FEBB5889}"/>
+                <a16:creationId xmlns:a16="http://schemas.microsoft.com/office/drawing/2014/main" xmlns="" id="{9C3D2B6E-ACF8-414D-AA22-6094FEBB5889}"/>
               </a:ext>
             </a:extLst>
           </p:cNvPr>
@@ -3415,7 +3439,7 @@
           <p:cNvPr id="5" name="TextBox 4">
             <a:extLst>
               <a:ext uri="{FF2B5EF4-FFF2-40B4-BE49-F238E27FC236}">
-                <a16:creationId xmlns:a16="http://schemas.microsoft.com/office/drawing/2014/main" id="{60AC4C18-2A9B-4380-A299-C2937565BB73}"/>
+                <a16:creationId xmlns:a16="http://schemas.microsoft.com/office/drawing/2014/main" xmlns="" id="{60AC4C18-2A9B-4380-A299-C2937565BB73}"/>
               </a:ext>
             </a:extLst>
           </p:cNvPr>
@@ -3457,7 +3481,7 @@
           <p:cNvPr id="6" name="TextBox 5">
             <a:extLst>
               <a:ext uri="{FF2B5EF4-FFF2-40B4-BE49-F238E27FC236}">
-                <a16:creationId xmlns:a16="http://schemas.microsoft.com/office/drawing/2014/main" id="{65714F4E-4863-4C1D-BC42-BDB53C7FF538}"/>
+                <a16:creationId xmlns:a16="http://schemas.microsoft.com/office/drawing/2014/main" xmlns="" id="{65714F4E-4863-4C1D-BC42-BDB53C7FF538}"/>
               </a:ext>
             </a:extLst>
           </p:cNvPr>
@@ -3467,7 +3491,7 @@
         <p:spPr>
           <a:xfrm>
             <a:off x="806189" y="2924022"/>
-            <a:ext cx="3174684" cy="861774"/>
+            <a:ext cx="3174684" cy="830997"/>
           </a:xfrm>
           <a:prstGeom prst="rect">
             <a:avLst/>
@@ -3481,11 +3505,45 @@
           <a:lstStyle/>
           <a:p>
             <a:r>
-              <a:rPr lang="ko-KR" altLang="en-US" sz="1600" dirty="0">
+              <a:rPr lang="ko-KR" altLang="en-US" sz="1600" dirty="0" smtClean="0">
                 <a:latin typeface="한컴 윤고딕 240" panose="02020603020101020101" pitchFamily="18" charset="-127"/>
                 <a:ea typeface="한컴 윤고딕 240" panose="02020603020101020101" pitchFamily="18" charset="-127"/>
               </a:rPr>
+              <a:t>게임공학과 </a:t>
+            </a:r>
+            <a:r>
+              <a:rPr lang="ko-KR" altLang="en-US" sz="1600" dirty="0" smtClean="0">
+                <a:latin typeface="한컴 윤고딕 240" panose="02020603020101020101" pitchFamily="18" charset="-127"/>
+                <a:ea typeface="한컴 윤고딕 240" panose="02020603020101020101" pitchFamily="18" charset="-127"/>
+              </a:rPr>
               <a:t>최우석</a:t>
+            </a:r>
+            <a:endParaRPr lang="en-US" altLang="ko-KR" sz="1600" dirty="0" smtClean="0">
+              <a:latin typeface="한컴 윤고딕 240" panose="02020603020101020101" pitchFamily="18" charset="-127"/>
+              <a:ea typeface="한컴 윤고딕 240" panose="02020603020101020101" pitchFamily="18" charset="-127"/>
+            </a:endParaRPr>
+          </a:p>
+          <a:p>
+            <a:r>
+              <a:rPr lang="ko-KR" altLang="en-US" sz="1600" dirty="0" smtClean="0">
+                <a:latin typeface="한컴 윤고딕 240" panose="02020603020101020101" pitchFamily="18" charset="-127"/>
+                <a:ea typeface="한컴 윤고딕 240" panose="02020603020101020101" pitchFamily="18" charset="-127"/>
+              </a:rPr>
+              <a:t>게임공학과 </a:t>
+            </a:r>
+            <a:r>
+              <a:rPr lang="en-US" altLang="ko-KR" sz="1600" dirty="0" smtClean="0">
+                <a:latin typeface="한컴 윤고딕 240" panose="02020603020101020101" pitchFamily="18" charset="-127"/>
+                <a:ea typeface="한컴 윤고딕 240" panose="02020603020101020101" pitchFamily="18" charset="-127"/>
+              </a:rPr>
+              <a:t>2015182044 </a:t>
+            </a:r>
+            <a:r>
+              <a:rPr lang="ko-KR" altLang="en-US" sz="1600" dirty="0" smtClean="0">
+                <a:latin typeface="한컴 윤고딕 240" panose="02020603020101020101" pitchFamily="18" charset="-127"/>
+                <a:ea typeface="한컴 윤고딕 240" panose="02020603020101020101" pitchFamily="18" charset="-127"/>
+              </a:rPr>
+              <a:t>하정연</a:t>
             </a:r>
             <a:endParaRPr lang="en-US" altLang="ko-KR" sz="1600" dirty="0">
               <a:latin typeface="한컴 윤고딕 240" panose="02020603020101020101" pitchFamily="18" charset="-127"/>
@@ -3494,24 +3552,25 @@
           </a:p>
           <a:p>
             <a:r>
-              <a:rPr lang="ko-KR" altLang="en-US" sz="1600" dirty="0" err="1">
+              <a:rPr lang="ko-KR" altLang="en-US" sz="1600" dirty="0" smtClean="0">
                 <a:latin typeface="한컴 윤고딕 240" panose="02020603020101020101" pitchFamily="18" charset="-127"/>
                 <a:ea typeface="한컴 윤고딕 240" panose="02020603020101020101" pitchFamily="18" charset="-127"/>
               </a:rPr>
-              <a:t>홍혜령</a:t>
-            </a:r>
-            <a:endParaRPr lang="en-US" altLang="ko-KR" sz="1600" dirty="0">
-              <a:latin typeface="한컴 윤고딕 240" panose="02020603020101020101" pitchFamily="18" charset="-127"/>
-              <a:ea typeface="한컴 윤고딕 240" panose="02020603020101020101" pitchFamily="18" charset="-127"/>
-            </a:endParaRPr>
-          </a:p>
-          <a:p>
-            <a:r>
-              <a:rPr lang="ko-KR" altLang="en-US" sz="1600" dirty="0" err="1">
+              <a:t>게임공학과 </a:t>
+            </a:r>
+            <a:r>
+              <a:rPr lang="en-US" altLang="ko-KR" sz="1600" dirty="0" smtClean="0">
                 <a:latin typeface="한컴 윤고딕 240" panose="02020603020101020101" pitchFamily="18" charset="-127"/>
                 <a:ea typeface="한컴 윤고딕 240" panose="02020603020101020101" pitchFamily="18" charset="-127"/>
               </a:rPr>
-              <a:t>하정연</a:t>
+              <a:t>2015182045 </a:t>
+            </a:r>
+            <a:r>
+              <a:rPr lang="ko-KR" altLang="en-US" sz="1600" dirty="0" smtClean="0">
+                <a:latin typeface="한컴 윤고딕 240" panose="02020603020101020101" pitchFamily="18" charset="-127"/>
+                <a:ea typeface="한컴 윤고딕 240" panose="02020603020101020101" pitchFamily="18" charset="-127"/>
+              </a:rPr>
+              <a:t>홍혜령</a:t>
             </a:r>
             <a:endParaRPr lang="en-US" altLang="ko-KR" sz="1600" dirty="0">
               <a:latin typeface="한컴 윤고딕 240" panose="02020603020101020101" pitchFamily="18" charset="-127"/>
@@ -3525,7 +3584,7 @@
           <p:cNvPr id="7" name="직사각형 6">
             <a:extLst>
               <a:ext uri="{FF2B5EF4-FFF2-40B4-BE49-F238E27FC236}">
-                <a16:creationId xmlns:a16="http://schemas.microsoft.com/office/drawing/2014/main" id="{F619D7D9-E661-4CF7-AF78-7D9EA1FDFA4D}"/>
+                <a16:creationId xmlns:a16="http://schemas.microsoft.com/office/drawing/2014/main" xmlns="" id="{F619D7D9-E661-4CF7-AF78-7D9EA1FDFA4D}"/>
               </a:ext>
             </a:extLst>
           </p:cNvPr>
@@ -3587,14 +3646,14 @@
           <a:lstStyle/>
           <a:p>
             <a:pPr algn="ctr"/>
-            <a:endParaRPr lang="en-US"/>
+            <a:endParaRPr lang="en-US" dirty="0"/>
           </a:p>
         </p:txBody>
       </p:sp>
     </p:spTree>
     <p:extLst>
       <p:ext uri="{BB962C8B-B14F-4D97-AF65-F5344CB8AC3E}">
-        <p14:creationId xmlns:p14="http://schemas.microsoft.com/office/powerpoint/2010/main" val="3889777860"/>
+        <p14:creationId xmlns:p14="http://schemas.microsoft.com/office/powerpoint/2010/main" xmlns="" val="3889777860"/>
       </p:ext>
     </p:extLst>
   </p:cSld>
@@ -3610,7 +3669,7 @@
     <p:bg>
       <p:bgPr>
         <a:blipFill dpi="0" rotWithShape="1">
-          <a:blip r:embed="rId2">
+          <a:blip r:embed="rId2" cstate="print">
             <a:lum/>
           </a:blip>
           <a:srcRect/>
@@ -3640,7 +3699,7 @@
           <p:cNvPr id="5" name="직사각형 4">
             <a:extLst>
               <a:ext uri="{FF2B5EF4-FFF2-40B4-BE49-F238E27FC236}">
-                <a16:creationId xmlns:a16="http://schemas.microsoft.com/office/drawing/2014/main" id="{DA2C7E92-F2AA-454D-8132-13E1632E1415}"/>
+                <a16:creationId xmlns:a16="http://schemas.microsoft.com/office/drawing/2014/main" xmlns="" id="{DA2C7E92-F2AA-454D-8132-13E1632E1415}"/>
               </a:ext>
             </a:extLst>
           </p:cNvPr>
@@ -3685,7 +3744,7 @@
           <a:lstStyle/>
           <a:p>
             <a:pPr algn="ctr"/>
-            <a:endParaRPr lang="en-US"/>
+            <a:endParaRPr lang="en-US" dirty="0"/>
           </a:p>
         </p:txBody>
       </p:sp>
@@ -3694,7 +3753,7 @@
           <p:cNvPr id="2" name="직사각형 1">
             <a:extLst>
               <a:ext uri="{FF2B5EF4-FFF2-40B4-BE49-F238E27FC236}">
-                <a16:creationId xmlns:a16="http://schemas.microsoft.com/office/drawing/2014/main" id="{0BF4380C-7BCB-408F-AB44-3F65689B7EE2}"/>
+                <a16:creationId xmlns:a16="http://schemas.microsoft.com/office/drawing/2014/main" xmlns="" id="{0BF4380C-7BCB-408F-AB44-3F65689B7EE2}"/>
               </a:ext>
             </a:extLst>
           </p:cNvPr>
@@ -3739,7 +3798,7 @@
           <a:lstStyle/>
           <a:p>
             <a:pPr algn="ctr"/>
-            <a:endParaRPr lang="en-US"/>
+            <a:endParaRPr lang="en-US" dirty="0"/>
           </a:p>
         </p:txBody>
       </p:sp>
@@ -3748,7 +3807,7 @@
           <p:cNvPr id="7" name="TextBox 6">
             <a:extLst>
               <a:ext uri="{FF2B5EF4-FFF2-40B4-BE49-F238E27FC236}">
-                <a16:creationId xmlns:a16="http://schemas.microsoft.com/office/drawing/2014/main" id="{D7208663-32B1-4B7D-87F0-3A1F18036072}"/>
+                <a16:creationId xmlns:a16="http://schemas.microsoft.com/office/drawing/2014/main" xmlns="" id="{D7208663-32B1-4B7D-87F0-3A1F18036072}"/>
               </a:ext>
             </a:extLst>
           </p:cNvPr>
@@ -3786,7 +3845,7 @@
           <p:cNvPr id="14" name="TextBox 13">
             <a:extLst>
               <a:ext uri="{FF2B5EF4-FFF2-40B4-BE49-F238E27FC236}">
-                <a16:creationId xmlns:a16="http://schemas.microsoft.com/office/drawing/2014/main" id="{84BDE09D-AF4A-4D3E-8970-47FF30148AAA}"/>
+                <a16:creationId xmlns:a16="http://schemas.microsoft.com/office/drawing/2014/main" xmlns="" id="{84BDE09D-AF4A-4D3E-8970-47FF30148AAA}"/>
               </a:ext>
             </a:extLst>
           </p:cNvPr>
@@ -3844,7 +3903,7 @@
           <p:cNvPr id="15" name="TextBox 14">
             <a:extLst>
               <a:ext uri="{FF2B5EF4-FFF2-40B4-BE49-F238E27FC236}">
-                <a16:creationId xmlns:a16="http://schemas.microsoft.com/office/drawing/2014/main" id="{549F7864-C956-46B7-B79D-3F2418CED079}"/>
+                <a16:creationId xmlns:a16="http://schemas.microsoft.com/office/drawing/2014/main" xmlns="" id="{549F7864-C956-46B7-B79D-3F2418CED079}"/>
               </a:ext>
             </a:extLst>
           </p:cNvPr>
@@ -4089,7 +4148,7 @@
               <a:buChar char="•"/>
             </a:pPr>
             <a:r>
-              <a:rPr lang="ko-KR" altLang="en-US" sz="2000" dirty="0" err="1">
+              <a:rPr lang="ko-KR" altLang="en-US" sz="2000" dirty="0">
                 <a:solidFill>
                   <a:schemeClr val="bg1"/>
                 </a:solidFill>
@@ -4235,17 +4294,7 @@
                 <a:latin typeface="한컴 윤고딕 240" panose="02020603020101020101" pitchFamily="18" charset="-127"/>
                 <a:ea typeface="한컴 윤고딕 240" panose="02020603020101020101" pitchFamily="18" charset="-127"/>
               </a:rPr>
-              <a:t>빠르게 일반 플레이어를 처치하며 숫자를 </a:t>
-            </a:r>
-            <a:r>
-              <a:rPr lang="ko-KR" altLang="en-US" sz="2000" dirty="0" err="1">
-                <a:solidFill>
-                  <a:schemeClr val="bg1"/>
-                </a:solidFill>
-                <a:latin typeface="한컴 윤고딕 240" panose="02020603020101020101" pitchFamily="18" charset="-127"/>
-                <a:ea typeface="한컴 윤고딕 240" panose="02020603020101020101" pitchFamily="18" charset="-127"/>
-              </a:rPr>
-              <a:t>줄여나가자</a:t>
+              <a:t>빠르게 일반 플레이어를 처치하며 숫자를 줄여나가자</a:t>
             </a:r>
             <a:r>
               <a:rPr lang="en-US" altLang="ko-KR" sz="2000" dirty="0">
@@ -4291,7 +4340,7 @@
           <p:cNvPr id="4" name="그룹 3">
             <a:extLst>
               <a:ext uri="{FF2B5EF4-FFF2-40B4-BE49-F238E27FC236}">
-                <a16:creationId xmlns:a16="http://schemas.microsoft.com/office/drawing/2014/main" id="{70840EDD-CCC7-4169-B681-3C518DE0B068}"/>
+                <a16:creationId xmlns:a16="http://schemas.microsoft.com/office/drawing/2014/main" xmlns="" id="{70840EDD-CCC7-4169-B681-3C518DE0B068}"/>
               </a:ext>
             </a:extLst>
           </p:cNvPr>
@@ -4311,7 +4360,7 @@
             <p:cNvPr id="10" name="타원 9">
               <a:extLst>
                 <a:ext uri="{FF2B5EF4-FFF2-40B4-BE49-F238E27FC236}">
-                  <a16:creationId xmlns:a16="http://schemas.microsoft.com/office/drawing/2014/main" id="{EDF3B351-E40A-4510-B987-2A5EF6ABE054}"/>
+                  <a16:creationId xmlns:a16="http://schemas.microsoft.com/office/drawing/2014/main" xmlns="" id="{EDF3B351-E40A-4510-B987-2A5EF6ABE054}"/>
                 </a:ext>
               </a:extLst>
             </p:cNvPr>
@@ -4363,7 +4412,7 @@
             <p:cNvPr id="11" name="타원 10">
               <a:extLst>
                 <a:ext uri="{FF2B5EF4-FFF2-40B4-BE49-F238E27FC236}">
-                  <a16:creationId xmlns:a16="http://schemas.microsoft.com/office/drawing/2014/main" id="{55FEA987-DC77-4AC0-8353-18447C30E665}"/>
+                  <a16:creationId xmlns:a16="http://schemas.microsoft.com/office/drawing/2014/main" xmlns="" id="{55FEA987-DC77-4AC0-8353-18447C30E665}"/>
                 </a:ext>
               </a:extLst>
             </p:cNvPr>
@@ -4415,7 +4464,7 @@
             <p:cNvPr id="12" name="타원 11">
               <a:extLst>
                 <a:ext uri="{FF2B5EF4-FFF2-40B4-BE49-F238E27FC236}">
-                  <a16:creationId xmlns:a16="http://schemas.microsoft.com/office/drawing/2014/main" id="{A5D9E533-5A8C-4E30-8155-E1C7187E2731}"/>
+                  <a16:creationId xmlns:a16="http://schemas.microsoft.com/office/drawing/2014/main" xmlns="" id="{A5D9E533-5A8C-4E30-8155-E1C7187E2731}"/>
                 </a:ext>
               </a:extLst>
             </p:cNvPr>
@@ -4467,7 +4516,7 @@
             <p:cNvPr id="13" name="직선 연결선 12">
               <a:extLst>
                 <a:ext uri="{FF2B5EF4-FFF2-40B4-BE49-F238E27FC236}">
-                  <a16:creationId xmlns:a16="http://schemas.microsoft.com/office/drawing/2014/main" id="{0AAB090E-B009-4215-B746-8FB5DCFA44E3}"/>
+                  <a16:creationId xmlns:a16="http://schemas.microsoft.com/office/drawing/2014/main" xmlns="" id="{0AAB090E-B009-4215-B746-8FB5DCFA44E3}"/>
                 </a:ext>
               </a:extLst>
             </p:cNvPr>
@@ -4523,13 +4572,20 @@
     </p:spTree>
     <p:extLst>
       <p:ext uri="{BB962C8B-B14F-4D97-AF65-F5344CB8AC3E}">
-        <p14:creationId xmlns:p14="http://schemas.microsoft.com/office/powerpoint/2010/main" val="4135405976"/>
+        <p14:creationId xmlns:p14="http://schemas.microsoft.com/office/powerpoint/2010/main" xmlns="" val="4135405976"/>
       </p:ext>
     </p:extLst>
   </p:cSld>
   <p:clrMapOvr>
     <a:masterClrMapping/>
   </p:clrMapOvr>
+  <p:timing>
+    <p:tnLst>
+      <p:par>
+        <p:cTn id="1" dur="indefinite" restart="never" nodeType="tmRoot"/>
+      </p:par>
+    </p:tnLst>
+  </p:timing>
 </p:sld>
 </file>
 
@@ -4539,10 +4595,10 @@
     <p:bg>
       <p:bgPr>
         <a:blipFill rotWithShape="1">
-          <a:blip r:embed="rId2">
+          <a:blip r:embed="rId2" cstate="print">
             <a:extLst>
               <a:ext uri="{28A0092B-C50C-407E-A947-70E740481C1C}">
-                <a14:useLocalDpi xmlns:a14="http://schemas.microsoft.com/office/drawing/2010/main" val="0"/>
+                <a14:useLocalDpi xmlns:a14="http://schemas.microsoft.com/office/drawing/2010/main" xmlns="" val="0"/>
               </a:ext>
             </a:extLst>
           </a:blip>
@@ -4573,7 +4629,7 @@
           <p:cNvPr id="2" name="직사각형 1">
             <a:extLst>
               <a:ext uri="{FF2B5EF4-FFF2-40B4-BE49-F238E27FC236}">
-                <a16:creationId xmlns:a16="http://schemas.microsoft.com/office/drawing/2014/main" id="{0BF4380C-7BCB-408F-AB44-3F65689B7EE2}"/>
+                <a16:creationId xmlns:a16="http://schemas.microsoft.com/office/drawing/2014/main" xmlns="" id="{0BF4380C-7BCB-408F-AB44-3F65689B7EE2}"/>
               </a:ext>
             </a:extLst>
           </p:cNvPr>
@@ -4627,7 +4683,7 @@
           <p:cNvPr id="7" name="TextBox 6">
             <a:extLst>
               <a:ext uri="{FF2B5EF4-FFF2-40B4-BE49-F238E27FC236}">
-                <a16:creationId xmlns:a16="http://schemas.microsoft.com/office/drawing/2014/main" id="{D7208663-32B1-4B7D-87F0-3A1F18036072}"/>
+                <a16:creationId xmlns:a16="http://schemas.microsoft.com/office/drawing/2014/main" xmlns="" id="{D7208663-32B1-4B7D-87F0-3A1F18036072}"/>
               </a:ext>
             </a:extLst>
           </p:cNvPr>
@@ -4722,7 +4778,7 @@
           <p:cNvPr id="16" name="직사각형 15">
             <a:extLst>
               <a:ext uri="{FF2B5EF4-FFF2-40B4-BE49-F238E27FC236}">
-                <a16:creationId xmlns:a16="http://schemas.microsoft.com/office/drawing/2014/main" id="{A2013CBB-84F0-4EAD-B44F-E77B0AF83E6B}"/>
+                <a16:creationId xmlns:a16="http://schemas.microsoft.com/office/drawing/2014/main" xmlns="" id="{A2013CBB-84F0-4EAD-B44F-E77B0AF83E6B}"/>
               </a:ext>
             </a:extLst>
           </p:cNvPr>
@@ -4776,7 +4832,7 @@
           <p:cNvPr id="12" name="TextBox 11">
             <a:extLst>
               <a:ext uri="{FF2B5EF4-FFF2-40B4-BE49-F238E27FC236}">
-                <a16:creationId xmlns:a16="http://schemas.microsoft.com/office/drawing/2014/main" id="{6965FF92-FF26-415F-BA19-14E7DCA1754A}"/>
+                <a16:creationId xmlns:a16="http://schemas.microsoft.com/office/drawing/2014/main" xmlns="" id="{6965FF92-FF26-415F-BA19-14E7DCA1754A}"/>
               </a:ext>
             </a:extLst>
           </p:cNvPr>
@@ -4786,7 +4842,7 @@
         <p:spPr>
           <a:xfrm>
             <a:off x="1798071" y="1947890"/>
-            <a:ext cx="8657147" cy="4001095"/>
+            <a:ext cx="8657147" cy="4401205"/>
           </a:xfrm>
           <a:prstGeom prst="rect">
             <a:avLst/>
@@ -4820,7 +4876,7 @@
               <a:t>“Dead By Daylight (</a:t>
             </a:r>
             <a:r>
-              <a:rPr lang="en-US" altLang="ko-KR" sz="2000" i="1" dirty="0" err="1">
+              <a:rPr lang="en-US" altLang="ko-KR" sz="2000" i="1" dirty="0">
                 <a:solidFill>
                   <a:schemeClr val="bg1"/>
                 </a:solidFill>
@@ -5061,7 +5117,7 @@
               <a:t>→ </a:t>
             </a:r>
             <a:r>
-              <a:rPr lang="ko-KR" altLang="en-US" sz="2000" dirty="0" err="1">
+              <a:rPr lang="ko-KR" altLang="en-US" sz="2000" dirty="0">
                 <a:solidFill>
                   <a:schemeClr val="bg1"/>
                 </a:solidFill>
@@ -5081,7 +5137,7 @@
               <a:t> 분위기와 플레이어도 공격이 가능 하게끔 하여 기존 게임의 </a:t>
             </a:r>
             <a:r>
-              <a:rPr lang="ko-KR" altLang="en-US" sz="2000" dirty="0" err="1">
+              <a:rPr lang="ko-KR" altLang="en-US" sz="2000" dirty="0">
                 <a:solidFill>
                   <a:schemeClr val="bg1"/>
                 </a:solidFill>
@@ -5220,7 +5276,7 @@
               <a:t>=  </a:t>
             </a:r>
             <a:r>
-              <a:rPr lang="ko-KR" altLang="en-US" sz="2000" dirty="0" err="1">
+              <a:rPr lang="ko-KR" altLang="en-US" sz="2000" dirty="0">
                 <a:solidFill>
                   <a:schemeClr val="bg1"/>
                 </a:solidFill>
@@ -5263,7 +5319,7 @@
           <p:cNvPr id="17" name="그룹 16">
             <a:extLst>
               <a:ext uri="{FF2B5EF4-FFF2-40B4-BE49-F238E27FC236}">
-                <a16:creationId xmlns:a16="http://schemas.microsoft.com/office/drawing/2014/main" id="{4B882182-E2BC-4B44-A125-1510E4979AAE}"/>
+                <a16:creationId xmlns:a16="http://schemas.microsoft.com/office/drawing/2014/main" xmlns="" id="{4B882182-E2BC-4B44-A125-1510E4979AAE}"/>
               </a:ext>
             </a:extLst>
           </p:cNvPr>
@@ -5283,7 +5339,7 @@
             <p:cNvPr id="22" name="타원 21">
               <a:extLst>
                 <a:ext uri="{FF2B5EF4-FFF2-40B4-BE49-F238E27FC236}">
-                  <a16:creationId xmlns:a16="http://schemas.microsoft.com/office/drawing/2014/main" id="{5A0D0C04-3765-459A-8787-6E2D1540B49D}"/>
+                  <a16:creationId xmlns:a16="http://schemas.microsoft.com/office/drawing/2014/main" xmlns="" id="{5A0D0C04-3765-459A-8787-6E2D1540B49D}"/>
                 </a:ext>
               </a:extLst>
             </p:cNvPr>
@@ -5335,7 +5391,7 @@
             <p:cNvPr id="23" name="타원 22">
               <a:extLst>
                 <a:ext uri="{FF2B5EF4-FFF2-40B4-BE49-F238E27FC236}">
-                  <a16:creationId xmlns:a16="http://schemas.microsoft.com/office/drawing/2014/main" id="{E13B1C4C-E3B9-4B7F-8267-B2318ABFFF23}"/>
+                  <a16:creationId xmlns:a16="http://schemas.microsoft.com/office/drawing/2014/main" xmlns="" id="{E13B1C4C-E3B9-4B7F-8267-B2318ABFFF23}"/>
                 </a:ext>
               </a:extLst>
             </p:cNvPr>
@@ -5387,7 +5443,7 @@
             <p:cNvPr id="25" name="타원 24">
               <a:extLst>
                 <a:ext uri="{FF2B5EF4-FFF2-40B4-BE49-F238E27FC236}">
-                  <a16:creationId xmlns:a16="http://schemas.microsoft.com/office/drawing/2014/main" id="{58F886E3-02D7-4A53-8DA3-79CC6272ECE4}"/>
+                  <a16:creationId xmlns:a16="http://schemas.microsoft.com/office/drawing/2014/main" xmlns="" id="{58F886E3-02D7-4A53-8DA3-79CC6272ECE4}"/>
                 </a:ext>
               </a:extLst>
             </p:cNvPr>
@@ -5439,7 +5495,7 @@
             <p:cNvPr id="26" name="직선 연결선 25">
               <a:extLst>
                 <a:ext uri="{FF2B5EF4-FFF2-40B4-BE49-F238E27FC236}">
-                  <a16:creationId xmlns:a16="http://schemas.microsoft.com/office/drawing/2014/main" id="{33E49006-A4B4-4D58-A6BB-10853ED4C9C0}"/>
+                  <a16:creationId xmlns:a16="http://schemas.microsoft.com/office/drawing/2014/main" xmlns="" id="{33E49006-A4B4-4D58-A6BB-10853ED4C9C0}"/>
                 </a:ext>
               </a:extLst>
             </p:cNvPr>
@@ -5495,13 +5551,20 @@
     </p:spTree>
     <p:extLst>
       <p:ext uri="{BB962C8B-B14F-4D97-AF65-F5344CB8AC3E}">
-        <p14:creationId xmlns:p14="http://schemas.microsoft.com/office/powerpoint/2010/main" val="4287147070"/>
+        <p14:creationId xmlns:p14="http://schemas.microsoft.com/office/powerpoint/2010/main" xmlns="" val="4287147070"/>
       </p:ext>
     </p:extLst>
   </p:cSld>
   <p:clrMapOvr>
     <a:masterClrMapping/>
   </p:clrMapOvr>
+  <p:timing>
+    <p:tnLst>
+      <p:par>
+        <p:cTn id="1" dur="indefinite" restart="never" nodeType="tmRoot"/>
+      </p:par>
+    </p:tnLst>
+  </p:timing>
 </p:sld>
 </file>
 
@@ -5511,10 +5574,10 @@
     <p:bg>
       <p:bgPr>
         <a:blipFill rotWithShape="1">
-          <a:blip r:embed="rId2">
+          <a:blip r:embed="rId2" cstate="print">
             <a:extLst>
               <a:ext uri="{28A0092B-C50C-407E-A947-70E740481C1C}">
-                <a14:useLocalDpi xmlns:a14="http://schemas.microsoft.com/office/drawing/2010/main" val="0"/>
+                <a14:useLocalDpi xmlns:a14="http://schemas.microsoft.com/office/drawing/2010/main" xmlns="" val="0"/>
               </a:ext>
             </a:extLst>
           </a:blip>
@@ -5545,7 +5608,7 @@
           <p:cNvPr id="2" name="직사각형 1">
             <a:extLst>
               <a:ext uri="{FF2B5EF4-FFF2-40B4-BE49-F238E27FC236}">
-                <a16:creationId xmlns:a16="http://schemas.microsoft.com/office/drawing/2014/main" id="{0BF4380C-7BCB-408F-AB44-3F65689B7EE2}"/>
+                <a16:creationId xmlns:a16="http://schemas.microsoft.com/office/drawing/2014/main" xmlns="" id="{0BF4380C-7BCB-408F-AB44-3F65689B7EE2}"/>
               </a:ext>
             </a:extLst>
           </p:cNvPr>
@@ -5599,7 +5662,7 @@
           <p:cNvPr id="7" name="TextBox 6">
             <a:extLst>
               <a:ext uri="{FF2B5EF4-FFF2-40B4-BE49-F238E27FC236}">
-                <a16:creationId xmlns:a16="http://schemas.microsoft.com/office/drawing/2014/main" id="{D7208663-32B1-4B7D-87F0-3A1F18036072}"/>
+                <a16:creationId xmlns:a16="http://schemas.microsoft.com/office/drawing/2014/main" xmlns="" id="{D7208663-32B1-4B7D-87F0-3A1F18036072}"/>
               </a:ext>
             </a:extLst>
           </p:cNvPr>
@@ -5637,7 +5700,7 @@
           <p:cNvPr id="14" name="TextBox 13">
             <a:extLst>
               <a:ext uri="{FF2B5EF4-FFF2-40B4-BE49-F238E27FC236}">
-                <a16:creationId xmlns:a16="http://schemas.microsoft.com/office/drawing/2014/main" id="{84BDE09D-AF4A-4D3E-8970-47FF30148AAA}"/>
+                <a16:creationId xmlns:a16="http://schemas.microsoft.com/office/drawing/2014/main" xmlns="" id="{84BDE09D-AF4A-4D3E-8970-47FF30148AAA}"/>
               </a:ext>
             </a:extLst>
           </p:cNvPr>
@@ -5647,7 +5710,7 @@
         <p:spPr>
           <a:xfrm>
             <a:off x="2049145" y="321945"/>
-            <a:ext cx="4751705" cy="707390"/>
+            <a:ext cx="5208905" cy="707886"/>
           </a:xfrm>
           <a:prstGeom prst="rect">
             <a:avLst/>
@@ -5681,7 +5744,17 @@
                 <a:latin typeface="HY견고딕" charset="0"/>
                 <a:ea typeface="HY견고딕" charset="0"/>
               </a:rPr>
-              <a:t>3. 도입할 기능</a:t>
+              <a:t>3. </a:t>
+            </a:r>
+            <a:r>
+              <a:rPr lang="ko-KR" altLang="en-US" sz="4000" dirty="0" smtClean="0">
+                <a:solidFill>
+                  <a:schemeClr val="bg1"/>
+                </a:solidFill>
+                <a:latin typeface="HY견고딕" charset="0"/>
+                <a:ea typeface="HY견고딕" charset="0"/>
+              </a:rPr>
+              <a:t>개발목표 및 내용</a:t>
             </a:r>
             <a:endParaRPr lang="ko-KR" altLang="en-US" sz="4000" b="0" cap="none" dirty="0">
               <a:solidFill>
@@ -5698,7 +5771,7 @@
           <p:cNvPr id="12" name="직사각형 11">
             <a:extLst>
               <a:ext uri="{FF2B5EF4-FFF2-40B4-BE49-F238E27FC236}">
-                <a16:creationId xmlns:a16="http://schemas.microsoft.com/office/drawing/2014/main" id="{EBB1D033-1CBF-4990-8AE5-49615FF17780}"/>
+                <a16:creationId xmlns:a16="http://schemas.microsoft.com/office/drawing/2014/main" xmlns="" id="{EBB1D033-1CBF-4990-8AE5-49615FF17780}"/>
               </a:ext>
             </a:extLst>
           </p:cNvPr>
@@ -5752,7 +5825,7 @@
           <p:cNvPr id="13" name="그룹 12">
             <a:extLst>
               <a:ext uri="{FF2B5EF4-FFF2-40B4-BE49-F238E27FC236}">
-                <a16:creationId xmlns:a16="http://schemas.microsoft.com/office/drawing/2014/main" id="{D2BF6CCD-7CED-419A-A7E2-1913E543FDB5}"/>
+                <a16:creationId xmlns:a16="http://schemas.microsoft.com/office/drawing/2014/main" xmlns="" id="{D2BF6CCD-7CED-419A-A7E2-1913E543FDB5}"/>
               </a:ext>
             </a:extLst>
           </p:cNvPr>
@@ -5772,7 +5845,7 @@
             <p:cNvPr id="22" name="타원 21">
               <a:extLst>
                 <a:ext uri="{FF2B5EF4-FFF2-40B4-BE49-F238E27FC236}">
-                  <a16:creationId xmlns:a16="http://schemas.microsoft.com/office/drawing/2014/main" id="{4B65D38A-00DE-4BFA-8FA5-A15A58E7BC9A}"/>
+                  <a16:creationId xmlns:a16="http://schemas.microsoft.com/office/drawing/2014/main" xmlns="" id="{4B65D38A-00DE-4BFA-8FA5-A15A58E7BC9A}"/>
                 </a:ext>
               </a:extLst>
             </p:cNvPr>
@@ -5824,7 +5897,7 @@
             <p:cNvPr id="23" name="타원 22">
               <a:extLst>
                 <a:ext uri="{FF2B5EF4-FFF2-40B4-BE49-F238E27FC236}">
-                  <a16:creationId xmlns:a16="http://schemas.microsoft.com/office/drawing/2014/main" id="{A6630D8B-02E2-4081-89EA-CB87460FE033}"/>
+                  <a16:creationId xmlns:a16="http://schemas.microsoft.com/office/drawing/2014/main" xmlns="" id="{A6630D8B-02E2-4081-89EA-CB87460FE033}"/>
                 </a:ext>
               </a:extLst>
             </p:cNvPr>
@@ -5876,7 +5949,7 @@
             <p:cNvPr id="24" name="타원 23">
               <a:extLst>
                 <a:ext uri="{FF2B5EF4-FFF2-40B4-BE49-F238E27FC236}">
-                  <a16:creationId xmlns:a16="http://schemas.microsoft.com/office/drawing/2014/main" id="{0B4028E9-E2B3-42CB-A61C-A930BC3A1E32}"/>
+                  <a16:creationId xmlns:a16="http://schemas.microsoft.com/office/drawing/2014/main" xmlns="" id="{0B4028E9-E2B3-42CB-A61C-A930BC3A1E32}"/>
                 </a:ext>
               </a:extLst>
             </p:cNvPr>
@@ -5928,7 +6001,7 @@
             <p:cNvPr id="25" name="직선 연결선 24">
               <a:extLst>
                 <a:ext uri="{FF2B5EF4-FFF2-40B4-BE49-F238E27FC236}">
-                  <a16:creationId xmlns:a16="http://schemas.microsoft.com/office/drawing/2014/main" id="{EE76C4CF-25DD-4E80-B805-C014DF92A125}"/>
+                  <a16:creationId xmlns:a16="http://schemas.microsoft.com/office/drawing/2014/main" xmlns="" id="{EE76C4CF-25DD-4E80-B805-C014DF92A125}"/>
                 </a:ext>
               </a:extLst>
             </p:cNvPr>
@@ -5981,16 +6054,459 @@
           </p:style>
         </p:cxnSp>
       </p:grpSp>
+      <p:sp>
+        <p:nvSpPr>
+          <p:cNvPr id="15" name="TextBox 14">
+            <a:extLst>
+              <a:ext uri="{FF2B5EF4-FFF2-40B4-BE49-F238E27FC236}">
+                <a16:creationId xmlns:a16="http://schemas.microsoft.com/office/drawing/2014/main" xmlns="" id="{6965FF92-FF26-415F-BA19-14E7DCA1754A}"/>
+              </a:ext>
+            </a:extLst>
+          </p:cNvPr>
+          <p:cNvSpPr txBox="1"/>
+          <p:nvPr/>
+        </p:nvSpPr>
+        <p:spPr>
+          <a:xfrm>
+            <a:off x="1798071" y="1665890"/>
+            <a:ext cx="8935085" cy="2862322"/>
+          </a:xfrm>
+          <a:prstGeom prst="rect">
+            <a:avLst/>
+          </a:prstGeom>
+          <a:noFill/>
+        </p:spPr>
+        <p:txBody>
+          <a:bodyPr wrap="square" rtlCol="0">
+            <a:spAutoFit/>
+          </a:bodyPr>
+          <a:lstStyle/>
+          <a:p>
+            <a:r>
+              <a:rPr lang="en-US" altLang="ko-KR" sz="2000" dirty="0" smtClean="0">
+                <a:solidFill>
+                  <a:schemeClr val="bg1"/>
+                </a:solidFill>
+                <a:latin typeface="한컴 윤고딕 240" panose="02020603020101020101" pitchFamily="18" charset="-127"/>
+                <a:ea typeface="한컴 윤고딕 240" panose="02020603020101020101" pitchFamily="18" charset="-127"/>
+              </a:rPr>
+              <a:t>- unity3D</a:t>
+            </a:r>
+            <a:r>
+              <a:rPr lang="ko-KR" altLang="en-US" sz="2000" dirty="0" smtClean="0">
+                <a:solidFill>
+                  <a:schemeClr val="bg1"/>
+                </a:solidFill>
+                <a:latin typeface="한컴 윤고딕 240" panose="02020603020101020101" pitchFamily="18" charset="-127"/>
+                <a:ea typeface="한컴 윤고딕 240" panose="02020603020101020101" pitchFamily="18" charset="-127"/>
+              </a:rPr>
+              <a:t>엔진을 활용한 </a:t>
+            </a:r>
+            <a:r>
+              <a:rPr lang="ko-KR" altLang="en-US" sz="2000" dirty="0" smtClean="0">
+                <a:solidFill>
+                  <a:schemeClr val="bg1"/>
+                </a:solidFill>
+                <a:latin typeface="한컴 윤고딕 240" panose="02020603020101020101" pitchFamily="18" charset="-127"/>
+                <a:ea typeface="한컴 윤고딕 240" panose="02020603020101020101" pitchFamily="18" charset="-127"/>
+              </a:rPr>
+              <a:t>게</a:t>
+            </a:r>
+            <a:r>
+              <a:rPr lang="ko-KR" altLang="en-US" sz="2000" dirty="0" smtClean="0">
+                <a:solidFill>
+                  <a:schemeClr val="bg1"/>
+                </a:solidFill>
+                <a:latin typeface="한컴 윤고딕 240" panose="02020603020101020101" pitchFamily="18" charset="-127"/>
+                <a:ea typeface="한컴 윤고딕 240" panose="02020603020101020101" pitchFamily="18" charset="-127"/>
+              </a:rPr>
+              <a:t>임 개발</a:t>
+            </a:r>
+            <a:endParaRPr lang="en-US" altLang="ko-KR" sz="2000" dirty="0" smtClean="0">
+              <a:solidFill>
+                <a:schemeClr val="bg1"/>
+              </a:solidFill>
+              <a:latin typeface="한컴 윤고딕 240" panose="02020603020101020101" pitchFamily="18" charset="-127"/>
+              <a:ea typeface="한컴 윤고딕 240" panose="02020603020101020101" pitchFamily="18" charset="-127"/>
+            </a:endParaRPr>
+          </a:p>
+          <a:p>
+            <a:pPr>
+              <a:buFontTx/>
+              <a:buChar char="-"/>
+            </a:pPr>
+            <a:r>
+              <a:rPr lang="en-US" altLang="ko-KR" sz="2000" dirty="0" smtClean="0">
+                <a:solidFill>
+                  <a:schemeClr val="bg1"/>
+                </a:solidFill>
+                <a:latin typeface="한컴 윤고딕 240" panose="02020603020101020101" pitchFamily="18" charset="-127"/>
+                <a:ea typeface="한컴 윤고딕 240" panose="02020603020101020101" pitchFamily="18" charset="-127"/>
+              </a:rPr>
+              <a:t> </a:t>
+            </a:r>
+            <a:r>
+              <a:rPr lang="en-US" altLang="ko-KR" sz="2000" dirty="0" smtClean="0">
+                <a:solidFill>
+                  <a:schemeClr val="bg1"/>
+                </a:solidFill>
+                <a:latin typeface="한컴 윤고딕 240" panose="02020603020101020101" pitchFamily="18" charset="-127"/>
+                <a:ea typeface="한컴 윤고딕 240" panose="02020603020101020101" pitchFamily="18" charset="-127"/>
+              </a:rPr>
+              <a:t>MySQL</a:t>
+            </a:r>
+            <a:r>
+              <a:rPr lang="ko-KR" altLang="en-US" sz="2000" dirty="0" smtClean="0">
+                <a:solidFill>
+                  <a:schemeClr val="bg1"/>
+                </a:solidFill>
+                <a:latin typeface="한컴 윤고딕 240" panose="02020603020101020101" pitchFamily="18" charset="-127"/>
+                <a:ea typeface="한컴 윤고딕 240" panose="02020603020101020101" pitchFamily="18" charset="-127"/>
+              </a:rPr>
+              <a:t>을 이용한 랭킹과 로그인 구현</a:t>
+            </a:r>
+            <a:endParaRPr lang="en-US" altLang="ko-KR" sz="2000" dirty="0" smtClean="0">
+              <a:solidFill>
+                <a:schemeClr val="bg1"/>
+              </a:solidFill>
+              <a:latin typeface="한컴 윤고딕 240" panose="02020603020101020101" pitchFamily="18" charset="-127"/>
+              <a:ea typeface="한컴 윤고딕 240" panose="02020603020101020101" pitchFamily="18" charset="-127"/>
+            </a:endParaRPr>
+          </a:p>
+          <a:p>
+            <a:pPr>
+              <a:buFontTx/>
+              <a:buChar char="-"/>
+            </a:pPr>
+            <a:r>
+              <a:rPr lang="en-US" altLang="ko-KR" sz="2000" dirty="0" smtClean="0">
+                <a:solidFill>
+                  <a:schemeClr val="bg1"/>
+                </a:solidFill>
+                <a:latin typeface="한컴 윤고딕 240" panose="02020603020101020101" pitchFamily="18" charset="-127"/>
+                <a:ea typeface="한컴 윤고딕 240" panose="02020603020101020101" pitchFamily="18" charset="-127"/>
+              </a:rPr>
+              <a:t> </a:t>
+            </a:r>
+            <a:r>
+              <a:rPr lang="ko-KR" altLang="en-US" sz="2000" dirty="0" smtClean="0">
+                <a:solidFill>
+                  <a:schemeClr val="bg1"/>
+                </a:solidFill>
+                <a:latin typeface="한컴 윤고딕 240" panose="02020603020101020101" pitchFamily="18" charset="-127"/>
+                <a:ea typeface="한컴 윤고딕 240" panose="02020603020101020101" pitchFamily="18" charset="-127"/>
+              </a:rPr>
+              <a:t>캐쥬얼한</a:t>
+            </a:r>
+            <a:r>
+              <a:rPr lang="ko-KR" altLang="en-US" sz="2000" dirty="0" smtClean="0">
+                <a:solidFill>
+                  <a:schemeClr val="bg1"/>
+                </a:solidFill>
+                <a:latin typeface="한컴 윤고딕 240" panose="02020603020101020101" pitchFamily="18" charset="-127"/>
+                <a:ea typeface="한컴 윤고딕 240" panose="02020603020101020101" pitchFamily="18" charset="-127"/>
+              </a:rPr>
+              <a:t> 그래픽 </a:t>
+            </a:r>
+            <a:r>
+              <a:rPr lang="ko-KR" altLang="en-US" sz="2000" dirty="0" smtClean="0">
+                <a:solidFill>
+                  <a:schemeClr val="bg1"/>
+                </a:solidFill>
+                <a:latin typeface="한컴 윤고딕 240" panose="02020603020101020101" pitchFamily="18" charset="-127"/>
+                <a:ea typeface="한컴 윤고딕 240" panose="02020603020101020101" pitchFamily="18" charset="-127"/>
+              </a:rPr>
+              <a:t>컨셉의</a:t>
+            </a:r>
+            <a:r>
+              <a:rPr lang="ko-KR" altLang="en-US" sz="2000" dirty="0" smtClean="0">
+                <a:solidFill>
+                  <a:schemeClr val="bg1"/>
+                </a:solidFill>
+                <a:latin typeface="한컴 윤고딕 240" panose="02020603020101020101" pitchFamily="18" charset="-127"/>
+                <a:ea typeface="한컴 윤고딕 240" panose="02020603020101020101" pitchFamily="18" charset="-127"/>
+              </a:rPr>
+              <a:t> 모델링</a:t>
+            </a:r>
+            <a:r>
+              <a:rPr lang="en-US" altLang="ko-KR" sz="2000" dirty="0" smtClean="0">
+                <a:solidFill>
+                  <a:schemeClr val="bg1"/>
+                </a:solidFill>
+                <a:latin typeface="한컴 윤고딕 240" panose="02020603020101020101" pitchFamily="18" charset="-127"/>
+                <a:ea typeface="한컴 윤고딕 240" panose="02020603020101020101" pitchFamily="18" charset="-127"/>
+              </a:rPr>
+              <a:t>, </a:t>
+            </a:r>
+            <a:r>
+              <a:rPr lang="ko-KR" altLang="en-US" sz="2000" dirty="0" smtClean="0">
+                <a:solidFill>
+                  <a:schemeClr val="bg1"/>
+                </a:solidFill>
+                <a:latin typeface="한컴 윤고딕 240" panose="02020603020101020101" pitchFamily="18" charset="-127"/>
+                <a:ea typeface="한컴 윤고딕 240" panose="02020603020101020101" pitchFamily="18" charset="-127"/>
+              </a:rPr>
+              <a:t>애니메이션 제작</a:t>
+            </a:r>
+            <a:endParaRPr lang="en-US" altLang="ko-KR" sz="2000" dirty="0" smtClean="0">
+              <a:solidFill>
+                <a:schemeClr val="bg1"/>
+              </a:solidFill>
+              <a:latin typeface="한컴 윤고딕 240" panose="02020603020101020101" pitchFamily="18" charset="-127"/>
+              <a:ea typeface="한컴 윤고딕 240" panose="02020603020101020101" pitchFamily="18" charset="-127"/>
+            </a:endParaRPr>
+          </a:p>
+          <a:p>
+            <a:pPr>
+              <a:buFontTx/>
+              <a:buChar char="-"/>
+            </a:pPr>
+            <a:endParaRPr lang="en-US" altLang="ko-KR" sz="2000" dirty="0" smtClean="0">
+              <a:solidFill>
+                <a:schemeClr val="bg1"/>
+              </a:solidFill>
+              <a:latin typeface="한컴 윤고딕 240" panose="02020603020101020101" pitchFamily="18" charset="-127"/>
+              <a:ea typeface="한컴 윤고딕 240" panose="02020603020101020101" pitchFamily="18" charset="-127"/>
+            </a:endParaRPr>
+          </a:p>
+          <a:p>
+            <a:endParaRPr lang="en-US" altLang="ko-KR" sz="2000" dirty="0" smtClean="0">
+              <a:solidFill>
+                <a:schemeClr val="bg1"/>
+              </a:solidFill>
+              <a:latin typeface="한컴 윤고딕 240" panose="02020603020101020101" pitchFamily="18" charset="-127"/>
+              <a:ea typeface="한컴 윤고딕 240" panose="02020603020101020101" pitchFamily="18" charset="-127"/>
+            </a:endParaRPr>
+          </a:p>
+          <a:p>
+            <a:pPr>
+              <a:buFontTx/>
+              <a:buChar char="-"/>
+            </a:pPr>
+            <a:r>
+              <a:rPr lang="en-US" altLang="ko-KR" sz="2000" dirty="0" smtClean="0">
+                <a:solidFill>
+                  <a:schemeClr val="bg1"/>
+                </a:solidFill>
+                <a:latin typeface="한컴 윤고딕 240" panose="02020603020101020101" pitchFamily="18" charset="-127"/>
+                <a:ea typeface="한컴 윤고딕 240" panose="02020603020101020101" pitchFamily="18" charset="-127"/>
+              </a:rPr>
+              <a:t> </a:t>
+            </a:r>
+            <a:r>
+              <a:rPr lang="ko-KR" altLang="en-US" sz="2000" dirty="0" smtClean="0">
+                <a:solidFill>
+                  <a:schemeClr val="bg1"/>
+                </a:solidFill>
+                <a:latin typeface="한컴 윤고딕 240" panose="02020603020101020101" pitchFamily="18" charset="-127"/>
+                <a:ea typeface="한컴 윤고딕 240" panose="02020603020101020101" pitchFamily="18" charset="-127"/>
+              </a:rPr>
+              <a:t>아이템 </a:t>
+            </a:r>
+            <a:r>
+              <a:rPr lang="ko-KR" altLang="en-US" sz="2000" dirty="0" smtClean="0">
+                <a:solidFill>
+                  <a:schemeClr val="bg1"/>
+                </a:solidFill>
+                <a:latin typeface="한컴 윤고딕 240" panose="02020603020101020101" pitchFamily="18" charset="-127"/>
+                <a:ea typeface="한컴 윤고딕 240" panose="02020603020101020101" pitchFamily="18" charset="-127"/>
+              </a:rPr>
+              <a:t>파밍</a:t>
+            </a:r>
+            <a:r>
+              <a:rPr lang="en-US" altLang="ko-KR" sz="2000" dirty="0" smtClean="0">
+                <a:solidFill>
+                  <a:schemeClr val="bg1"/>
+                </a:solidFill>
+                <a:latin typeface="한컴 윤고딕 240" panose="02020603020101020101" pitchFamily="18" charset="-127"/>
+                <a:ea typeface="한컴 윤고딕 240" panose="02020603020101020101" pitchFamily="18" charset="-127"/>
+              </a:rPr>
+              <a:t>, </a:t>
+            </a:r>
+            <a:r>
+              <a:rPr lang="ko-KR" altLang="en-US" sz="2000" dirty="0" smtClean="0">
+                <a:solidFill>
+                  <a:schemeClr val="bg1"/>
+                </a:solidFill>
+                <a:latin typeface="한컴 윤고딕 240" panose="02020603020101020101" pitchFamily="18" charset="-127"/>
+                <a:ea typeface="한컴 윤고딕 240" panose="02020603020101020101" pitchFamily="18" charset="-127"/>
+              </a:rPr>
+              <a:t>장착</a:t>
+            </a:r>
+            <a:r>
+              <a:rPr lang="en-US" altLang="ko-KR" sz="2000" dirty="0" smtClean="0">
+                <a:solidFill>
+                  <a:schemeClr val="bg1"/>
+                </a:solidFill>
+                <a:latin typeface="한컴 윤고딕 240" panose="02020603020101020101" pitchFamily="18" charset="-127"/>
+                <a:ea typeface="한컴 윤고딕 240" panose="02020603020101020101" pitchFamily="18" charset="-127"/>
+              </a:rPr>
+              <a:t>, </a:t>
+            </a:r>
+            <a:r>
+              <a:rPr lang="ko-KR" altLang="en-US" sz="2000" dirty="0" smtClean="0">
+                <a:solidFill>
+                  <a:schemeClr val="bg1"/>
+                </a:solidFill>
+                <a:latin typeface="한컴 윤고딕 240" panose="02020603020101020101" pitchFamily="18" charset="-127"/>
+                <a:ea typeface="한컴 윤고딕 240" panose="02020603020101020101" pitchFamily="18" charset="-127"/>
+              </a:rPr>
+              <a:t>확인 등의 플레이 요소 구현</a:t>
+            </a:r>
+            <a:endParaRPr lang="en-US" altLang="ko-KR" sz="2000" dirty="0" smtClean="0">
+              <a:solidFill>
+                <a:schemeClr val="bg1"/>
+              </a:solidFill>
+              <a:latin typeface="한컴 윤고딕 240" panose="02020603020101020101" pitchFamily="18" charset="-127"/>
+              <a:ea typeface="한컴 윤고딕 240" panose="02020603020101020101" pitchFamily="18" charset="-127"/>
+            </a:endParaRPr>
+          </a:p>
+          <a:p>
+            <a:pPr>
+              <a:buFontTx/>
+              <a:buChar char="-"/>
+            </a:pPr>
+            <a:r>
+              <a:rPr lang="en-US" altLang="ko-KR" sz="2000" dirty="0" smtClean="0">
+                <a:solidFill>
+                  <a:schemeClr val="bg1"/>
+                </a:solidFill>
+                <a:latin typeface="한컴 윤고딕 240" panose="02020603020101020101" pitchFamily="18" charset="-127"/>
+                <a:ea typeface="한컴 윤고딕 240" panose="02020603020101020101" pitchFamily="18" charset="-127"/>
+              </a:rPr>
+              <a:t> </a:t>
+            </a:r>
+            <a:r>
+              <a:rPr lang="ko-KR" altLang="en-US" sz="2000" dirty="0" smtClean="0">
+                <a:solidFill>
+                  <a:schemeClr val="bg1"/>
+                </a:solidFill>
+                <a:latin typeface="한컴 윤고딕 240" panose="02020603020101020101" pitchFamily="18" charset="-127"/>
+                <a:ea typeface="한컴 윤고딕 240" panose="02020603020101020101" pitchFamily="18" charset="-127"/>
+              </a:rPr>
+              <a:t>컨트롤러 지원</a:t>
+            </a:r>
+            <a:endParaRPr lang="en-US" altLang="ko-KR" sz="2000" dirty="0" smtClean="0">
+              <a:solidFill>
+                <a:schemeClr val="bg1"/>
+              </a:solidFill>
+              <a:latin typeface="한컴 윤고딕 240" panose="02020603020101020101" pitchFamily="18" charset="-127"/>
+              <a:ea typeface="한컴 윤고딕 240" panose="02020603020101020101" pitchFamily="18" charset="-127"/>
+            </a:endParaRPr>
+          </a:p>
+          <a:p>
+            <a:pPr>
+              <a:buFontTx/>
+              <a:buChar char="-"/>
+            </a:pPr>
+            <a:endParaRPr lang="en-US" altLang="ko-KR" sz="2000" dirty="0" smtClean="0">
+              <a:solidFill>
+                <a:schemeClr val="bg1"/>
+              </a:solidFill>
+              <a:latin typeface="한컴 윤고딕 240" panose="02020603020101020101" pitchFamily="18" charset="-127"/>
+              <a:ea typeface="한컴 윤고딕 240" panose="02020603020101020101" pitchFamily="18" charset="-127"/>
+            </a:endParaRPr>
+          </a:p>
+          <a:p>
+            <a:pPr>
+              <a:buFontTx/>
+              <a:buChar char="-"/>
+            </a:pPr>
+            <a:endParaRPr lang="en-US" altLang="ko-KR" sz="2000" dirty="0" smtClean="0">
+              <a:solidFill>
+                <a:schemeClr val="bg1"/>
+              </a:solidFill>
+              <a:latin typeface="한컴 윤고딕 240" panose="02020603020101020101" pitchFamily="18" charset="-127"/>
+              <a:ea typeface="한컴 윤고딕 240" panose="02020603020101020101" pitchFamily="18" charset="-127"/>
+            </a:endParaRPr>
+          </a:p>
+        </p:txBody>
+      </p:sp>
+      <p:pic>
+        <p:nvPicPr>
+          <p:cNvPr id="16" name="그림 15" descr="디아3_장비_chldnduq.jpg"/>
+          <p:cNvPicPr>
+            <a:picLocks noChangeAspect="1"/>
+          </p:cNvPicPr>
+          <p:nvPr/>
+        </p:nvPicPr>
+        <p:blipFill>
+          <a:blip r:embed="rId3" cstate="print"/>
+          <a:stretch>
+            <a:fillRect/>
+          </a:stretch>
+        </p:blipFill>
+        <p:spPr>
+          <a:xfrm>
+            <a:off x="7688737" y="3259070"/>
+            <a:ext cx="2932426" cy="3041981"/>
+          </a:xfrm>
+          <a:prstGeom prst="rect">
+            <a:avLst/>
+          </a:prstGeom>
+          <a:ln>
+            <a:noFill/>
+          </a:ln>
+          <a:effectLst>
+            <a:softEdge rad="112500"/>
+          </a:effectLst>
+        </p:spPr>
+      </p:pic>
+      <p:sp>
+        <p:nvSpPr>
+          <p:cNvPr id="17" name="TextBox 16"/>
+          <p:cNvSpPr txBox="1"/>
+          <p:nvPr/>
+        </p:nvSpPr>
+        <p:spPr>
+          <a:xfrm>
+            <a:off x="7688737" y="6235736"/>
+            <a:ext cx="2988319" cy="369332"/>
+          </a:xfrm>
+          <a:prstGeom prst="rect">
+            <a:avLst/>
+          </a:prstGeom>
+          <a:noFill/>
+        </p:spPr>
+        <p:txBody>
+          <a:bodyPr wrap="none" rtlCol="0">
+            <a:spAutoFit/>
+          </a:bodyPr>
+          <a:lstStyle/>
+          <a:p>
+            <a:r>
+              <a:rPr lang="ko-KR" altLang="en-US" dirty="0" smtClean="0">
+                <a:solidFill>
+                  <a:schemeClr val="bg1"/>
+                </a:solidFill>
+              </a:rPr>
+              <a:t>장비 창을 통한 아이템 확인 </a:t>
+            </a:r>
+            <a:endParaRPr lang="ko-KR" altLang="en-US" dirty="0">
+              <a:solidFill>
+                <a:schemeClr val="bg1"/>
+              </a:solidFill>
+            </a:endParaRPr>
+          </a:p>
+        </p:txBody>
+      </p:sp>
     </p:spTree>
     <p:extLst>
       <p:ext uri="{BB962C8B-B14F-4D97-AF65-F5344CB8AC3E}">
-        <p14:creationId xmlns:p14="http://schemas.microsoft.com/office/powerpoint/2010/main" val="2632911495"/>
+        <p14:creationId xmlns:p14="http://schemas.microsoft.com/office/powerpoint/2010/main" xmlns="" val="2632911495"/>
       </p:ext>
     </p:extLst>
   </p:cSld>
   <p:clrMapOvr>
     <a:masterClrMapping/>
   </p:clrMapOvr>
+  <p:timing>
+    <p:tnLst>
+      <p:par>
+        <p:cTn id="1" dur="indefinite" restart="never" nodeType="tmRoot"/>
+      </p:par>
+    </p:tnLst>
+  </p:timing>
 </p:sld>
 </file>
 
@@ -6000,10 +6516,10 @@
     <p:bg>
       <p:bgPr>
         <a:blipFill rotWithShape="1">
-          <a:blip r:embed="rId2">
+          <a:blip r:embed="rId2" cstate="print">
             <a:extLst>
               <a:ext uri="{28A0092B-C50C-407E-A947-70E740481C1C}">
-                <a14:useLocalDpi xmlns:a14="http://schemas.microsoft.com/office/drawing/2010/main" val="0"/>
+                <a14:useLocalDpi xmlns:a14="http://schemas.microsoft.com/office/drawing/2010/main" xmlns="" val="0"/>
               </a:ext>
             </a:extLst>
           </a:blip>
@@ -6034,7 +6550,7 @@
           <p:cNvPr id="18" name="직사각형 17">
             <a:extLst>
               <a:ext uri="{FF2B5EF4-FFF2-40B4-BE49-F238E27FC236}">
-                <a16:creationId xmlns:a16="http://schemas.microsoft.com/office/drawing/2014/main" id="{C822C39D-A51F-4C75-B081-E95E879B1466}"/>
+                <a16:creationId xmlns:a16="http://schemas.microsoft.com/office/drawing/2014/main" xmlns="" id="{C822C39D-A51F-4C75-B081-E95E879B1466}"/>
               </a:ext>
             </a:extLst>
           </p:cNvPr>
@@ -6088,7 +6604,7 @@
           <p:cNvPr id="2" name="직사각형 1">
             <a:extLst>
               <a:ext uri="{FF2B5EF4-FFF2-40B4-BE49-F238E27FC236}">
-                <a16:creationId xmlns:a16="http://schemas.microsoft.com/office/drawing/2014/main" id="{0BF4380C-7BCB-408F-AB44-3F65689B7EE2}"/>
+                <a16:creationId xmlns:a16="http://schemas.microsoft.com/office/drawing/2014/main" xmlns="" id="{0BF4380C-7BCB-408F-AB44-3F65689B7EE2}"/>
               </a:ext>
             </a:extLst>
           </p:cNvPr>
@@ -6142,7 +6658,7 @@
           <p:cNvPr id="7" name="TextBox 6">
             <a:extLst>
               <a:ext uri="{FF2B5EF4-FFF2-40B4-BE49-F238E27FC236}">
-                <a16:creationId xmlns:a16="http://schemas.microsoft.com/office/drawing/2014/main" id="{D7208663-32B1-4B7D-87F0-3A1F18036072}"/>
+                <a16:creationId xmlns:a16="http://schemas.microsoft.com/office/drawing/2014/main" xmlns="" id="{D7208663-32B1-4B7D-87F0-3A1F18036072}"/>
               </a:ext>
             </a:extLst>
           </p:cNvPr>
@@ -6180,7 +6696,7 @@
           <p:cNvPr id="14" name="TextBox 13">
             <a:extLst>
               <a:ext uri="{FF2B5EF4-FFF2-40B4-BE49-F238E27FC236}">
-                <a16:creationId xmlns:a16="http://schemas.microsoft.com/office/drawing/2014/main" id="{84BDE09D-AF4A-4D3E-8970-47FF30148AAA}"/>
+                <a16:creationId xmlns:a16="http://schemas.microsoft.com/office/drawing/2014/main" xmlns="" id="{84BDE09D-AF4A-4D3E-8970-47FF30148AAA}"/>
               </a:ext>
             </a:extLst>
           </p:cNvPr>
@@ -6247,7 +6763,7 @@
         <p:spPr>
           <a:xfrm>
             <a:off x="4089400" y="1607542"/>
-            <a:ext cx="6717030" cy="3508653"/>
+            <a:ext cx="6717030" cy="3724096"/>
           </a:xfrm>
           <a:prstGeom prst="rect">
             <a:avLst/>
@@ -6402,7 +6918,7 @@
               <a:t>보스의 체력을 깎는 </a:t>
             </a:r>
             <a:r>
-              <a:rPr lang="en-US" altLang="ko-KR" sz="1600" b="0" cap="none" dirty="0" err="1">
+              <a:rPr lang="en-US" altLang="ko-KR" sz="1600" b="0" cap="none" dirty="0">
                 <a:solidFill>
                   <a:srgbClr val="FFFFFF"/>
                 </a:solidFill>
@@ -6422,7 +6938,7 @@
               <a:t> </a:t>
             </a:r>
             <a:r>
-              <a:rPr lang="en-US" altLang="ko-KR" sz="1600" b="0" cap="none" dirty="0" err="1">
+              <a:rPr lang="en-US" altLang="ko-KR" sz="1600" b="0" cap="none" dirty="0">
                 <a:solidFill>
                   <a:srgbClr val="FFFFFF"/>
                 </a:solidFill>
@@ -6442,7 +6958,7 @@
               <a:t> </a:t>
             </a:r>
             <a:r>
-              <a:rPr lang="en-US" altLang="ko-KR" sz="1600" b="0" cap="none" dirty="0" err="1">
+              <a:rPr lang="en-US" altLang="ko-KR" sz="1600" b="0" cap="none" dirty="0">
                 <a:solidFill>
                   <a:srgbClr val="FFFFFF"/>
                 </a:solidFill>
@@ -6578,7 +7094,7 @@
               <a:t>- </a:t>
             </a:r>
             <a:r>
-              <a:rPr lang="en-US" altLang="ko-KR" sz="1400" b="0" cap="none" dirty="0" err="1">
+              <a:rPr lang="en-US" altLang="ko-KR" sz="1400" b="0" cap="none" dirty="0">
                 <a:solidFill>
                   <a:srgbClr val="FFFFFF"/>
                 </a:solidFill>
@@ -6598,7 +7114,7 @@
               <a:t> </a:t>
             </a:r>
             <a:r>
-              <a:rPr lang="en-US" altLang="ko-KR" sz="1400" b="0" cap="none" dirty="0" err="1">
+              <a:rPr lang="en-US" altLang="ko-KR" sz="1400" b="0" cap="none" dirty="0">
                 <a:solidFill>
                   <a:srgbClr val="FFFFFF"/>
                 </a:solidFill>
@@ -6618,7 +7134,7 @@
               <a:t> </a:t>
             </a:r>
             <a:r>
-              <a:rPr lang="en-US" altLang="ko-KR" sz="1400" b="0" cap="none" dirty="0" err="1">
+              <a:rPr lang="en-US" altLang="ko-KR" sz="1400" b="0" cap="none" dirty="0">
                 <a:solidFill>
                   <a:srgbClr val="FFFFFF"/>
                 </a:solidFill>
@@ -6638,7 +7154,7 @@
               <a:t> </a:t>
             </a:r>
             <a:r>
-              <a:rPr lang="en-US" altLang="ko-KR" sz="1400" b="0" cap="none" dirty="0" err="1">
+              <a:rPr lang="en-US" altLang="ko-KR" sz="1400" b="0" cap="none" dirty="0">
                 <a:solidFill>
                   <a:srgbClr val="FFFFFF"/>
                 </a:solidFill>
@@ -6658,7 +7174,7 @@
               <a:t> </a:t>
             </a:r>
             <a:r>
-              <a:rPr lang="en-US" altLang="ko-KR" sz="1400" b="0" cap="none" dirty="0" err="1">
+              <a:rPr lang="en-US" altLang="ko-KR" sz="1400" b="0" cap="none" dirty="0">
                 <a:solidFill>
                   <a:srgbClr val="FFFFFF"/>
                 </a:solidFill>
@@ -6678,7 +7194,7 @@
               <a:t> </a:t>
             </a:r>
             <a:r>
-              <a:rPr lang="en-US" altLang="ko-KR" sz="1400" b="0" cap="none" dirty="0" err="1">
+              <a:rPr lang="en-US" altLang="ko-KR" sz="1400" b="0" cap="none" dirty="0">
                 <a:solidFill>
                   <a:srgbClr val="FFFFFF"/>
                 </a:solidFill>
@@ -6698,7 +7214,7 @@
               <a:t> 시 </a:t>
             </a:r>
             <a:r>
-              <a:rPr lang="en-US" altLang="ko-KR" sz="1400" b="0" cap="none" dirty="0" err="1">
+              <a:rPr lang="en-US" altLang="ko-KR" sz="1400" b="0" cap="none" dirty="0">
                 <a:solidFill>
                   <a:srgbClr val="FFFFFF"/>
                 </a:solidFill>
@@ -6718,7 +7234,7 @@
               <a:t> 큰 </a:t>
             </a:r>
             <a:r>
-              <a:rPr lang="en-US" altLang="ko-KR" sz="1400" b="0" cap="none" dirty="0" err="1">
+              <a:rPr lang="en-US" altLang="ko-KR" sz="1400" b="0" cap="none" dirty="0">
                 <a:solidFill>
                   <a:srgbClr val="FFFFFF"/>
                 </a:solidFill>
@@ -6738,7 +7254,7 @@
               <a:t> </a:t>
             </a:r>
             <a:r>
-              <a:rPr lang="en-US" altLang="ko-KR" sz="1400" b="0" cap="none" dirty="0" err="1">
+              <a:rPr lang="en-US" altLang="ko-KR" sz="1400" b="0" cap="none" dirty="0">
                 <a:solidFill>
                   <a:srgbClr val="FFFFFF"/>
                 </a:solidFill>
@@ -6898,10 +7414,10 @@
           <p:nvPr/>
         </p:nvPicPr>
         <p:blipFill rotWithShape="1">
-          <a:blip r:embed="rId3">
+          <a:blip r:embed="rId3" cstate="print">
             <a:extLst>
               <a:ext uri="{28A0092B-C50C-407E-A947-70E740481C1C}">
-                <a14:useLocalDpi xmlns:a14="http://schemas.microsoft.com/office/drawing/2010/main" val="0"/>
+                <a14:useLocalDpi xmlns:a14="http://schemas.microsoft.com/office/drawing/2010/main" xmlns="" val="0"/>
               </a:ext>
             </a:extLst>
           </a:blip>
@@ -6933,7 +7449,7 @@
           <a:blip r:embed="rId4" cstate="print">
             <a:extLst>
               <a:ext uri="{28A0092B-C50C-407E-A947-70E740481C1C}">
-                <a14:useLocalDpi xmlns:a14="http://schemas.microsoft.com/office/drawing/2010/main" val="0"/>
+                <a14:useLocalDpi xmlns:a14="http://schemas.microsoft.com/office/drawing/2010/main" xmlns="" val="0"/>
               </a:ext>
             </a:extLst>
           </a:blip>
@@ -6972,7 +7488,7 @@
           <a:blip r:embed="rId5" cstate="print">
             <a:extLst>
               <a:ext uri="{28A0092B-C50C-407E-A947-70E740481C1C}">
-                <a14:useLocalDpi xmlns:a14="http://schemas.microsoft.com/office/drawing/2010/main" val="0"/>
+                <a14:useLocalDpi xmlns:a14="http://schemas.microsoft.com/office/drawing/2010/main" xmlns="" val="0"/>
               </a:ext>
             </a:extLst>
           </a:blip>
@@ -7010,7 +7526,7 @@
         <p:spPr>
           <a:xfrm>
             <a:off x="4087495" y="5252442"/>
-            <a:ext cx="6282690" cy="1355725"/>
+            <a:ext cx="6282690" cy="1601721"/>
           </a:xfrm>
           <a:prstGeom prst="rect">
             <a:avLst/>
@@ -7196,7 +7712,17 @@
                 <a:latin typeface="한컴 윤고딕 240" panose="02020603020101020101" pitchFamily="18" charset="-127"/>
                 <a:ea typeface="한컴 윤고딕 240" panose="02020603020101020101" pitchFamily="18" charset="-127"/>
               </a:rPr>
-              <a:t>총 2번 살려줄 수 있다</a:t>
+              <a:t>총 2번 살려줄 수 </a:t>
+            </a:r>
+            <a:r>
+              <a:rPr lang="en-US" altLang="ko-KR" sz="1600" b="0" cap="none" dirty="0" smtClean="0">
+                <a:solidFill>
+                  <a:srgbClr val="FFFFFF"/>
+                </a:solidFill>
+                <a:latin typeface="한컴 윤고딕 240" panose="02020603020101020101" pitchFamily="18" charset="-127"/>
+                <a:ea typeface="한컴 윤고딕 240" panose="02020603020101020101" pitchFamily="18" charset="-127"/>
+              </a:rPr>
+              <a:t>있다</a:t>
             </a:r>
             <a:endParaRPr lang="ko-KR" altLang="en-US" sz="1400" b="0" cap="none" dirty="0">
               <a:solidFill>
@@ -7220,7 +7746,7 @@
           <a:blip r:embed="rId6" cstate="print">
             <a:extLst>
               <a:ext uri="{28A0092B-C50C-407E-A947-70E740481C1C}">
-                <a14:useLocalDpi xmlns:a14="http://schemas.microsoft.com/office/drawing/2010/main" val="0"/>
+                <a14:useLocalDpi xmlns:a14="http://schemas.microsoft.com/office/drawing/2010/main" xmlns="" val="0"/>
               </a:ext>
             </a:extLst>
           </a:blip>
@@ -7279,7 +7805,7 @@
           <a:blip r:embed="rId7" cstate="print">
             <a:extLst>
               <a:ext uri="{28A0092B-C50C-407E-A947-70E740481C1C}">
-                <a14:useLocalDpi xmlns:a14="http://schemas.microsoft.com/office/drawing/2010/main" val="0"/>
+                <a14:useLocalDpi xmlns:a14="http://schemas.microsoft.com/office/drawing/2010/main" xmlns="" val="0"/>
               </a:ext>
             </a:extLst>
           </a:blip>
@@ -7331,7 +7857,7 @@
           <p:cNvPr id="27" name="그룹 26">
             <a:extLst>
               <a:ext uri="{FF2B5EF4-FFF2-40B4-BE49-F238E27FC236}">
-                <a16:creationId xmlns:a16="http://schemas.microsoft.com/office/drawing/2014/main" id="{CA325A49-D224-48B9-A1A8-B6FA918447AB}"/>
+                <a16:creationId xmlns:a16="http://schemas.microsoft.com/office/drawing/2014/main" xmlns="" id="{CA325A49-D224-48B9-A1A8-B6FA918447AB}"/>
               </a:ext>
             </a:extLst>
           </p:cNvPr>
@@ -7351,7 +7877,7 @@
             <p:cNvPr id="32" name="타원 31">
               <a:extLst>
                 <a:ext uri="{FF2B5EF4-FFF2-40B4-BE49-F238E27FC236}">
-                  <a16:creationId xmlns:a16="http://schemas.microsoft.com/office/drawing/2014/main" id="{C0B55A86-B0ED-459C-97D8-DFEBC9CE7094}"/>
+                  <a16:creationId xmlns:a16="http://schemas.microsoft.com/office/drawing/2014/main" xmlns="" id="{C0B55A86-B0ED-459C-97D8-DFEBC9CE7094}"/>
                 </a:ext>
               </a:extLst>
             </p:cNvPr>
@@ -7403,7 +7929,7 @@
             <p:cNvPr id="33" name="타원 32">
               <a:extLst>
                 <a:ext uri="{FF2B5EF4-FFF2-40B4-BE49-F238E27FC236}">
-                  <a16:creationId xmlns:a16="http://schemas.microsoft.com/office/drawing/2014/main" id="{5552066D-7B2F-472F-8E40-B3D8359829B6}"/>
+                  <a16:creationId xmlns:a16="http://schemas.microsoft.com/office/drawing/2014/main" xmlns="" id="{5552066D-7B2F-472F-8E40-B3D8359829B6}"/>
                 </a:ext>
               </a:extLst>
             </p:cNvPr>
@@ -7455,7 +7981,7 @@
             <p:cNvPr id="34" name="타원 33">
               <a:extLst>
                 <a:ext uri="{FF2B5EF4-FFF2-40B4-BE49-F238E27FC236}">
-                  <a16:creationId xmlns:a16="http://schemas.microsoft.com/office/drawing/2014/main" id="{20A699A3-682E-4AD6-AB1F-103D65A50F5B}"/>
+                  <a16:creationId xmlns:a16="http://schemas.microsoft.com/office/drawing/2014/main" xmlns="" id="{20A699A3-682E-4AD6-AB1F-103D65A50F5B}"/>
                 </a:ext>
               </a:extLst>
             </p:cNvPr>
@@ -7507,7 +8033,7 @@
             <p:cNvPr id="35" name="직선 연결선 34">
               <a:extLst>
                 <a:ext uri="{FF2B5EF4-FFF2-40B4-BE49-F238E27FC236}">
-                  <a16:creationId xmlns:a16="http://schemas.microsoft.com/office/drawing/2014/main" id="{5DF1938A-DE9C-4429-BB63-1071655A51BE}"/>
+                  <a16:creationId xmlns:a16="http://schemas.microsoft.com/office/drawing/2014/main" xmlns="" id="{5DF1938A-DE9C-4429-BB63-1071655A51BE}"/>
                 </a:ext>
               </a:extLst>
             </p:cNvPr>
@@ -7565,7 +8091,7 @@
           <p:cNvPr id="36" name="직선 연결선 35">
             <a:extLst>
               <a:ext uri="{FF2B5EF4-FFF2-40B4-BE49-F238E27FC236}">
-                <a16:creationId xmlns:a16="http://schemas.microsoft.com/office/drawing/2014/main" id="{153DDBBC-CD8C-48BC-A0D8-E0DF3DFE5533}"/>
+                <a16:creationId xmlns:a16="http://schemas.microsoft.com/office/drawing/2014/main" xmlns="" id="{153DDBBC-CD8C-48BC-A0D8-E0DF3DFE5533}"/>
               </a:ext>
             </a:extLst>
           </p:cNvPr>
@@ -7620,13 +8146,20 @@
     </p:spTree>
     <p:extLst>
       <p:ext uri="{BB962C8B-B14F-4D97-AF65-F5344CB8AC3E}">
-        <p14:creationId xmlns:p14="http://schemas.microsoft.com/office/powerpoint/2010/main" val="3284290139"/>
+        <p14:creationId xmlns:p14="http://schemas.microsoft.com/office/powerpoint/2010/main" xmlns="" val="3284290139"/>
       </p:ext>
     </p:extLst>
   </p:cSld>
   <p:clrMapOvr>
     <a:masterClrMapping/>
   </p:clrMapOvr>
+  <p:timing>
+    <p:tnLst>
+      <p:par>
+        <p:cTn id="1" dur="indefinite" restart="never" nodeType="tmRoot"/>
+      </p:par>
+    </p:tnLst>
+  </p:timing>
 </p:sld>
 </file>
 
@@ -7636,10 +8169,10 @@
     <p:bg>
       <p:bgPr>
         <a:blipFill rotWithShape="1">
-          <a:blip r:embed="rId2">
+          <a:blip r:embed="rId2" cstate="print">
             <a:extLst>
               <a:ext uri="{28A0092B-C50C-407E-A947-70E740481C1C}">
-                <a14:useLocalDpi xmlns:a14="http://schemas.microsoft.com/office/drawing/2010/main" val="0"/>
+                <a14:useLocalDpi xmlns:a14="http://schemas.microsoft.com/office/drawing/2010/main" xmlns="" val="0"/>
               </a:ext>
             </a:extLst>
           </a:blip>
@@ -7670,7 +8203,7 @@
           <p:cNvPr id="19" name="직사각형 18">
             <a:extLst>
               <a:ext uri="{FF2B5EF4-FFF2-40B4-BE49-F238E27FC236}">
-                <a16:creationId xmlns:a16="http://schemas.microsoft.com/office/drawing/2014/main" id="{C928AAE9-9366-4A00-9F63-9855B3CAF62D}"/>
+                <a16:creationId xmlns:a16="http://schemas.microsoft.com/office/drawing/2014/main" xmlns="" id="{C928AAE9-9366-4A00-9F63-9855B3CAF62D}"/>
               </a:ext>
             </a:extLst>
           </p:cNvPr>
@@ -7724,7 +8257,7 @@
           <p:cNvPr id="2" name="직사각형 1">
             <a:extLst>
               <a:ext uri="{FF2B5EF4-FFF2-40B4-BE49-F238E27FC236}">
-                <a16:creationId xmlns:a16="http://schemas.microsoft.com/office/drawing/2014/main" id="{0BF4380C-7BCB-408F-AB44-3F65689B7EE2}"/>
+                <a16:creationId xmlns:a16="http://schemas.microsoft.com/office/drawing/2014/main" xmlns="" id="{0BF4380C-7BCB-408F-AB44-3F65689B7EE2}"/>
               </a:ext>
             </a:extLst>
           </p:cNvPr>
@@ -7778,7 +8311,7 @@
           <p:cNvPr id="7" name="TextBox 6">
             <a:extLst>
               <a:ext uri="{FF2B5EF4-FFF2-40B4-BE49-F238E27FC236}">
-                <a16:creationId xmlns:a16="http://schemas.microsoft.com/office/drawing/2014/main" id="{D7208663-32B1-4B7D-87F0-3A1F18036072}"/>
+                <a16:creationId xmlns:a16="http://schemas.microsoft.com/office/drawing/2014/main" xmlns="" id="{D7208663-32B1-4B7D-87F0-3A1F18036072}"/>
               </a:ext>
             </a:extLst>
           </p:cNvPr>
@@ -7816,7 +8349,7 @@
           <p:cNvPr id="14" name="TextBox 13">
             <a:extLst>
               <a:ext uri="{FF2B5EF4-FFF2-40B4-BE49-F238E27FC236}">
-                <a16:creationId xmlns:a16="http://schemas.microsoft.com/office/drawing/2014/main" id="{84BDE09D-AF4A-4D3E-8970-47FF30148AAA}"/>
+                <a16:creationId xmlns:a16="http://schemas.microsoft.com/office/drawing/2014/main" xmlns="" id="{84BDE09D-AF4A-4D3E-8970-47FF30148AAA}"/>
               </a:ext>
             </a:extLst>
           </p:cNvPr>
@@ -8268,7 +8801,7 @@
           <p:cNvPr id="18" name="그림 17">
             <a:extLst>
               <a:ext uri="{FF2B5EF4-FFF2-40B4-BE49-F238E27FC236}">
-                <a16:creationId xmlns:a16="http://schemas.microsoft.com/office/drawing/2014/main" id="{05D098A1-281A-4612-8D8E-0D23E37884CB}"/>
+                <a16:creationId xmlns:a16="http://schemas.microsoft.com/office/drawing/2014/main" xmlns="" id="{05D098A1-281A-4612-8D8E-0D23E37884CB}"/>
               </a:ext>
             </a:extLst>
           </p:cNvPr>
@@ -8281,7 +8814,7 @@
           <a:blip r:embed="rId3" cstate="print">
             <a:extLst>
               <a:ext uri="{28A0092B-C50C-407E-A947-70E740481C1C}">
-                <a14:useLocalDpi xmlns:a14="http://schemas.microsoft.com/office/drawing/2010/main" val="0"/>
+                <a14:useLocalDpi xmlns:a14="http://schemas.microsoft.com/office/drawing/2010/main" xmlns="" val="0"/>
               </a:ext>
             </a:extLst>
           </a:blip>
@@ -8308,10 +8841,10 @@
           <p:nvPr/>
         </p:nvPicPr>
         <p:blipFill rotWithShape="1">
-          <a:blip r:embed="rId4">
+          <a:blip r:embed="rId4" cstate="print">
             <a:extLst>
               <a:ext uri="{28A0092B-C50C-407E-A947-70E740481C1C}">
-                <a14:useLocalDpi xmlns:a14="http://schemas.microsoft.com/office/drawing/2010/main" val="0"/>
+                <a14:useLocalDpi xmlns:a14="http://schemas.microsoft.com/office/drawing/2010/main" xmlns="" val="0"/>
               </a:ext>
             </a:extLst>
           </a:blip>
@@ -8347,10 +8880,10 @@
           <p:nvPr/>
         </p:nvPicPr>
         <p:blipFill rotWithShape="1">
-          <a:blip r:embed="rId5">
+          <a:blip r:embed="rId5" cstate="print">
             <a:extLst>
               <a:ext uri="{28A0092B-C50C-407E-A947-70E740481C1C}">
-                <a14:useLocalDpi xmlns:a14="http://schemas.microsoft.com/office/drawing/2010/main" val="0"/>
+                <a14:useLocalDpi xmlns:a14="http://schemas.microsoft.com/office/drawing/2010/main" xmlns="" val="0"/>
               </a:ext>
             </a:extLst>
           </a:blip>
@@ -8386,10 +8919,10 @@
           <p:nvPr/>
         </p:nvPicPr>
         <p:blipFill rotWithShape="1">
-          <a:blip r:embed="rId6">
+          <a:blip r:embed="rId6" cstate="print">
             <a:extLst>
               <a:ext uri="{28A0092B-C50C-407E-A947-70E740481C1C}">
-                <a14:useLocalDpi xmlns:a14="http://schemas.microsoft.com/office/drawing/2010/main" val="0"/>
+                <a14:useLocalDpi xmlns:a14="http://schemas.microsoft.com/office/drawing/2010/main" xmlns="" val="0"/>
               </a:ext>
             </a:extLst>
           </a:blip>
@@ -8421,7 +8954,7 @@
           <p:cNvPr id="27" name="그룹 26">
             <a:extLst>
               <a:ext uri="{FF2B5EF4-FFF2-40B4-BE49-F238E27FC236}">
-                <a16:creationId xmlns:a16="http://schemas.microsoft.com/office/drawing/2014/main" id="{A26D6ADB-FB19-4541-83AE-9E61965A6410}"/>
+                <a16:creationId xmlns:a16="http://schemas.microsoft.com/office/drawing/2014/main" xmlns="" id="{A26D6ADB-FB19-4541-83AE-9E61965A6410}"/>
               </a:ext>
             </a:extLst>
           </p:cNvPr>
@@ -8441,7 +8974,7 @@
             <p:cNvPr id="28" name="타원 27">
               <a:extLst>
                 <a:ext uri="{FF2B5EF4-FFF2-40B4-BE49-F238E27FC236}">
-                  <a16:creationId xmlns:a16="http://schemas.microsoft.com/office/drawing/2014/main" id="{3F851138-75DB-4D74-8414-F5B144B48A37}"/>
+                  <a16:creationId xmlns:a16="http://schemas.microsoft.com/office/drawing/2014/main" xmlns="" id="{3F851138-75DB-4D74-8414-F5B144B48A37}"/>
                 </a:ext>
               </a:extLst>
             </p:cNvPr>
@@ -8493,7 +9026,7 @@
             <p:cNvPr id="29" name="타원 28">
               <a:extLst>
                 <a:ext uri="{FF2B5EF4-FFF2-40B4-BE49-F238E27FC236}">
-                  <a16:creationId xmlns:a16="http://schemas.microsoft.com/office/drawing/2014/main" id="{5090239F-CE3C-4F0F-96A0-01D6F93C4784}"/>
+                  <a16:creationId xmlns:a16="http://schemas.microsoft.com/office/drawing/2014/main" xmlns="" id="{5090239F-CE3C-4F0F-96A0-01D6F93C4784}"/>
                 </a:ext>
               </a:extLst>
             </p:cNvPr>
@@ -8545,7 +9078,7 @@
             <p:cNvPr id="30" name="타원 29">
               <a:extLst>
                 <a:ext uri="{FF2B5EF4-FFF2-40B4-BE49-F238E27FC236}">
-                  <a16:creationId xmlns:a16="http://schemas.microsoft.com/office/drawing/2014/main" id="{50C89208-6CD2-4951-9BFB-D4543EA87DAE}"/>
+                  <a16:creationId xmlns:a16="http://schemas.microsoft.com/office/drawing/2014/main" xmlns="" id="{50C89208-6CD2-4951-9BFB-D4543EA87DAE}"/>
                 </a:ext>
               </a:extLst>
             </p:cNvPr>
@@ -8597,7 +9130,7 @@
             <p:cNvPr id="31" name="직선 연결선 30">
               <a:extLst>
                 <a:ext uri="{FF2B5EF4-FFF2-40B4-BE49-F238E27FC236}">
-                  <a16:creationId xmlns:a16="http://schemas.microsoft.com/office/drawing/2014/main" id="{E16152C2-04B9-483F-A735-BE54FD20DB96}"/>
+                  <a16:creationId xmlns:a16="http://schemas.microsoft.com/office/drawing/2014/main" xmlns="" id="{E16152C2-04B9-483F-A735-BE54FD20DB96}"/>
                 </a:ext>
               </a:extLst>
             </p:cNvPr>
@@ -8655,7 +9188,7 @@
           <p:cNvPr id="32" name="직선 연결선 31">
             <a:extLst>
               <a:ext uri="{FF2B5EF4-FFF2-40B4-BE49-F238E27FC236}">
-                <a16:creationId xmlns:a16="http://schemas.microsoft.com/office/drawing/2014/main" id="{D048AC44-65CD-4E82-A604-0270A988768B}"/>
+                <a16:creationId xmlns:a16="http://schemas.microsoft.com/office/drawing/2014/main" xmlns="" id="{D048AC44-65CD-4E82-A604-0270A988768B}"/>
               </a:ext>
             </a:extLst>
           </p:cNvPr>
@@ -8710,7 +9243,7 @@
     </p:spTree>
     <p:extLst>
       <p:ext uri="{BB962C8B-B14F-4D97-AF65-F5344CB8AC3E}">
-        <p14:creationId xmlns:p14="http://schemas.microsoft.com/office/powerpoint/2010/main" val="2726659402"/>
+        <p14:creationId xmlns:p14="http://schemas.microsoft.com/office/powerpoint/2010/main" xmlns="" val="2726659402"/>
       </p:ext>
     </p:extLst>
   </p:cSld>
@@ -8726,10 +9259,10 @@
     <p:bg>
       <p:bgPr>
         <a:blipFill rotWithShape="1">
-          <a:blip r:embed="rId2">
+          <a:blip r:embed="rId2" cstate="print">
             <a:extLst>
               <a:ext uri="{28A0092B-C50C-407E-A947-70E740481C1C}">
-                <a14:useLocalDpi xmlns:a14="http://schemas.microsoft.com/office/drawing/2010/main" val="0"/>
+                <a14:useLocalDpi xmlns:a14="http://schemas.microsoft.com/office/drawing/2010/main" xmlns="" val="0"/>
               </a:ext>
             </a:extLst>
           </a:blip>
@@ -8760,7 +9293,7 @@
           <p:cNvPr id="2" name="직사각형 1">
             <a:extLst>
               <a:ext uri="{FF2B5EF4-FFF2-40B4-BE49-F238E27FC236}">
-                <a16:creationId xmlns:a16="http://schemas.microsoft.com/office/drawing/2014/main" id="{0BF4380C-7BCB-408F-AB44-3F65689B7EE2}"/>
+                <a16:creationId xmlns:a16="http://schemas.microsoft.com/office/drawing/2014/main" xmlns="" id="{0BF4380C-7BCB-408F-AB44-3F65689B7EE2}"/>
               </a:ext>
             </a:extLst>
           </p:cNvPr>
@@ -8814,7 +9347,7 @@
           <p:cNvPr id="7" name="TextBox 6">
             <a:extLst>
               <a:ext uri="{FF2B5EF4-FFF2-40B4-BE49-F238E27FC236}">
-                <a16:creationId xmlns:a16="http://schemas.microsoft.com/office/drawing/2014/main" id="{D7208663-32B1-4B7D-87F0-3A1F18036072}"/>
+                <a16:creationId xmlns:a16="http://schemas.microsoft.com/office/drawing/2014/main" xmlns="" id="{D7208663-32B1-4B7D-87F0-3A1F18036072}"/>
               </a:ext>
             </a:extLst>
           </p:cNvPr>
@@ -8852,7 +9385,7 @@
           <p:cNvPr id="14" name="TextBox 13">
             <a:extLst>
               <a:ext uri="{FF2B5EF4-FFF2-40B4-BE49-F238E27FC236}">
-                <a16:creationId xmlns:a16="http://schemas.microsoft.com/office/drawing/2014/main" id="{84BDE09D-AF4A-4D3E-8970-47FF30148AAA}"/>
+                <a16:creationId xmlns:a16="http://schemas.microsoft.com/office/drawing/2014/main" xmlns="" id="{84BDE09D-AF4A-4D3E-8970-47FF30148AAA}"/>
               </a:ext>
             </a:extLst>
           </p:cNvPr>
@@ -8981,7 +9514,7 @@
           <p:cNvPr id="17" name="TextBox 16">
             <a:extLst>
               <a:ext uri="{FF2B5EF4-FFF2-40B4-BE49-F238E27FC236}">
-                <a16:creationId xmlns:a16="http://schemas.microsoft.com/office/drawing/2014/main" id="{0826616D-B037-4F7C-A5C4-674E2E682881}"/>
+                <a16:creationId xmlns:a16="http://schemas.microsoft.com/office/drawing/2014/main" xmlns="" id="{0826616D-B037-4F7C-A5C4-674E2E682881}"/>
               </a:ext>
             </a:extLst>
           </p:cNvPr>
@@ -9051,10 +9584,10 @@
           <p:nvPr/>
         </p:nvPicPr>
         <p:blipFill rotWithShape="1">
-          <a:blip r:embed="rId3">
+          <a:blip r:embed="rId3" cstate="print">
             <a:extLst>
               <a:ext uri="{28A0092B-C50C-407E-A947-70E740481C1C}">
-                <a14:useLocalDpi xmlns:a14="http://schemas.microsoft.com/office/drawing/2010/main" val="0"/>
+                <a14:useLocalDpi xmlns:a14="http://schemas.microsoft.com/office/drawing/2010/main" xmlns="" val="0"/>
               </a:ext>
             </a:extLst>
           </a:blip>
@@ -9337,7 +9870,7 @@
           <a:blip r:embed="rId4" cstate="print">
             <a:extLst>
               <a:ext uri="{28A0092B-C50C-407E-A947-70E740481C1C}">
-                <a14:useLocalDpi xmlns:a14="http://schemas.microsoft.com/office/drawing/2010/main" val="0"/>
+                <a14:useLocalDpi xmlns:a14="http://schemas.microsoft.com/office/drawing/2010/main" xmlns="" val="0"/>
               </a:ext>
             </a:extLst>
           </a:blip>
@@ -9369,7 +9902,7 @@
           <a:blip r:embed="rId5" cstate="print">
             <a:extLst>
               <a:ext uri="{28A0092B-C50C-407E-A947-70E740481C1C}">
-                <a14:useLocalDpi xmlns:a14="http://schemas.microsoft.com/office/drawing/2010/main" val="0"/>
+                <a14:useLocalDpi xmlns:a14="http://schemas.microsoft.com/office/drawing/2010/main" xmlns="" val="0"/>
               </a:ext>
             </a:extLst>
           </a:blip>
@@ -9550,7 +10083,7 @@
               <a:t>리스폰 되며 플레이어의 </a:t>
             </a:r>
             <a:r>
-              <a:rPr lang="en-US" altLang="ko-KR" sz="1600" b="0" cap="none" dirty="0" err="1">
+              <a:rPr lang="en-US" altLang="ko-KR" sz="1600" b="0" cap="none" dirty="0">
                 <a:solidFill>
                   <a:schemeClr val="bg1"/>
                 </a:solidFill>
@@ -9570,7 +10103,7 @@
               <a:t> </a:t>
             </a:r>
             <a:r>
-              <a:rPr lang="en-US" altLang="ko-KR" sz="1600" b="0" cap="none" dirty="0" err="1">
+              <a:rPr lang="en-US" altLang="ko-KR" sz="1600" b="0" cap="none" dirty="0">
                 <a:solidFill>
                   <a:schemeClr val="bg1"/>
                 </a:solidFill>
@@ -9594,7 +10127,7 @@
           <p:cNvPr id="30" name="그룹 29">
             <a:extLst>
               <a:ext uri="{FF2B5EF4-FFF2-40B4-BE49-F238E27FC236}">
-                <a16:creationId xmlns:a16="http://schemas.microsoft.com/office/drawing/2014/main" id="{1E7CA0B5-7E4C-4B9F-AAC4-049155BD30E3}"/>
+                <a16:creationId xmlns:a16="http://schemas.microsoft.com/office/drawing/2014/main" xmlns="" id="{1E7CA0B5-7E4C-4B9F-AAC4-049155BD30E3}"/>
               </a:ext>
             </a:extLst>
           </p:cNvPr>
@@ -9614,7 +10147,7 @@
             <p:cNvPr id="31" name="타원 30">
               <a:extLst>
                 <a:ext uri="{FF2B5EF4-FFF2-40B4-BE49-F238E27FC236}">
-                  <a16:creationId xmlns:a16="http://schemas.microsoft.com/office/drawing/2014/main" id="{5E201EEB-213B-4139-8899-ECA1C4929881}"/>
+                  <a16:creationId xmlns:a16="http://schemas.microsoft.com/office/drawing/2014/main" xmlns="" id="{5E201EEB-213B-4139-8899-ECA1C4929881}"/>
                 </a:ext>
               </a:extLst>
             </p:cNvPr>
@@ -9666,7 +10199,7 @@
             <p:cNvPr id="32" name="타원 31">
               <a:extLst>
                 <a:ext uri="{FF2B5EF4-FFF2-40B4-BE49-F238E27FC236}">
-                  <a16:creationId xmlns:a16="http://schemas.microsoft.com/office/drawing/2014/main" id="{E9DE96AD-616A-4A97-A72E-F91A73E0EEF3}"/>
+                  <a16:creationId xmlns:a16="http://schemas.microsoft.com/office/drawing/2014/main" xmlns="" id="{E9DE96AD-616A-4A97-A72E-F91A73E0EEF3}"/>
                 </a:ext>
               </a:extLst>
             </p:cNvPr>
@@ -9718,7 +10251,7 @@
             <p:cNvPr id="33" name="타원 32">
               <a:extLst>
                 <a:ext uri="{FF2B5EF4-FFF2-40B4-BE49-F238E27FC236}">
-                  <a16:creationId xmlns:a16="http://schemas.microsoft.com/office/drawing/2014/main" id="{DD73CD3D-1CAE-4077-8BE2-48999EE0DF03}"/>
+                  <a16:creationId xmlns:a16="http://schemas.microsoft.com/office/drawing/2014/main" xmlns="" id="{DD73CD3D-1CAE-4077-8BE2-48999EE0DF03}"/>
                 </a:ext>
               </a:extLst>
             </p:cNvPr>
@@ -9770,7 +10303,7 @@
             <p:cNvPr id="34" name="직선 연결선 33">
               <a:extLst>
                 <a:ext uri="{FF2B5EF4-FFF2-40B4-BE49-F238E27FC236}">
-                  <a16:creationId xmlns:a16="http://schemas.microsoft.com/office/drawing/2014/main" id="{D584B229-1A50-455F-8FE2-AF604BC50FC6}"/>
+                  <a16:creationId xmlns:a16="http://schemas.microsoft.com/office/drawing/2014/main" xmlns="" id="{D584B229-1A50-455F-8FE2-AF604BC50FC6}"/>
                 </a:ext>
               </a:extLst>
             </p:cNvPr>
@@ -9828,7 +10361,7 @@
           <p:cNvPr id="35" name="직선 연결선 34">
             <a:extLst>
               <a:ext uri="{FF2B5EF4-FFF2-40B4-BE49-F238E27FC236}">
-                <a16:creationId xmlns:a16="http://schemas.microsoft.com/office/drawing/2014/main" id="{076A2094-15E3-400D-B1A2-EFF059D73C69}"/>
+                <a16:creationId xmlns:a16="http://schemas.microsoft.com/office/drawing/2014/main" xmlns="" id="{076A2094-15E3-400D-B1A2-EFF059D73C69}"/>
               </a:ext>
             </a:extLst>
           </p:cNvPr>
@@ -9883,7 +10416,7 @@
     </p:spTree>
     <p:extLst>
       <p:ext uri="{BB962C8B-B14F-4D97-AF65-F5344CB8AC3E}">
-        <p14:creationId xmlns:p14="http://schemas.microsoft.com/office/powerpoint/2010/main" val="1385571598"/>
+        <p14:creationId xmlns:p14="http://schemas.microsoft.com/office/powerpoint/2010/main" xmlns="" val="1385571598"/>
       </p:ext>
     </p:extLst>
   </p:cSld>
@@ -9899,10 +10432,10 @@
     <p:bg>
       <p:bgPr>
         <a:blipFill rotWithShape="1">
-          <a:blip r:embed="rId2">
+          <a:blip r:embed="rId2" cstate="print">
             <a:extLst>
               <a:ext uri="{28A0092B-C50C-407E-A947-70E740481C1C}">
-                <a14:useLocalDpi xmlns:a14="http://schemas.microsoft.com/office/drawing/2010/main" val="0"/>
+                <a14:useLocalDpi xmlns:a14="http://schemas.microsoft.com/office/drawing/2010/main" xmlns="" val="0"/>
               </a:ext>
             </a:extLst>
           </a:blip>
@@ -9933,7 +10466,7 @@
           <p:cNvPr id="2" name="직사각형 1">
             <a:extLst>
               <a:ext uri="{FF2B5EF4-FFF2-40B4-BE49-F238E27FC236}">
-                <a16:creationId xmlns:a16="http://schemas.microsoft.com/office/drawing/2014/main" id="{0BF4380C-7BCB-408F-AB44-3F65689B7EE2}"/>
+                <a16:creationId xmlns:a16="http://schemas.microsoft.com/office/drawing/2014/main" xmlns="" id="{0BF4380C-7BCB-408F-AB44-3F65689B7EE2}"/>
               </a:ext>
             </a:extLst>
           </p:cNvPr>
@@ -9987,7 +10520,7 @@
           <p:cNvPr id="7" name="TextBox 6">
             <a:extLst>
               <a:ext uri="{FF2B5EF4-FFF2-40B4-BE49-F238E27FC236}">
-                <a16:creationId xmlns:a16="http://schemas.microsoft.com/office/drawing/2014/main" id="{D7208663-32B1-4B7D-87F0-3A1F18036072}"/>
+                <a16:creationId xmlns:a16="http://schemas.microsoft.com/office/drawing/2014/main" xmlns="" id="{D7208663-32B1-4B7D-87F0-3A1F18036072}"/>
               </a:ext>
             </a:extLst>
           </p:cNvPr>
@@ -10025,7 +10558,7 @@
           <p:cNvPr id="14" name="TextBox 13">
             <a:extLst>
               <a:ext uri="{FF2B5EF4-FFF2-40B4-BE49-F238E27FC236}">
-                <a16:creationId xmlns:a16="http://schemas.microsoft.com/office/drawing/2014/main" id="{84BDE09D-AF4A-4D3E-8970-47FF30148AAA}"/>
+                <a16:creationId xmlns:a16="http://schemas.microsoft.com/office/drawing/2014/main" xmlns="" id="{84BDE09D-AF4A-4D3E-8970-47FF30148AAA}"/>
               </a:ext>
             </a:extLst>
           </p:cNvPr>
@@ -10086,7 +10619,7 @@
           <p:cNvPr id="15" name="그룹 14">
             <a:extLst>
               <a:ext uri="{FF2B5EF4-FFF2-40B4-BE49-F238E27FC236}">
-                <a16:creationId xmlns:a16="http://schemas.microsoft.com/office/drawing/2014/main" id="{9ED46135-B5C0-4432-A531-F1E6CD2D1ECF}"/>
+                <a16:creationId xmlns:a16="http://schemas.microsoft.com/office/drawing/2014/main" xmlns="" id="{9ED46135-B5C0-4432-A531-F1E6CD2D1ECF}"/>
               </a:ext>
             </a:extLst>
           </p:cNvPr>
@@ -10106,7 +10639,7 @@
             <p:cNvPr id="17" name="타원 16">
               <a:extLst>
                 <a:ext uri="{FF2B5EF4-FFF2-40B4-BE49-F238E27FC236}">
-                  <a16:creationId xmlns:a16="http://schemas.microsoft.com/office/drawing/2014/main" id="{6C66F7E7-D1F9-4ED7-8DBD-60AD221C5130}"/>
+                  <a16:creationId xmlns:a16="http://schemas.microsoft.com/office/drawing/2014/main" xmlns="" id="{6C66F7E7-D1F9-4ED7-8DBD-60AD221C5130}"/>
                 </a:ext>
               </a:extLst>
             </p:cNvPr>
@@ -10158,7 +10691,7 @@
             <p:cNvPr id="18" name="타원 17">
               <a:extLst>
                 <a:ext uri="{FF2B5EF4-FFF2-40B4-BE49-F238E27FC236}">
-                  <a16:creationId xmlns:a16="http://schemas.microsoft.com/office/drawing/2014/main" id="{F7E574B8-F120-48ED-9869-CDF1D441786C}"/>
+                  <a16:creationId xmlns:a16="http://schemas.microsoft.com/office/drawing/2014/main" xmlns="" id="{F7E574B8-F120-48ED-9869-CDF1D441786C}"/>
                 </a:ext>
               </a:extLst>
             </p:cNvPr>
@@ -10210,7 +10743,7 @@
             <p:cNvPr id="19" name="타원 18">
               <a:extLst>
                 <a:ext uri="{FF2B5EF4-FFF2-40B4-BE49-F238E27FC236}">
-                  <a16:creationId xmlns:a16="http://schemas.microsoft.com/office/drawing/2014/main" id="{99CFB855-7AFE-4290-B870-D1FC6931B836}"/>
+                  <a16:creationId xmlns:a16="http://schemas.microsoft.com/office/drawing/2014/main" xmlns="" id="{99CFB855-7AFE-4290-B870-D1FC6931B836}"/>
                 </a:ext>
               </a:extLst>
             </p:cNvPr>
@@ -10262,7 +10795,7 @@
             <p:cNvPr id="20" name="직선 연결선 19">
               <a:extLst>
                 <a:ext uri="{FF2B5EF4-FFF2-40B4-BE49-F238E27FC236}">
-                  <a16:creationId xmlns:a16="http://schemas.microsoft.com/office/drawing/2014/main" id="{61B30748-0548-4868-BD00-49135987F7A6}"/>
+                  <a16:creationId xmlns:a16="http://schemas.microsoft.com/office/drawing/2014/main" xmlns="" id="{61B30748-0548-4868-BD00-49135987F7A6}"/>
                 </a:ext>
               </a:extLst>
             </p:cNvPr>
@@ -10320,7 +10853,7 @@
           <p:cNvPr id="21" name="직선 연결선 20">
             <a:extLst>
               <a:ext uri="{FF2B5EF4-FFF2-40B4-BE49-F238E27FC236}">
-                <a16:creationId xmlns:a16="http://schemas.microsoft.com/office/drawing/2014/main" id="{C09FAB96-75D0-4E16-8F87-491CD8330210}"/>
+                <a16:creationId xmlns:a16="http://schemas.microsoft.com/office/drawing/2014/main" xmlns="" id="{C09FAB96-75D0-4E16-8F87-491CD8330210}"/>
               </a:ext>
             </a:extLst>
           </p:cNvPr>
@@ -10381,14 +10914,14 @@
           <p:nvPr>
             <p:extLst>
               <p:ext uri="{D42A27DB-BD31-4B8C-83A1-F6EECF244321}">
-                <p14:modId xmlns:p14="http://schemas.microsoft.com/office/powerpoint/2010/main" val="1100830519"/>
+                <p14:modId xmlns:p14="http://schemas.microsoft.com/office/powerpoint/2010/main" xmlns="" val="1100830519"/>
               </p:ext>
             </p:extLst>
           </p:nvPr>
         </p:nvGraphicFramePr>
         <p:xfrm>
-          <a:off x="1798070" y="1558199"/>
-          <a:ext cx="8935085" cy="5064762"/>
+          <a:off x="2049145" y="1362075"/>
+          <a:ext cx="9437620" cy="5228094"/>
         </p:xfrm>
         <a:graphic>
           <a:graphicData uri="http://schemas.openxmlformats.org/drawingml/2006/table">
@@ -10397,36 +10930,36 @@
                 <a:tableStyleId>{616DA210-FB5B-4158-B5E0-FEB733F419BA}</a:tableStyleId>
               </a:tblPr>
               <a:tblGrid>
-                <a:gridCol w="557884">
+                <a:gridCol w="589261">
                   <a:extLst>
                     <a:ext uri="{9D8B030D-6E8A-4147-A177-3AD203B41FA5}">
-                      <a16:colId xmlns:a16="http://schemas.microsoft.com/office/drawing/2014/main" val="20000"/>
+                      <a16:colId xmlns:a16="http://schemas.microsoft.com/office/drawing/2014/main" xmlns="" val="20000"/>
                     </a:ext>
                   </a:extLst>
                 </a:gridCol>
-                <a:gridCol w="2555161">
+                <a:gridCol w="2698870">
                   <a:extLst>
                     <a:ext uri="{9D8B030D-6E8A-4147-A177-3AD203B41FA5}">
-                      <a16:colId xmlns:a16="http://schemas.microsoft.com/office/drawing/2014/main" val="20001"/>
+                      <a16:colId xmlns:a16="http://schemas.microsoft.com/office/drawing/2014/main" xmlns="" val="20001"/>
                     </a:ext>
                   </a:extLst>
                 </a:gridCol>
-                <a:gridCol w="2857721">
+                <a:gridCol w="3018448">
                   <a:extLst>
                     <a:ext uri="{9D8B030D-6E8A-4147-A177-3AD203B41FA5}">
-                      <a16:colId xmlns:a16="http://schemas.microsoft.com/office/drawing/2014/main" val="20002"/>
+                      <a16:colId xmlns:a16="http://schemas.microsoft.com/office/drawing/2014/main" xmlns="" val="20002"/>
                     </a:ext>
                   </a:extLst>
                 </a:gridCol>
-                <a:gridCol w="2964319">
+                <a:gridCol w="3131041">
                   <a:extLst>
                     <a:ext uri="{9D8B030D-6E8A-4147-A177-3AD203B41FA5}">
-                      <a16:colId xmlns:a16="http://schemas.microsoft.com/office/drawing/2014/main" val="20003"/>
+                      <a16:colId xmlns:a16="http://schemas.microsoft.com/office/drawing/2014/main" xmlns="" val="20003"/>
                     </a:ext>
                   </a:extLst>
                 </a:gridCol>
               </a:tblGrid>
-              <a:tr h="394162">
+              <a:tr h="362640">
                 <a:tc>
                   <a:txBody>
                     <a:bodyPr/>
@@ -10599,11 +11132,11 @@
                 </a:tc>
                 <a:extLst>
                   <a:ext uri="{0D108BD9-81ED-4DB2-BD59-A6C34878D82A}">
-                    <a16:rowId xmlns:a16="http://schemas.microsoft.com/office/drawing/2014/main" val="10000"/>
+                    <a16:rowId xmlns:a16="http://schemas.microsoft.com/office/drawing/2014/main" xmlns="" val="10000"/>
                   </a:ext>
                 </a:extLst>
               </a:tr>
-              <a:tr h="571568">
+              <a:tr h="525858">
                 <a:tc>
                   <a:txBody>
                     <a:bodyPr/>
@@ -10755,11 +11288,11 @@
                 </a:tc>
                 <a:extLst>
                   <a:ext uri="{0D108BD9-81ED-4DB2-BD59-A6C34878D82A}">
-                    <a16:rowId xmlns:a16="http://schemas.microsoft.com/office/drawing/2014/main" val="10001"/>
+                    <a16:rowId xmlns:a16="http://schemas.microsoft.com/office/drawing/2014/main" xmlns="" val="10001"/>
                   </a:ext>
                 </a:extLst>
               </a:tr>
-              <a:tr h="596082">
+              <a:tr h="548412">
                 <a:tc>
                   <a:txBody>
                     <a:bodyPr/>
@@ -10838,16 +11371,46 @@
                         <a:buNone/>
                       </a:pPr>
                       <a:r>
-                        <a:rPr lang="en-US" altLang="ko-KR" sz="1600" b="0" kern="1200" cap="none" dirty="0">
+                        <a:rPr lang="ko-KR" altLang="en-US" sz="1600" b="0" kern="1200" cap="none" dirty="0" smtClean="0">
                           <a:solidFill>
                             <a:schemeClr val="bg1"/>
                           </a:solidFill>
                           <a:latin typeface="한컴 윤고딕 240" panose="02020603020101020101" pitchFamily="18" charset="-127"/>
                           <a:ea typeface="한컴 윤고딕 240" panose="02020603020101020101" pitchFamily="18" charset="-127"/>
                         </a:rPr>
-                        <a:t>맵 기능(장치, 부활 지점, 회복 키트) 및 </a:t>
+                        <a:t>추가</a:t>
                       </a:r>
-                      <a:endParaRPr lang="ko-KR" altLang="en-US" sz="1600" b="0" kern="1200" cap="none" dirty="0">
+                      <a:r>
+                        <a:rPr lang="ko-KR" altLang="en-US" sz="1600" b="0" kern="1200" cap="none" baseline="0" dirty="0" smtClean="0">
+                          <a:solidFill>
+                            <a:schemeClr val="bg1"/>
+                          </a:solidFill>
+                          <a:latin typeface="한컴 윤고딕 240" panose="02020603020101020101" pitchFamily="18" charset="-127"/>
+                          <a:ea typeface="한컴 윤고딕 240" panose="02020603020101020101" pitchFamily="18" charset="-127"/>
+                        </a:rPr>
+                        <a:t> 캐릭터 및 맵 기능</a:t>
+                      </a:r>
+                      <a:r>
+                        <a:rPr lang="en-US" altLang="ko-KR" sz="1600" b="0" kern="1200" cap="none" baseline="0" dirty="0" smtClean="0">
+                          <a:solidFill>
+                            <a:schemeClr val="bg1"/>
+                          </a:solidFill>
+                          <a:latin typeface="한컴 윤고딕 240" panose="02020603020101020101" pitchFamily="18" charset="-127"/>
+                          <a:ea typeface="한컴 윤고딕 240" panose="02020603020101020101" pitchFamily="18" charset="-127"/>
+                        </a:rPr>
+                        <a:t> </a:t>
+                      </a:r>
+                      <a:r>
+                        <a:rPr lang="ko-KR" altLang="en-US" sz="1600" b="0" kern="1200" cap="none" baseline="0" dirty="0" smtClean="0">
+                          <a:solidFill>
+                            <a:schemeClr val="bg1"/>
+                          </a:solidFill>
+                          <a:latin typeface="한컴 윤고딕 240" panose="02020603020101020101" pitchFamily="18" charset="-127"/>
+                          <a:ea typeface="한컴 윤고딕 240" panose="02020603020101020101" pitchFamily="18" charset="-127"/>
+                        </a:rPr>
+                        <a:t>구현</a:t>
+                      </a:r>
+                      <a:endParaRPr lang="en-US" altLang="ko-KR" sz="1600" b="0" kern="1200" cap="none" baseline="0" dirty="0" smtClean="0">
                         <a:solidFill>
                           <a:schemeClr val="bg1"/>
                         </a:solidFill>
@@ -10870,16 +11433,16 @@
                         <a:buNone/>
                       </a:pPr>
                       <a:r>
-                        <a:rPr lang="en-US" altLang="ko-KR" sz="1600" b="0" kern="1200" cap="none" dirty="0">
+                        <a:rPr lang="ko-KR" altLang="en-US" sz="1600" b="0" kern="1200" cap="none" baseline="0" dirty="0" smtClean="0">
                           <a:solidFill>
                             <a:schemeClr val="bg1"/>
                           </a:solidFill>
                           <a:latin typeface="한컴 윤고딕 240" panose="02020603020101020101" pitchFamily="18" charset="-127"/>
                           <a:ea typeface="한컴 윤고딕 240" panose="02020603020101020101" pitchFamily="18" charset="-127"/>
                         </a:rPr>
-                        <a:t>캐릭터와 맵 기능 상호작용 구현</a:t>
+                        <a:t>캐릭터 랜더링</a:t>
                       </a:r>
-                      <a:endParaRPr lang="ko-KR" altLang="en-US" sz="1600" b="0" kern="1200" cap="none" dirty="0">
+                      <a:endParaRPr lang="en-US" altLang="ko-KR" sz="1600" b="0" kern="1200" cap="none" baseline="0" dirty="0" smtClean="0">
                         <a:solidFill>
                           <a:schemeClr val="bg1"/>
                         </a:solidFill>
@@ -10912,11 +11475,11 @@
                 </a:tc>
                 <a:extLst>
                   <a:ext uri="{0D108BD9-81ED-4DB2-BD59-A6C34878D82A}">
-                    <a16:rowId xmlns:a16="http://schemas.microsoft.com/office/drawing/2014/main" val="10002"/>
+                    <a16:rowId xmlns:a16="http://schemas.microsoft.com/office/drawing/2014/main" xmlns="" val="10002"/>
                   </a:ext>
                 </a:extLst>
               </a:tr>
-              <a:tr h="596082">
+              <a:tr h="877665">
                 <a:tc>
                   <a:txBody>
                     <a:bodyPr/>
@@ -11026,16 +11589,26 @@
                         <a:buNone/>
                       </a:pPr>
                       <a:r>
-                        <a:rPr lang="en-US" altLang="ko-KR" sz="1600" b="0" kern="1200" cap="none" dirty="0">
+                        <a:rPr lang="en-US" altLang="ko-KR" sz="1600" b="0" kern="1200" cap="none" dirty="0" smtClean="0">
                           <a:solidFill>
                             <a:schemeClr val="bg1"/>
                           </a:solidFill>
                           <a:latin typeface="한컴 윤고딕 240" panose="02020603020101020101" pitchFamily="18" charset="-127"/>
                           <a:ea typeface="한컴 윤고딕 240" panose="02020603020101020101" pitchFamily="18" charset="-127"/>
                         </a:rPr>
-                        <a:t>아이템 인게임 적용 및 </a:t>
+                        <a:t>캐릭터와 맵 상호작용 </a:t>
                       </a:r>
-                      <a:endParaRPr lang="ko-KR" altLang="en-US" sz="1600" b="0" kern="1200" cap="none" dirty="0">
+                      <a:r>
+                        <a:rPr lang="ko-KR" altLang="en-US" sz="1600" b="0" kern="1200" cap="none" dirty="0" smtClean="0">
+                          <a:solidFill>
+                            <a:schemeClr val="bg1"/>
+                          </a:solidFill>
+                          <a:latin typeface="한컴 윤고딕 240" panose="02020603020101020101" pitchFamily="18" charset="-127"/>
+                          <a:ea typeface="한컴 윤고딕 240" panose="02020603020101020101" pitchFamily="18" charset="-127"/>
+                        </a:rPr>
+                        <a:t>및 </a:t>
+                      </a:r>
+                      <a:endParaRPr lang="en-US" altLang="ko-KR" sz="1600" b="0" kern="1200" cap="none" dirty="0" smtClean="0">
                         <a:solidFill>
                           <a:schemeClr val="bg1"/>
                         </a:solidFill>
@@ -11058,16 +11631,26 @@
                         <a:buNone/>
                       </a:pPr>
                       <a:r>
-                        <a:rPr lang="en-US" altLang="ko-KR" sz="1600" b="0" kern="1200" cap="none" dirty="0">
+                        <a:rPr lang="ko-KR" altLang="en-US" sz="1600" b="0" kern="1200" cap="none" dirty="0" smtClean="0">
                           <a:solidFill>
                             <a:schemeClr val="bg1"/>
                           </a:solidFill>
                           <a:latin typeface="한컴 윤고딕 240" panose="02020603020101020101" pitchFamily="18" charset="-127"/>
                           <a:ea typeface="한컴 윤고딕 240" panose="02020603020101020101" pitchFamily="18" charset="-127"/>
                         </a:rPr>
-                        <a:t>아이템 파밍 구현</a:t>
+                        <a:t>아이템 인게임 적용</a:t>
                       </a:r>
-                      <a:endParaRPr lang="ko-KR" altLang="en-US" sz="1600" b="0" kern="1200" cap="none" dirty="0">
+                      <a:r>
+                        <a:rPr lang="en-US" altLang="ko-KR" sz="1600" b="0" kern="1200" cap="none" dirty="0" smtClean="0">
+                          <a:solidFill>
+                            <a:schemeClr val="bg1"/>
+                          </a:solidFill>
+                          <a:latin typeface="한컴 윤고딕 240" panose="02020603020101020101" pitchFamily="18" charset="-127"/>
+                          <a:ea typeface="한컴 윤고딕 240" panose="02020603020101020101" pitchFamily="18" charset="-127"/>
+                        </a:rPr>
+                        <a:t> 구현</a:t>
+                      </a:r>
+                      <a:endParaRPr lang="ko-KR" altLang="en-US" sz="1600" b="0" kern="1200" cap="none" dirty="0" smtClean="0">
                         <a:solidFill>
                           <a:schemeClr val="bg1"/>
                         </a:solidFill>
@@ -11131,11 +11714,11 @@
                 </a:tc>
                 <a:extLst>
                   <a:ext uri="{0D108BD9-81ED-4DB2-BD59-A6C34878D82A}">
-                    <a16:rowId xmlns:a16="http://schemas.microsoft.com/office/drawing/2014/main" val="10003"/>
+                    <a16:rowId xmlns:a16="http://schemas.microsoft.com/office/drawing/2014/main" xmlns="" val="10003"/>
                   </a:ext>
                 </a:extLst>
               </a:tr>
-              <a:tr h="596082">
+              <a:tr h="721037">
                 <a:tc>
                   <a:txBody>
                     <a:bodyPr/>
@@ -11186,11 +11769,8 @@
                     <a:bodyPr/>
                     <a:lstStyle/>
                     <a:p>
-                      <a:pPr>
-                        <a:buFontTx/>
-                        <a:buNone/>
-                      </a:pPr>
-                      <a:endParaRPr lang="ko-KR" altLang="en-US" b="0" kern="1200" cap="none" dirty="0"/>
+                      <a:pPr latinLnBrk="1"/>
+                      <a:endParaRPr lang="ko-KR" altLang="en-US"/>
                     </a:p>
                   </a:txBody>
                   <a:tcPr/>
@@ -11214,22 +11794,45 @@
                         <a:buNone/>
                       </a:pPr>
                       <a:r>
-                        <a:rPr lang="en-US" altLang="ko-KR" sz="1600" b="0" kern="1200" cap="none" dirty="0">
+                        <a:rPr lang="en-US" altLang="ko-KR" sz="1600" b="0" kern="1200" cap="none" dirty="0" smtClean="0">
                           <a:solidFill>
                             <a:schemeClr val="bg1"/>
                           </a:solidFill>
                           <a:latin typeface="한컴 윤고딕 240" panose="02020603020101020101" pitchFamily="18" charset="-127"/>
                           <a:ea typeface="한컴 윤고딕 240" panose="02020603020101020101" pitchFamily="18" charset="-127"/>
                         </a:rPr>
-                        <a:t>장비 창 및</a:t>
+                        <a:t>아이템 파밍,</a:t>
                       </a:r>
-                      <a:endParaRPr lang="ko-KR" altLang="en-US" sz="1600" b="0" kern="1200" cap="none" dirty="0">
-                        <a:solidFill>
-                          <a:schemeClr val="bg1"/>
-                        </a:solidFill>
-                        <a:latin typeface="한컴 윤고딕 240" panose="02020603020101020101" pitchFamily="18" charset="-127"/>
-                        <a:ea typeface="한컴 윤고딕 240" panose="02020603020101020101" pitchFamily="18" charset="-127"/>
-                      </a:endParaRPr>
+                      <a:r>
+                        <a:rPr lang="en-US" altLang="ko-KR" sz="1600" b="0" kern="1200" cap="none" baseline="0" dirty="0" smtClean="0">
+                          <a:solidFill>
+                            <a:schemeClr val="bg1"/>
+                          </a:solidFill>
+                          <a:latin typeface="한컴 윤고딕 240" panose="02020603020101020101" pitchFamily="18" charset="-127"/>
+                          <a:ea typeface="한컴 윤고딕 240" panose="02020603020101020101" pitchFamily="18" charset="-127"/>
+                        </a:rPr>
+                        <a:t> </a:t>
+                      </a:r>
+                      <a:r>
+                        <a:rPr lang="ko-KR" altLang="en-US" sz="1600" b="0" kern="1200" cap="none" baseline="0" dirty="0" smtClean="0">
+                          <a:solidFill>
+                            <a:schemeClr val="bg1"/>
+                          </a:solidFill>
+                          <a:latin typeface="한컴 윤고딕 240" panose="02020603020101020101" pitchFamily="18" charset="-127"/>
+                          <a:ea typeface="한컴 윤고딕 240" panose="02020603020101020101" pitchFamily="18" charset="-127"/>
+                        </a:rPr>
+                        <a:t>장비 창</a:t>
+                      </a:r>
+                      <a:r>
+                        <a:rPr lang="en-US" altLang="ko-KR" sz="1600" b="0" kern="1200" cap="none" dirty="0" smtClean="0">
+                          <a:solidFill>
+                            <a:schemeClr val="bg1"/>
+                          </a:solidFill>
+                          <a:latin typeface="한컴 윤고딕 240" panose="02020603020101020101" pitchFamily="18" charset="-127"/>
+                          <a:ea typeface="한컴 윤고딕 240" panose="02020603020101020101" pitchFamily="18" charset="-127"/>
+                        </a:rPr>
+                        <a:t> 구현</a:t>
+                      </a:r>
                     </a:p>
                     <a:p>
                       <a:pPr marL="0" indent="0" algn="ctr" defTabSz="508000" fontAlgn="auto">
@@ -11246,22 +11849,15 @@
                         <a:buNone/>
                       </a:pPr>
                       <a:r>
-                        <a:rPr lang="en-US" altLang="ko-KR" sz="1600" b="0" kern="1200" cap="none" dirty="0">
+                        <a:rPr lang="ko-KR" altLang="en-US" sz="1600" b="0" kern="1200" cap="none" dirty="0" smtClean="0">
                           <a:solidFill>
                             <a:schemeClr val="bg1"/>
                           </a:solidFill>
                           <a:latin typeface="한컴 윤고딕 240" panose="02020603020101020101" pitchFamily="18" charset="-127"/>
                           <a:ea typeface="한컴 윤고딕 240" panose="02020603020101020101" pitchFamily="18" charset="-127"/>
                         </a:rPr>
-                        <a:t>게임 종료 판단 기능 구현</a:t>
+                        <a:t>맵 랜더링</a:t>
                       </a:r>
-                      <a:endParaRPr lang="ko-KR" altLang="en-US" sz="1600" b="0" kern="1200" cap="none" dirty="0">
-                        <a:solidFill>
-                          <a:schemeClr val="bg1"/>
-                        </a:solidFill>
-                        <a:latin typeface="한컴 윤고딕 240" panose="02020603020101020101" pitchFamily="18" charset="-127"/>
-                        <a:ea typeface="한컴 윤고딕 240" panose="02020603020101020101" pitchFamily="18" charset="-127"/>
-                      </a:endParaRPr>
                     </a:p>
                   </a:txBody>
                   <a:tcPr marL="90170" marR="90170" marT="46990" marB="46990" anchor="ctr">
@@ -11277,22 +11873,14 @@
                     <a:bodyPr/>
                     <a:lstStyle/>
                     <a:p>
-                      <a:pPr>
-                        <a:buFontTx/>
-                        <a:buNone/>
-                      </a:pPr>
-                      <a:endParaRPr lang="ko-KR" altLang="en-US" b="0" kern="1200" cap="none" dirty="0"/>
+                      <a:pPr latinLnBrk="1"/>
+                      <a:endParaRPr lang="ko-KR" altLang="en-US"/>
                     </a:p>
                   </a:txBody>
                   <a:tcPr/>
                 </a:tc>
-                <a:extLst>
-                  <a:ext uri="{0D108BD9-81ED-4DB2-BD59-A6C34878D82A}">
-                    <a16:rowId xmlns:a16="http://schemas.microsoft.com/office/drawing/2014/main" val="10004"/>
-                  </a:ext>
-                </a:extLst>
               </a:tr>
-              <a:tr h="596082">
+              <a:tr h="548412">
                 <a:tc>
                   <a:txBody>
                     <a:bodyPr/>
@@ -11434,14 +12022,34 @@
                         <a:buNone/>
                       </a:pPr>
                       <a:r>
-                        <a:rPr lang="en-US" altLang="ko-KR" sz="1600" b="0" kern="1200" cap="none" dirty="0">
+                        <a:rPr lang="ko-KR" altLang="en-US" sz="1600" b="0" kern="1200" cap="none" dirty="0" smtClean="0">
                           <a:solidFill>
                             <a:schemeClr val="bg1"/>
                           </a:solidFill>
                           <a:latin typeface="한컴 윤고딕 240" panose="02020603020101020101" pitchFamily="18" charset="-127"/>
                           <a:ea typeface="한컴 윤고딕 240" panose="02020603020101020101" pitchFamily="18" charset="-127"/>
                         </a:rPr>
-                        <a:t>컨트롤러 조작 구현</a:t>
+                        <a:t>메뉴 및 설정</a:t>
+                      </a:r>
+                      <a:r>
+                        <a:rPr lang="en-US" altLang="ko-KR" sz="1600" b="0" kern="1200" cap="none" dirty="0" smtClean="0">
+                          <a:solidFill>
+                            <a:schemeClr val="bg1"/>
+                          </a:solidFill>
+                          <a:latin typeface="한컴 윤고딕 240" panose="02020603020101020101" pitchFamily="18" charset="-127"/>
+                          <a:ea typeface="한컴 윤고딕 240" panose="02020603020101020101" pitchFamily="18" charset="-127"/>
+                        </a:rPr>
+                        <a:t>, </a:t>
+                      </a:r>
+                      <a:r>
+                        <a:rPr lang="ko-KR" altLang="en-US" sz="1600" b="0" kern="1200" cap="none" dirty="0" smtClean="0">
+                          <a:solidFill>
+                            <a:schemeClr val="bg1"/>
+                          </a:solidFill>
+                          <a:latin typeface="한컴 윤고딕 240" panose="02020603020101020101" pitchFamily="18" charset="-127"/>
+                          <a:ea typeface="한컴 윤고딕 240" panose="02020603020101020101" pitchFamily="18" charset="-127"/>
+                        </a:rPr>
+                        <a:t>게임 종료 구현</a:t>
                       </a:r>
                       <a:endParaRPr lang="ko-KR" altLang="en-US" sz="1600" b="0" kern="1200" cap="none" dirty="0">
                         <a:solidFill>
@@ -11476,11 +12084,11 @@
                 </a:tc>
                 <a:extLst>
                   <a:ext uri="{0D108BD9-81ED-4DB2-BD59-A6C34878D82A}">
-                    <a16:rowId xmlns:a16="http://schemas.microsoft.com/office/drawing/2014/main" val="10005"/>
+                    <a16:rowId xmlns:a16="http://schemas.microsoft.com/office/drawing/2014/main" xmlns="" val="10005"/>
                   </a:ext>
                 </a:extLst>
               </a:tr>
-              <a:tr h="571568">
+              <a:tr h="525858">
                 <a:tc>
                   <a:txBody>
                     <a:bodyPr/>
@@ -11526,7 +12134,7 @@
                     </a:solidFill>
                   </a:tcPr>
                 </a:tc>
-                <a:tc gridSpan="2">
+                <a:tc>
                   <a:txBody>
                     <a:bodyPr/>
                     <a:lstStyle/>
@@ -11571,19 +12179,70 @@
                     </a:solidFill>
                   </a:tcPr>
                 </a:tc>
-                <a:tc hMerge="1">
+                <a:tc>
                   <a:txBody>
                     <a:bodyPr/>
                     <a:lstStyle/>
                     <a:p>
-                      <a:pPr>
+                      <a:pPr marL="0" indent="0" algn="ctr" defTabSz="508000" fontAlgn="auto">
+                        <a:lnSpc>
+                          <a:spcPct val="100000"/>
+                        </a:lnSpc>
+                        <a:spcBef>
+                          <a:spcPts val="0"/>
+                        </a:spcBef>
+                        <a:spcAft>
+                          <a:spcPts val="0"/>
+                        </a:spcAft>
                         <a:buFontTx/>
                         <a:buNone/>
                       </a:pPr>
-                      <a:endParaRPr lang="ko-KR" altLang="en-US" b="0" kern="1200" cap="none" dirty="0"/>
+                      <a:r>
+                        <a:rPr lang="en-US" altLang="ko-KR" sz="1600" b="0" kern="1200" cap="none" dirty="0" smtClean="0">
+                          <a:solidFill>
+                            <a:schemeClr val="bg1"/>
+                          </a:solidFill>
+                          <a:latin typeface="한컴 윤고딕 240" panose="02020603020101020101" pitchFamily="18" charset="-127"/>
+                          <a:ea typeface="한컴 윤고딕 240" panose="02020603020101020101" pitchFamily="18" charset="-127"/>
+                        </a:rPr>
+                        <a:t>UI</a:t>
+                      </a:r>
+                      <a:r>
+                        <a:rPr lang="en-US" altLang="ko-KR" sz="1600" b="0" kern="1200" cap="none" baseline="0" dirty="0" smtClean="0">
+                          <a:solidFill>
+                            <a:schemeClr val="bg1"/>
+                          </a:solidFill>
+                          <a:latin typeface="한컴 윤고딕 240" panose="02020603020101020101" pitchFamily="18" charset="-127"/>
+                          <a:ea typeface="한컴 윤고딕 240" panose="02020603020101020101" pitchFamily="18" charset="-127"/>
+                        </a:rPr>
+                        <a:t> </a:t>
+                      </a:r>
+                      <a:r>
+                        <a:rPr lang="ko-KR" altLang="en-US" sz="1600" b="0" kern="1200" cap="none" baseline="0" dirty="0" smtClean="0">
+                          <a:solidFill>
+                            <a:schemeClr val="bg1"/>
+                          </a:solidFill>
+                          <a:latin typeface="한컴 윤고딕 240" panose="02020603020101020101" pitchFamily="18" charset="-127"/>
+                          <a:ea typeface="한컴 윤고딕 240" panose="02020603020101020101" pitchFamily="18" charset="-127"/>
+                        </a:rPr>
+                        <a:t>및 컨트롤러 조작 구현</a:t>
+                      </a:r>
+                      <a:endParaRPr lang="ko-KR" altLang="en-US" sz="1600" b="0" kern="1200" cap="none" dirty="0">
+                        <a:solidFill>
+                          <a:schemeClr val="bg1"/>
+                        </a:solidFill>
+                        <a:latin typeface="한컴 윤고딕 240" panose="02020603020101020101" pitchFamily="18" charset="-127"/>
+                        <a:ea typeface="한컴 윤고딕 240" panose="02020603020101020101" pitchFamily="18" charset="-127"/>
+                      </a:endParaRPr>
                     </a:p>
                   </a:txBody>
-                  <a:tcPr/>
+                  <a:tcPr marL="90170" marR="90170" marT="46990" marB="46990" anchor="ctr">
+                    <a:solidFill>
+                      <a:schemeClr val="tx1">
+                        <a:alpha val="31027"/>
+                      </a:schemeClr>
+                    </a:solidFill>
+                  </a:tcPr>
                 </a:tc>
                 <a:tc rowSpan="2">
                   <a:txBody>
@@ -11632,11 +12291,11 @@
                 </a:tc>
                 <a:extLst>
                   <a:ext uri="{0D108BD9-81ED-4DB2-BD59-A6C34878D82A}">
-                    <a16:rowId xmlns:a16="http://schemas.microsoft.com/office/drawing/2014/main" val="10006"/>
+                    <a16:rowId xmlns:a16="http://schemas.microsoft.com/office/drawing/2014/main" xmlns="" val="10006"/>
                   </a:ext>
                 </a:extLst>
               </a:tr>
-              <a:tr h="571568">
+              <a:tr h="525858">
                 <a:tc>
                   <a:txBody>
                     <a:bodyPr/>
@@ -11701,7 +12360,7 @@
                         <a:buNone/>
                       </a:pPr>
                       <a:r>
-                        <a:rPr lang="en-US" altLang="ko-KR" sz="1600" b="0" kern="1200" cap="none" dirty="0">
+                        <a:rPr lang="ko-KR" altLang="en-US" sz="1600" b="0" kern="1200" cap="none" dirty="0" smtClean="0">
                           <a:solidFill>
                             <a:schemeClr val="bg1"/>
                           </a:solidFill>
@@ -11739,7 +12398,13 @@
                       <a:endParaRPr lang="ko-KR" altLang="en-US" b="0" kern="1200" cap="none" dirty="0"/>
                     </a:p>
                   </a:txBody>
-                  <a:tcPr/>
+                  <a:tcPr marL="90170" marR="90170" marT="46990" marB="46990" anchor="ctr">
+                    <a:solidFill>
+                      <a:schemeClr val="tx1">
+                        <a:alpha val="31027"/>
+                      </a:schemeClr>
+                    </a:solidFill>
+                  </a:tcPr>
                 </a:tc>
                 <a:tc vMerge="1">
                   <a:txBody>
@@ -11757,11 +12422,11 @@
                 </a:tc>
                 <a:extLst>
                   <a:ext uri="{0D108BD9-81ED-4DB2-BD59-A6C34878D82A}">
-                    <a16:rowId xmlns:a16="http://schemas.microsoft.com/office/drawing/2014/main" val="10007"/>
+                    <a16:rowId xmlns:a16="http://schemas.microsoft.com/office/drawing/2014/main" xmlns="" val="10007"/>
                   </a:ext>
                 </a:extLst>
               </a:tr>
-              <a:tr h="571568">
+              <a:tr h="525858">
                 <a:tc>
                   <a:txBody>
                     <a:bodyPr/>
@@ -11882,7 +12547,7 @@
                 </a:tc>
                 <a:extLst>
                   <a:ext uri="{0D108BD9-81ED-4DB2-BD59-A6C34878D82A}">
-                    <a16:rowId xmlns:a16="http://schemas.microsoft.com/office/drawing/2014/main" val="10008"/>
+                    <a16:rowId xmlns:a16="http://schemas.microsoft.com/office/drawing/2014/main" xmlns="" val="10008"/>
                   </a:ext>
                 </a:extLst>
               </a:tr>
@@ -11893,13 +12558,20 @@
     </p:spTree>
     <p:extLst>
       <p:ext uri="{BB962C8B-B14F-4D97-AF65-F5344CB8AC3E}">
-        <p14:creationId xmlns:p14="http://schemas.microsoft.com/office/powerpoint/2010/main" val="882789802"/>
+        <p14:creationId xmlns:p14="http://schemas.microsoft.com/office/powerpoint/2010/main" xmlns="" val="882789802"/>
       </p:ext>
     </p:extLst>
   </p:cSld>
   <p:clrMapOvr>
     <a:masterClrMapping/>
   </p:clrMapOvr>
+  <p:timing>
+    <p:tnLst>
+      <p:par>
+        <p:cTn id="1" dur="indefinite" restart="never" nodeType="tmRoot"/>
+      </p:par>
+    </p:tnLst>
+  </p:timing>
 </p:sld>
 </file>
 
@@ -11909,7 +12581,7 @@
     <p:bg>
       <p:bgPr>
         <a:blipFill dpi="0" rotWithShape="1">
-          <a:blip r:embed="rId2">
+          <a:blip r:embed="rId2" cstate="print">
             <a:lum/>
           </a:blip>
           <a:srcRect/>
@@ -11939,7 +12611,7 @@
           <p:cNvPr id="4" name="TextBox 3">
             <a:extLst>
               <a:ext uri="{FF2B5EF4-FFF2-40B4-BE49-F238E27FC236}">
-                <a16:creationId xmlns:a16="http://schemas.microsoft.com/office/drawing/2014/main" id="{9C3D2B6E-ACF8-414D-AA22-6094FEBB5889}"/>
+                <a16:creationId xmlns:a16="http://schemas.microsoft.com/office/drawing/2014/main" xmlns="" id="{9C3D2B6E-ACF8-414D-AA22-6094FEBB5889}"/>
               </a:ext>
             </a:extLst>
           </p:cNvPr>
@@ -11976,7 +12648,7 @@
           <p:cNvPr id="7" name="직사각형 6">
             <a:extLst>
               <a:ext uri="{FF2B5EF4-FFF2-40B4-BE49-F238E27FC236}">
-                <a16:creationId xmlns:a16="http://schemas.microsoft.com/office/drawing/2014/main" id="{F619D7D9-E661-4CF7-AF78-7D9EA1FDFA4D}"/>
+                <a16:creationId xmlns:a16="http://schemas.microsoft.com/office/drawing/2014/main" xmlns="" id="{F619D7D9-E661-4CF7-AF78-7D9EA1FDFA4D}"/>
               </a:ext>
             </a:extLst>
           </p:cNvPr>
@@ -12047,7 +12719,7 @@
           <p:cNvPr id="8" name="타원 7">
             <a:extLst>
               <a:ext uri="{FF2B5EF4-FFF2-40B4-BE49-F238E27FC236}">
-                <a16:creationId xmlns:a16="http://schemas.microsoft.com/office/drawing/2014/main" id="{A8AF1B05-D50F-4D8C-A47B-FA728BED2822}"/>
+                <a16:creationId xmlns:a16="http://schemas.microsoft.com/office/drawing/2014/main" xmlns="" id="{A8AF1B05-D50F-4D8C-A47B-FA728BED2822}"/>
               </a:ext>
             </a:extLst>
           </p:cNvPr>
@@ -12099,7 +12771,7 @@
           <p:cNvPr id="9" name="타원 8">
             <a:extLst>
               <a:ext uri="{FF2B5EF4-FFF2-40B4-BE49-F238E27FC236}">
-                <a16:creationId xmlns:a16="http://schemas.microsoft.com/office/drawing/2014/main" id="{44DE1A9B-F1D9-452E-AF2B-63697FB3F060}"/>
+                <a16:creationId xmlns:a16="http://schemas.microsoft.com/office/drawing/2014/main" xmlns="" id="{44DE1A9B-F1D9-452E-AF2B-63697FB3F060}"/>
               </a:ext>
             </a:extLst>
           </p:cNvPr>
@@ -12151,7 +12823,7 @@
           <p:cNvPr id="10" name="타원 9">
             <a:extLst>
               <a:ext uri="{FF2B5EF4-FFF2-40B4-BE49-F238E27FC236}">
-                <a16:creationId xmlns:a16="http://schemas.microsoft.com/office/drawing/2014/main" id="{B6D34A9E-B27D-4E43-BCC5-E290FA0E4F2D}"/>
+                <a16:creationId xmlns:a16="http://schemas.microsoft.com/office/drawing/2014/main" xmlns="" id="{B6D34A9E-B27D-4E43-BCC5-E290FA0E4F2D}"/>
               </a:ext>
             </a:extLst>
           </p:cNvPr>
@@ -12201,13 +12873,20 @@
     </p:spTree>
     <p:extLst>
       <p:ext uri="{BB962C8B-B14F-4D97-AF65-F5344CB8AC3E}">
-        <p14:creationId xmlns:p14="http://schemas.microsoft.com/office/powerpoint/2010/main" val="2766403010"/>
+        <p14:creationId xmlns:p14="http://schemas.microsoft.com/office/powerpoint/2010/main" xmlns="" val="2766403010"/>
       </p:ext>
     </p:extLst>
   </p:cSld>
   <p:clrMapOvr>
     <a:masterClrMapping/>
   </p:clrMapOvr>
+  <p:timing>
+    <p:tnLst>
+      <p:par>
+        <p:cTn id="1" dur="indefinite" restart="never" nodeType="tmRoot"/>
+      </p:par>
+    </p:tnLst>
+  </p:timing>
 </p:sld>
 </file>
 
@@ -12254,7 +12933,7 @@
     </a:clrScheme>
     <a:fontScheme name="Office">
       <a:majorFont>
-        <a:latin typeface="Calibri Light" panose="020F0302020204030204"/>
+        <a:latin typeface="Calibri Light"/>
         <a:ea typeface=""/>
         <a:cs typeface=""/>
         <a:font script="Jpan" typeface="游ゴシック Light"/>
@@ -12306,7 +12985,7 @@
         <a:font script="Tfng" typeface="Ebrima"/>
       </a:majorFont>
       <a:minorFont>
-        <a:latin typeface="Calibri" panose="020F0502020204030204"/>
+        <a:latin typeface="Calibri"/>
         <a:ea typeface=""/>
         <a:cs typeface=""/>
         <a:font script="Jpan" typeface="游ゴシック"/>
@@ -12500,7 +13179,7 @@
   <a:extraClrSchemeLst/>
   <a:extLst>
     <a:ext uri="{05A4C25C-085E-4340-85A3-A5531E510DB2}">
-      <thm15:themeFamily xmlns:thm15="http://schemas.microsoft.com/office/thememl/2012/main" name="Office Theme" id="{62F939B6-93AF-4DB8-9C6B-D6C7DFDC589F}" vid="{4A3C46E8-61CC-4603-A589-7422A47A8E4A}"/>
+      <thm15:themeFamily xmlns:thm15="http://schemas.microsoft.com/office/thememl/2012/main" xmlns="" name="Office Theme" id="{62F939B6-93AF-4DB8-9C6B-D6C7DFDC589F}" vid="{4A3C46E8-61CC-4603-A589-7422A47A8E4A}"/>
     </a:ext>
   </a:extLst>
 </a:theme>

--- a/planning/2017.11.28(Week13).pptx
+++ b/planning/2017.11.28(Week13).pptx
@@ -114,7 +114,18 @@
   </p:defaultTextStyle>
   <p:extLst>
     <p:ext uri="{EFAFB233-063F-42B5-8137-9DF3F51BA10A}">
-      <p15:sldGuideLst xmlns:p15="http://schemas.microsoft.com/office/powerpoint/2012/main" xmlns=""/>
+      <p15:sldGuideLst xmlns:p15="http://schemas.microsoft.com/office/powerpoint/2012/main">
+        <p15:guide id="1" orient="horz" pos="2160">
+          <p15:clr>
+            <a:srgbClr val="A4A3A4"/>
+          </p15:clr>
+        </p15:guide>
+        <p15:guide id="2" pos="3840">
+          <p15:clr>
+            <a:srgbClr val="A4A3A4"/>
+          </p15:clr>
+        </p15:guide>
+      </p15:sldGuideLst>
     </p:ext>
   </p:extLst>
 </p:presentation>
@@ -146,7 +157,7 @@
           <p:cNvPr id="2" name="제목 1">
             <a:extLst>
               <a:ext uri="{FF2B5EF4-FFF2-40B4-BE49-F238E27FC236}">
-                <a16:creationId xmlns:a16="http://schemas.microsoft.com/office/drawing/2014/main" xmlns="" id="{7A9CC03E-6742-4C20-8960-BDDB3B566461}"/>
+                <a16:creationId xmlns:a16="http://schemas.microsoft.com/office/drawing/2014/main" id="{7A9CC03E-6742-4C20-8960-BDDB3B566461}"/>
               </a:ext>
             </a:extLst>
           </p:cNvPr>
@@ -184,7 +195,7 @@
           <p:cNvPr id="3" name="부제목 2">
             <a:extLst>
               <a:ext uri="{FF2B5EF4-FFF2-40B4-BE49-F238E27FC236}">
-                <a16:creationId xmlns:a16="http://schemas.microsoft.com/office/drawing/2014/main" xmlns="" id="{C6C03689-DC53-4941-85DB-98C7DCDFD13C}"/>
+                <a16:creationId xmlns:a16="http://schemas.microsoft.com/office/drawing/2014/main" id="{C6C03689-DC53-4941-85DB-98C7DCDFD13C}"/>
               </a:ext>
             </a:extLst>
           </p:cNvPr>
@@ -255,7 +266,7 @@
           <p:cNvPr id="4" name="날짜 개체 틀 3">
             <a:extLst>
               <a:ext uri="{FF2B5EF4-FFF2-40B4-BE49-F238E27FC236}">
-                <a16:creationId xmlns:a16="http://schemas.microsoft.com/office/drawing/2014/main" xmlns="" id="{532D1E67-D7D6-4613-829D-4A0143E28374}"/>
+                <a16:creationId xmlns:a16="http://schemas.microsoft.com/office/drawing/2014/main" id="{532D1E67-D7D6-4613-829D-4A0143E28374}"/>
               </a:ext>
             </a:extLst>
           </p:cNvPr>
@@ -274,7 +285,7 @@
             <a:fld id="{23234DB1-0FD5-486D-82FC-652663E7F307}" type="datetimeFigureOut">
               <a:rPr lang="en-US" smtClean="0"/>
               <a:pPr/>
-              <a:t>11/27/2017</a:t>
+              <a:t>11/28/2017</a:t>
             </a:fld>
             <a:endParaRPr lang="en-US" dirty="0"/>
           </a:p>
@@ -285,7 +296,7 @@
           <p:cNvPr id="5" name="바닥글 개체 틀 4">
             <a:extLst>
               <a:ext uri="{FF2B5EF4-FFF2-40B4-BE49-F238E27FC236}">
-                <a16:creationId xmlns:a16="http://schemas.microsoft.com/office/drawing/2014/main" xmlns="" id="{C5638A6A-7E62-44CC-A79A-105C6B2495E4}"/>
+                <a16:creationId xmlns:a16="http://schemas.microsoft.com/office/drawing/2014/main" id="{C5638A6A-7E62-44CC-A79A-105C6B2495E4}"/>
               </a:ext>
             </a:extLst>
           </p:cNvPr>
@@ -310,7 +321,7 @@
           <p:cNvPr id="6" name="슬라이드 번호 개체 틀 5">
             <a:extLst>
               <a:ext uri="{FF2B5EF4-FFF2-40B4-BE49-F238E27FC236}">
-                <a16:creationId xmlns:a16="http://schemas.microsoft.com/office/drawing/2014/main" xmlns="" id="{68E0B2C5-C73B-4749-84E8-45BC3EA720FE}"/>
+                <a16:creationId xmlns:a16="http://schemas.microsoft.com/office/drawing/2014/main" id="{68E0B2C5-C73B-4749-84E8-45BC3EA720FE}"/>
               </a:ext>
             </a:extLst>
           </p:cNvPr>
@@ -338,7 +349,7 @@
     </p:spTree>
     <p:extLst>
       <p:ext uri="{BB962C8B-B14F-4D97-AF65-F5344CB8AC3E}">
-        <p14:creationId xmlns:p14="http://schemas.microsoft.com/office/powerpoint/2010/main" xmlns="" val="3772163097"/>
+        <p14:creationId xmlns:p14="http://schemas.microsoft.com/office/powerpoint/2010/main" val="3772163097"/>
       </p:ext>
     </p:extLst>
   </p:cSld>
@@ -370,7 +381,7 @@
           <p:cNvPr id="2" name="제목 1">
             <a:extLst>
               <a:ext uri="{FF2B5EF4-FFF2-40B4-BE49-F238E27FC236}">
-                <a16:creationId xmlns:a16="http://schemas.microsoft.com/office/drawing/2014/main" xmlns="" id="{375BCF1A-D064-4898-819B-E6468E6A3CFC}"/>
+                <a16:creationId xmlns:a16="http://schemas.microsoft.com/office/drawing/2014/main" id="{375BCF1A-D064-4898-819B-E6468E6A3CFC}"/>
               </a:ext>
             </a:extLst>
           </p:cNvPr>
@@ -399,7 +410,7 @@
           <p:cNvPr id="3" name="세로 텍스트 개체 틀 2">
             <a:extLst>
               <a:ext uri="{FF2B5EF4-FFF2-40B4-BE49-F238E27FC236}">
-                <a16:creationId xmlns:a16="http://schemas.microsoft.com/office/drawing/2014/main" xmlns="" id="{0A2AF64F-8EF4-4D10-B289-A4AB95E90BBB}"/>
+                <a16:creationId xmlns:a16="http://schemas.microsoft.com/office/drawing/2014/main" id="{0A2AF64F-8EF4-4D10-B289-A4AB95E90BBB}"/>
               </a:ext>
             </a:extLst>
           </p:cNvPr>
@@ -457,7 +468,7 @@
           <p:cNvPr id="4" name="날짜 개체 틀 3">
             <a:extLst>
               <a:ext uri="{FF2B5EF4-FFF2-40B4-BE49-F238E27FC236}">
-                <a16:creationId xmlns:a16="http://schemas.microsoft.com/office/drawing/2014/main" xmlns="" id="{975ECEF4-E132-4B6A-8F32-A31294502947}"/>
+                <a16:creationId xmlns:a16="http://schemas.microsoft.com/office/drawing/2014/main" id="{975ECEF4-E132-4B6A-8F32-A31294502947}"/>
               </a:ext>
             </a:extLst>
           </p:cNvPr>
@@ -476,7 +487,7 @@
             <a:fld id="{23234DB1-0FD5-486D-82FC-652663E7F307}" type="datetimeFigureOut">
               <a:rPr lang="en-US" smtClean="0"/>
               <a:pPr/>
-              <a:t>11/27/2017</a:t>
+              <a:t>11/28/2017</a:t>
             </a:fld>
             <a:endParaRPr lang="en-US" dirty="0"/>
           </a:p>
@@ -487,7 +498,7 @@
           <p:cNvPr id="5" name="바닥글 개체 틀 4">
             <a:extLst>
               <a:ext uri="{FF2B5EF4-FFF2-40B4-BE49-F238E27FC236}">
-                <a16:creationId xmlns:a16="http://schemas.microsoft.com/office/drawing/2014/main" xmlns="" id="{E8B608BF-2D58-4900-AC16-03BA8C58ED24}"/>
+                <a16:creationId xmlns:a16="http://schemas.microsoft.com/office/drawing/2014/main" id="{E8B608BF-2D58-4900-AC16-03BA8C58ED24}"/>
               </a:ext>
             </a:extLst>
           </p:cNvPr>
@@ -512,7 +523,7 @@
           <p:cNvPr id="6" name="슬라이드 번호 개체 틀 5">
             <a:extLst>
               <a:ext uri="{FF2B5EF4-FFF2-40B4-BE49-F238E27FC236}">
-                <a16:creationId xmlns:a16="http://schemas.microsoft.com/office/drawing/2014/main" xmlns="" id="{8053EFC1-7174-431F-AB63-BE39D2202D52}"/>
+                <a16:creationId xmlns:a16="http://schemas.microsoft.com/office/drawing/2014/main" id="{8053EFC1-7174-431F-AB63-BE39D2202D52}"/>
               </a:ext>
             </a:extLst>
           </p:cNvPr>
@@ -540,7 +551,7 @@
     </p:spTree>
     <p:extLst>
       <p:ext uri="{BB962C8B-B14F-4D97-AF65-F5344CB8AC3E}">
-        <p14:creationId xmlns:p14="http://schemas.microsoft.com/office/powerpoint/2010/main" xmlns="" val="2263265270"/>
+        <p14:creationId xmlns:p14="http://schemas.microsoft.com/office/powerpoint/2010/main" val="2263265270"/>
       </p:ext>
     </p:extLst>
   </p:cSld>
@@ -572,7 +583,7 @@
           <p:cNvPr id="2" name="세로 제목 1">
             <a:extLst>
               <a:ext uri="{FF2B5EF4-FFF2-40B4-BE49-F238E27FC236}">
-                <a16:creationId xmlns:a16="http://schemas.microsoft.com/office/drawing/2014/main" xmlns="" id="{741ED8B6-3D86-4246-A102-2B39E2AC8A72}"/>
+                <a16:creationId xmlns:a16="http://schemas.microsoft.com/office/drawing/2014/main" id="{741ED8B6-3D86-4246-A102-2B39E2AC8A72}"/>
               </a:ext>
             </a:extLst>
           </p:cNvPr>
@@ -606,7 +617,7 @@
           <p:cNvPr id="3" name="세로 텍스트 개체 틀 2">
             <a:extLst>
               <a:ext uri="{FF2B5EF4-FFF2-40B4-BE49-F238E27FC236}">
-                <a16:creationId xmlns:a16="http://schemas.microsoft.com/office/drawing/2014/main" xmlns="" id="{28D457F9-1FB2-4613-A0F4-9D312CB632D6}"/>
+                <a16:creationId xmlns:a16="http://schemas.microsoft.com/office/drawing/2014/main" id="{28D457F9-1FB2-4613-A0F4-9D312CB632D6}"/>
               </a:ext>
             </a:extLst>
           </p:cNvPr>
@@ -669,7 +680,7 @@
           <p:cNvPr id="4" name="날짜 개체 틀 3">
             <a:extLst>
               <a:ext uri="{FF2B5EF4-FFF2-40B4-BE49-F238E27FC236}">
-                <a16:creationId xmlns:a16="http://schemas.microsoft.com/office/drawing/2014/main" xmlns="" id="{EC70A350-162C-463D-B915-721391B9088F}"/>
+                <a16:creationId xmlns:a16="http://schemas.microsoft.com/office/drawing/2014/main" id="{EC70A350-162C-463D-B915-721391B9088F}"/>
               </a:ext>
             </a:extLst>
           </p:cNvPr>
@@ -688,7 +699,7 @@
             <a:fld id="{23234DB1-0FD5-486D-82FC-652663E7F307}" type="datetimeFigureOut">
               <a:rPr lang="en-US" smtClean="0"/>
               <a:pPr/>
-              <a:t>11/27/2017</a:t>
+              <a:t>11/28/2017</a:t>
             </a:fld>
             <a:endParaRPr lang="en-US" dirty="0"/>
           </a:p>
@@ -699,7 +710,7 @@
           <p:cNvPr id="5" name="바닥글 개체 틀 4">
             <a:extLst>
               <a:ext uri="{FF2B5EF4-FFF2-40B4-BE49-F238E27FC236}">
-                <a16:creationId xmlns:a16="http://schemas.microsoft.com/office/drawing/2014/main" xmlns="" id="{6E90282C-28B1-4E81-AFDA-FAB19EE035F7}"/>
+                <a16:creationId xmlns:a16="http://schemas.microsoft.com/office/drawing/2014/main" id="{6E90282C-28B1-4E81-AFDA-FAB19EE035F7}"/>
               </a:ext>
             </a:extLst>
           </p:cNvPr>
@@ -724,7 +735,7 @@
           <p:cNvPr id="6" name="슬라이드 번호 개체 틀 5">
             <a:extLst>
               <a:ext uri="{FF2B5EF4-FFF2-40B4-BE49-F238E27FC236}">
-                <a16:creationId xmlns:a16="http://schemas.microsoft.com/office/drawing/2014/main" xmlns="" id="{512403B5-F9F3-4EB9-9035-0F8DA16D43C7}"/>
+                <a16:creationId xmlns:a16="http://schemas.microsoft.com/office/drawing/2014/main" id="{512403B5-F9F3-4EB9-9035-0F8DA16D43C7}"/>
               </a:ext>
             </a:extLst>
           </p:cNvPr>
@@ -752,7 +763,7 @@
     </p:spTree>
     <p:extLst>
       <p:ext uri="{BB962C8B-B14F-4D97-AF65-F5344CB8AC3E}">
-        <p14:creationId xmlns:p14="http://schemas.microsoft.com/office/powerpoint/2010/main" xmlns="" val="1032671659"/>
+        <p14:creationId xmlns:p14="http://schemas.microsoft.com/office/powerpoint/2010/main" val="1032671659"/>
       </p:ext>
     </p:extLst>
   </p:cSld>
@@ -784,7 +795,7 @@
           <p:cNvPr id="2" name="제목 1">
             <a:extLst>
               <a:ext uri="{FF2B5EF4-FFF2-40B4-BE49-F238E27FC236}">
-                <a16:creationId xmlns:a16="http://schemas.microsoft.com/office/drawing/2014/main" xmlns="" id="{DAA105B8-BC07-419E-9D16-88331F6EB141}"/>
+                <a16:creationId xmlns:a16="http://schemas.microsoft.com/office/drawing/2014/main" id="{DAA105B8-BC07-419E-9D16-88331F6EB141}"/>
               </a:ext>
             </a:extLst>
           </p:cNvPr>
@@ -813,7 +824,7 @@
           <p:cNvPr id="3" name="내용 개체 틀 2">
             <a:extLst>
               <a:ext uri="{FF2B5EF4-FFF2-40B4-BE49-F238E27FC236}">
-                <a16:creationId xmlns:a16="http://schemas.microsoft.com/office/drawing/2014/main" xmlns="" id="{C85D92F4-3A76-4F27-9F32-BF53692C8520}"/>
+                <a16:creationId xmlns:a16="http://schemas.microsoft.com/office/drawing/2014/main" id="{C85D92F4-3A76-4F27-9F32-BF53692C8520}"/>
               </a:ext>
             </a:extLst>
           </p:cNvPr>
@@ -871,7 +882,7 @@
           <p:cNvPr id="4" name="날짜 개체 틀 3">
             <a:extLst>
               <a:ext uri="{FF2B5EF4-FFF2-40B4-BE49-F238E27FC236}">
-                <a16:creationId xmlns:a16="http://schemas.microsoft.com/office/drawing/2014/main" xmlns="" id="{5689BA9A-1195-4131-AB09-B772BEF75D1D}"/>
+                <a16:creationId xmlns:a16="http://schemas.microsoft.com/office/drawing/2014/main" id="{5689BA9A-1195-4131-AB09-B772BEF75D1D}"/>
               </a:ext>
             </a:extLst>
           </p:cNvPr>
@@ -890,7 +901,7 @@
             <a:fld id="{23234DB1-0FD5-486D-82FC-652663E7F307}" type="datetimeFigureOut">
               <a:rPr lang="en-US" smtClean="0"/>
               <a:pPr/>
-              <a:t>11/27/2017</a:t>
+              <a:t>11/28/2017</a:t>
             </a:fld>
             <a:endParaRPr lang="en-US" dirty="0"/>
           </a:p>
@@ -901,7 +912,7 @@
           <p:cNvPr id="5" name="바닥글 개체 틀 4">
             <a:extLst>
               <a:ext uri="{FF2B5EF4-FFF2-40B4-BE49-F238E27FC236}">
-                <a16:creationId xmlns:a16="http://schemas.microsoft.com/office/drawing/2014/main" xmlns="" id="{879D55B7-0BB0-47EB-AF30-59422FCDDB48}"/>
+                <a16:creationId xmlns:a16="http://schemas.microsoft.com/office/drawing/2014/main" id="{879D55B7-0BB0-47EB-AF30-59422FCDDB48}"/>
               </a:ext>
             </a:extLst>
           </p:cNvPr>
@@ -926,7 +937,7 @@
           <p:cNvPr id="6" name="슬라이드 번호 개체 틀 5">
             <a:extLst>
               <a:ext uri="{FF2B5EF4-FFF2-40B4-BE49-F238E27FC236}">
-                <a16:creationId xmlns:a16="http://schemas.microsoft.com/office/drawing/2014/main" xmlns="" id="{5D28346C-4075-46CF-BD5C-3A1D7DC6BA26}"/>
+                <a16:creationId xmlns:a16="http://schemas.microsoft.com/office/drawing/2014/main" id="{5D28346C-4075-46CF-BD5C-3A1D7DC6BA26}"/>
               </a:ext>
             </a:extLst>
           </p:cNvPr>
@@ -954,7 +965,7 @@
     </p:spTree>
     <p:extLst>
       <p:ext uri="{BB962C8B-B14F-4D97-AF65-F5344CB8AC3E}">
-        <p14:creationId xmlns:p14="http://schemas.microsoft.com/office/powerpoint/2010/main" xmlns="" val="1845909514"/>
+        <p14:creationId xmlns:p14="http://schemas.microsoft.com/office/powerpoint/2010/main" val="1845909514"/>
       </p:ext>
     </p:extLst>
   </p:cSld>
@@ -986,7 +997,7 @@
           <p:cNvPr id="2" name="제목 1">
             <a:extLst>
               <a:ext uri="{FF2B5EF4-FFF2-40B4-BE49-F238E27FC236}">
-                <a16:creationId xmlns:a16="http://schemas.microsoft.com/office/drawing/2014/main" xmlns="" id="{FF454EF3-7A40-4BAB-A09C-DF5A7278E571}"/>
+                <a16:creationId xmlns:a16="http://schemas.microsoft.com/office/drawing/2014/main" id="{FF454EF3-7A40-4BAB-A09C-DF5A7278E571}"/>
               </a:ext>
             </a:extLst>
           </p:cNvPr>
@@ -1024,7 +1035,7 @@
           <p:cNvPr id="3" name="텍스트 개체 틀 2">
             <a:extLst>
               <a:ext uri="{FF2B5EF4-FFF2-40B4-BE49-F238E27FC236}">
-                <a16:creationId xmlns:a16="http://schemas.microsoft.com/office/drawing/2014/main" xmlns="" id="{623C8C69-DB4E-42F1-9CAE-8134CAEDED20}"/>
+                <a16:creationId xmlns:a16="http://schemas.microsoft.com/office/drawing/2014/main" id="{623C8C69-DB4E-42F1-9CAE-8134CAEDED20}"/>
               </a:ext>
             </a:extLst>
           </p:cNvPr>
@@ -1149,7 +1160,7 @@
           <p:cNvPr id="4" name="날짜 개체 틀 3">
             <a:extLst>
               <a:ext uri="{FF2B5EF4-FFF2-40B4-BE49-F238E27FC236}">
-                <a16:creationId xmlns:a16="http://schemas.microsoft.com/office/drawing/2014/main" xmlns="" id="{2777C5BE-4E17-41F9-B914-DB556510BC0E}"/>
+                <a16:creationId xmlns:a16="http://schemas.microsoft.com/office/drawing/2014/main" id="{2777C5BE-4E17-41F9-B914-DB556510BC0E}"/>
               </a:ext>
             </a:extLst>
           </p:cNvPr>
@@ -1168,7 +1179,7 @@
             <a:fld id="{23234DB1-0FD5-486D-82FC-652663E7F307}" type="datetimeFigureOut">
               <a:rPr lang="en-US" smtClean="0"/>
               <a:pPr/>
-              <a:t>11/27/2017</a:t>
+              <a:t>11/28/2017</a:t>
             </a:fld>
             <a:endParaRPr lang="en-US" dirty="0"/>
           </a:p>
@@ -1179,7 +1190,7 @@
           <p:cNvPr id="5" name="바닥글 개체 틀 4">
             <a:extLst>
               <a:ext uri="{FF2B5EF4-FFF2-40B4-BE49-F238E27FC236}">
-                <a16:creationId xmlns:a16="http://schemas.microsoft.com/office/drawing/2014/main" xmlns="" id="{BB2C4D10-0770-4417-8837-CE2D58CC18FB}"/>
+                <a16:creationId xmlns:a16="http://schemas.microsoft.com/office/drawing/2014/main" id="{BB2C4D10-0770-4417-8837-CE2D58CC18FB}"/>
               </a:ext>
             </a:extLst>
           </p:cNvPr>
@@ -1204,7 +1215,7 @@
           <p:cNvPr id="6" name="슬라이드 번호 개체 틀 5">
             <a:extLst>
               <a:ext uri="{FF2B5EF4-FFF2-40B4-BE49-F238E27FC236}">
-                <a16:creationId xmlns:a16="http://schemas.microsoft.com/office/drawing/2014/main" xmlns="" id="{BDB462AC-E78F-42B2-AFE4-D9815C258DF5}"/>
+                <a16:creationId xmlns:a16="http://schemas.microsoft.com/office/drawing/2014/main" id="{BDB462AC-E78F-42B2-AFE4-D9815C258DF5}"/>
               </a:ext>
             </a:extLst>
           </p:cNvPr>
@@ -1232,7 +1243,7 @@
     </p:spTree>
     <p:extLst>
       <p:ext uri="{BB962C8B-B14F-4D97-AF65-F5344CB8AC3E}">
-        <p14:creationId xmlns:p14="http://schemas.microsoft.com/office/powerpoint/2010/main" xmlns="" val="2272453526"/>
+        <p14:creationId xmlns:p14="http://schemas.microsoft.com/office/powerpoint/2010/main" val="2272453526"/>
       </p:ext>
     </p:extLst>
   </p:cSld>
@@ -1264,7 +1275,7 @@
           <p:cNvPr id="2" name="제목 1">
             <a:extLst>
               <a:ext uri="{FF2B5EF4-FFF2-40B4-BE49-F238E27FC236}">
-                <a16:creationId xmlns:a16="http://schemas.microsoft.com/office/drawing/2014/main" xmlns="" id="{DC958A29-33DC-46A1-8C20-03D586359EC0}"/>
+                <a16:creationId xmlns:a16="http://schemas.microsoft.com/office/drawing/2014/main" id="{DC958A29-33DC-46A1-8C20-03D586359EC0}"/>
               </a:ext>
             </a:extLst>
           </p:cNvPr>
@@ -1293,7 +1304,7 @@
           <p:cNvPr id="3" name="내용 개체 틀 2">
             <a:extLst>
               <a:ext uri="{FF2B5EF4-FFF2-40B4-BE49-F238E27FC236}">
-                <a16:creationId xmlns:a16="http://schemas.microsoft.com/office/drawing/2014/main" xmlns="" id="{6DDE83B6-EC5E-4E2B-8AB3-1554014D716A}"/>
+                <a16:creationId xmlns:a16="http://schemas.microsoft.com/office/drawing/2014/main" id="{6DDE83B6-EC5E-4E2B-8AB3-1554014D716A}"/>
               </a:ext>
             </a:extLst>
           </p:cNvPr>
@@ -1356,7 +1367,7 @@
           <p:cNvPr id="4" name="내용 개체 틀 3">
             <a:extLst>
               <a:ext uri="{FF2B5EF4-FFF2-40B4-BE49-F238E27FC236}">
-                <a16:creationId xmlns:a16="http://schemas.microsoft.com/office/drawing/2014/main" xmlns="" id="{F8A63148-B147-4584-BDAE-9F5A431E7712}"/>
+                <a16:creationId xmlns:a16="http://schemas.microsoft.com/office/drawing/2014/main" id="{F8A63148-B147-4584-BDAE-9F5A431E7712}"/>
               </a:ext>
             </a:extLst>
           </p:cNvPr>
@@ -1419,7 +1430,7 @@
           <p:cNvPr id="5" name="날짜 개체 틀 4">
             <a:extLst>
               <a:ext uri="{FF2B5EF4-FFF2-40B4-BE49-F238E27FC236}">
-                <a16:creationId xmlns:a16="http://schemas.microsoft.com/office/drawing/2014/main" xmlns="" id="{ECC9A059-E358-45F0-A3E1-B9672EB8522B}"/>
+                <a16:creationId xmlns:a16="http://schemas.microsoft.com/office/drawing/2014/main" id="{ECC9A059-E358-45F0-A3E1-B9672EB8522B}"/>
               </a:ext>
             </a:extLst>
           </p:cNvPr>
@@ -1438,7 +1449,7 @@
             <a:fld id="{23234DB1-0FD5-486D-82FC-652663E7F307}" type="datetimeFigureOut">
               <a:rPr lang="en-US" smtClean="0"/>
               <a:pPr/>
-              <a:t>11/27/2017</a:t>
+              <a:t>11/28/2017</a:t>
             </a:fld>
             <a:endParaRPr lang="en-US" dirty="0"/>
           </a:p>
@@ -1449,7 +1460,7 @@
           <p:cNvPr id="6" name="바닥글 개체 틀 5">
             <a:extLst>
               <a:ext uri="{FF2B5EF4-FFF2-40B4-BE49-F238E27FC236}">
-                <a16:creationId xmlns:a16="http://schemas.microsoft.com/office/drawing/2014/main" xmlns="" id="{3795FF66-D87C-415D-92FE-6F4961092EBB}"/>
+                <a16:creationId xmlns:a16="http://schemas.microsoft.com/office/drawing/2014/main" id="{3795FF66-D87C-415D-92FE-6F4961092EBB}"/>
               </a:ext>
             </a:extLst>
           </p:cNvPr>
@@ -1474,7 +1485,7 @@
           <p:cNvPr id="7" name="슬라이드 번호 개체 틀 6">
             <a:extLst>
               <a:ext uri="{FF2B5EF4-FFF2-40B4-BE49-F238E27FC236}">
-                <a16:creationId xmlns:a16="http://schemas.microsoft.com/office/drawing/2014/main" xmlns="" id="{E3F1F2C3-FE14-4E8F-B0C4-29567266F380}"/>
+                <a16:creationId xmlns:a16="http://schemas.microsoft.com/office/drawing/2014/main" id="{E3F1F2C3-FE14-4E8F-B0C4-29567266F380}"/>
               </a:ext>
             </a:extLst>
           </p:cNvPr>
@@ -1502,7 +1513,7 @@
     </p:spTree>
     <p:extLst>
       <p:ext uri="{BB962C8B-B14F-4D97-AF65-F5344CB8AC3E}">
-        <p14:creationId xmlns:p14="http://schemas.microsoft.com/office/powerpoint/2010/main" xmlns="" val="1132003778"/>
+        <p14:creationId xmlns:p14="http://schemas.microsoft.com/office/powerpoint/2010/main" val="1132003778"/>
       </p:ext>
     </p:extLst>
   </p:cSld>
@@ -1534,7 +1545,7 @@
           <p:cNvPr id="2" name="제목 1">
             <a:extLst>
               <a:ext uri="{FF2B5EF4-FFF2-40B4-BE49-F238E27FC236}">
-                <a16:creationId xmlns:a16="http://schemas.microsoft.com/office/drawing/2014/main" xmlns="" id="{80573470-2053-41F2-A06A-F70C20B3A069}"/>
+                <a16:creationId xmlns:a16="http://schemas.microsoft.com/office/drawing/2014/main" id="{80573470-2053-41F2-A06A-F70C20B3A069}"/>
               </a:ext>
             </a:extLst>
           </p:cNvPr>
@@ -1568,7 +1579,7 @@
           <p:cNvPr id="3" name="텍스트 개체 틀 2">
             <a:extLst>
               <a:ext uri="{FF2B5EF4-FFF2-40B4-BE49-F238E27FC236}">
-                <a16:creationId xmlns:a16="http://schemas.microsoft.com/office/drawing/2014/main" xmlns="" id="{1F812604-6AC5-415C-8F78-694AF6968836}"/>
+                <a16:creationId xmlns:a16="http://schemas.microsoft.com/office/drawing/2014/main" id="{1F812604-6AC5-415C-8F78-694AF6968836}"/>
               </a:ext>
             </a:extLst>
           </p:cNvPr>
@@ -1639,7 +1650,7 @@
           <p:cNvPr id="4" name="내용 개체 틀 3">
             <a:extLst>
               <a:ext uri="{FF2B5EF4-FFF2-40B4-BE49-F238E27FC236}">
-                <a16:creationId xmlns:a16="http://schemas.microsoft.com/office/drawing/2014/main" xmlns="" id="{F38270D3-48D8-40EC-9A59-A7207AA2DDA4}"/>
+                <a16:creationId xmlns:a16="http://schemas.microsoft.com/office/drawing/2014/main" id="{F38270D3-48D8-40EC-9A59-A7207AA2DDA4}"/>
               </a:ext>
             </a:extLst>
           </p:cNvPr>
@@ -1702,7 +1713,7 @@
           <p:cNvPr id="5" name="텍스트 개체 틀 4">
             <a:extLst>
               <a:ext uri="{FF2B5EF4-FFF2-40B4-BE49-F238E27FC236}">
-                <a16:creationId xmlns:a16="http://schemas.microsoft.com/office/drawing/2014/main" xmlns="" id="{73E72BAD-5DAA-475A-8047-32DFE2DF6FDF}"/>
+                <a16:creationId xmlns:a16="http://schemas.microsoft.com/office/drawing/2014/main" id="{73E72BAD-5DAA-475A-8047-32DFE2DF6FDF}"/>
               </a:ext>
             </a:extLst>
           </p:cNvPr>
@@ -1773,7 +1784,7 @@
           <p:cNvPr id="6" name="내용 개체 틀 5">
             <a:extLst>
               <a:ext uri="{FF2B5EF4-FFF2-40B4-BE49-F238E27FC236}">
-                <a16:creationId xmlns:a16="http://schemas.microsoft.com/office/drawing/2014/main" xmlns="" id="{8F6F1260-B7D6-40BB-AFDA-F48E9BDAD2E9}"/>
+                <a16:creationId xmlns:a16="http://schemas.microsoft.com/office/drawing/2014/main" id="{8F6F1260-B7D6-40BB-AFDA-F48E9BDAD2E9}"/>
               </a:ext>
             </a:extLst>
           </p:cNvPr>
@@ -1836,7 +1847,7 @@
           <p:cNvPr id="7" name="날짜 개체 틀 6">
             <a:extLst>
               <a:ext uri="{FF2B5EF4-FFF2-40B4-BE49-F238E27FC236}">
-                <a16:creationId xmlns:a16="http://schemas.microsoft.com/office/drawing/2014/main" xmlns="" id="{111EB14A-3A52-4A43-AE12-060EDD6F7C29}"/>
+                <a16:creationId xmlns:a16="http://schemas.microsoft.com/office/drawing/2014/main" id="{111EB14A-3A52-4A43-AE12-060EDD6F7C29}"/>
               </a:ext>
             </a:extLst>
           </p:cNvPr>
@@ -1855,7 +1866,7 @@
             <a:fld id="{23234DB1-0FD5-486D-82FC-652663E7F307}" type="datetimeFigureOut">
               <a:rPr lang="en-US" smtClean="0"/>
               <a:pPr/>
-              <a:t>11/27/2017</a:t>
+              <a:t>11/28/2017</a:t>
             </a:fld>
             <a:endParaRPr lang="en-US" dirty="0"/>
           </a:p>
@@ -1866,7 +1877,7 @@
           <p:cNvPr id="8" name="바닥글 개체 틀 7">
             <a:extLst>
               <a:ext uri="{FF2B5EF4-FFF2-40B4-BE49-F238E27FC236}">
-                <a16:creationId xmlns:a16="http://schemas.microsoft.com/office/drawing/2014/main" xmlns="" id="{0CF912B8-B59B-489E-94D0-3EAA7948CFD6}"/>
+                <a16:creationId xmlns:a16="http://schemas.microsoft.com/office/drawing/2014/main" id="{0CF912B8-B59B-489E-94D0-3EAA7948CFD6}"/>
               </a:ext>
             </a:extLst>
           </p:cNvPr>
@@ -1891,7 +1902,7 @@
           <p:cNvPr id="9" name="슬라이드 번호 개체 틀 8">
             <a:extLst>
               <a:ext uri="{FF2B5EF4-FFF2-40B4-BE49-F238E27FC236}">
-                <a16:creationId xmlns:a16="http://schemas.microsoft.com/office/drawing/2014/main" xmlns="" id="{C428FCA3-0D39-4D73-B287-BC344BC99243}"/>
+                <a16:creationId xmlns:a16="http://schemas.microsoft.com/office/drawing/2014/main" id="{C428FCA3-0D39-4D73-B287-BC344BC99243}"/>
               </a:ext>
             </a:extLst>
           </p:cNvPr>
@@ -1919,7 +1930,7 @@
     </p:spTree>
     <p:extLst>
       <p:ext uri="{BB962C8B-B14F-4D97-AF65-F5344CB8AC3E}">
-        <p14:creationId xmlns:p14="http://schemas.microsoft.com/office/powerpoint/2010/main" xmlns="" val="2439001094"/>
+        <p14:creationId xmlns:p14="http://schemas.microsoft.com/office/powerpoint/2010/main" val="2439001094"/>
       </p:ext>
     </p:extLst>
   </p:cSld>
@@ -1951,7 +1962,7 @@
           <p:cNvPr id="2" name="제목 1">
             <a:extLst>
               <a:ext uri="{FF2B5EF4-FFF2-40B4-BE49-F238E27FC236}">
-                <a16:creationId xmlns:a16="http://schemas.microsoft.com/office/drawing/2014/main" xmlns="" id="{9E5888CE-3FE1-48ED-B744-8F0DE20182D4}"/>
+                <a16:creationId xmlns:a16="http://schemas.microsoft.com/office/drawing/2014/main" id="{9E5888CE-3FE1-48ED-B744-8F0DE20182D4}"/>
               </a:ext>
             </a:extLst>
           </p:cNvPr>
@@ -1980,7 +1991,7 @@
           <p:cNvPr id="3" name="날짜 개체 틀 2">
             <a:extLst>
               <a:ext uri="{FF2B5EF4-FFF2-40B4-BE49-F238E27FC236}">
-                <a16:creationId xmlns:a16="http://schemas.microsoft.com/office/drawing/2014/main" xmlns="" id="{E8380B46-FA50-4378-97A0-36435B00450E}"/>
+                <a16:creationId xmlns:a16="http://schemas.microsoft.com/office/drawing/2014/main" id="{E8380B46-FA50-4378-97A0-36435B00450E}"/>
               </a:ext>
             </a:extLst>
           </p:cNvPr>
@@ -1999,7 +2010,7 @@
             <a:fld id="{23234DB1-0FD5-486D-82FC-652663E7F307}" type="datetimeFigureOut">
               <a:rPr lang="en-US" smtClean="0"/>
               <a:pPr/>
-              <a:t>11/27/2017</a:t>
+              <a:t>11/28/2017</a:t>
             </a:fld>
             <a:endParaRPr lang="en-US" dirty="0"/>
           </a:p>
@@ -2010,7 +2021,7 @@
           <p:cNvPr id="4" name="바닥글 개체 틀 3">
             <a:extLst>
               <a:ext uri="{FF2B5EF4-FFF2-40B4-BE49-F238E27FC236}">
-                <a16:creationId xmlns:a16="http://schemas.microsoft.com/office/drawing/2014/main" xmlns="" id="{BC845D0B-2012-4AA7-81C7-455883014A6F}"/>
+                <a16:creationId xmlns:a16="http://schemas.microsoft.com/office/drawing/2014/main" id="{BC845D0B-2012-4AA7-81C7-455883014A6F}"/>
               </a:ext>
             </a:extLst>
           </p:cNvPr>
@@ -2035,7 +2046,7 @@
           <p:cNvPr id="5" name="슬라이드 번호 개체 틀 4">
             <a:extLst>
               <a:ext uri="{FF2B5EF4-FFF2-40B4-BE49-F238E27FC236}">
-                <a16:creationId xmlns:a16="http://schemas.microsoft.com/office/drawing/2014/main" xmlns="" id="{192F528B-D478-4957-8314-7CD9C7D737F1}"/>
+                <a16:creationId xmlns:a16="http://schemas.microsoft.com/office/drawing/2014/main" id="{192F528B-D478-4957-8314-7CD9C7D737F1}"/>
               </a:ext>
             </a:extLst>
           </p:cNvPr>
@@ -2063,7 +2074,7 @@
     </p:spTree>
     <p:extLst>
       <p:ext uri="{BB962C8B-B14F-4D97-AF65-F5344CB8AC3E}">
-        <p14:creationId xmlns:p14="http://schemas.microsoft.com/office/powerpoint/2010/main" xmlns="" val="836966845"/>
+        <p14:creationId xmlns:p14="http://schemas.microsoft.com/office/powerpoint/2010/main" val="836966845"/>
       </p:ext>
     </p:extLst>
   </p:cSld>
@@ -2095,7 +2106,7 @@
           <p:cNvPr id="2" name="날짜 개체 틀 1">
             <a:extLst>
               <a:ext uri="{FF2B5EF4-FFF2-40B4-BE49-F238E27FC236}">
-                <a16:creationId xmlns:a16="http://schemas.microsoft.com/office/drawing/2014/main" xmlns="" id="{68AFB92B-9336-40E9-B0DE-9497C21AEA6B}"/>
+                <a16:creationId xmlns:a16="http://schemas.microsoft.com/office/drawing/2014/main" id="{68AFB92B-9336-40E9-B0DE-9497C21AEA6B}"/>
               </a:ext>
             </a:extLst>
           </p:cNvPr>
@@ -2114,7 +2125,7 @@
             <a:fld id="{23234DB1-0FD5-486D-82FC-652663E7F307}" type="datetimeFigureOut">
               <a:rPr lang="en-US" smtClean="0"/>
               <a:pPr/>
-              <a:t>11/27/2017</a:t>
+              <a:t>11/28/2017</a:t>
             </a:fld>
             <a:endParaRPr lang="en-US" dirty="0"/>
           </a:p>
@@ -2125,7 +2136,7 @@
           <p:cNvPr id="3" name="바닥글 개체 틀 2">
             <a:extLst>
               <a:ext uri="{FF2B5EF4-FFF2-40B4-BE49-F238E27FC236}">
-                <a16:creationId xmlns:a16="http://schemas.microsoft.com/office/drawing/2014/main" xmlns="" id="{83A98D41-31F6-4224-96AC-BE9BCF530D7E}"/>
+                <a16:creationId xmlns:a16="http://schemas.microsoft.com/office/drawing/2014/main" id="{83A98D41-31F6-4224-96AC-BE9BCF530D7E}"/>
               </a:ext>
             </a:extLst>
           </p:cNvPr>
@@ -2150,7 +2161,7 @@
           <p:cNvPr id="4" name="슬라이드 번호 개체 틀 3">
             <a:extLst>
               <a:ext uri="{FF2B5EF4-FFF2-40B4-BE49-F238E27FC236}">
-                <a16:creationId xmlns:a16="http://schemas.microsoft.com/office/drawing/2014/main" xmlns="" id="{38D499B3-FB97-4553-8303-393876CC342A}"/>
+                <a16:creationId xmlns:a16="http://schemas.microsoft.com/office/drawing/2014/main" id="{38D499B3-FB97-4553-8303-393876CC342A}"/>
               </a:ext>
             </a:extLst>
           </p:cNvPr>
@@ -2178,7 +2189,7 @@
     </p:spTree>
     <p:extLst>
       <p:ext uri="{BB962C8B-B14F-4D97-AF65-F5344CB8AC3E}">
-        <p14:creationId xmlns:p14="http://schemas.microsoft.com/office/powerpoint/2010/main" xmlns="" val="880771253"/>
+        <p14:creationId xmlns:p14="http://schemas.microsoft.com/office/powerpoint/2010/main" val="880771253"/>
       </p:ext>
     </p:extLst>
   </p:cSld>
@@ -2210,7 +2221,7 @@
           <p:cNvPr id="2" name="제목 1">
             <a:extLst>
               <a:ext uri="{FF2B5EF4-FFF2-40B4-BE49-F238E27FC236}">
-                <a16:creationId xmlns:a16="http://schemas.microsoft.com/office/drawing/2014/main" xmlns="" id="{C60AFB33-818D-423F-9FD5-48889DFAB572}"/>
+                <a16:creationId xmlns:a16="http://schemas.microsoft.com/office/drawing/2014/main" id="{C60AFB33-818D-423F-9FD5-48889DFAB572}"/>
               </a:ext>
             </a:extLst>
           </p:cNvPr>
@@ -2248,7 +2259,7 @@
           <p:cNvPr id="3" name="내용 개체 틀 2">
             <a:extLst>
               <a:ext uri="{FF2B5EF4-FFF2-40B4-BE49-F238E27FC236}">
-                <a16:creationId xmlns:a16="http://schemas.microsoft.com/office/drawing/2014/main" xmlns="" id="{33316A57-5E4B-4B67-AE4F-FB1A8C5BBE7D}"/>
+                <a16:creationId xmlns:a16="http://schemas.microsoft.com/office/drawing/2014/main" id="{33316A57-5E4B-4B67-AE4F-FB1A8C5BBE7D}"/>
               </a:ext>
             </a:extLst>
           </p:cNvPr>
@@ -2339,7 +2350,7 @@
           <p:cNvPr id="4" name="텍스트 개체 틀 3">
             <a:extLst>
               <a:ext uri="{FF2B5EF4-FFF2-40B4-BE49-F238E27FC236}">
-                <a16:creationId xmlns:a16="http://schemas.microsoft.com/office/drawing/2014/main" xmlns="" id="{A09DF470-C48E-498A-A413-3C6325B0E403}"/>
+                <a16:creationId xmlns:a16="http://schemas.microsoft.com/office/drawing/2014/main" id="{A09DF470-C48E-498A-A413-3C6325B0E403}"/>
               </a:ext>
             </a:extLst>
           </p:cNvPr>
@@ -2410,7 +2421,7 @@
           <p:cNvPr id="5" name="날짜 개체 틀 4">
             <a:extLst>
               <a:ext uri="{FF2B5EF4-FFF2-40B4-BE49-F238E27FC236}">
-                <a16:creationId xmlns:a16="http://schemas.microsoft.com/office/drawing/2014/main" xmlns="" id="{F8B421E4-97E3-4B53-8F5C-3F15B1DC7792}"/>
+                <a16:creationId xmlns:a16="http://schemas.microsoft.com/office/drawing/2014/main" id="{F8B421E4-97E3-4B53-8F5C-3F15B1DC7792}"/>
               </a:ext>
             </a:extLst>
           </p:cNvPr>
@@ -2429,7 +2440,7 @@
             <a:fld id="{23234DB1-0FD5-486D-82FC-652663E7F307}" type="datetimeFigureOut">
               <a:rPr lang="en-US" smtClean="0"/>
               <a:pPr/>
-              <a:t>11/27/2017</a:t>
+              <a:t>11/28/2017</a:t>
             </a:fld>
             <a:endParaRPr lang="en-US" dirty="0"/>
           </a:p>
@@ -2440,7 +2451,7 @@
           <p:cNvPr id="6" name="바닥글 개체 틀 5">
             <a:extLst>
               <a:ext uri="{FF2B5EF4-FFF2-40B4-BE49-F238E27FC236}">
-                <a16:creationId xmlns:a16="http://schemas.microsoft.com/office/drawing/2014/main" xmlns="" id="{24EC79D6-CDC4-4615-A225-696F4A226290}"/>
+                <a16:creationId xmlns:a16="http://schemas.microsoft.com/office/drawing/2014/main" id="{24EC79D6-CDC4-4615-A225-696F4A226290}"/>
               </a:ext>
             </a:extLst>
           </p:cNvPr>
@@ -2465,7 +2476,7 @@
           <p:cNvPr id="7" name="슬라이드 번호 개체 틀 6">
             <a:extLst>
               <a:ext uri="{FF2B5EF4-FFF2-40B4-BE49-F238E27FC236}">
-                <a16:creationId xmlns:a16="http://schemas.microsoft.com/office/drawing/2014/main" xmlns="" id="{0793EF21-533A-4F76-BABC-B12A02E3EFEB}"/>
+                <a16:creationId xmlns:a16="http://schemas.microsoft.com/office/drawing/2014/main" id="{0793EF21-533A-4F76-BABC-B12A02E3EFEB}"/>
               </a:ext>
             </a:extLst>
           </p:cNvPr>
@@ -2493,7 +2504,7 @@
     </p:spTree>
     <p:extLst>
       <p:ext uri="{BB962C8B-B14F-4D97-AF65-F5344CB8AC3E}">
-        <p14:creationId xmlns:p14="http://schemas.microsoft.com/office/powerpoint/2010/main" xmlns="" val="3462359445"/>
+        <p14:creationId xmlns:p14="http://schemas.microsoft.com/office/powerpoint/2010/main" val="3462359445"/>
       </p:ext>
     </p:extLst>
   </p:cSld>
@@ -2525,7 +2536,7 @@
           <p:cNvPr id="2" name="제목 1">
             <a:extLst>
               <a:ext uri="{FF2B5EF4-FFF2-40B4-BE49-F238E27FC236}">
-                <a16:creationId xmlns:a16="http://schemas.microsoft.com/office/drawing/2014/main" xmlns="" id="{D7387E35-DBE0-4C3A-BBC1-D37F474871C9}"/>
+                <a16:creationId xmlns:a16="http://schemas.microsoft.com/office/drawing/2014/main" id="{D7387E35-DBE0-4C3A-BBC1-D37F474871C9}"/>
               </a:ext>
             </a:extLst>
           </p:cNvPr>
@@ -2563,7 +2574,7 @@
           <p:cNvPr id="3" name="그림 개체 틀 2">
             <a:extLst>
               <a:ext uri="{FF2B5EF4-FFF2-40B4-BE49-F238E27FC236}">
-                <a16:creationId xmlns:a16="http://schemas.microsoft.com/office/drawing/2014/main" xmlns="" id="{B75D9812-D89E-4A1A-B929-D8D474B17488}"/>
+                <a16:creationId xmlns:a16="http://schemas.microsoft.com/office/drawing/2014/main" id="{B75D9812-D89E-4A1A-B929-D8D474B17488}"/>
               </a:ext>
             </a:extLst>
           </p:cNvPr>
@@ -2630,7 +2641,7 @@
           <p:cNvPr id="4" name="텍스트 개체 틀 3">
             <a:extLst>
               <a:ext uri="{FF2B5EF4-FFF2-40B4-BE49-F238E27FC236}">
-                <a16:creationId xmlns:a16="http://schemas.microsoft.com/office/drawing/2014/main" xmlns="" id="{487C2BC6-F831-4664-A4B7-78EB245DFE9F}"/>
+                <a16:creationId xmlns:a16="http://schemas.microsoft.com/office/drawing/2014/main" id="{487C2BC6-F831-4664-A4B7-78EB245DFE9F}"/>
               </a:ext>
             </a:extLst>
           </p:cNvPr>
@@ -2701,7 +2712,7 @@
           <p:cNvPr id="5" name="날짜 개체 틀 4">
             <a:extLst>
               <a:ext uri="{FF2B5EF4-FFF2-40B4-BE49-F238E27FC236}">
-                <a16:creationId xmlns:a16="http://schemas.microsoft.com/office/drawing/2014/main" xmlns="" id="{ECF6115B-3032-4114-B865-B98962A2B81E}"/>
+                <a16:creationId xmlns:a16="http://schemas.microsoft.com/office/drawing/2014/main" id="{ECF6115B-3032-4114-B865-B98962A2B81E}"/>
               </a:ext>
             </a:extLst>
           </p:cNvPr>
@@ -2720,7 +2731,7 @@
             <a:fld id="{23234DB1-0FD5-486D-82FC-652663E7F307}" type="datetimeFigureOut">
               <a:rPr lang="en-US" smtClean="0"/>
               <a:pPr/>
-              <a:t>11/27/2017</a:t>
+              <a:t>11/28/2017</a:t>
             </a:fld>
             <a:endParaRPr lang="en-US" dirty="0"/>
           </a:p>
@@ -2731,7 +2742,7 @@
           <p:cNvPr id="6" name="바닥글 개체 틀 5">
             <a:extLst>
               <a:ext uri="{FF2B5EF4-FFF2-40B4-BE49-F238E27FC236}">
-                <a16:creationId xmlns:a16="http://schemas.microsoft.com/office/drawing/2014/main" xmlns="" id="{64C44C23-CE50-427C-B0AD-F35AF488550F}"/>
+                <a16:creationId xmlns:a16="http://schemas.microsoft.com/office/drawing/2014/main" id="{64C44C23-CE50-427C-B0AD-F35AF488550F}"/>
               </a:ext>
             </a:extLst>
           </p:cNvPr>
@@ -2756,7 +2767,7 @@
           <p:cNvPr id="7" name="슬라이드 번호 개체 틀 6">
             <a:extLst>
               <a:ext uri="{FF2B5EF4-FFF2-40B4-BE49-F238E27FC236}">
-                <a16:creationId xmlns:a16="http://schemas.microsoft.com/office/drawing/2014/main" xmlns="" id="{381066B4-8229-49CD-8D3C-42E80900C5CD}"/>
+                <a16:creationId xmlns:a16="http://schemas.microsoft.com/office/drawing/2014/main" id="{381066B4-8229-49CD-8D3C-42E80900C5CD}"/>
               </a:ext>
             </a:extLst>
           </p:cNvPr>
@@ -2784,7 +2795,7 @@
     </p:spTree>
     <p:extLst>
       <p:ext uri="{BB962C8B-B14F-4D97-AF65-F5344CB8AC3E}">
-        <p14:creationId xmlns:p14="http://schemas.microsoft.com/office/powerpoint/2010/main" xmlns="" val="3534112958"/>
+        <p14:creationId xmlns:p14="http://schemas.microsoft.com/office/powerpoint/2010/main" val="3534112958"/>
       </p:ext>
     </p:extLst>
   </p:cSld>
@@ -2821,7 +2832,7 @@
           <p:cNvPr id="2" name="제목 개체 틀 1">
             <a:extLst>
               <a:ext uri="{FF2B5EF4-FFF2-40B4-BE49-F238E27FC236}">
-                <a16:creationId xmlns:a16="http://schemas.microsoft.com/office/drawing/2014/main" xmlns="" id="{2A868514-619D-4DE6-B49C-B9097C5A3C35}"/>
+                <a16:creationId xmlns:a16="http://schemas.microsoft.com/office/drawing/2014/main" id="{2A868514-619D-4DE6-B49C-B9097C5A3C35}"/>
               </a:ext>
             </a:extLst>
           </p:cNvPr>
@@ -2860,7 +2871,7 @@
           <p:cNvPr id="3" name="텍스트 개체 틀 2">
             <a:extLst>
               <a:ext uri="{FF2B5EF4-FFF2-40B4-BE49-F238E27FC236}">
-                <a16:creationId xmlns:a16="http://schemas.microsoft.com/office/drawing/2014/main" xmlns="" id="{4EC325D9-F8DA-45F5-AE68-17B65C5DCEAD}"/>
+                <a16:creationId xmlns:a16="http://schemas.microsoft.com/office/drawing/2014/main" id="{4EC325D9-F8DA-45F5-AE68-17B65C5DCEAD}"/>
               </a:ext>
             </a:extLst>
           </p:cNvPr>
@@ -2928,7 +2939,7 @@
           <p:cNvPr id="4" name="날짜 개체 틀 3">
             <a:extLst>
               <a:ext uri="{FF2B5EF4-FFF2-40B4-BE49-F238E27FC236}">
-                <a16:creationId xmlns:a16="http://schemas.microsoft.com/office/drawing/2014/main" xmlns="" id="{9933A78D-BBFD-4A9A-A9B5-EC8163E16C03}"/>
+                <a16:creationId xmlns:a16="http://schemas.microsoft.com/office/drawing/2014/main" id="{9933A78D-BBFD-4A9A-A9B5-EC8163E16C03}"/>
               </a:ext>
             </a:extLst>
           </p:cNvPr>
@@ -2965,7 +2976,7 @@
             <a:fld id="{23234DB1-0FD5-486D-82FC-652663E7F307}" type="datetimeFigureOut">
               <a:rPr lang="en-US" smtClean="0"/>
               <a:pPr/>
-              <a:t>11/27/2017</a:t>
+              <a:t>11/28/2017</a:t>
             </a:fld>
             <a:endParaRPr lang="en-US" dirty="0"/>
           </a:p>
@@ -2976,7 +2987,7 @@
           <p:cNvPr id="5" name="바닥글 개체 틀 4">
             <a:extLst>
               <a:ext uri="{FF2B5EF4-FFF2-40B4-BE49-F238E27FC236}">
-                <a16:creationId xmlns:a16="http://schemas.microsoft.com/office/drawing/2014/main" xmlns="" id="{E572AE73-FA7C-485A-AC93-F113543B5523}"/>
+                <a16:creationId xmlns:a16="http://schemas.microsoft.com/office/drawing/2014/main" id="{E572AE73-FA7C-485A-AC93-F113543B5523}"/>
               </a:ext>
             </a:extLst>
           </p:cNvPr>
@@ -3019,7 +3030,7 @@
           <p:cNvPr id="6" name="슬라이드 번호 개체 틀 5">
             <a:extLst>
               <a:ext uri="{FF2B5EF4-FFF2-40B4-BE49-F238E27FC236}">
-                <a16:creationId xmlns:a16="http://schemas.microsoft.com/office/drawing/2014/main" xmlns="" id="{3661F44B-E2B0-48A5-B63D-04930151A2A9}"/>
+                <a16:creationId xmlns:a16="http://schemas.microsoft.com/office/drawing/2014/main" id="{3661F44B-E2B0-48A5-B63D-04930151A2A9}"/>
               </a:ext>
             </a:extLst>
           </p:cNvPr>
@@ -3065,7 +3076,7 @@
     </p:spTree>
     <p:extLst>
       <p:ext uri="{BB962C8B-B14F-4D97-AF65-F5344CB8AC3E}">
-        <p14:creationId xmlns:p14="http://schemas.microsoft.com/office/powerpoint/2010/main" xmlns="" val="2960719367"/>
+        <p14:creationId xmlns:p14="http://schemas.microsoft.com/office/powerpoint/2010/main" val="2960719367"/>
       </p:ext>
     </p:extLst>
   </p:cSld>
@@ -3402,7 +3413,7 @@
           <p:cNvPr id="4" name="TextBox 3">
             <a:extLst>
               <a:ext uri="{FF2B5EF4-FFF2-40B4-BE49-F238E27FC236}">
-                <a16:creationId xmlns:a16="http://schemas.microsoft.com/office/drawing/2014/main" xmlns="" id="{9C3D2B6E-ACF8-414D-AA22-6094FEBB5889}"/>
+                <a16:creationId xmlns:a16="http://schemas.microsoft.com/office/drawing/2014/main" id="{9C3D2B6E-ACF8-414D-AA22-6094FEBB5889}"/>
               </a:ext>
             </a:extLst>
           </p:cNvPr>
@@ -3439,7 +3450,7 @@
           <p:cNvPr id="5" name="TextBox 4">
             <a:extLst>
               <a:ext uri="{FF2B5EF4-FFF2-40B4-BE49-F238E27FC236}">
-                <a16:creationId xmlns:a16="http://schemas.microsoft.com/office/drawing/2014/main" xmlns="" id="{60AC4C18-2A9B-4380-A299-C2937565BB73}"/>
+                <a16:creationId xmlns:a16="http://schemas.microsoft.com/office/drawing/2014/main" id="{60AC4C18-2A9B-4380-A299-C2937565BB73}"/>
               </a:ext>
             </a:extLst>
           </p:cNvPr>
@@ -3481,7 +3492,7 @@
           <p:cNvPr id="6" name="TextBox 5">
             <a:extLst>
               <a:ext uri="{FF2B5EF4-FFF2-40B4-BE49-F238E27FC236}">
-                <a16:creationId xmlns:a16="http://schemas.microsoft.com/office/drawing/2014/main" xmlns="" id="{65714F4E-4863-4C1D-BC42-BDB53C7FF538}"/>
+                <a16:creationId xmlns:a16="http://schemas.microsoft.com/office/drawing/2014/main" id="{65714F4E-4863-4C1D-BC42-BDB53C7FF538}"/>
               </a:ext>
             </a:extLst>
           </p:cNvPr>
@@ -3505,45 +3516,25 @@
           <a:lstStyle/>
           <a:p>
             <a:r>
-              <a:rPr lang="ko-KR" altLang="en-US" sz="1600" dirty="0" smtClean="0">
+              <a:rPr lang="ko-KR" altLang="en-US" sz="1600" dirty="0">
                 <a:latin typeface="한컴 윤고딕 240" panose="02020603020101020101" pitchFamily="18" charset="-127"/>
                 <a:ea typeface="한컴 윤고딕 240" panose="02020603020101020101" pitchFamily="18" charset="-127"/>
               </a:rPr>
               <a:t>게임공학과 </a:t>
             </a:r>
             <a:r>
-              <a:rPr lang="ko-KR" altLang="en-US" sz="1600" dirty="0" smtClean="0">
+              <a:rPr lang="en-US" altLang="ko-KR" sz="1600" dirty="0">
                 <a:latin typeface="한컴 윤고딕 240" panose="02020603020101020101" pitchFamily="18" charset="-127"/>
                 <a:ea typeface="한컴 윤고딕 240" panose="02020603020101020101" pitchFamily="18" charset="-127"/>
               </a:rPr>
-              <a:t>최우석</a:t>
-            </a:r>
-            <a:endParaRPr lang="en-US" altLang="ko-KR" sz="1600" dirty="0" smtClean="0">
-              <a:latin typeface="한컴 윤고딕 240" panose="02020603020101020101" pitchFamily="18" charset="-127"/>
-              <a:ea typeface="한컴 윤고딕 240" panose="02020603020101020101" pitchFamily="18" charset="-127"/>
-            </a:endParaRPr>
-          </a:p>
-          <a:p>
-            <a:r>
-              <a:rPr lang="ko-KR" altLang="en-US" sz="1600" dirty="0" smtClean="0">
+              <a:t>2013180042 </a:t>
+            </a:r>
+            <a:r>
+              <a:rPr lang="ko-KR" altLang="en-US" sz="1600" dirty="0">
                 <a:latin typeface="한컴 윤고딕 240" panose="02020603020101020101" pitchFamily="18" charset="-127"/>
                 <a:ea typeface="한컴 윤고딕 240" panose="02020603020101020101" pitchFamily="18" charset="-127"/>
               </a:rPr>
-              <a:t>게임공학과 </a:t>
-            </a:r>
-            <a:r>
-              <a:rPr lang="en-US" altLang="ko-KR" sz="1600" dirty="0" smtClean="0">
-                <a:latin typeface="한컴 윤고딕 240" panose="02020603020101020101" pitchFamily="18" charset="-127"/>
-                <a:ea typeface="한컴 윤고딕 240" panose="02020603020101020101" pitchFamily="18" charset="-127"/>
-              </a:rPr>
-              <a:t>2015182044 </a:t>
-            </a:r>
-            <a:r>
-              <a:rPr lang="ko-KR" altLang="en-US" sz="1600" dirty="0" smtClean="0">
-                <a:latin typeface="한컴 윤고딕 240" panose="02020603020101020101" pitchFamily="18" charset="-127"/>
-                <a:ea typeface="한컴 윤고딕 240" panose="02020603020101020101" pitchFamily="18" charset="-127"/>
-              </a:rPr>
-              <a:t>하정연</a:t>
+              <a:t>최우석</a:t>
             </a:r>
             <a:endParaRPr lang="en-US" altLang="ko-KR" sz="1600" dirty="0">
               <a:latin typeface="한컴 윤고딕 240" panose="02020603020101020101" pitchFamily="18" charset="-127"/>
@@ -3552,21 +3543,48 @@
           </a:p>
           <a:p>
             <a:r>
-              <a:rPr lang="ko-KR" altLang="en-US" sz="1600" dirty="0" smtClean="0">
+              <a:rPr lang="ko-KR" altLang="en-US" sz="1600" dirty="0">
                 <a:latin typeface="한컴 윤고딕 240" panose="02020603020101020101" pitchFamily="18" charset="-127"/>
                 <a:ea typeface="한컴 윤고딕 240" panose="02020603020101020101" pitchFamily="18" charset="-127"/>
               </a:rPr>
               <a:t>게임공학과 </a:t>
             </a:r>
             <a:r>
-              <a:rPr lang="en-US" altLang="ko-KR" sz="1600" dirty="0" smtClean="0">
+              <a:rPr lang="en-US" altLang="ko-KR" sz="1600" dirty="0">
                 <a:latin typeface="한컴 윤고딕 240" panose="02020603020101020101" pitchFamily="18" charset="-127"/>
                 <a:ea typeface="한컴 윤고딕 240" panose="02020603020101020101" pitchFamily="18" charset="-127"/>
               </a:rPr>
+              <a:t>2015182044 </a:t>
+            </a:r>
+            <a:r>
+              <a:rPr lang="ko-KR" altLang="en-US" sz="1600" dirty="0">
+                <a:latin typeface="한컴 윤고딕 240" panose="02020603020101020101" pitchFamily="18" charset="-127"/>
+                <a:ea typeface="한컴 윤고딕 240" panose="02020603020101020101" pitchFamily="18" charset="-127"/>
+              </a:rPr>
+              <a:t>하정연</a:t>
+            </a:r>
+            <a:endParaRPr lang="en-US" altLang="ko-KR" sz="1600" dirty="0">
+              <a:latin typeface="한컴 윤고딕 240" panose="02020603020101020101" pitchFamily="18" charset="-127"/>
+              <a:ea typeface="한컴 윤고딕 240" panose="02020603020101020101" pitchFamily="18" charset="-127"/>
+            </a:endParaRPr>
+          </a:p>
+          <a:p>
+            <a:r>
+              <a:rPr lang="ko-KR" altLang="en-US" sz="1600" dirty="0">
+                <a:latin typeface="한컴 윤고딕 240" panose="02020603020101020101" pitchFamily="18" charset="-127"/>
+                <a:ea typeface="한컴 윤고딕 240" panose="02020603020101020101" pitchFamily="18" charset="-127"/>
+              </a:rPr>
+              <a:t>게임공학과 </a:t>
+            </a:r>
+            <a:r>
+              <a:rPr lang="en-US" altLang="ko-KR" sz="1600" dirty="0">
+                <a:latin typeface="한컴 윤고딕 240" panose="02020603020101020101" pitchFamily="18" charset="-127"/>
+                <a:ea typeface="한컴 윤고딕 240" panose="02020603020101020101" pitchFamily="18" charset="-127"/>
+              </a:rPr>
               <a:t>2015182045 </a:t>
             </a:r>
             <a:r>
-              <a:rPr lang="ko-KR" altLang="en-US" sz="1600" dirty="0" smtClean="0">
+              <a:rPr lang="ko-KR" altLang="en-US" sz="1600" dirty="0">
                 <a:latin typeface="한컴 윤고딕 240" panose="02020603020101020101" pitchFamily="18" charset="-127"/>
                 <a:ea typeface="한컴 윤고딕 240" panose="02020603020101020101" pitchFamily="18" charset="-127"/>
               </a:rPr>
@@ -3584,7 +3602,7 @@
           <p:cNvPr id="7" name="직사각형 6">
             <a:extLst>
               <a:ext uri="{FF2B5EF4-FFF2-40B4-BE49-F238E27FC236}">
-                <a16:creationId xmlns:a16="http://schemas.microsoft.com/office/drawing/2014/main" xmlns="" id="{F619D7D9-E661-4CF7-AF78-7D9EA1FDFA4D}"/>
+                <a16:creationId xmlns:a16="http://schemas.microsoft.com/office/drawing/2014/main" id="{F619D7D9-E661-4CF7-AF78-7D9EA1FDFA4D}"/>
               </a:ext>
             </a:extLst>
           </p:cNvPr>
@@ -3653,7 +3671,7 @@
     </p:spTree>
     <p:extLst>
       <p:ext uri="{BB962C8B-B14F-4D97-AF65-F5344CB8AC3E}">
-        <p14:creationId xmlns:p14="http://schemas.microsoft.com/office/powerpoint/2010/main" xmlns="" val="3889777860"/>
+        <p14:creationId xmlns:p14="http://schemas.microsoft.com/office/powerpoint/2010/main" val="3889777860"/>
       </p:ext>
     </p:extLst>
   </p:cSld>
@@ -3699,7 +3717,7 @@
           <p:cNvPr id="5" name="직사각형 4">
             <a:extLst>
               <a:ext uri="{FF2B5EF4-FFF2-40B4-BE49-F238E27FC236}">
-                <a16:creationId xmlns:a16="http://schemas.microsoft.com/office/drawing/2014/main" xmlns="" id="{DA2C7E92-F2AA-454D-8132-13E1632E1415}"/>
+                <a16:creationId xmlns:a16="http://schemas.microsoft.com/office/drawing/2014/main" id="{DA2C7E92-F2AA-454D-8132-13E1632E1415}"/>
               </a:ext>
             </a:extLst>
           </p:cNvPr>
@@ -3753,7 +3771,7 @@
           <p:cNvPr id="2" name="직사각형 1">
             <a:extLst>
               <a:ext uri="{FF2B5EF4-FFF2-40B4-BE49-F238E27FC236}">
-                <a16:creationId xmlns:a16="http://schemas.microsoft.com/office/drawing/2014/main" xmlns="" id="{0BF4380C-7BCB-408F-AB44-3F65689B7EE2}"/>
+                <a16:creationId xmlns:a16="http://schemas.microsoft.com/office/drawing/2014/main" id="{0BF4380C-7BCB-408F-AB44-3F65689B7EE2}"/>
               </a:ext>
             </a:extLst>
           </p:cNvPr>
@@ -3807,7 +3825,7 @@
           <p:cNvPr id="7" name="TextBox 6">
             <a:extLst>
               <a:ext uri="{FF2B5EF4-FFF2-40B4-BE49-F238E27FC236}">
-                <a16:creationId xmlns:a16="http://schemas.microsoft.com/office/drawing/2014/main" xmlns="" id="{D7208663-32B1-4B7D-87F0-3A1F18036072}"/>
+                <a16:creationId xmlns:a16="http://schemas.microsoft.com/office/drawing/2014/main" id="{D7208663-32B1-4B7D-87F0-3A1F18036072}"/>
               </a:ext>
             </a:extLst>
           </p:cNvPr>
@@ -3845,7 +3863,7 @@
           <p:cNvPr id="14" name="TextBox 13">
             <a:extLst>
               <a:ext uri="{FF2B5EF4-FFF2-40B4-BE49-F238E27FC236}">
-                <a16:creationId xmlns:a16="http://schemas.microsoft.com/office/drawing/2014/main" xmlns="" id="{84BDE09D-AF4A-4D3E-8970-47FF30148AAA}"/>
+                <a16:creationId xmlns:a16="http://schemas.microsoft.com/office/drawing/2014/main" id="{84BDE09D-AF4A-4D3E-8970-47FF30148AAA}"/>
               </a:ext>
             </a:extLst>
           </p:cNvPr>
@@ -3903,7 +3921,7 @@
           <p:cNvPr id="15" name="TextBox 14">
             <a:extLst>
               <a:ext uri="{FF2B5EF4-FFF2-40B4-BE49-F238E27FC236}">
-                <a16:creationId xmlns:a16="http://schemas.microsoft.com/office/drawing/2014/main" xmlns="" id="{549F7864-C956-46B7-B79D-3F2418CED079}"/>
+                <a16:creationId xmlns:a16="http://schemas.microsoft.com/office/drawing/2014/main" id="{549F7864-C956-46B7-B79D-3F2418CED079}"/>
               </a:ext>
             </a:extLst>
           </p:cNvPr>
@@ -4155,17 +4173,7 @@
                 <a:latin typeface="한컴 윤고딕 240" panose="02020603020101020101" pitchFamily="18" charset="-127"/>
                 <a:ea typeface="한컴 윤고딕 240" panose="02020603020101020101" pitchFamily="18" charset="-127"/>
               </a:rPr>
-              <a:t>맵에서</a:t>
-            </a:r>
-            <a:r>
-              <a:rPr lang="ko-KR" altLang="en-US" sz="2000" dirty="0">
-                <a:solidFill>
-                  <a:schemeClr val="bg1"/>
-                </a:solidFill>
-                <a:latin typeface="한컴 윤고딕 240" panose="02020603020101020101" pitchFamily="18" charset="-127"/>
-                <a:ea typeface="한컴 윤고딕 240" panose="02020603020101020101" pitchFamily="18" charset="-127"/>
-              </a:rPr>
-              <a:t> 아이템을 장착하고 거대한 보스에 대비하자</a:t>
+              <a:t>맵에서 아이템을 장착하고 거대한 보스에 대비하자</a:t>
             </a:r>
             <a:r>
               <a:rPr lang="en-US" altLang="ko-KR" sz="2000" dirty="0">
@@ -4237,7 +4245,7 @@
                 <a:latin typeface="한컴 윤고딕 240" panose="02020603020101020101" pitchFamily="18" charset="-127"/>
                 <a:ea typeface="한컴 윤고딕 240" panose="02020603020101020101" pitchFamily="18" charset="-127"/>
               </a:rPr>
-              <a:t>함정을 가동시켜 보스를 처치하자</a:t>
+              <a:t>장치를 가동시켜 보스를 처치하자</a:t>
             </a:r>
             <a:r>
               <a:rPr lang="en-US" altLang="ko-KR" sz="2000" dirty="0">
@@ -4320,7 +4328,7 @@
                 <a:latin typeface="한컴 윤고딕 240" panose="02020603020101020101" pitchFamily="18" charset="-127"/>
                 <a:ea typeface="한컴 윤고딕 240" panose="02020603020101020101" pitchFamily="18" charset="-127"/>
               </a:rPr>
-              <a:t>함정을 가동시키지 못하게 하자</a:t>
+              <a:t>장치를 가동시키지 못하게 하자</a:t>
             </a:r>
             <a:r>
               <a:rPr lang="en-US" altLang="ko-KR" sz="2000" dirty="0">
@@ -4340,7 +4348,7 @@
           <p:cNvPr id="4" name="그룹 3">
             <a:extLst>
               <a:ext uri="{FF2B5EF4-FFF2-40B4-BE49-F238E27FC236}">
-                <a16:creationId xmlns:a16="http://schemas.microsoft.com/office/drawing/2014/main" xmlns="" id="{70840EDD-CCC7-4169-B681-3C518DE0B068}"/>
+                <a16:creationId xmlns:a16="http://schemas.microsoft.com/office/drawing/2014/main" id="{70840EDD-CCC7-4169-B681-3C518DE0B068}"/>
               </a:ext>
             </a:extLst>
           </p:cNvPr>
@@ -4360,7 +4368,7 @@
             <p:cNvPr id="10" name="타원 9">
               <a:extLst>
                 <a:ext uri="{FF2B5EF4-FFF2-40B4-BE49-F238E27FC236}">
-                  <a16:creationId xmlns:a16="http://schemas.microsoft.com/office/drawing/2014/main" xmlns="" id="{EDF3B351-E40A-4510-B987-2A5EF6ABE054}"/>
+                  <a16:creationId xmlns:a16="http://schemas.microsoft.com/office/drawing/2014/main" id="{EDF3B351-E40A-4510-B987-2A5EF6ABE054}"/>
                 </a:ext>
               </a:extLst>
             </p:cNvPr>
@@ -4412,7 +4420,7 @@
             <p:cNvPr id="11" name="타원 10">
               <a:extLst>
                 <a:ext uri="{FF2B5EF4-FFF2-40B4-BE49-F238E27FC236}">
-                  <a16:creationId xmlns:a16="http://schemas.microsoft.com/office/drawing/2014/main" xmlns="" id="{55FEA987-DC77-4AC0-8353-18447C30E665}"/>
+                  <a16:creationId xmlns:a16="http://schemas.microsoft.com/office/drawing/2014/main" id="{55FEA987-DC77-4AC0-8353-18447C30E665}"/>
                 </a:ext>
               </a:extLst>
             </p:cNvPr>
@@ -4464,7 +4472,7 @@
             <p:cNvPr id="12" name="타원 11">
               <a:extLst>
                 <a:ext uri="{FF2B5EF4-FFF2-40B4-BE49-F238E27FC236}">
-                  <a16:creationId xmlns:a16="http://schemas.microsoft.com/office/drawing/2014/main" xmlns="" id="{A5D9E533-5A8C-4E30-8155-E1C7187E2731}"/>
+                  <a16:creationId xmlns:a16="http://schemas.microsoft.com/office/drawing/2014/main" id="{A5D9E533-5A8C-4E30-8155-E1C7187E2731}"/>
                 </a:ext>
               </a:extLst>
             </p:cNvPr>
@@ -4516,7 +4524,7 @@
             <p:cNvPr id="13" name="직선 연결선 12">
               <a:extLst>
                 <a:ext uri="{FF2B5EF4-FFF2-40B4-BE49-F238E27FC236}">
-                  <a16:creationId xmlns:a16="http://schemas.microsoft.com/office/drawing/2014/main" xmlns="" id="{0AAB090E-B009-4215-B746-8FB5DCFA44E3}"/>
+                  <a16:creationId xmlns:a16="http://schemas.microsoft.com/office/drawing/2014/main" id="{0AAB090E-B009-4215-B746-8FB5DCFA44E3}"/>
                 </a:ext>
               </a:extLst>
             </p:cNvPr>
@@ -4572,20 +4580,13 @@
     </p:spTree>
     <p:extLst>
       <p:ext uri="{BB962C8B-B14F-4D97-AF65-F5344CB8AC3E}">
-        <p14:creationId xmlns:p14="http://schemas.microsoft.com/office/powerpoint/2010/main" xmlns="" val="4135405976"/>
+        <p14:creationId xmlns:p14="http://schemas.microsoft.com/office/powerpoint/2010/main" val="4135405976"/>
       </p:ext>
     </p:extLst>
   </p:cSld>
   <p:clrMapOvr>
     <a:masterClrMapping/>
   </p:clrMapOvr>
-  <p:timing>
-    <p:tnLst>
-      <p:par>
-        <p:cTn id="1" dur="indefinite" restart="never" nodeType="tmRoot"/>
-      </p:par>
-    </p:tnLst>
-  </p:timing>
 </p:sld>
 </file>
 
@@ -4598,7 +4599,7 @@
           <a:blip r:embed="rId2" cstate="print">
             <a:extLst>
               <a:ext uri="{28A0092B-C50C-407E-A947-70E740481C1C}">
-                <a14:useLocalDpi xmlns:a14="http://schemas.microsoft.com/office/drawing/2010/main" xmlns="" val="0"/>
+                <a14:useLocalDpi xmlns:a14="http://schemas.microsoft.com/office/drawing/2010/main" val="0"/>
               </a:ext>
             </a:extLst>
           </a:blip>
@@ -4629,7 +4630,7 @@
           <p:cNvPr id="2" name="직사각형 1">
             <a:extLst>
               <a:ext uri="{FF2B5EF4-FFF2-40B4-BE49-F238E27FC236}">
-                <a16:creationId xmlns:a16="http://schemas.microsoft.com/office/drawing/2014/main" xmlns="" id="{0BF4380C-7BCB-408F-AB44-3F65689B7EE2}"/>
+                <a16:creationId xmlns:a16="http://schemas.microsoft.com/office/drawing/2014/main" id="{0BF4380C-7BCB-408F-AB44-3F65689B7EE2}"/>
               </a:ext>
             </a:extLst>
           </p:cNvPr>
@@ -4683,7 +4684,7 @@
           <p:cNvPr id="7" name="TextBox 6">
             <a:extLst>
               <a:ext uri="{FF2B5EF4-FFF2-40B4-BE49-F238E27FC236}">
-                <a16:creationId xmlns:a16="http://schemas.microsoft.com/office/drawing/2014/main" xmlns="" id="{D7208663-32B1-4B7D-87F0-3A1F18036072}"/>
+                <a16:creationId xmlns:a16="http://schemas.microsoft.com/office/drawing/2014/main" id="{D7208663-32B1-4B7D-87F0-3A1F18036072}"/>
               </a:ext>
             </a:extLst>
           </p:cNvPr>
@@ -4778,7 +4779,7 @@
           <p:cNvPr id="16" name="직사각형 15">
             <a:extLst>
               <a:ext uri="{FF2B5EF4-FFF2-40B4-BE49-F238E27FC236}">
-                <a16:creationId xmlns:a16="http://schemas.microsoft.com/office/drawing/2014/main" xmlns="" id="{A2013CBB-84F0-4EAD-B44F-E77B0AF83E6B}"/>
+                <a16:creationId xmlns:a16="http://schemas.microsoft.com/office/drawing/2014/main" id="{A2013CBB-84F0-4EAD-B44F-E77B0AF83E6B}"/>
               </a:ext>
             </a:extLst>
           </p:cNvPr>
@@ -4832,7 +4833,7 @@
           <p:cNvPr id="12" name="TextBox 11">
             <a:extLst>
               <a:ext uri="{FF2B5EF4-FFF2-40B4-BE49-F238E27FC236}">
-                <a16:creationId xmlns:a16="http://schemas.microsoft.com/office/drawing/2014/main" xmlns="" id="{6965FF92-FF26-415F-BA19-14E7DCA1754A}"/>
+                <a16:creationId xmlns:a16="http://schemas.microsoft.com/office/drawing/2014/main" id="{6965FF92-FF26-415F-BA19-14E7DCA1754A}"/>
               </a:ext>
             </a:extLst>
           </p:cNvPr>
@@ -4873,27 +4874,7 @@
                 <a:latin typeface="한컴 윤고딕 240" panose="02020603020101020101" pitchFamily="18" charset="-127"/>
                 <a:ea typeface="한컴 윤고딕 240" panose="02020603020101020101" pitchFamily="18" charset="-127"/>
               </a:rPr>
-              <a:t>“Dead By Daylight (</a:t>
-            </a:r>
-            <a:r>
-              <a:rPr lang="en-US" altLang="ko-KR" sz="2000" i="1" dirty="0">
-                <a:solidFill>
-                  <a:schemeClr val="bg1"/>
-                </a:solidFill>
-                <a:latin typeface="한컴 윤고딕 240" panose="02020603020101020101" pitchFamily="18" charset="-127"/>
-                <a:ea typeface="한컴 윤고딕 240" panose="02020603020101020101" pitchFamily="18" charset="-127"/>
-              </a:rPr>
-              <a:t>Behaviour</a:t>
-            </a:r>
-            <a:r>
-              <a:rPr lang="en-US" altLang="ko-KR" sz="2000" i="1" dirty="0">
-                <a:solidFill>
-                  <a:schemeClr val="bg1"/>
-                </a:solidFill>
-                <a:latin typeface="한컴 윤고딕 240" panose="02020603020101020101" pitchFamily="18" charset="-127"/>
-                <a:ea typeface="한컴 윤고딕 240" panose="02020603020101020101" pitchFamily="18" charset="-127"/>
-              </a:rPr>
-              <a:t> Digital)”</a:t>
+              <a:t>“Dead By Daylight (Behaviour Digital)”</a:t>
             </a:r>
           </a:p>
           <a:p>
@@ -5114,47 +5095,7 @@
                 <a:latin typeface="한컴 윤고딕 240" panose="02020603020101020101" pitchFamily="18" charset="-127"/>
                 <a:ea typeface="한컴 윤고딕 240" panose="02020603020101020101" pitchFamily="18" charset="-127"/>
               </a:rPr>
-              <a:t>→ </a:t>
-            </a:r>
-            <a:r>
-              <a:rPr lang="ko-KR" altLang="en-US" sz="2000" dirty="0">
-                <a:solidFill>
-                  <a:schemeClr val="bg1"/>
-                </a:solidFill>
-                <a:latin typeface="한컴 윤고딕 240" panose="02020603020101020101" pitchFamily="18" charset="-127"/>
-                <a:ea typeface="한컴 윤고딕 240" panose="02020603020101020101" pitchFamily="18" charset="-127"/>
-              </a:rPr>
-              <a:t>캐쥬얼한</a:t>
-            </a:r>
-            <a:r>
-              <a:rPr lang="ko-KR" altLang="en-US" sz="2000" dirty="0">
-                <a:solidFill>
-                  <a:schemeClr val="bg1"/>
-                </a:solidFill>
-                <a:latin typeface="한컴 윤고딕 240" panose="02020603020101020101" pitchFamily="18" charset="-127"/>
-                <a:ea typeface="한컴 윤고딕 240" panose="02020603020101020101" pitchFamily="18" charset="-127"/>
-              </a:rPr>
-              <a:t> 분위기와 플레이어도 공격이 가능 하게끔 하여 기존 게임의 </a:t>
-            </a:r>
-            <a:r>
-              <a:rPr lang="ko-KR" altLang="en-US" sz="2000" dirty="0">
-                <a:solidFill>
-                  <a:schemeClr val="bg1"/>
-                </a:solidFill>
-                <a:latin typeface="한컴 윤고딕 240" panose="02020603020101020101" pitchFamily="18" charset="-127"/>
-                <a:ea typeface="한컴 윤고딕 240" panose="02020603020101020101" pitchFamily="18" charset="-127"/>
-              </a:rPr>
-              <a:t>안티테재를</a:t>
-            </a:r>
-            <a:r>
-              <a:rPr lang="ko-KR" altLang="en-US" sz="2000" dirty="0">
-                <a:solidFill>
-                  <a:schemeClr val="bg1"/>
-                </a:solidFill>
-                <a:latin typeface="한컴 윤고딕 240" panose="02020603020101020101" pitchFamily="18" charset="-127"/>
-                <a:ea typeface="한컴 윤고딕 240" panose="02020603020101020101" pitchFamily="18" charset="-127"/>
-              </a:rPr>
-              <a:t> 제시 </a:t>
+              <a:t>→ 캐쥬얼한 분위기와 플레이어도 공격이 가능 하게끔 하여 기존 게임의 안티테재를 제시 </a:t>
             </a:r>
             <a:r>
               <a:rPr lang="en-US" altLang="ko-KR" sz="2000" dirty="0">
@@ -5283,17 +5224,7 @@
                 <a:latin typeface="한컴 윤고딕 240" panose="02020603020101020101" pitchFamily="18" charset="-127"/>
                 <a:ea typeface="한컴 윤고딕 240" panose="02020603020101020101" pitchFamily="18" charset="-127"/>
               </a:rPr>
-              <a:t>캐쥬얼</a:t>
-            </a:r>
-            <a:r>
-              <a:rPr lang="ko-KR" altLang="en-US" sz="2000" dirty="0">
-                <a:solidFill>
-                  <a:schemeClr val="bg1"/>
-                </a:solidFill>
-                <a:latin typeface="한컴 윤고딕 240" panose="02020603020101020101" pitchFamily="18" charset="-127"/>
-                <a:ea typeface="한컴 윤고딕 240" panose="02020603020101020101" pitchFamily="18" charset="-127"/>
-              </a:rPr>
-              <a:t> 하면서 복잡하지 않은 협력 생존 게임</a:t>
+              <a:t>캐쥬얼 하면서 복잡하지 않은 협력 생존 게임</a:t>
             </a:r>
             <a:endParaRPr lang="en-US" altLang="ko-KR" sz="2000" dirty="0">
               <a:solidFill>
@@ -5319,7 +5250,7 @@
           <p:cNvPr id="17" name="그룹 16">
             <a:extLst>
               <a:ext uri="{FF2B5EF4-FFF2-40B4-BE49-F238E27FC236}">
-                <a16:creationId xmlns:a16="http://schemas.microsoft.com/office/drawing/2014/main" xmlns="" id="{4B882182-E2BC-4B44-A125-1510E4979AAE}"/>
+                <a16:creationId xmlns:a16="http://schemas.microsoft.com/office/drawing/2014/main" id="{4B882182-E2BC-4B44-A125-1510E4979AAE}"/>
               </a:ext>
             </a:extLst>
           </p:cNvPr>
@@ -5339,7 +5270,7 @@
             <p:cNvPr id="22" name="타원 21">
               <a:extLst>
                 <a:ext uri="{FF2B5EF4-FFF2-40B4-BE49-F238E27FC236}">
-                  <a16:creationId xmlns:a16="http://schemas.microsoft.com/office/drawing/2014/main" xmlns="" id="{5A0D0C04-3765-459A-8787-6E2D1540B49D}"/>
+                  <a16:creationId xmlns:a16="http://schemas.microsoft.com/office/drawing/2014/main" id="{5A0D0C04-3765-459A-8787-6E2D1540B49D}"/>
                 </a:ext>
               </a:extLst>
             </p:cNvPr>
@@ -5391,7 +5322,7 @@
             <p:cNvPr id="23" name="타원 22">
               <a:extLst>
                 <a:ext uri="{FF2B5EF4-FFF2-40B4-BE49-F238E27FC236}">
-                  <a16:creationId xmlns:a16="http://schemas.microsoft.com/office/drawing/2014/main" xmlns="" id="{E13B1C4C-E3B9-4B7F-8267-B2318ABFFF23}"/>
+                  <a16:creationId xmlns:a16="http://schemas.microsoft.com/office/drawing/2014/main" id="{E13B1C4C-E3B9-4B7F-8267-B2318ABFFF23}"/>
                 </a:ext>
               </a:extLst>
             </p:cNvPr>
@@ -5443,7 +5374,7 @@
             <p:cNvPr id="25" name="타원 24">
               <a:extLst>
                 <a:ext uri="{FF2B5EF4-FFF2-40B4-BE49-F238E27FC236}">
-                  <a16:creationId xmlns:a16="http://schemas.microsoft.com/office/drawing/2014/main" xmlns="" id="{58F886E3-02D7-4A53-8DA3-79CC6272ECE4}"/>
+                  <a16:creationId xmlns:a16="http://schemas.microsoft.com/office/drawing/2014/main" id="{58F886E3-02D7-4A53-8DA3-79CC6272ECE4}"/>
                 </a:ext>
               </a:extLst>
             </p:cNvPr>
@@ -5495,7 +5426,7 @@
             <p:cNvPr id="26" name="직선 연결선 25">
               <a:extLst>
                 <a:ext uri="{FF2B5EF4-FFF2-40B4-BE49-F238E27FC236}">
-                  <a16:creationId xmlns:a16="http://schemas.microsoft.com/office/drawing/2014/main" xmlns="" id="{33E49006-A4B4-4D58-A6BB-10853ED4C9C0}"/>
+                  <a16:creationId xmlns:a16="http://schemas.microsoft.com/office/drawing/2014/main" id="{33E49006-A4B4-4D58-A6BB-10853ED4C9C0}"/>
                 </a:ext>
               </a:extLst>
             </p:cNvPr>
@@ -5551,20 +5482,13 @@
     </p:spTree>
     <p:extLst>
       <p:ext uri="{BB962C8B-B14F-4D97-AF65-F5344CB8AC3E}">
-        <p14:creationId xmlns:p14="http://schemas.microsoft.com/office/powerpoint/2010/main" xmlns="" val="4287147070"/>
+        <p14:creationId xmlns:p14="http://schemas.microsoft.com/office/powerpoint/2010/main" val="4287147070"/>
       </p:ext>
     </p:extLst>
   </p:cSld>
   <p:clrMapOvr>
     <a:masterClrMapping/>
   </p:clrMapOvr>
-  <p:timing>
-    <p:tnLst>
-      <p:par>
-        <p:cTn id="1" dur="indefinite" restart="never" nodeType="tmRoot"/>
-      </p:par>
-    </p:tnLst>
-  </p:timing>
 </p:sld>
 </file>
 
@@ -5577,7 +5501,7 @@
           <a:blip r:embed="rId2" cstate="print">
             <a:extLst>
               <a:ext uri="{28A0092B-C50C-407E-A947-70E740481C1C}">
-                <a14:useLocalDpi xmlns:a14="http://schemas.microsoft.com/office/drawing/2010/main" xmlns="" val="0"/>
+                <a14:useLocalDpi xmlns:a14="http://schemas.microsoft.com/office/drawing/2010/main" val="0"/>
               </a:ext>
             </a:extLst>
           </a:blip>
@@ -5608,7 +5532,7 @@
           <p:cNvPr id="2" name="직사각형 1">
             <a:extLst>
               <a:ext uri="{FF2B5EF4-FFF2-40B4-BE49-F238E27FC236}">
-                <a16:creationId xmlns:a16="http://schemas.microsoft.com/office/drawing/2014/main" xmlns="" id="{0BF4380C-7BCB-408F-AB44-3F65689B7EE2}"/>
+                <a16:creationId xmlns:a16="http://schemas.microsoft.com/office/drawing/2014/main" id="{0BF4380C-7BCB-408F-AB44-3F65689B7EE2}"/>
               </a:ext>
             </a:extLst>
           </p:cNvPr>
@@ -5662,7 +5586,7 @@
           <p:cNvPr id="7" name="TextBox 6">
             <a:extLst>
               <a:ext uri="{FF2B5EF4-FFF2-40B4-BE49-F238E27FC236}">
-                <a16:creationId xmlns:a16="http://schemas.microsoft.com/office/drawing/2014/main" xmlns="" id="{D7208663-32B1-4B7D-87F0-3A1F18036072}"/>
+                <a16:creationId xmlns:a16="http://schemas.microsoft.com/office/drawing/2014/main" id="{D7208663-32B1-4B7D-87F0-3A1F18036072}"/>
               </a:ext>
             </a:extLst>
           </p:cNvPr>
@@ -5700,7 +5624,7 @@
           <p:cNvPr id="14" name="TextBox 13">
             <a:extLst>
               <a:ext uri="{FF2B5EF4-FFF2-40B4-BE49-F238E27FC236}">
-                <a16:creationId xmlns:a16="http://schemas.microsoft.com/office/drawing/2014/main" xmlns="" id="{84BDE09D-AF4A-4D3E-8970-47FF30148AAA}"/>
+                <a16:creationId xmlns:a16="http://schemas.microsoft.com/office/drawing/2014/main" id="{84BDE09D-AF4A-4D3E-8970-47FF30148AAA}"/>
               </a:ext>
             </a:extLst>
           </p:cNvPr>
@@ -5744,10 +5668,10 @@
                 <a:latin typeface="HY견고딕" charset="0"/>
                 <a:ea typeface="HY견고딕" charset="0"/>
               </a:rPr>
-              <a:t>3. </a:t>
-            </a:r>
-            <a:r>
-              <a:rPr lang="ko-KR" altLang="en-US" sz="4000" dirty="0" smtClean="0">
+              <a:t>3.</a:t>
+            </a:r>
+            <a:r>
+              <a:rPr lang="ko-KR" altLang="en-US" sz="4000" dirty="0">
                 <a:solidFill>
                   <a:schemeClr val="bg1"/>
                 </a:solidFill>
@@ -5771,7 +5695,7 @@
           <p:cNvPr id="12" name="직사각형 11">
             <a:extLst>
               <a:ext uri="{FF2B5EF4-FFF2-40B4-BE49-F238E27FC236}">
-                <a16:creationId xmlns:a16="http://schemas.microsoft.com/office/drawing/2014/main" xmlns="" id="{EBB1D033-1CBF-4990-8AE5-49615FF17780}"/>
+                <a16:creationId xmlns:a16="http://schemas.microsoft.com/office/drawing/2014/main" id="{EBB1D033-1CBF-4990-8AE5-49615FF17780}"/>
               </a:ext>
             </a:extLst>
           </p:cNvPr>
@@ -5825,7 +5749,7 @@
           <p:cNvPr id="13" name="그룹 12">
             <a:extLst>
               <a:ext uri="{FF2B5EF4-FFF2-40B4-BE49-F238E27FC236}">
-                <a16:creationId xmlns:a16="http://schemas.microsoft.com/office/drawing/2014/main" xmlns="" id="{D2BF6CCD-7CED-419A-A7E2-1913E543FDB5}"/>
+                <a16:creationId xmlns:a16="http://schemas.microsoft.com/office/drawing/2014/main" id="{D2BF6CCD-7CED-419A-A7E2-1913E543FDB5}"/>
               </a:ext>
             </a:extLst>
           </p:cNvPr>
@@ -5845,7 +5769,7 @@
             <p:cNvPr id="22" name="타원 21">
               <a:extLst>
                 <a:ext uri="{FF2B5EF4-FFF2-40B4-BE49-F238E27FC236}">
-                  <a16:creationId xmlns:a16="http://schemas.microsoft.com/office/drawing/2014/main" xmlns="" id="{4B65D38A-00DE-4BFA-8FA5-A15A58E7BC9A}"/>
+                  <a16:creationId xmlns:a16="http://schemas.microsoft.com/office/drawing/2014/main" id="{4B65D38A-00DE-4BFA-8FA5-A15A58E7BC9A}"/>
                 </a:ext>
               </a:extLst>
             </p:cNvPr>
@@ -5897,7 +5821,7 @@
             <p:cNvPr id="23" name="타원 22">
               <a:extLst>
                 <a:ext uri="{FF2B5EF4-FFF2-40B4-BE49-F238E27FC236}">
-                  <a16:creationId xmlns:a16="http://schemas.microsoft.com/office/drawing/2014/main" xmlns="" id="{A6630D8B-02E2-4081-89EA-CB87460FE033}"/>
+                  <a16:creationId xmlns:a16="http://schemas.microsoft.com/office/drawing/2014/main" id="{A6630D8B-02E2-4081-89EA-CB87460FE033}"/>
                 </a:ext>
               </a:extLst>
             </p:cNvPr>
@@ -5949,7 +5873,7 @@
             <p:cNvPr id="24" name="타원 23">
               <a:extLst>
                 <a:ext uri="{FF2B5EF4-FFF2-40B4-BE49-F238E27FC236}">
-                  <a16:creationId xmlns:a16="http://schemas.microsoft.com/office/drawing/2014/main" xmlns="" id="{0B4028E9-E2B3-42CB-A61C-A930BC3A1E32}"/>
+                  <a16:creationId xmlns:a16="http://schemas.microsoft.com/office/drawing/2014/main" id="{0B4028E9-E2B3-42CB-A61C-A930BC3A1E32}"/>
                 </a:ext>
               </a:extLst>
             </p:cNvPr>
@@ -6001,7 +5925,7 @@
             <p:cNvPr id="25" name="직선 연결선 24">
               <a:extLst>
                 <a:ext uri="{FF2B5EF4-FFF2-40B4-BE49-F238E27FC236}">
-                  <a16:creationId xmlns:a16="http://schemas.microsoft.com/office/drawing/2014/main" xmlns="" id="{EE76C4CF-25DD-4E80-B805-C014DF92A125}"/>
+                  <a16:creationId xmlns:a16="http://schemas.microsoft.com/office/drawing/2014/main" id="{EE76C4CF-25DD-4E80-B805-C014DF92A125}"/>
                 </a:ext>
               </a:extLst>
             </p:cNvPr>
@@ -6059,7 +5983,7 @@
           <p:cNvPr id="15" name="TextBox 14">
             <a:extLst>
               <a:ext uri="{FF2B5EF4-FFF2-40B4-BE49-F238E27FC236}">
-                <a16:creationId xmlns:a16="http://schemas.microsoft.com/office/drawing/2014/main" xmlns="" id="{6965FF92-FF26-415F-BA19-14E7DCA1754A}"/>
+                <a16:creationId xmlns:a16="http://schemas.microsoft.com/office/drawing/2014/main" id="{6965FF92-FF26-415F-BA19-14E7DCA1754A}"/>
               </a:ext>
             </a:extLst>
           </p:cNvPr>
@@ -6069,7 +5993,7 @@
         <p:spPr>
           <a:xfrm>
             <a:off x="1798071" y="1665890"/>
-            <a:ext cx="8935085" cy="2862322"/>
+            <a:ext cx="8935085" cy="3477875"/>
           </a:xfrm>
           <a:prstGeom prst="rect">
             <a:avLst/>
@@ -6083,46 +6007,26 @@
           <a:lstStyle/>
           <a:p>
             <a:r>
-              <a:rPr lang="en-US" altLang="ko-KR" sz="2000" dirty="0" smtClean="0">
+              <a:rPr lang="en-US" altLang="ko-KR" sz="2000" dirty="0">
                 <a:solidFill>
                   <a:schemeClr val="bg1"/>
                 </a:solidFill>
                 <a:latin typeface="한컴 윤고딕 240" panose="02020603020101020101" pitchFamily="18" charset="-127"/>
                 <a:ea typeface="한컴 윤고딕 240" panose="02020603020101020101" pitchFamily="18" charset="-127"/>
               </a:rPr>
-              <a:t>- unity3D</a:t>
-            </a:r>
-            <a:r>
-              <a:rPr lang="ko-KR" altLang="en-US" sz="2000" dirty="0" smtClean="0">
+              <a:t>- Unity3D</a:t>
+            </a:r>
+            <a:r>
+              <a:rPr lang="ko-KR" altLang="en-US" sz="2000" dirty="0">
                 <a:solidFill>
                   <a:schemeClr val="bg1"/>
                 </a:solidFill>
                 <a:latin typeface="한컴 윤고딕 240" panose="02020603020101020101" pitchFamily="18" charset="-127"/>
                 <a:ea typeface="한컴 윤고딕 240" panose="02020603020101020101" pitchFamily="18" charset="-127"/>
               </a:rPr>
-              <a:t>엔진을 활용한 </a:t>
-            </a:r>
-            <a:r>
-              <a:rPr lang="ko-KR" altLang="en-US" sz="2000" dirty="0" smtClean="0">
-                <a:solidFill>
-                  <a:schemeClr val="bg1"/>
-                </a:solidFill>
-                <a:latin typeface="한컴 윤고딕 240" panose="02020603020101020101" pitchFamily="18" charset="-127"/>
-                <a:ea typeface="한컴 윤고딕 240" panose="02020603020101020101" pitchFamily="18" charset="-127"/>
-              </a:rPr>
-              <a:t>게</a:t>
-            </a:r>
-            <a:r>
-              <a:rPr lang="ko-KR" altLang="en-US" sz="2000" dirty="0" smtClean="0">
-                <a:solidFill>
-                  <a:schemeClr val="bg1"/>
-                </a:solidFill>
-                <a:latin typeface="한컴 윤고딕 240" panose="02020603020101020101" pitchFamily="18" charset="-127"/>
-                <a:ea typeface="한컴 윤고딕 240" panose="02020603020101020101" pitchFamily="18" charset="-127"/>
-              </a:rPr>
-              <a:t>임 개발</a:t>
-            </a:r>
-            <a:endParaRPr lang="en-US" altLang="ko-KR" sz="2000" dirty="0" smtClean="0">
+              <a:t>엔진을 활용한 게임 개발</a:t>
+            </a:r>
+            <a:endParaRPr lang="en-US" altLang="ko-KR" sz="2000" dirty="0">
               <a:solidFill>
                 <a:schemeClr val="bg1"/>
               </a:solidFill>
@@ -6131,41 +6035,11 @@
             </a:endParaRPr>
           </a:p>
           <a:p>
-            <a:pPr>
+            <a:pPr marL="342900" indent="-342900">
               <a:buFontTx/>
               <a:buChar char="-"/>
             </a:pPr>
-            <a:r>
-              <a:rPr lang="en-US" altLang="ko-KR" sz="2000" dirty="0" smtClean="0">
-                <a:solidFill>
-                  <a:schemeClr val="bg1"/>
-                </a:solidFill>
-                <a:latin typeface="한컴 윤고딕 240" panose="02020603020101020101" pitchFamily="18" charset="-127"/>
-                <a:ea typeface="한컴 윤고딕 240" panose="02020603020101020101" pitchFamily="18" charset="-127"/>
-              </a:rPr>
-              <a:t> </a:t>
-            </a:r>
-            <a:r>
-              <a:rPr lang="en-US" altLang="ko-KR" sz="2000" dirty="0" smtClean="0">
-                <a:solidFill>
-                  <a:schemeClr val="bg1"/>
-                </a:solidFill>
-                <a:latin typeface="한컴 윤고딕 240" panose="02020603020101020101" pitchFamily="18" charset="-127"/>
-                <a:ea typeface="한컴 윤고딕 240" panose="02020603020101020101" pitchFamily="18" charset="-127"/>
-              </a:rPr>
-              <a:t>MySQL</a:t>
-            </a:r>
-            <a:r>
-              <a:rPr lang="ko-KR" altLang="en-US" sz="2000" dirty="0" smtClean="0">
-                <a:solidFill>
-                  <a:schemeClr val="bg1"/>
-                </a:solidFill>
-                <a:latin typeface="한컴 윤고딕 240" panose="02020603020101020101" pitchFamily="18" charset="-127"/>
-                <a:ea typeface="한컴 윤고딕 240" panose="02020603020101020101" pitchFamily="18" charset="-127"/>
-              </a:rPr>
-              <a:t>을 이용한 랭킹과 로그인 구현</a:t>
-            </a:r>
-            <a:endParaRPr lang="en-US" altLang="ko-KR" sz="2000" dirty="0" smtClean="0">
+            <a:endParaRPr lang="en-US" altLang="ko-KR" sz="2000" dirty="0">
               <a:solidFill>
                 <a:schemeClr val="bg1"/>
               </a:solidFill>
@@ -6179,76 +6053,26 @@
               <a:buChar char="-"/>
             </a:pPr>
             <a:r>
-              <a:rPr lang="en-US" altLang="ko-KR" sz="2000" dirty="0" smtClean="0">
+              <a:rPr lang="en-US" altLang="ko-KR" sz="2000" dirty="0">
                 <a:solidFill>
                   <a:schemeClr val="bg1"/>
                 </a:solidFill>
                 <a:latin typeface="한컴 윤고딕 240" panose="02020603020101020101" pitchFamily="18" charset="-127"/>
                 <a:ea typeface="한컴 윤고딕 240" panose="02020603020101020101" pitchFamily="18" charset="-127"/>
               </a:rPr>
-              <a:t> </a:t>
-            </a:r>
-            <a:r>
-              <a:rPr lang="ko-KR" altLang="en-US" sz="2000" dirty="0" smtClean="0">
+              <a:t> MySQL</a:t>
+            </a:r>
+            <a:r>
+              <a:rPr lang="ko-KR" altLang="en-US" sz="2000" dirty="0">
                 <a:solidFill>
                   <a:schemeClr val="bg1"/>
                 </a:solidFill>
                 <a:latin typeface="한컴 윤고딕 240" panose="02020603020101020101" pitchFamily="18" charset="-127"/>
                 <a:ea typeface="한컴 윤고딕 240" panose="02020603020101020101" pitchFamily="18" charset="-127"/>
               </a:rPr>
-              <a:t>캐쥬얼한</a:t>
-            </a:r>
-            <a:r>
-              <a:rPr lang="ko-KR" altLang="en-US" sz="2000" dirty="0" smtClean="0">
-                <a:solidFill>
-                  <a:schemeClr val="bg1"/>
-                </a:solidFill>
-                <a:latin typeface="한컴 윤고딕 240" panose="02020603020101020101" pitchFamily="18" charset="-127"/>
-                <a:ea typeface="한컴 윤고딕 240" panose="02020603020101020101" pitchFamily="18" charset="-127"/>
-              </a:rPr>
-              <a:t> 그래픽 </a:t>
-            </a:r>
-            <a:r>
-              <a:rPr lang="ko-KR" altLang="en-US" sz="2000" dirty="0" smtClean="0">
-                <a:solidFill>
-                  <a:schemeClr val="bg1"/>
-                </a:solidFill>
-                <a:latin typeface="한컴 윤고딕 240" panose="02020603020101020101" pitchFamily="18" charset="-127"/>
-                <a:ea typeface="한컴 윤고딕 240" panose="02020603020101020101" pitchFamily="18" charset="-127"/>
-              </a:rPr>
-              <a:t>컨셉의</a:t>
-            </a:r>
-            <a:r>
-              <a:rPr lang="ko-KR" altLang="en-US" sz="2000" dirty="0" smtClean="0">
-                <a:solidFill>
-                  <a:schemeClr val="bg1"/>
-                </a:solidFill>
-                <a:latin typeface="한컴 윤고딕 240" panose="02020603020101020101" pitchFamily="18" charset="-127"/>
-                <a:ea typeface="한컴 윤고딕 240" panose="02020603020101020101" pitchFamily="18" charset="-127"/>
-              </a:rPr>
-              <a:t> 모델링</a:t>
-            </a:r>
-            <a:r>
-              <a:rPr lang="en-US" altLang="ko-KR" sz="2000" dirty="0" smtClean="0">
-                <a:solidFill>
-                  <a:schemeClr val="bg1"/>
-                </a:solidFill>
-                <a:latin typeface="한컴 윤고딕 240" panose="02020603020101020101" pitchFamily="18" charset="-127"/>
-                <a:ea typeface="한컴 윤고딕 240" panose="02020603020101020101" pitchFamily="18" charset="-127"/>
-              </a:rPr>
-              <a:t>, </a:t>
-            </a:r>
-            <a:r>
-              <a:rPr lang="ko-KR" altLang="en-US" sz="2000" dirty="0" smtClean="0">
-                <a:solidFill>
-                  <a:schemeClr val="bg1"/>
-                </a:solidFill>
-                <a:latin typeface="한컴 윤고딕 240" panose="02020603020101020101" pitchFamily="18" charset="-127"/>
-                <a:ea typeface="한컴 윤고딕 240" panose="02020603020101020101" pitchFamily="18" charset="-127"/>
-              </a:rPr>
-              <a:t>애니메이션 제작</a:t>
-            </a:r>
-            <a:endParaRPr lang="en-US" altLang="ko-KR" sz="2000" dirty="0" smtClean="0">
+              <a:t>을 이용한 랭킹과 로그인 구현</a:t>
+            </a:r>
+            <a:endParaRPr lang="en-US" altLang="ko-KR" sz="2000" dirty="0">
               <a:solidFill>
                 <a:schemeClr val="bg1"/>
               </a:solidFill>
@@ -6261,7 +6085,7 @@
               <a:buFontTx/>
               <a:buChar char="-"/>
             </a:pPr>
-            <a:endParaRPr lang="en-US" altLang="ko-KR" sz="2000" dirty="0" smtClean="0">
+            <a:endParaRPr lang="en-US" altLang="ko-KR" sz="2000" dirty="0">
               <a:solidFill>
                 <a:schemeClr val="bg1"/>
               </a:solidFill>
@@ -6270,7 +6094,51 @@
             </a:endParaRPr>
           </a:p>
           <a:p>
-            <a:endParaRPr lang="en-US" altLang="ko-KR" sz="2000" dirty="0" smtClean="0">
+            <a:pPr>
+              <a:buFontTx/>
+              <a:buChar char="-"/>
+            </a:pPr>
+            <a:r>
+              <a:rPr lang="en-US" altLang="ko-KR" sz="2000" dirty="0">
+                <a:solidFill>
+                  <a:schemeClr val="bg1"/>
+                </a:solidFill>
+                <a:latin typeface="한컴 윤고딕 240" panose="02020603020101020101" pitchFamily="18" charset="-127"/>
+                <a:ea typeface="한컴 윤고딕 240" panose="02020603020101020101" pitchFamily="18" charset="-127"/>
+              </a:rPr>
+              <a:t> </a:t>
+            </a:r>
+            <a:r>
+              <a:rPr lang="ko-KR" altLang="en-US" sz="2000" dirty="0">
+                <a:solidFill>
+                  <a:schemeClr val="bg1"/>
+                </a:solidFill>
+                <a:latin typeface="한컴 윤고딕 240" panose="02020603020101020101" pitchFamily="18" charset="-127"/>
+                <a:ea typeface="한컴 윤고딕 240" panose="02020603020101020101" pitchFamily="18" charset="-127"/>
+              </a:rPr>
+              <a:t>캐쥬얼한 그래픽 컨셉의 모델링</a:t>
+            </a:r>
+            <a:r>
+              <a:rPr lang="en-US" altLang="ko-KR" sz="2000" dirty="0">
+                <a:solidFill>
+                  <a:schemeClr val="bg1"/>
+                </a:solidFill>
+                <a:latin typeface="한컴 윤고딕 240" panose="02020603020101020101" pitchFamily="18" charset="-127"/>
+                <a:ea typeface="한컴 윤고딕 240" panose="02020603020101020101" pitchFamily="18" charset="-127"/>
+              </a:rPr>
+              <a:t>, </a:t>
+            </a:r>
+            <a:r>
+              <a:rPr lang="ko-KR" altLang="en-US" sz="2000" dirty="0">
+                <a:solidFill>
+                  <a:schemeClr val="bg1"/>
+                </a:solidFill>
+                <a:latin typeface="한컴 윤고딕 240" panose="02020603020101020101" pitchFamily="18" charset="-127"/>
+                <a:ea typeface="한컴 윤고딕 240" panose="02020603020101020101" pitchFamily="18" charset="-127"/>
+              </a:rPr>
+              <a:t>애니메이션 제작</a:t>
+            </a:r>
+            <a:endParaRPr lang="en-US" altLang="ko-KR" sz="2000" dirty="0">
               <a:solidFill>
                 <a:schemeClr val="bg1"/>
               </a:solidFill>
@@ -6279,81 +6147,7 @@
             </a:endParaRPr>
           </a:p>
           <a:p>
-            <a:pPr>
-              <a:buFontTx/>
-              <a:buChar char="-"/>
-            </a:pPr>
-            <a:r>
-              <a:rPr lang="en-US" altLang="ko-KR" sz="2000" dirty="0" smtClean="0">
-                <a:solidFill>
-                  <a:schemeClr val="bg1"/>
-                </a:solidFill>
-                <a:latin typeface="한컴 윤고딕 240" panose="02020603020101020101" pitchFamily="18" charset="-127"/>
-                <a:ea typeface="한컴 윤고딕 240" panose="02020603020101020101" pitchFamily="18" charset="-127"/>
-              </a:rPr>
-              <a:t> </a:t>
-            </a:r>
-            <a:r>
-              <a:rPr lang="ko-KR" altLang="en-US" sz="2000" dirty="0" smtClean="0">
-                <a:solidFill>
-                  <a:schemeClr val="bg1"/>
-                </a:solidFill>
-                <a:latin typeface="한컴 윤고딕 240" panose="02020603020101020101" pitchFamily="18" charset="-127"/>
-                <a:ea typeface="한컴 윤고딕 240" panose="02020603020101020101" pitchFamily="18" charset="-127"/>
-              </a:rPr>
-              <a:t>아이템 </a:t>
-            </a:r>
-            <a:r>
-              <a:rPr lang="ko-KR" altLang="en-US" sz="2000" dirty="0" smtClean="0">
-                <a:solidFill>
-                  <a:schemeClr val="bg1"/>
-                </a:solidFill>
-                <a:latin typeface="한컴 윤고딕 240" panose="02020603020101020101" pitchFamily="18" charset="-127"/>
-                <a:ea typeface="한컴 윤고딕 240" panose="02020603020101020101" pitchFamily="18" charset="-127"/>
-              </a:rPr>
-              <a:t>파밍</a:t>
-            </a:r>
-            <a:r>
-              <a:rPr lang="en-US" altLang="ko-KR" sz="2000" dirty="0" smtClean="0">
-                <a:solidFill>
-                  <a:schemeClr val="bg1"/>
-                </a:solidFill>
-                <a:latin typeface="한컴 윤고딕 240" panose="02020603020101020101" pitchFamily="18" charset="-127"/>
-                <a:ea typeface="한컴 윤고딕 240" panose="02020603020101020101" pitchFamily="18" charset="-127"/>
-              </a:rPr>
-              <a:t>, </a:t>
-            </a:r>
-            <a:r>
-              <a:rPr lang="ko-KR" altLang="en-US" sz="2000" dirty="0" smtClean="0">
-                <a:solidFill>
-                  <a:schemeClr val="bg1"/>
-                </a:solidFill>
-                <a:latin typeface="한컴 윤고딕 240" panose="02020603020101020101" pitchFamily="18" charset="-127"/>
-                <a:ea typeface="한컴 윤고딕 240" panose="02020603020101020101" pitchFamily="18" charset="-127"/>
-              </a:rPr>
-              <a:t>장착</a:t>
-            </a:r>
-            <a:r>
-              <a:rPr lang="en-US" altLang="ko-KR" sz="2000" dirty="0" smtClean="0">
-                <a:solidFill>
-                  <a:schemeClr val="bg1"/>
-                </a:solidFill>
-                <a:latin typeface="한컴 윤고딕 240" panose="02020603020101020101" pitchFamily="18" charset="-127"/>
-                <a:ea typeface="한컴 윤고딕 240" panose="02020603020101020101" pitchFamily="18" charset="-127"/>
-              </a:rPr>
-              <a:t>, </a:t>
-            </a:r>
-            <a:r>
-              <a:rPr lang="ko-KR" altLang="en-US" sz="2000" dirty="0" smtClean="0">
-                <a:solidFill>
-                  <a:schemeClr val="bg1"/>
-                </a:solidFill>
-                <a:latin typeface="한컴 윤고딕 240" panose="02020603020101020101" pitchFamily="18" charset="-127"/>
-                <a:ea typeface="한컴 윤고딕 240" panose="02020603020101020101" pitchFamily="18" charset="-127"/>
-              </a:rPr>
-              <a:t>확인 등의 플레이 요소 구현</a:t>
-            </a:r>
-            <a:endParaRPr lang="en-US" altLang="ko-KR" sz="2000" dirty="0" smtClean="0">
+            <a:endParaRPr lang="en-US" altLang="ko-KR" sz="2000" dirty="0">
               <a:solidFill>
                 <a:schemeClr val="bg1"/>
               </a:solidFill>
@@ -6367,7 +6161,7 @@
               <a:buChar char="-"/>
             </a:pPr>
             <a:r>
-              <a:rPr lang="en-US" altLang="ko-KR" sz="2000" dirty="0" smtClean="0">
+              <a:rPr lang="en-US" altLang="ko-KR" sz="2000" dirty="0">
                 <a:solidFill>
                   <a:schemeClr val="bg1"/>
                 </a:solidFill>
@@ -6377,16 +6171,56 @@
               <a:t> </a:t>
             </a:r>
             <a:r>
-              <a:rPr lang="ko-KR" altLang="en-US" sz="2000" dirty="0" smtClean="0">
+              <a:rPr lang="ko-KR" altLang="en-US" sz="2000" dirty="0">
                 <a:solidFill>
                   <a:schemeClr val="bg1"/>
                 </a:solidFill>
                 <a:latin typeface="한컴 윤고딕 240" panose="02020603020101020101" pitchFamily="18" charset="-127"/>
                 <a:ea typeface="한컴 윤고딕 240" panose="02020603020101020101" pitchFamily="18" charset="-127"/>
               </a:rPr>
-              <a:t>컨트롤러 지원</a:t>
-            </a:r>
-            <a:endParaRPr lang="en-US" altLang="ko-KR" sz="2000" dirty="0" smtClean="0">
+              <a:t>아이템 파밍</a:t>
+            </a:r>
+            <a:r>
+              <a:rPr lang="en-US" altLang="ko-KR" sz="2000" dirty="0">
+                <a:solidFill>
+                  <a:schemeClr val="bg1"/>
+                </a:solidFill>
+                <a:latin typeface="한컴 윤고딕 240" panose="02020603020101020101" pitchFamily="18" charset="-127"/>
+                <a:ea typeface="한컴 윤고딕 240" panose="02020603020101020101" pitchFamily="18" charset="-127"/>
+              </a:rPr>
+              <a:t>, </a:t>
+            </a:r>
+            <a:r>
+              <a:rPr lang="ko-KR" altLang="en-US" sz="2000" dirty="0">
+                <a:solidFill>
+                  <a:schemeClr val="bg1"/>
+                </a:solidFill>
+                <a:latin typeface="한컴 윤고딕 240" panose="02020603020101020101" pitchFamily="18" charset="-127"/>
+                <a:ea typeface="한컴 윤고딕 240" panose="02020603020101020101" pitchFamily="18" charset="-127"/>
+              </a:rPr>
+              <a:t>장착</a:t>
+            </a:r>
+            <a:r>
+              <a:rPr lang="en-US" altLang="ko-KR" sz="2000" dirty="0">
+                <a:solidFill>
+                  <a:schemeClr val="bg1"/>
+                </a:solidFill>
+                <a:latin typeface="한컴 윤고딕 240" panose="02020603020101020101" pitchFamily="18" charset="-127"/>
+                <a:ea typeface="한컴 윤고딕 240" panose="02020603020101020101" pitchFamily="18" charset="-127"/>
+              </a:rPr>
+              <a:t>, </a:t>
+            </a:r>
+            <a:r>
+              <a:rPr lang="ko-KR" altLang="en-US" sz="2000" dirty="0">
+                <a:solidFill>
+                  <a:schemeClr val="bg1"/>
+                </a:solidFill>
+                <a:latin typeface="한컴 윤고딕 240" panose="02020603020101020101" pitchFamily="18" charset="-127"/>
+                <a:ea typeface="한컴 윤고딕 240" panose="02020603020101020101" pitchFamily="18" charset="-127"/>
+              </a:rPr>
+              <a:t>확인 등의 플레이 요소 구현</a:t>
+            </a:r>
+            <a:endParaRPr lang="en-US" altLang="ko-KR" sz="2000" dirty="0">
               <a:solidFill>
                 <a:schemeClr val="bg1"/>
               </a:solidFill>
@@ -6399,7 +6233,7 @@
               <a:buFontTx/>
               <a:buChar char="-"/>
             </a:pPr>
-            <a:endParaRPr lang="en-US" altLang="ko-KR" sz="2000" dirty="0" smtClean="0">
+            <a:endParaRPr lang="en-US" altLang="ko-KR" sz="2000" dirty="0">
               <a:solidFill>
                 <a:schemeClr val="bg1"/>
               </a:solidFill>
@@ -6412,7 +6246,53 @@
               <a:buFontTx/>
               <a:buChar char="-"/>
             </a:pPr>
-            <a:endParaRPr lang="en-US" altLang="ko-KR" sz="2000" dirty="0" smtClean="0">
+            <a:r>
+              <a:rPr lang="en-US" altLang="ko-KR" sz="2000" dirty="0">
+                <a:solidFill>
+                  <a:schemeClr val="bg1"/>
+                </a:solidFill>
+                <a:latin typeface="한컴 윤고딕 240" panose="02020603020101020101" pitchFamily="18" charset="-127"/>
+                <a:ea typeface="한컴 윤고딕 240" panose="02020603020101020101" pitchFamily="18" charset="-127"/>
+              </a:rPr>
+              <a:t> </a:t>
+            </a:r>
+            <a:r>
+              <a:rPr lang="ko-KR" altLang="en-US" sz="2000" dirty="0">
+                <a:solidFill>
+                  <a:schemeClr val="bg1"/>
+                </a:solidFill>
+                <a:latin typeface="한컴 윤고딕 240" panose="02020603020101020101" pitchFamily="18" charset="-127"/>
+                <a:ea typeface="한컴 윤고딕 240" panose="02020603020101020101" pitchFamily="18" charset="-127"/>
+              </a:rPr>
+              <a:t>게임 컨트롤러 지원</a:t>
+            </a:r>
+            <a:endParaRPr lang="en-US" altLang="ko-KR" sz="2000" dirty="0">
+              <a:solidFill>
+                <a:schemeClr val="bg1"/>
+              </a:solidFill>
+              <a:latin typeface="한컴 윤고딕 240" panose="02020603020101020101" pitchFamily="18" charset="-127"/>
+              <a:ea typeface="한컴 윤고딕 240" panose="02020603020101020101" pitchFamily="18" charset="-127"/>
+            </a:endParaRPr>
+          </a:p>
+          <a:p>
+            <a:pPr>
+              <a:buFontTx/>
+              <a:buChar char="-"/>
+            </a:pPr>
+            <a:endParaRPr lang="en-US" altLang="ko-KR" sz="2000" dirty="0">
+              <a:solidFill>
+                <a:schemeClr val="bg1"/>
+              </a:solidFill>
+              <a:latin typeface="한컴 윤고딕 240" panose="02020603020101020101" pitchFamily="18" charset="-127"/>
+              <a:ea typeface="한컴 윤고딕 240" panose="02020603020101020101" pitchFamily="18" charset="-127"/>
+            </a:endParaRPr>
+          </a:p>
+          <a:p>
+            <a:pPr>
+              <a:buFontTx/>
+              <a:buChar char="-"/>
+            </a:pPr>
+            <a:endParaRPr lang="en-US" altLang="ko-KR" sz="2000" dirty="0">
               <a:solidFill>
                 <a:schemeClr val="bg1"/>
               </a:solidFill>
@@ -6475,38 +6355,28 @@
           <a:lstStyle/>
           <a:p>
             <a:r>
-              <a:rPr lang="ko-KR" altLang="en-US" dirty="0" smtClean="0">
+              <a:rPr lang="ko-KR" altLang="en-US" dirty="0">
                 <a:solidFill>
                   <a:schemeClr val="bg1"/>
                 </a:solidFill>
+                <a:latin typeface="한컴 윤고딕 240" panose="02020603020101020101" pitchFamily="18" charset="-127"/>
+                <a:ea typeface="한컴 윤고딕 240" panose="02020603020101020101" pitchFamily="18" charset="-127"/>
               </a:rPr>
               <a:t>장비 창을 통한 아이템 확인 </a:t>
             </a:r>
-            <a:endParaRPr lang="ko-KR" altLang="en-US" dirty="0">
-              <a:solidFill>
-                <a:schemeClr val="bg1"/>
-              </a:solidFill>
-            </a:endParaRPr>
           </a:p>
         </p:txBody>
       </p:sp>
     </p:spTree>
     <p:extLst>
       <p:ext uri="{BB962C8B-B14F-4D97-AF65-F5344CB8AC3E}">
-        <p14:creationId xmlns:p14="http://schemas.microsoft.com/office/powerpoint/2010/main" xmlns="" val="2632911495"/>
+        <p14:creationId xmlns:p14="http://schemas.microsoft.com/office/powerpoint/2010/main" val="2632911495"/>
       </p:ext>
     </p:extLst>
   </p:cSld>
   <p:clrMapOvr>
     <a:masterClrMapping/>
   </p:clrMapOvr>
-  <p:timing>
-    <p:tnLst>
-      <p:par>
-        <p:cTn id="1" dur="indefinite" restart="never" nodeType="tmRoot"/>
-      </p:par>
-    </p:tnLst>
-  </p:timing>
 </p:sld>
 </file>
 
@@ -6519,7 +6389,7 @@
           <a:blip r:embed="rId2" cstate="print">
             <a:extLst>
               <a:ext uri="{28A0092B-C50C-407E-A947-70E740481C1C}">
-                <a14:useLocalDpi xmlns:a14="http://schemas.microsoft.com/office/drawing/2010/main" xmlns="" val="0"/>
+                <a14:useLocalDpi xmlns:a14="http://schemas.microsoft.com/office/drawing/2010/main" val="0"/>
               </a:ext>
             </a:extLst>
           </a:blip>
@@ -6550,7 +6420,7 @@
           <p:cNvPr id="18" name="직사각형 17">
             <a:extLst>
               <a:ext uri="{FF2B5EF4-FFF2-40B4-BE49-F238E27FC236}">
-                <a16:creationId xmlns:a16="http://schemas.microsoft.com/office/drawing/2014/main" xmlns="" id="{C822C39D-A51F-4C75-B081-E95E879B1466}"/>
+                <a16:creationId xmlns:a16="http://schemas.microsoft.com/office/drawing/2014/main" id="{C822C39D-A51F-4C75-B081-E95E879B1466}"/>
               </a:ext>
             </a:extLst>
           </p:cNvPr>
@@ -6604,7 +6474,7 @@
           <p:cNvPr id="2" name="직사각형 1">
             <a:extLst>
               <a:ext uri="{FF2B5EF4-FFF2-40B4-BE49-F238E27FC236}">
-                <a16:creationId xmlns:a16="http://schemas.microsoft.com/office/drawing/2014/main" xmlns="" id="{0BF4380C-7BCB-408F-AB44-3F65689B7EE2}"/>
+                <a16:creationId xmlns:a16="http://schemas.microsoft.com/office/drawing/2014/main" id="{0BF4380C-7BCB-408F-AB44-3F65689B7EE2}"/>
               </a:ext>
             </a:extLst>
           </p:cNvPr>
@@ -6658,7 +6528,7 @@
           <p:cNvPr id="7" name="TextBox 6">
             <a:extLst>
               <a:ext uri="{FF2B5EF4-FFF2-40B4-BE49-F238E27FC236}">
-                <a16:creationId xmlns:a16="http://schemas.microsoft.com/office/drawing/2014/main" xmlns="" id="{D7208663-32B1-4B7D-87F0-3A1F18036072}"/>
+                <a16:creationId xmlns:a16="http://schemas.microsoft.com/office/drawing/2014/main" id="{D7208663-32B1-4B7D-87F0-3A1F18036072}"/>
               </a:ext>
             </a:extLst>
           </p:cNvPr>
@@ -6696,7 +6566,7 @@
           <p:cNvPr id="14" name="TextBox 13">
             <a:extLst>
               <a:ext uri="{FF2B5EF4-FFF2-40B4-BE49-F238E27FC236}">
-                <a16:creationId xmlns:a16="http://schemas.microsoft.com/office/drawing/2014/main" xmlns="" id="{84BDE09D-AF4A-4D3E-8970-47FF30148AAA}"/>
+                <a16:creationId xmlns:a16="http://schemas.microsoft.com/office/drawing/2014/main" id="{84BDE09D-AF4A-4D3E-8970-47FF30148AAA}"/>
               </a:ext>
             </a:extLst>
           </p:cNvPr>
@@ -6915,57 +6785,7 @@
                 <a:latin typeface="한컴 윤고딕 240" panose="02020603020101020101" pitchFamily="18" charset="-127"/>
                 <a:ea typeface="한컴 윤고딕 240" panose="02020603020101020101" pitchFamily="18" charset="-127"/>
               </a:rPr>
-              <a:t>보스의 체력을 깎는 </a:t>
-            </a:r>
-            <a:r>
-              <a:rPr lang="en-US" altLang="ko-KR" sz="1600" b="0" cap="none" dirty="0">
-                <a:solidFill>
-                  <a:srgbClr val="FFFFFF"/>
-                </a:solidFill>
-                <a:latin typeface="한컴 윤고딕 240" panose="02020603020101020101" pitchFamily="18" charset="-127"/>
-                <a:ea typeface="한컴 윤고딕 240" panose="02020603020101020101" pitchFamily="18" charset="-127"/>
-              </a:rPr>
-              <a:t>장치를</a:t>
-            </a:r>
-            <a:r>
-              <a:rPr lang="en-US" altLang="ko-KR" sz="1600" b="0" cap="none" dirty="0">
-                <a:solidFill>
-                  <a:srgbClr val="FFFFFF"/>
-                </a:solidFill>
-                <a:latin typeface="한컴 윤고딕 240" panose="02020603020101020101" pitchFamily="18" charset="-127"/>
-                <a:ea typeface="한컴 윤고딕 240" panose="02020603020101020101" pitchFamily="18" charset="-127"/>
-              </a:rPr>
-              <a:t> </a:t>
-            </a:r>
-            <a:r>
-              <a:rPr lang="en-US" altLang="ko-KR" sz="1600" b="0" cap="none" dirty="0">
-                <a:solidFill>
-                  <a:srgbClr val="FFFFFF"/>
-                </a:solidFill>
-                <a:latin typeface="한컴 윤고딕 240" panose="02020603020101020101" pitchFamily="18" charset="-127"/>
-                <a:ea typeface="한컴 윤고딕 240" panose="02020603020101020101" pitchFamily="18" charset="-127"/>
-              </a:rPr>
-              <a:t>가동시키면서</a:t>
-            </a:r>
-            <a:r>
-              <a:rPr lang="en-US" altLang="ko-KR" sz="1600" b="0" cap="none" dirty="0">
-                <a:solidFill>
-                  <a:srgbClr val="FFFFFF"/>
-                </a:solidFill>
-                <a:latin typeface="한컴 윤고딕 240" panose="02020603020101020101" pitchFamily="18" charset="-127"/>
-                <a:ea typeface="한컴 윤고딕 240" panose="02020603020101020101" pitchFamily="18" charset="-127"/>
-              </a:rPr>
-              <a:t> </a:t>
-            </a:r>
-            <a:r>
-              <a:rPr lang="en-US" altLang="ko-KR" sz="1600" b="0" cap="none" dirty="0">
-                <a:solidFill>
-                  <a:srgbClr val="FFFFFF"/>
-                </a:solidFill>
-                <a:latin typeface="한컴 윤고딕 240" panose="02020603020101020101" pitchFamily="18" charset="-127"/>
-                <a:ea typeface="한컴 윤고딕 240" panose="02020603020101020101" pitchFamily="18" charset="-127"/>
-              </a:rPr>
-              <a:t>보스</a:t>
+              <a:t>보스의 체력을 깎는 장치를 가동시키면서 보스</a:t>
             </a:r>
             <a:r>
               <a:rPr lang="ko-KR" altLang="en-US" sz="1600" b="0" cap="none" dirty="0">
@@ -7091,177 +6911,7 @@
                 <a:latin typeface="한컴 윤고딕 240" charset="0"/>
                 <a:ea typeface="한컴 윤고딕 240" charset="0"/>
               </a:rPr>
-              <a:t>- </a:t>
-            </a:r>
-            <a:r>
-              <a:rPr lang="en-US" altLang="ko-KR" sz="1400" b="0" cap="none" dirty="0">
-                <a:solidFill>
-                  <a:srgbClr val="FFFFFF"/>
-                </a:solidFill>
-                <a:latin typeface="한컴 윤고딕 240" charset="0"/>
-                <a:ea typeface="한컴 윤고딕 240" charset="0"/>
-              </a:rPr>
-              <a:t>반격이</a:t>
-            </a:r>
-            <a:r>
-              <a:rPr lang="en-US" altLang="ko-KR" sz="1400" b="0" cap="none" dirty="0">
-                <a:solidFill>
-                  <a:srgbClr val="FFFFFF"/>
-                </a:solidFill>
-                <a:latin typeface="한컴 윤고딕 240" charset="0"/>
-                <a:ea typeface="한컴 윤고딕 240" charset="0"/>
-              </a:rPr>
-              <a:t> </a:t>
-            </a:r>
-            <a:r>
-              <a:rPr lang="en-US" altLang="ko-KR" sz="1400" b="0" cap="none" dirty="0">
-                <a:solidFill>
-                  <a:srgbClr val="FFFFFF"/>
-                </a:solidFill>
-                <a:latin typeface="한컴 윤고딕 240" charset="0"/>
-                <a:ea typeface="한컴 윤고딕 240" charset="0"/>
-              </a:rPr>
-              <a:t>성공한다면</a:t>
-            </a:r>
-            <a:r>
-              <a:rPr lang="en-US" altLang="ko-KR" sz="1400" b="0" cap="none" dirty="0">
-                <a:solidFill>
-                  <a:srgbClr val="FFFFFF"/>
-                </a:solidFill>
-                <a:latin typeface="한컴 윤고딕 240" charset="0"/>
-                <a:ea typeface="한컴 윤고딕 240" charset="0"/>
-              </a:rPr>
-              <a:t> </a:t>
-            </a:r>
-            <a:r>
-              <a:rPr lang="en-US" altLang="ko-KR" sz="1400" b="0" cap="none" dirty="0">
-                <a:solidFill>
-                  <a:srgbClr val="FFFFFF"/>
-                </a:solidFill>
-                <a:latin typeface="한컴 윤고딕 240" charset="0"/>
-                <a:ea typeface="한컴 윤고딕 240" charset="0"/>
-              </a:rPr>
-              <a:t>공격이</a:t>
-            </a:r>
-            <a:r>
-              <a:rPr lang="en-US" altLang="ko-KR" sz="1400" b="0" cap="none" dirty="0">
-                <a:solidFill>
-                  <a:srgbClr val="FFFFFF"/>
-                </a:solidFill>
-                <a:latin typeface="한컴 윤고딕 240" charset="0"/>
-                <a:ea typeface="한컴 윤고딕 240" charset="0"/>
-              </a:rPr>
-              <a:t> </a:t>
-            </a:r>
-            <a:r>
-              <a:rPr lang="en-US" altLang="ko-KR" sz="1400" b="0" cap="none" dirty="0">
-                <a:solidFill>
-                  <a:srgbClr val="FFFFFF"/>
-                </a:solidFill>
-                <a:latin typeface="한컴 윤고딕 240" charset="0"/>
-                <a:ea typeface="한컴 윤고딕 240" charset="0"/>
-              </a:rPr>
-              <a:t>가능하지만</a:t>
-            </a:r>
-            <a:r>
-              <a:rPr lang="en-US" altLang="ko-KR" sz="1400" b="0" cap="none" dirty="0">
-                <a:solidFill>
-                  <a:srgbClr val="FFFFFF"/>
-                </a:solidFill>
-                <a:latin typeface="한컴 윤고딕 240" charset="0"/>
-                <a:ea typeface="한컴 윤고딕 240" charset="0"/>
-              </a:rPr>
-              <a:t> </a:t>
-            </a:r>
-            <a:r>
-              <a:rPr lang="en-US" altLang="ko-KR" sz="1400" b="0" cap="none" dirty="0">
-                <a:solidFill>
-                  <a:srgbClr val="FFFFFF"/>
-                </a:solidFill>
-                <a:latin typeface="한컴 윤고딕 240" charset="0"/>
-                <a:ea typeface="한컴 윤고딕 240" charset="0"/>
-              </a:rPr>
-              <a:t>반격에</a:t>
-            </a:r>
-            <a:r>
-              <a:rPr lang="en-US" altLang="ko-KR" sz="1400" b="0" cap="none" dirty="0">
-                <a:solidFill>
-                  <a:srgbClr val="FFFFFF"/>
-                </a:solidFill>
-                <a:latin typeface="한컴 윤고딕 240" charset="0"/>
-                <a:ea typeface="한컴 윤고딕 240" charset="0"/>
-              </a:rPr>
-              <a:t> </a:t>
-            </a:r>
-            <a:r>
-              <a:rPr lang="en-US" altLang="ko-KR" sz="1400" b="0" cap="none" dirty="0">
-                <a:solidFill>
-                  <a:srgbClr val="FFFFFF"/>
-                </a:solidFill>
-                <a:latin typeface="한컴 윤고딕 240" charset="0"/>
-                <a:ea typeface="한컴 윤고딕 240" charset="0"/>
-              </a:rPr>
-              <a:t>실패할</a:t>
-            </a:r>
-            <a:r>
-              <a:rPr lang="en-US" altLang="ko-KR" sz="1400" b="0" cap="none" dirty="0">
-                <a:solidFill>
-                  <a:srgbClr val="FFFFFF"/>
-                </a:solidFill>
-                <a:latin typeface="한컴 윤고딕 240" charset="0"/>
-                <a:ea typeface="한컴 윤고딕 240" charset="0"/>
-              </a:rPr>
-              <a:t> 시 </a:t>
-            </a:r>
-            <a:r>
-              <a:rPr lang="en-US" altLang="ko-KR" sz="1400" b="0" cap="none" dirty="0">
-                <a:solidFill>
-                  <a:srgbClr val="FFFFFF"/>
-                </a:solidFill>
-                <a:latin typeface="한컴 윤고딕 240" charset="0"/>
-                <a:ea typeface="한컴 윤고딕 240" charset="0"/>
-              </a:rPr>
-              <a:t>반대로</a:t>
-            </a:r>
-            <a:r>
-              <a:rPr lang="en-US" altLang="ko-KR" sz="1400" b="0" cap="none" dirty="0">
-                <a:solidFill>
-                  <a:srgbClr val="FFFFFF"/>
-                </a:solidFill>
-                <a:latin typeface="한컴 윤고딕 240" charset="0"/>
-                <a:ea typeface="한컴 윤고딕 240" charset="0"/>
-              </a:rPr>
-              <a:t> 큰 </a:t>
-            </a:r>
-            <a:r>
-              <a:rPr lang="en-US" altLang="ko-KR" sz="1400" b="0" cap="none" dirty="0">
-                <a:solidFill>
-                  <a:srgbClr val="FFFFFF"/>
-                </a:solidFill>
-                <a:latin typeface="한컴 윤고딕 240" charset="0"/>
-                <a:ea typeface="한컴 윤고딕 240" charset="0"/>
-              </a:rPr>
-              <a:t>데미지를</a:t>
-            </a:r>
-            <a:r>
-              <a:rPr lang="en-US" altLang="ko-KR" sz="1400" b="0" cap="none" dirty="0">
-                <a:solidFill>
-                  <a:srgbClr val="FFFFFF"/>
-                </a:solidFill>
-                <a:latin typeface="한컴 윤고딕 240" charset="0"/>
-                <a:ea typeface="한컴 윤고딕 240" charset="0"/>
-              </a:rPr>
-              <a:t> </a:t>
-            </a:r>
-            <a:r>
-              <a:rPr lang="en-US" altLang="ko-KR" sz="1400" b="0" cap="none" dirty="0">
-                <a:solidFill>
-                  <a:srgbClr val="FFFFFF"/>
-                </a:solidFill>
-                <a:latin typeface="한컴 윤고딕 240" charset="0"/>
-                <a:ea typeface="한컴 윤고딕 240" charset="0"/>
-              </a:rPr>
-              <a:t>받음</a:t>
+              <a:t>- 반격이 성공한다면 공격이 가능하지만 반격에 실패할 시 반대로 큰 데미지를 받음</a:t>
             </a:r>
             <a:endParaRPr lang="ko-KR" altLang="en-US" sz="1400" b="0" cap="none" dirty="0">
               <a:solidFill>
@@ -7417,7 +7067,7 @@
           <a:blip r:embed="rId3" cstate="print">
             <a:extLst>
               <a:ext uri="{28A0092B-C50C-407E-A947-70E740481C1C}">
-                <a14:useLocalDpi xmlns:a14="http://schemas.microsoft.com/office/drawing/2010/main" xmlns="" val="0"/>
+                <a14:useLocalDpi xmlns:a14="http://schemas.microsoft.com/office/drawing/2010/main" val="0"/>
               </a:ext>
             </a:extLst>
           </a:blip>
@@ -7449,7 +7099,7 @@
           <a:blip r:embed="rId4" cstate="print">
             <a:extLst>
               <a:ext uri="{28A0092B-C50C-407E-A947-70E740481C1C}">
-                <a14:useLocalDpi xmlns:a14="http://schemas.microsoft.com/office/drawing/2010/main" xmlns="" val="0"/>
+                <a14:useLocalDpi xmlns:a14="http://schemas.microsoft.com/office/drawing/2010/main" val="0"/>
               </a:ext>
             </a:extLst>
           </a:blip>
@@ -7488,7 +7138,7 @@
           <a:blip r:embed="rId5" cstate="print">
             <a:extLst>
               <a:ext uri="{28A0092B-C50C-407E-A947-70E740481C1C}">
-                <a14:useLocalDpi xmlns:a14="http://schemas.microsoft.com/office/drawing/2010/main" xmlns="" val="0"/>
+                <a14:useLocalDpi xmlns:a14="http://schemas.microsoft.com/office/drawing/2010/main" val="0"/>
               </a:ext>
             </a:extLst>
           </a:blip>
@@ -7526,7 +7176,7 @@
         <p:spPr>
           <a:xfrm>
             <a:off x="4087495" y="5252442"/>
-            <a:ext cx="6282690" cy="1601721"/>
+            <a:ext cx="6282690" cy="1355499"/>
           </a:xfrm>
           <a:prstGeom prst="rect">
             <a:avLst/>
@@ -7692,17 +7342,17 @@
                 <a:latin typeface="한컴 윤고딕 240" panose="02020603020101020101" pitchFamily="18" charset="-127"/>
                 <a:ea typeface="한컴 윤고딕 240" panose="02020603020101020101" pitchFamily="18" charset="-127"/>
               </a:rPr>
-              <a:t>다른 플레이어가</a:t>
-            </a:r>
-            <a:r>
-              <a:rPr lang="en-US" altLang="ko-KR" sz="1800" b="0" cap="none" dirty="0">
+              <a:t>    </a:t>
+            </a:r>
+            <a:r>
+              <a:rPr lang="en-US" altLang="ko-KR" sz="1600" b="0" cap="none" dirty="0" err="1">
                 <a:solidFill>
                   <a:srgbClr val="FFFFFF"/>
                 </a:solidFill>
                 <a:latin typeface="한컴 윤고딕 240" panose="02020603020101020101" pitchFamily="18" charset="-127"/>
                 <a:ea typeface="한컴 윤고딕 240" panose="02020603020101020101" pitchFamily="18" charset="-127"/>
               </a:rPr>
-              <a:t> </a:t>
+              <a:t>다른</a:t>
             </a:r>
             <a:r>
               <a:rPr lang="en-US" altLang="ko-KR" sz="1600" b="0" cap="none" dirty="0">
@@ -7712,17 +7362,27 @@
                 <a:latin typeface="한컴 윤고딕 240" panose="02020603020101020101" pitchFamily="18" charset="-127"/>
                 <a:ea typeface="한컴 윤고딕 240" panose="02020603020101020101" pitchFamily="18" charset="-127"/>
               </a:rPr>
-              <a:t>총 2번 살려줄 수 </a:t>
-            </a:r>
-            <a:r>
-              <a:rPr lang="en-US" altLang="ko-KR" sz="1600" b="0" cap="none" dirty="0" smtClean="0">
+              <a:t> 플레이어가</a:t>
+            </a:r>
+            <a:r>
+              <a:rPr lang="en-US" altLang="ko-KR" sz="1800" b="0" cap="none" dirty="0">
                 <a:solidFill>
                   <a:srgbClr val="FFFFFF"/>
                 </a:solidFill>
                 <a:latin typeface="한컴 윤고딕 240" panose="02020603020101020101" pitchFamily="18" charset="-127"/>
                 <a:ea typeface="한컴 윤고딕 240" panose="02020603020101020101" pitchFamily="18" charset="-127"/>
               </a:rPr>
-              <a:t>있다</a:t>
+              <a:t> </a:t>
+            </a:r>
+            <a:r>
+              <a:rPr lang="en-US" altLang="ko-KR" sz="1600" b="0" cap="none" dirty="0">
+                <a:solidFill>
+                  <a:srgbClr val="FFFFFF"/>
+                </a:solidFill>
+                <a:latin typeface="한컴 윤고딕 240" panose="02020603020101020101" pitchFamily="18" charset="-127"/>
+                <a:ea typeface="한컴 윤고딕 240" panose="02020603020101020101" pitchFamily="18" charset="-127"/>
+              </a:rPr>
+              <a:t>총 2번 살려줄 수 있다</a:t>
             </a:r>
             <a:endParaRPr lang="ko-KR" altLang="en-US" sz="1400" b="0" cap="none" dirty="0">
               <a:solidFill>
@@ -7746,7 +7406,7 @@
           <a:blip r:embed="rId6" cstate="print">
             <a:extLst>
               <a:ext uri="{28A0092B-C50C-407E-A947-70E740481C1C}">
-                <a14:useLocalDpi xmlns:a14="http://schemas.microsoft.com/office/drawing/2010/main" xmlns="" val="0"/>
+                <a14:useLocalDpi xmlns:a14="http://schemas.microsoft.com/office/drawing/2010/main" val="0"/>
               </a:ext>
             </a:extLst>
           </a:blip>
@@ -7805,7 +7465,7 @@
           <a:blip r:embed="rId7" cstate="print">
             <a:extLst>
               <a:ext uri="{28A0092B-C50C-407E-A947-70E740481C1C}">
-                <a14:useLocalDpi xmlns:a14="http://schemas.microsoft.com/office/drawing/2010/main" xmlns="" val="0"/>
+                <a14:useLocalDpi xmlns:a14="http://schemas.microsoft.com/office/drawing/2010/main" val="0"/>
               </a:ext>
             </a:extLst>
           </a:blip>
@@ -7857,7 +7517,7 @@
           <p:cNvPr id="27" name="그룹 26">
             <a:extLst>
               <a:ext uri="{FF2B5EF4-FFF2-40B4-BE49-F238E27FC236}">
-                <a16:creationId xmlns:a16="http://schemas.microsoft.com/office/drawing/2014/main" xmlns="" id="{CA325A49-D224-48B9-A1A8-B6FA918447AB}"/>
+                <a16:creationId xmlns:a16="http://schemas.microsoft.com/office/drawing/2014/main" id="{CA325A49-D224-48B9-A1A8-B6FA918447AB}"/>
               </a:ext>
             </a:extLst>
           </p:cNvPr>
@@ -7877,7 +7537,7 @@
             <p:cNvPr id="32" name="타원 31">
               <a:extLst>
                 <a:ext uri="{FF2B5EF4-FFF2-40B4-BE49-F238E27FC236}">
-                  <a16:creationId xmlns:a16="http://schemas.microsoft.com/office/drawing/2014/main" xmlns="" id="{C0B55A86-B0ED-459C-97D8-DFEBC9CE7094}"/>
+                  <a16:creationId xmlns:a16="http://schemas.microsoft.com/office/drawing/2014/main" id="{C0B55A86-B0ED-459C-97D8-DFEBC9CE7094}"/>
                 </a:ext>
               </a:extLst>
             </p:cNvPr>
@@ -7929,7 +7589,7 @@
             <p:cNvPr id="33" name="타원 32">
               <a:extLst>
                 <a:ext uri="{FF2B5EF4-FFF2-40B4-BE49-F238E27FC236}">
-                  <a16:creationId xmlns:a16="http://schemas.microsoft.com/office/drawing/2014/main" xmlns="" id="{5552066D-7B2F-472F-8E40-B3D8359829B6}"/>
+                  <a16:creationId xmlns:a16="http://schemas.microsoft.com/office/drawing/2014/main" id="{5552066D-7B2F-472F-8E40-B3D8359829B6}"/>
                 </a:ext>
               </a:extLst>
             </p:cNvPr>
@@ -7981,7 +7641,7 @@
             <p:cNvPr id="34" name="타원 33">
               <a:extLst>
                 <a:ext uri="{FF2B5EF4-FFF2-40B4-BE49-F238E27FC236}">
-                  <a16:creationId xmlns:a16="http://schemas.microsoft.com/office/drawing/2014/main" xmlns="" id="{20A699A3-682E-4AD6-AB1F-103D65A50F5B}"/>
+                  <a16:creationId xmlns:a16="http://schemas.microsoft.com/office/drawing/2014/main" id="{20A699A3-682E-4AD6-AB1F-103D65A50F5B}"/>
                 </a:ext>
               </a:extLst>
             </p:cNvPr>
@@ -8033,7 +7693,7 @@
             <p:cNvPr id="35" name="직선 연결선 34">
               <a:extLst>
                 <a:ext uri="{FF2B5EF4-FFF2-40B4-BE49-F238E27FC236}">
-                  <a16:creationId xmlns:a16="http://schemas.microsoft.com/office/drawing/2014/main" xmlns="" id="{5DF1938A-DE9C-4429-BB63-1071655A51BE}"/>
+                  <a16:creationId xmlns:a16="http://schemas.microsoft.com/office/drawing/2014/main" id="{5DF1938A-DE9C-4429-BB63-1071655A51BE}"/>
                 </a:ext>
               </a:extLst>
             </p:cNvPr>
@@ -8091,7 +7751,7 @@
           <p:cNvPr id="36" name="직선 연결선 35">
             <a:extLst>
               <a:ext uri="{FF2B5EF4-FFF2-40B4-BE49-F238E27FC236}">
-                <a16:creationId xmlns:a16="http://schemas.microsoft.com/office/drawing/2014/main" xmlns="" id="{153DDBBC-CD8C-48BC-A0D8-E0DF3DFE5533}"/>
+                <a16:creationId xmlns:a16="http://schemas.microsoft.com/office/drawing/2014/main" id="{153DDBBC-CD8C-48BC-A0D8-E0DF3DFE5533}"/>
               </a:ext>
             </a:extLst>
           </p:cNvPr>
@@ -8146,20 +7806,13 @@
     </p:spTree>
     <p:extLst>
       <p:ext uri="{BB962C8B-B14F-4D97-AF65-F5344CB8AC3E}">
-        <p14:creationId xmlns:p14="http://schemas.microsoft.com/office/powerpoint/2010/main" xmlns="" val="3284290139"/>
+        <p14:creationId xmlns:p14="http://schemas.microsoft.com/office/powerpoint/2010/main" val="3284290139"/>
       </p:ext>
     </p:extLst>
   </p:cSld>
   <p:clrMapOvr>
     <a:masterClrMapping/>
   </p:clrMapOvr>
-  <p:timing>
-    <p:tnLst>
-      <p:par>
-        <p:cTn id="1" dur="indefinite" restart="never" nodeType="tmRoot"/>
-      </p:par>
-    </p:tnLst>
-  </p:timing>
 </p:sld>
 </file>
 
@@ -8172,7 +7825,7 @@
           <a:blip r:embed="rId2" cstate="print">
             <a:extLst>
               <a:ext uri="{28A0092B-C50C-407E-A947-70E740481C1C}">
-                <a14:useLocalDpi xmlns:a14="http://schemas.microsoft.com/office/drawing/2010/main" xmlns="" val="0"/>
+                <a14:useLocalDpi xmlns:a14="http://schemas.microsoft.com/office/drawing/2010/main" val="0"/>
               </a:ext>
             </a:extLst>
           </a:blip>
@@ -8203,7 +7856,7 @@
           <p:cNvPr id="19" name="직사각형 18">
             <a:extLst>
               <a:ext uri="{FF2B5EF4-FFF2-40B4-BE49-F238E27FC236}">
-                <a16:creationId xmlns:a16="http://schemas.microsoft.com/office/drawing/2014/main" xmlns="" id="{C928AAE9-9366-4A00-9F63-9855B3CAF62D}"/>
+                <a16:creationId xmlns:a16="http://schemas.microsoft.com/office/drawing/2014/main" id="{C928AAE9-9366-4A00-9F63-9855B3CAF62D}"/>
               </a:ext>
             </a:extLst>
           </p:cNvPr>
@@ -8257,7 +7910,7 @@
           <p:cNvPr id="2" name="직사각형 1">
             <a:extLst>
               <a:ext uri="{FF2B5EF4-FFF2-40B4-BE49-F238E27FC236}">
-                <a16:creationId xmlns:a16="http://schemas.microsoft.com/office/drawing/2014/main" xmlns="" id="{0BF4380C-7BCB-408F-AB44-3F65689B7EE2}"/>
+                <a16:creationId xmlns:a16="http://schemas.microsoft.com/office/drawing/2014/main" id="{0BF4380C-7BCB-408F-AB44-3F65689B7EE2}"/>
               </a:ext>
             </a:extLst>
           </p:cNvPr>
@@ -8311,7 +7964,7 @@
           <p:cNvPr id="7" name="TextBox 6">
             <a:extLst>
               <a:ext uri="{FF2B5EF4-FFF2-40B4-BE49-F238E27FC236}">
-                <a16:creationId xmlns:a16="http://schemas.microsoft.com/office/drawing/2014/main" xmlns="" id="{D7208663-32B1-4B7D-87F0-3A1F18036072}"/>
+                <a16:creationId xmlns:a16="http://schemas.microsoft.com/office/drawing/2014/main" id="{D7208663-32B1-4B7D-87F0-3A1F18036072}"/>
               </a:ext>
             </a:extLst>
           </p:cNvPr>
@@ -8349,7 +8002,7 @@
           <p:cNvPr id="14" name="TextBox 13">
             <a:extLst>
               <a:ext uri="{FF2B5EF4-FFF2-40B4-BE49-F238E27FC236}">
-                <a16:creationId xmlns:a16="http://schemas.microsoft.com/office/drawing/2014/main" xmlns="" id="{84BDE09D-AF4A-4D3E-8970-47FF30148AAA}"/>
+                <a16:creationId xmlns:a16="http://schemas.microsoft.com/office/drawing/2014/main" id="{84BDE09D-AF4A-4D3E-8970-47FF30148AAA}"/>
               </a:ext>
             </a:extLst>
           </p:cNvPr>
@@ -8801,7 +8454,7 @@
           <p:cNvPr id="18" name="그림 17">
             <a:extLst>
               <a:ext uri="{FF2B5EF4-FFF2-40B4-BE49-F238E27FC236}">
-                <a16:creationId xmlns:a16="http://schemas.microsoft.com/office/drawing/2014/main" xmlns="" id="{05D098A1-281A-4612-8D8E-0D23E37884CB}"/>
+                <a16:creationId xmlns:a16="http://schemas.microsoft.com/office/drawing/2014/main" id="{05D098A1-281A-4612-8D8E-0D23E37884CB}"/>
               </a:ext>
             </a:extLst>
           </p:cNvPr>
@@ -8814,7 +8467,7 @@
           <a:blip r:embed="rId3" cstate="print">
             <a:extLst>
               <a:ext uri="{28A0092B-C50C-407E-A947-70E740481C1C}">
-                <a14:useLocalDpi xmlns:a14="http://schemas.microsoft.com/office/drawing/2010/main" xmlns="" val="0"/>
+                <a14:useLocalDpi xmlns:a14="http://schemas.microsoft.com/office/drawing/2010/main" val="0"/>
               </a:ext>
             </a:extLst>
           </a:blip>
@@ -8844,7 +8497,7 @@
           <a:blip r:embed="rId4" cstate="print">
             <a:extLst>
               <a:ext uri="{28A0092B-C50C-407E-A947-70E740481C1C}">
-                <a14:useLocalDpi xmlns:a14="http://schemas.microsoft.com/office/drawing/2010/main" xmlns="" val="0"/>
+                <a14:useLocalDpi xmlns:a14="http://schemas.microsoft.com/office/drawing/2010/main" val="0"/>
               </a:ext>
             </a:extLst>
           </a:blip>
@@ -8883,7 +8536,7 @@
           <a:blip r:embed="rId5" cstate="print">
             <a:extLst>
               <a:ext uri="{28A0092B-C50C-407E-A947-70E740481C1C}">
-                <a14:useLocalDpi xmlns:a14="http://schemas.microsoft.com/office/drawing/2010/main" xmlns="" val="0"/>
+                <a14:useLocalDpi xmlns:a14="http://schemas.microsoft.com/office/drawing/2010/main" val="0"/>
               </a:ext>
             </a:extLst>
           </a:blip>
@@ -8922,7 +8575,7 @@
           <a:blip r:embed="rId6" cstate="print">
             <a:extLst>
               <a:ext uri="{28A0092B-C50C-407E-A947-70E740481C1C}">
-                <a14:useLocalDpi xmlns:a14="http://schemas.microsoft.com/office/drawing/2010/main" xmlns="" val="0"/>
+                <a14:useLocalDpi xmlns:a14="http://schemas.microsoft.com/office/drawing/2010/main" val="0"/>
               </a:ext>
             </a:extLst>
           </a:blip>
@@ -8954,7 +8607,7 @@
           <p:cNvPr id="27" name="그룹 26">
             <a:extLst>
               <a:ext uri="{FF2B5EF4-FFF2-40B4-BE49-F238E27FC236}">
-                <a16:creationId xmlns:a16="http://schemas.microsoft.com/office/drawing/2014/main" xmlns="" id="{A26D6ADB-FB19-4541-83AE-9E61965A6410}"/>
+                <a16:creationId xmlns:a16="http://schemas.microsoft.com/office/drawing/2014/main" id="{A26D6ADB-FB19-4541-83AE-9E61965A6410}"/>
               </a:ext>
             </a:extLst>
           </p:cNvPr>
@@ -8974,7 +8627,7 @@
             <p:cNvPr id="28" name="타원 27">
               <a:extLst>
                 <a:ext uri="{FF2B5EF4-FFF2-40B4-BE49-F238E27FC236}">
-                  <a16:creationId xmlns:a16="http://schemas.microsoft.com/office/drawing/2014/main" xmlns="" id="{3F851138-75DB-4D74-8414-F5B144B48A37}"/>
+                  <a16:creationId xmlns:a16="http://schemas.microsoft.com/office/drawing/2014/main" id="{3F851138-75DB-4D74-8414-F5B144B48A37}"/>
                 </a:ext>
               </a:extLst>
             </p:cNvPr>
@@ -9026,7 +8679,7 @@
             <p:cNvPr id="29" name="타원 28">
               <a:extLst>
                 <a:ext uri="{FF2B5EF4-FFF2-40B4-BE49-F238E27FC236}">
-                  <a16:creationId xmlns:a16="http://schemas.microsoft.com/office/drawing/2014/main" xmlns="" id="{5090239F-CE3C-4F0F-96A0-01D6F93C4784}"/>
+                  <a16:creationId xmlns:a16="http://schemas.microsoft.com/office/drawing/2014/main" id="{5090239F-CE3C-4F0F-96A0-01D6F93C4784}"/>
                 </a:ext>
               </a:extLst>
             </p:cNvPr>
@@ -9078,7 +8731,7 @@
             <p:cNvPr id="30" name="타원 29">
               <a:extLst>
                 <a:ext uri="{FF2B5EF4-FFF2-40B4-BE49-F238E27FC236}">
-                  <a16:creationId xmlns:a16="http://schemas.microsoft.com/office/drawing/2014/main" xmlns="" id="{50C89208-6CD2-4951-9BFB-D4543EA87DAE}"/>
+                  <a16:creationId xmlns:a16="http://schemas.microsoft.com/office/drawing/2014/main" id="{50C89208-6CD2-4951-9BFB-D4543EA87DAE}"/>
                 </a:ext>
               </a:extLst>
             </p:cNvPr>
@@ -9130,7 +8783,7 @@
             <p:cNvPr id="31" name="직선 연결선 30">
               <a:extLst>
                 <a:ext uri="{FF2B5EF4-FFF2-40B4-BE49-F238E27FC236}">
-                  <a16:creationId xmlns:a16="http://schemas.microsoft.com/office/drawing/2014/main" xmlns="" id="{E16152C2-04B9-483F-A735-BE54FD20DB96}"/>
+                  <a16:creationId xmlns:a16="http://schemas.microsoft.com/office/drawing/2014/main" id="{E16152C2-04B9-483F-A735-BE54FD20DB96}"/>
                 </a:ext>
               </a:extLst>
             </p:cNvPr>
@@ -9188,7 +8841,7 @@
           <p:cNvPr id="32" name="직선 연결선 31">
             <a:extLst>
               <a:ext uri="{FF2B5EF4-FFF2-40B4-BE49-F238E27FC236}">
-                <a16:creationId xmlns:a16="http://schemas.microsoft.com/office/drawing/2014/main" xmlns="" id="{D048AC44-65CD-4E82-A604-0270A988768B}"/>
+                <a16:creationId xmlns:a16="http://schemas.microsoft.com/office/drawing/2014/main" id="{D048AC44-65CD-4E82-A604-0270A988768B}"/>
               </a:ext>
             </a:extLst>
           </p:cNvPr>
@@ -9243,7 +8896,7 @@
     </p:spTree>
     <p:extLst>
       <p:ext uri="{BB962C8B-B14F-4D97-AF65-F5344CB8AC3E}">
-        <p14:creationId xmlns:p14="http://schemas.microsoft.com/office/powerpoint/2010/main" xmlns="" val="2726659402"/>
+        <p14:creationId xmlns:p14="http://schemas.microsoft.com/office/powerpoint/2010/main" val="2726659402"/>
       </p:ext>
     </p:extLst>
   </p:cSld>
@@ -9262,7 +8915,7 @@
           <a:blip r:embed="rId2" cstate="print">
             <a:extLst>
               <a:ext uri="{28A0092B-C50C-407E-A947-70E740481C1C}">
-                <a14:useLocalDpi xmlns:a14="http://schemas.microsoft.com/office/drawing/2010/main" xmlns="" val="0"/>
+                <a14:useLocalDpi xmlns:a14="http://schemas.microsoft.com/office/drawing/2010/main" val="0"/>
               </a:ext>
             </a:extLst>
           </a:blip>
@@ -9293,7 +8946,7 @@
           <p:cNvPr id="2" name="직사각형 1">
             <a:extLst>
               <a:ext uri="{FF2B5EF4-FFF2-40B4-BE49-F238E27FC236}">
-                <a16:creationId xmlns:a16="http://schemas.microsoft.com/office/drawing/2014/main" xmlns="" id="{0BF4380C-7BCB-408F-AB44-3F65689B7EE2}"/>
+                <a16:creationId xmlns:a16="http://schemas.microsoft.com/office/drawing/2014/main" id="{0BF4380C-7BCB-408F-AB44-3F65689B7EE2}"/>
               </a:ext>
             </a:extLst>
           </p:cNvPr>
@@ -9347,7 +9000,7 @@
           <p:cNvPr id="7" name="TextBox 6">
             <a:extLst>
               <a:ext uri="{FF2B5EF4-FFF2-40B4-BE49-F238E27FC236}">
-                <a16:creationId xmlns:a16="http://schemas.microsoft.com/office/drawing/2014/main" xmlns="" id="{D7208663-32B1-4B7D-87F0-3A1F18036072}"/>
+                <a16:creationId xmlns:a16="http://schemas.microsoft.com/office/drawing/2014/main" id="{D7208663-32B1-4B7D-87F0-3A1F18036072}"/>
               </a:ext>
             </a:extLst>
           </p:cNvPr>
@@ -9385,7 +9038,7 @@
           <p:cNvPr id="14" name="TextBox 13">
             <a:extLst>
               <a:ext uri="{FF2B5EF4-FFF2-40B4-BE49-F238E27FC236}">
-                <a16:creationId xmlns:a16="http://schemas.microsoft.com/office/drawing/2014/main" xmlns="" id="{84BDE09D-AF4A-4D3E-8970-47FF30148AAA}"/>
+                <a16:creationId xmlns:a16="http://schemas.microsoft.com/office/drawing/2014/main" id="{84BDE09D-AF4A-4D3E-8970-47FF30148AAA}"/>
               </a:ext>
             </a:extLst>
           </p:cNvPr>
@@ -9514,7 +9167,7 @@
           <p:cNvPr id="17" name="TextBox 16">
             <a:extLst>
               <a:ext uri="{FF2B5EF4-FFF2-40B4-BE49-F238E27FC236}">
-                <a16:creationId xmlns:a16="http://schemas.microsoft.com/office/drawing/2014/main" xmlns="" id="{0826616D-B037-4F7C-A5C4-674E2E682881}"/>
+                <a16:creationId xmlns:a16="http://schemas.microsoft.com/office/drawing/2014/main" id="{0826616D-B037-4F7C-A5C4-674E2E682881}"/>
               </a:ext>
             </a:extLst>
           </p:cNvPr>
@@ -9523,7 +9176,7 @@
         </p:nvSpPr>
         <p:spPr>
           <a:xfrm>
-            <a:off x="2131446" y="1875285"/>
+            <a:off x="1915864" y="1690436"/>
             <a:ext cx="3214370" cy="923290"/>
           </a:xfrm>
           <a:prstGeom prst="rect">
@@ -9587,7 +9240,7 @@
           <a:blip r:embed="rId3" cstate="print">
             <a:extLst>
               <a:ext uri="{28A0092B-C50C-407E-A947-70E740481C1C}">
-                <a14:useLocalDpi xmlns:a14="http://schemas.microsoft.com/office/drawing/2010/main" xmlns="" val="0"/>
+                <a14:useLocalDpi xmlns:a14="http://schemas.microsoft.com/office/drawing/2010/main" val="0"/>
               </a:ext>
             </a:extLst>
           </a:blip>
@@ -9706,7 +9359,27 @@
                 <a:latin typeface="한컴 윤고딕 240" charset="0"/>
                 <a:ea typeface="한컴 윤고딕 240" charset="0"/>
               </a:rPr>
-              <a:t>- 일반 플레이어들이 보스에게 당할때 갇히는 곳</a:t>
+              <a:t>-  </a:t>
+            </a:r>
+            <a:r>
+              <a:rPr lang="en-US" altLang="ko-KR" sz="1600" b="0" cap="none" dirty="0" err="1">
+                <a:solidFill>
+                  <a:schemeClr val="bg1"/>
+                </a:solidFill>
+                <a:latin typeface="한컴 윤고딕 240" charset="0"/>
+                <a:ea typeface="한컴 윤고딕 240" charset="0"/>
+              </a:rPr>
+              <a:t>일반</a:t>
+            </a:r>
+            <a:r>
+              <a:rPr lang="en-US" altLang="ko-KR" sz="1600" b="0" cap="none" dirty="0">
+                <a:solidFill>
+                  <a:schemeClr val="bg1"/>
+                </a:solidFill>
+                <a:latin typeface="한컴 윤고딕 240" charset="0"/>
+                <a:ea typeface="한컴 윤고딕 240" charset="0"/>
+              </a:rPr>
+              <a:t> 플레이어들이 보스에게 당할때 갇히는 곳</a:t>
             </a:r>
             <a:endParaRPr lang="ko-KR" altLang="en-US" sz="1600" b="0" cap="none" dirty="0">
               <a:solidFill>
@@ -9738,7 +9411,27 @@
                 <a:latin typeface="한컴 윤고딕 240" charset="0"/>
                 <a:ea typeface="한컴 윤고딕 240" charset="0"/>
               </a:rPr>
-              <a:t>맵에서 가장 잘보이는 곳에 한 곳만 존재</a:t>
+              <a:t>    </a:t>
+            </a:r>
+            <a:r>
+              <a:rPr lang="en-US" altLang="ko-KR" sz="1600" b="0" cap="none" dirty="0" err="1">
+                <a:solidFill>
+                  <a:schemeClr val="bg1"/>
+                </a:solidFill>
+                <a:latin typeface="한컴 윤고딕 240" charset="0"/>
+                <a:ea typeface="한컴 윤고딕 240" charset="0"/>
+              </a:rPr>
+              <a:t>맵에서</a:t>
+            </a:r>
+            <a:r>
+              <a:rPr lang="en-US" altLang="ko-KR" sz="1600" b="0" cap="none" dirty="0">
+                <a:solidFill>
+                  <a:schemeClr val="bg1"/>
+                </a:solidFill>
+                <a:latin typeface="한컴 윤고딕 240" charset="0"/>
+                <a:ea typeface="한컴 윤고딕 240" charset="0"/>
+              </a:rPr>
+              <a:t> 가장 잘보이는 곳에 한 곳만 존재</a:t>
             </a:r>
             <a:endParaRPr lang="ko-KR" altLang="en-US" sz="1600" b="0" cap="none" dirty="0">
               <a:solidFill>
@@ -9771,7 +9464,7 @@
             </a:endParaRPr>
           </a:p>
           <a:p>
-            <a:pPr marL="0" indent="0" algn="l" defTabSz="914400" eaLnBrk="0" fontAlgn="auto" latinLnBrk="0">
+            <a:pPr marL="285750" indent="-285750" algn="l" defTabSz="914400" eaLnBrk="0" fontAlgn="auto" latinLnBrk="0">
               <a:lnSpc>
                 <a:spcPct val="100000"/>
               </a:lnSpc>
@@ -9782,17 +9475,90 @@
                 <a:spcPts val="0"/>
               </a:spcAft>
               <a:buFontTx/>
-              <a:buNone/>
+              <a:buChar char="-"/>
             </a:pPr>
             <a:r>
-              <a:rPr lang="en-US" altLang="ko-KR" sz="1600" b="0" cap="none" dirty="0">
+              <a:rPr lang="en-US" altLang="ko-KR" sz="1600" b="0" cap="none" dirty="0" err="1">
                 <a:solidFill>
                   <a:schemeClr val="bg1"/>
                 </a:solidFill>
                 <a:latin typeface="한컴 윤고딕 240" charset="0"/>
                 <a:ea typeface="한컴 윤고딕 240" charset="0"/>
               </a:rPr>
-              <a:t>- 열쇠를 가진 플레이어가 부활 지점에 들어가면 플레이어들이 풀려난다</a:t>
+              <a:t>열쇠를</a:t>
+            </a:r>
+            <a:r>
+              <a:rPr lang="en-US" altLang="ko-KR" sz="1600" b="0" cap="none" dirty="0">
+                <a:solidFill>
+                  <a:schemeClr val="bg1"/>
+                </a:solidFill>
+                <a:latin typeface="한컴 윤고딕 240" charset="0"/>
+                <a:ea typeface="한컴 윤고딕 240" charset="0"/>
+              </a:rPr>
+              <a:t> 가진 플레이어가 부활 지점에 </a:t>
+            </a:r>
+            <a:r>
+              <a:rPr lang="en-US" altLang="ko-KR" sz="1600" b="0" cap="none" dirty="0" err="1">
+                <a:solidFill>
+                  <a:schemeClr val="bg1"/>
+                </a:solidFill>
+                <a:latin typeface="한컴 윤고딕 240" charset="0"/>
+                <a:ea typeface="한컴 윤고딕 240" charset="0"/>
+              </a:rPr>
+              <a:t>들어가면</a:t>
+            </a:r>
+            <a:r>
+              <a:rPr lang="en-US" altLang="ko-KR" sz="1600" b="0" cap="none" dirty="0">
+                <a:solidFill>
+                  <a:schemeClr val="bg1"/>
+                </a:solidFill>
+                <a:latin typeface="한컴 윤고딕 240" charset="0"/>
+                <a:ea typeface="한컴 윤고딕 240" charset="0"/>
+              </a:rPr>
+              <a:t>             </a:t>
+            </a:r>
+          </a:p>
+          <a:p>
+            <a:pPr algn="l" defTabSz="914400" eaLnBrk="0" fontAlgn="auto" latinLnBrk="0">
+              <a:lnSpc>
+                <a:spcPct val="100000"/>
+              </a:lnSpc>
+              <a:spcBef>
+                <a:spcPts val="0"/>
+              </a:spcBef>
+              <a:spcAft>
+                <a:spcPts val="0"/>
+              </a:spcAft>
+            </a:pPr>
+            <a:r>
+              <a:rPr lang="en-US" altLang="ko-KR" sz="1600" dirty="0">
+                <a:solidFill>
+                  <a:schemeClr val="bg1"/>
+                </a:solidFill>
+                <a:latin typeface="한컴 윤고딕 240" charset="0"/>
+                <a:ea typeface="한컴 윤고딕 240" charset="0"/>
+              </a:rPr>
+              <a:t>    </a:t>
+            </a:r>
+            <a:r>
+              <a:rPr lang="en-US" altLang="ko-KR" sz="1600" b="0" cap="none" dirty="0" err="1">
+                <a:solidFill>
+                  <a:schemeClr val="bg1"/>
+                </a:solidFill>
+                <a:latin typeface="한컴 윤고딕 240" charset="0"/>
+                <a:ea typeface="한컴 윤고딕 240" charset="0"/>
+              </a:rPr>
+              <a:t>플레이어들이</a:t>
+            </a:r>
+            <a:r>
+              <a:rPr lang="en-US" altLang="ko-KR" sz="1600" b="0" cap="none" dirty="0">
+                <a:solidFill>
+                  <a:schemeClr val="bg1"/>
+                </a:solidFill>
+                <a:latin typeface="한컴 윤고딕 240" charset="0"/>
+                <a:ea typeface="한컴 윤고딕 240" charset="0"/>
+              </a:rPr>
+              <a:t> 풀려난다</a:t>
             </a:r>
             <a:endParaRPr lang="ko-KR" altLang="en-US" sz="1600" b="0" cap="none" dirty="0">
               <a:solidFill>
@@ -9825,7 +9591,7 @@
             </a:endParaRPr>
           </a:p>
           <a:p>
-            <a:pPr marL="0" indent="0" algn="l" defTabSz="914400" eaLnBrk="0" fontAlgn="auto" latinLnBrk="0">
+            <a:pPr marL="285750" indent="-285750" algn="l" defTabSz="914400" eaLnBrk="0" fontAlgn="auto" latinLnBrk="0">
               <a:lnSpc>
                 <a:spcPct val="100000"/>
               </a:lnSpc>
@@ -9836,17 +9602,90 @@
                 <a:spcPts val="0"/>
               </a:spcAft>
               <a:buFontTx/>
-              <a:buNone/>
+              <a:buChar char="-"/>
             </a:pPr>
             <a:r>
-              <a:rPr lang="en-US" altLang="ko-KR" sz="1600" b="0" cap="none" dirty="0">
+              <a:rPr lang="en-US" altLang="ko-KR" sz="1600" b="0" cap="none" dirty="0" err="1">
                 <a:solidFill>
                   <a:schemeClr val="bg1"/>
                 </a:solidFill>
                 <a:latin typeface="한컴 윤고딕 240" charset="0"/>
                 <a:ea typeface="한컴 윤고딕 240" charset="0"/>
               </a:rPr>
-              <a:t>- 열쇠는 플레이어가 일정 수 이상 갇힐 시 맵에서 랜덤으로 리스폰</a:t>
+              <a:t>열쇠는</a:t>
+            </a:r>
+            <a:r>
+              <a:rPr lang="en-US" altLang="ko-KR" sz="1600" b="0" cap="none" dirty="0">
+                <a:solidFill>
+                  <a:schemeClr val="bg1"/>
+                </a:solidFill>
+                <a:latin typeface="한컴 윤고딕 240" charset="0"/>
+                <a:ea typeface="한컴 윤고딕 240" charset="0"/>
+              </a:rPr>
+              <a:t> 플레이어가 일정 수 이상 갇힐 시 </a:t>
+            </a:r>
+            <a:r>
+              <a:rPr lang="en-US" altLang="ko-KR" sz="1600" b="0" cap="none" dirty="0" err="1">
+                <a:solidFill>
+                  <a:schemeClr val="bg1"/>
+                </a:solidFill>
+                <a:latin typeface="한컴 윤고딕 240" charset="0"/>
+                <a:ea typeface="한컴 윤고딕 240" charset="0"/>
+              </a:rPr>
+              <a:t>맵에서</a:t>
+            </a:r>
+            <a:r>
+              <a:rPr lang="en-US" altLang="ko-KR" sz="1600" b="0" cap="none" dirty="0">
+                <a:solidFill>
+                  <a:schemeClr val="bg1"/>
+                </a:solidFill>
+                <a:latin typeface="한컴 윤고딕 240" charset="0"/>
+                <a:ea typeface="한컴 윤고딕 240" charset="0"/>
+              </a:rPr>
+              <a:t>  </a:t>
+            </a:r>
+          </a:p>
+          <a:p>
+            <a:pPr algn="l" defTabSz="914400" eaLnBrk="0" fontAlgn="auto" latinLnBrk="0">
+              <a:lnSpc>
+                <a:spcPct val="100000"/>
+              </a:lnSpc>
+              <a:spcBef>
+                <a:spcPts val="0"/>
+              </a:spcBef>
+              <a:spcAft>
+                <a:spcPts val="0"/>
+              </a:spcAft>
+            </a:pPr>
+            <a:r>
+              <a:rPr lang="en-US" altLang="ko-KR" sz="1600" dirty="0">
+                <a:solidFill>
+                  <a:schemeClr val="bg1"/>
+                </a:solidFill>
+                <a:latin typeface="한컴 윤고딕 240" charset="0"/>
+                <a:ea typeface="한컴 윤고딕 240" charset="0"/>
+              </a:rPr>
+              <a:t>    </a:t>
+            </a:r>
+            <a:r>
+              <a:rPr lang="en-US" altLang="ko-KR" sz="1600" b="0" cap="none" dirty="0" err="1">
+                <a:solidFill>
+                  <a:schemeClr val="bg1"/>
+                </a:solidFill>
+                <a:latin typeface="한컴 윤고딕 240" charset="0"/>
+                <a:ea typeface="한컴 윤고딕 240" charset="0"/>
+              </a:rPr>
+              <a:t>랜덤으로</a:t>
+            </a:r>
+            <a:r>
+              <a:rPr lang="en-US" altLang="ko-KR" sz="1600" b="0" cap="none" dirty="0">
+                <a:solidFill>
+                  <a:schemeClr val="bg1"/>
+                </a:solidFill>
+                <a:latin typeface="한컴 윤고딕 240" charset="0"/>
+                <a:ea typeface="한컴 윤고딕 240" charset="0"/>
+              </a:rPr>
+              <a:t> 리스폰</a:t>
             </a:r>
             <a:endParaRPr lang="ko-KR" altLang="en-US" sz="1600" b="0" cap="none" dirty="0">
               <a:solidFill>
@@ -9870,7 +9709,7 @@
           <a:blip r:embed="rId4" cstate="print">
             <a:extLst>
               <a:ext uri="{28A0092B-C50C-407E-A947-70E740481C1C}">
-                <a14:useLocalDpi xmlns:a14="http://schemas.microsoft.com/office/drawing/2010/main" xmlns="" val="0"/>
+                <a14:useLocalDpi xmlns:a14="http://schemas.microsoft.com/office/drawing/2010/main" val="0"/>
               </a:ext>
             </a:extLst>
           </a:blip>
@@ -9902,7 +9741,7 @@
           <a:blip r:embed="rId5" cstate="print">
             <a:extLst>
               <a:ext uri="{28A0092B-C50C-407E-A947-70E740481C1C}">
-                <a14:useLocalDpi xmlns:a14="http://schemas.microsoft.com/office/drawing/2010/main" xmlns="" val="0"/>
+                <a14:useLocalDpi xmlns:a14="http://schemas.microsoft.com/office/drawing/2010/main" val="0"/>
               </a:ext>
             </a:extLst>
           </a:blip>
@@ -9960,7 +9799,7 @@
         <p:spPr>
           <a:xfrm>
             <a:off x="5622041" y="5141090"/>
-            <a:ext cx="4751705" cy="1138773"/>
+            <a:ext cx="4751705" cy="1107996"/>
           </a:xfrm>
           <a:prstGeom prst="rect">
             <a:avLst/>
@@ -9987,7 +9826,7 @@
               <a:buNone/>
             </a:pPr>
             <a:r>
-              <a:rPr lang="en-US" altLang="ko-KR" sz="1800" b="0" cap="none" dirty="0">
+              <a:rPr lang="en-US" altLang="ko-KR" b="0" cap="none" dirty="0">
                 <a:solidFill>
                   <a:schemeClr val="bg1"/>
                 </a:solidFill>
@@ -9996,7 +9835,7 @@
               </a:rPr>
               <a:t>2) 회복 키트</a:t>
             </a:r>
-            <a:endParaRPr lang="ko-KR" altLang="en-US" sz="1800" b="0" cap="none" dirty="0">
+            <a:endParaRPr lang="ko-KR" altLang="en-US" b="0" cap="none" dirty="0">
               <a:solidFill>
                 <a:schemeClr val="bg1"/>
               </a:solidFill>
@@ -10018,7 +9857,7 @@
               <a:buFontTx/>
               <a:buNone/>
             </a:pPr>
-            <a:endParaRPr lang="ko-KR" altLang="en-US" sz="1800" b="0" i="1" cap="none" dirty="0">
+            <a:endParaRPr lang="ko-KR" altLang="en-US" sz="1600" b="0" i="1" cap="none" dirty="0">
               <a:solidFill>
                 <a:schemeClr val="bg1"/>
               </a:solidFill>
@@ -10080,37 +9919,7 @@
                 <a:latin typeface="한컴 윤고딕 240" charset="0"/>
                 <a:ea typeface="한컴 윤고딕 240" charset="0"/>
               </a:rPr>
-              <a:t>리스폰 되며 플레이어의 </a:t>
-            </a:r>
-            <a:r>
-              <a:rPr lang="en-US" altLang="ko-KR" sz="1600" b="0" cap="none" dirty="0">
-                <a:solidFill>
-                  <a:schemeClr val="bg1"/>
-                </a:solidFill>
-                <a:latin typeface="한컴 윤고딕 240" charset="0"/>
-                <a:ea typeface="한컴 윤고딕 240" charset="0"/>
-              </a:rPr>
-              <a:t>체력을</a:t>
-            </a:r>
-            <a:r>
-              <a:rPr lang="en-US" altLang="ko-KR" sz="1600" b="0" cap="none" dirty="0">
-                <a:solidFill>
-                  <a:schemeClr val="bg1"/>
-                </a:solidFill>
-                <a:latin typeface="한컴 윤고딕 240" charset="0"/>
-                <a:ea typeface="한컴 윤고딕 240" charset="0"/>
-              </a:rPr>
-              <a:t> </a:t>
-            </a:r>
-            <a:r>
-              <a:rPr lang="en-US" altLang="ko-KR" sz="1600" b="0" cap="none" dirty="0">
-                <a:solidFill>
-                  <a:schemeClr val="bg1"/>
-                </a:solidFill>
-                <a:latin typeface="한컴 윤고딕 240" charset="0"/>
-                <a:ea typeface="한컴 윤고딕 240" charset="0"/>
-              </a:rPr>
-              <a:t>회복시켜준다</a:t>
+              <a:t>리스폰 되며 플레이어의 체력을 회복시켜준다</a:t>
             </a:r>
             <a:endParaRPr lang="ko-KR" altLang="en-US" sz="1600" b="0" cap="none" dirty="0">
               <a:solidFill>
@@ -10127,7 +9936,7 @@
           <p:cNvPr id="30" name="그룹 29">
             <a:extLst>
               <a:ext uri="{FF2B5EF4-FFF2-40B4-BE49-F238E27FC236}">
-                <a16:creationId xmlns:a16="http://schemas.microsoft.com/office/drawing/2014/main" xmlns="" id="{1E7CA0B5-7E4C-4B9F-AAC4-049155BD30E3}"/>
+                <a16:creationId xmlns:a16="http://schemas.microsoft.com/office/drawing/2014/main" id="{1E7CA0B5-7E4C-4B9F-AAC4-049155BD30E3}"/>
               </a:ext>
             </a:extLst>
           </p:cNvPr>
@@ -10147,7 +9956,7 @@
             <p:cNvPr id="31" name="타원 30">
               <a:extLst>
                 <a:ext uri="{FF2B5EF4-FFF2-40B4-BE49-F238E27FC236}">
-                  <a16:creationId xmlns:a16="http://schemas.microsoft.com/office/drawing/2014/main" xmlns="" id="{5E201EEB-213B-4139-8899-ECA1C4929881}"/>
+                  <a16:creationId xmlns:a16="http://schemas.microsoft.com/office/drawing/2014/main" id="{5E201EEB-213B-4139-8899-ECA1C4929881}"/>
                 </a:ext>
               </a:extLst>
             </p:cNvPr>
@@ -10199,7 +10008,7 @@
             <p:cNvPr id="32" name="타원 31">
               <a:extLst>
                 <a:ext uri="{FF2B5EF4-FFF2-40B4-BE49-F238E27FC236}">
-                  <a16:creationId xmlns:a16="http://schemas.microsoft.com/office/drawing/2014/main" xmlns="" id="{E9DE96AD-616A-4A97-A72E-F91A73E0EEF3}"/>
+                  <a16:creationId xmlns:a16="http://schemas.microsoft.com/office/drawing/2014/main" id="{E9DE96AD-616A-4A97-A72E-F91A73E0EEF3}"/>
                 </a:ext>
               </a:extLst>
             </p:cNvPr>
@@ -10251,7 +10060,7 @@
             <p:cNvPr id="33" name="타원 32">
               <a:extLst>
                 <a:ext uri="{FF2B5EF4-FFF2-40B4-BE49-F238E27FC236}">
-                  <a16:creationId xmlns:a16="http://schemas.microsoft.com/office/drawing/2014/main" xmlns="" id="{DD73CD3D-1CAE-4077-8BE2-48999EE0DF03}"/>
+                  <a16:creationId xmlns:a16="http://schemas.microsoft.com/office/drawing/2014/main" id="{DD73CD3D-1CAE-4077-8BE2-48999EE0DF03}"/>
                 </a:ext>
               </a:extLst>
             </p:cNvPr>
@@ -10303,7 +10112,7 @@
             <p:cNvPr id="34" name="직선 연결선 33">
               <a:extLst>
                 <a:ext uri="{FF2B5EF4-FFF2-40B4-BE49-F238E27FC236}">
-                  <a16:creationId xmlns:a16="http://schemas.microsoft.com/office/drawing/2014/main" xmlns="" id="{D584B229-1A50-455F-8FE2-AF604BC50FC6}"/>
+                  <a16:creationId xmlns:a16="http://schemas.microsoft.com/office/drawing/2014/main" id="{D584B229-1A50-455F-8FE2-AF604BC50FC6}"/>
                 </a:ext>
               </a:extLst>
             </p:cNvPr>
@@ -10361,7 +10170,7 @@
           <p:cNvPr id="35" name="직선 연결선 34">
             <a:extLst>
               <a:ext uri="{FF2B5EF4-FFF2-40B4-BE49-F238E27FC236}">
-                <a16:creationId xmlns:a16="http://schemas.microsoft.com/office/drawing/2014/main" xmlns="" id="{076A2094-15E3-400D-B1A2-EFF059D73C69}"/>
+                <a16:creationId xmlns:a16="http://schemas.microsoft.com/office/drawing/2014/main" id="{076A2094-15E3-400D-B1A2-EFF059D73C69}"/>
               </a:ext>
             </a:extLst>
           </p:cNvPr>
@@ -10416,7 +10225,7 @@
     </p:spTree>
     <p:extLst>
       <p:ext uri="{BB962C8B-B14F-4D97-AF65-F5344CB8AC3E}">
-        <p14:creationId xmlns:p14="http://schemas.microsoft.com/office/powerpoint/2010/main" xmlns="" val="1385571598"/>
+        <p14:creationId xmlns:p14="http://schemas.microsoft.com/office/powerpoint/2010/main" val="1385571598"/>
       </p:ext>
     </p:extLst>
   </p:cSld>
@@ -10435,7 +10244,7 @@
           <a:blip r:embed="rId2" cstate="print">
             <a:extLst>
               <a:ext uri="{28A0092B-C50C-407E-A947-70E740481C1C}">
-                <a14:useLocalDpi xmlns:a14="http://schemas.microsoft.com/office/drawing/2010/main" xmlns="" val="0"/>
+                <a14:useLocalDpi xmlns:a14="http://schemas.microsoft.com/office/drawing/2010/main" val="0"/>
               </a:ext>
             </a:extLst>
           </a:blip>
@@ -10466,7 +10275,7 @@
           <p:cNvPr id="2" name="직사각형 1">
             <a:extLst>
               <a:ext uri="{FF2B5EF4-FFF2-40B4-BE49-F238E27FC236}">
-                <a16:creationId xmlns:a16="http://schemas.microsoft.com/office/drawing/2014/main" xmlns="" id="{0BF4380C-7BCB-408F-AB44-3F65689B7EE2}"/>
+                <a16:creationId xmlns:a16="http://schemas.microsoft.com/office/drawing/2014/main" id="{0BF4380C-7BCB-408F-AB44-3F65689B7EE2}"/>
               </a:ext>
             </a:extLst>
           </p:cNvPr>
@@ -10520,7 +10329,7 @@
           <p:cNvPr id="7" name="TextBox 6">
             <a:extLst>
               <a:ext uri="{FF2B5EF4-FFF2-40B4-BE49-F238E27FC236}">
-                <a16:creationId xmlns:a16="http://schemas.microsoft.com/office/drawing/2014/main" xmlns="" id="{D7208663-32B1-4B7D-87F0-3A1F18036072}"/>
+                <a16:creationId xmlns:a16="http://schemas.microsoft.com/office/drawing/2014/main" id="{D7208663-32B1-4B7D-87F0-3A1F18036072}"/>
               </a:ext>
             </a:extLst>
           </p:cNvPr>
@@ -10558,7 +10367,7 @@
           <p:cNvPr id="14" name="TextBox 13">
             <a:extLst>
               <a:ext uri="{FF2B5EF4-FFF2-40B4-BE49-F238E27FC236}">
-                <a16:creationId xmlns:a16="http://schemas.microsoft.com/office/drawing/2014/main" xmlns="" id="{84BDE09D-AF4A-4D3E-8970-47FF30148AAA}"/>
+                <a16:creationId xmlns:a16="http://schemas.microsoft.com/office/drawing/2014/main" id="{84BDE09D-AF4A-4D3E-8970-47FF30148AAA}"/>
               </a:ext>
             </a:extLst>
           </p:cNvPr>
@@ -10619,7 +10428,7 @@
           <p:cNvPr id="15" name="그룹 14">
             <a:extLst>
               <a:ext uri="{FF2B5EF4-FFF2-40B4-BE49-F238E27FC236}">
-                <a16:creationId xmlns:a16="http://schemas.microsoft.com/office/drawing/2014/main" xmlns="" id="{9ED46135-B5C0-4432-A531-F1E6CD2D1ECF}"/>
+                <a16:creationId xmlns:a16="http://schemas.microsoft.com/office/drawing/2014/main" id="{9ED46135-B5C0-4432-A531-F1E6CD2D1ECF}"/>
               </a:ext>
             </a:extLst>
           </p:cNvPr>
@@ -10639,7 +10448,7 @@
             <p:cNvPr id="17" name="타원 16">
               <a:extLst>
                 <a:ext uri="{FF2B5EF4-FFF2-40B4-BE49-F238E27FC236}">
-                  <a16:creationId xmlns:a16="http://schemas.microsoft.com/office/drawing/2014/main" xmlns="" id="{6C66F7E7-D1F9-4ED7-8DBD-60AD221C5130}"/>
+                  <a16:creationId xmlns:a16="http://schemas.microsoft.com/office/drawing/2014/main" id="{6C66F7E7-D1F9-4ED7-8DBD-60AD221C5130}"/>
                 </a:ext>
               </a:extLst>
             </p:cNvPr>
@@ -10691,7 +10500,7 @@
             <p:cNvPr id="18" name="타원 17">
               <a:extLst>
                 <a:ext uri="{FF2B5EF4-FFF2-40B4-BE49-F238E27FC236}">
-                  <a16:creationId xmlns:a16="http://schemas.microsoft.com/office/drawing/2014/main" xmlns="" id="{F7E574B8-F120-48ED-9869-CDF1D441786C}"/>
+                  <a16:creationId xmlns:a16="http://schemas.microsoft.com/office/drawing/2014/main" id="{F7E574B8-F120-48ED-9869-CDF1D441786C}"/>
                 </a:ext>
               </a:extLst>
             </p:cNvPr>
@@ -10743,7 +10552,7 @@
             <p:cNvPr id="19" name="타원 18">
               <a:extLst>
                 <a:ext uri="{FF2B5EF4-FFF2-40B4-BE49-F238E27FC236}">
-                  <a16:creationId xmlns:a16="http://schemas.microsoft.com/office/drawing/2014/main" xmlns="" id="{99CFB855-7AFE-4290-B870-D1FC6931B836}"/>
+                  <a16:creationId xmlns:a16="http://schemas.microsoft.com/office/drawing/2014/main" id="{99CFB855-7AFE-4290-B870-D1FC6931B836}"/>
                 </a:ext>
               </a:extLst>
             </p:cNvPr>
@@ -10795,7 +10604,7 @@
             <p:cNvPr id="20" name="직선 연결선 19">
               <a:extLst>
                 <a:ext uri="{FF2B5EF4-FFF2-40B4-BE49-F238E27FC236}">
-                  <a16:creationId xmlns:a16="http://schemas.microsoft.com/office/drawing/2014/main" xmlns="" id="{61B30748-0548-4868-BD00-49135987F7A6}"/>
+                  <a16:creationId xmlns:a16="http://schemas.microsoft.com/office/drawing/2014/main" id="{61B30748-0548-4868-BD00-49135987F7A6}"/>
                 </a:ext>
               </a:extLst>
             </p:cNvPr>
@@ -10853,7 +10662,7 @@
           <p:cNvPr id="21" name="직선 연결선 20">
             <a:extLst>
               <a:ext uri="{FF2B5EF4-FFF2-40B4-BE49-F238E27FC236}">
-                <a16:creationId xmlns:a16="http://schemas.microsoft.com/office/drawing/2014/main" xmlns="" id="{C09FAB96-75D0-4E16-8F87-491CD8330210}"/>
+                <a16:creationId xmlns:a16="http://schemas.microsoft.com/office/drawing/2014/main" id="{C09FAB96-75D0-4E16-8F87-491CD8330210}"/>
               </a:ext>
             </a:extLst>
           </p:cNvPr>
@@ -10914,7 +10723,7 @@
           <p:nvPr>
             <p:extLst>
               <p:ext uri="{D42A27DB-BD31-4B8C-83A1-F6EECF244321}">
-                <p14:modId xmlns:p14="http://schemas.microsoft.com/office/powerpoint/2010/main" xmlns="" val="1100830519"/>
+                <p14:modId xmlns:p14="http://schemas.microsoft.com/office/powerpoint/2010/main" val="1100830519"/>
               </p:ext>
             </p:extLst>
           </p:nvPr>
@@ -10933,28 +10742,28 @@
                 <a:gridCol w="589261">
                   <a:extLst>
                     <a:ext uri="{9D8B030D-6E8A-4147-A177-3AD203B41FA5}">
-                      <a16:colId xmlns:a16="http://schemas.microsoft.com/office/drawing/2014/main" xmlns="" val="20000"/>
+                      <a16:colId xmlns:a16="http://schemas.microsoft.com/office/drawing/2014/main" val="20000"/>
                     </a:ext>
                   </a:extLst>
                 </a:gridCol>
                 <a:gridCol w="2698870">
                   <a:extLst>
                     <a:ext uri="{9D8B030D-6E8A-4147-A177-3AD203B41FA5}">
-                      <a16:colId xmlns:a16="http://schemas.microsoft.com/office/drawing/2014/main" xmlns="" val="20001"/>
+                      <a16:colId xmlns:a16="http://schemas.microsoft.com/office/drawing/2014/main" val="20001"/>
                     </a:ext>
                   </a:extLst>
                 </a:gridCol>
                 <a:gridCol w="3018448">
                   <a:extLst>
                     <a:ext uri="{9D8B030D-6E8A-4147-A177-3AD203B41FA5}">
-                      <a16:colId xmlns:a16="http://schemas.microsoft.com/office/drawing/2014/main" xmlns="" val="20002"/>
+                      <a16:colId xmlns:a16="http://schemas.microsoft.com/office/drawing/2014/main" val="20002"/>
                     </a:ext>
                   </a:extLst>
                 </a:gridCol>
                 <a:gridCol w="3131041">
                   <a:extLst>
                     <a:ext uri="{9D8B030D-6E8A-4147-A177-3AD203B41FA5}">
-                      <a16:colId xmlns:a16="http://schemas.microsoft.com/office/drawing/2014/main" xmlns="" val="20003"/>
+                      <a16:colId xmlns:a16="http://schemas.microsoft.com/office/drawing/2014/main" val="20003"/>
                     </a:ext>
                   </a:extLst>
                 </a:gridCol>
@@ -11132,7 +10941,7 @@
                 </a:tc>
                 <a:extLst>
                   <a:ext uri="{0D108BD9-81ED-4DB2-BD59-A6C34878D82A}">
-                    <a16:rowId xmlns:a16="http://schemas.microsoft.com/office/drawing/2014/main" xmlns="" val="10000"/>
+                    <a16:rowId xmlns:a16="http://schemas.microsoft.com/office/drawing/2014/main" val="10000"/>
                   </a:ext>
                 </a:extLst>
               </a:tr>
@@ -11288,7 +11097,7 @@
                 </a:tc>
                 <a:extLst>
                   <a:ext uri="{0D108BD9-81ED-4DB2-BD59-A6C34878D82A}">
-                    <a16:rowId xmlns:a16="http://schemas.microsoft.com/office/drawing/2014/main" xmlns="" val="10001"/>
+                    <a16:rowId xmlns:a16="http://schemas.microsoft.com/office/drawing/2014/main" val="10001"/>
                   </a:ext>
                 </a:extLst>
               </a:tr>
@@ -11371,7 +11180,7 @@
                         <a:buNone/>
                       </a:pPr>
                       <a:r>
-                        <a:rPr lang="ko-KR" altLang="en-US" sz="1600" b="0" kern="1200" cap="none" dirty="0" smtClean="0">
+                        <a:rPr lang="ko-KR" altLang="en-US" sz="1600" b="0" kern="1200" cap="none" dirty="0">
                           <a:solidFill>
                             <a:schemeClr val="bg1"/>
                           </a:solidFill>
@@ -11381,7 +11190,7 @@
                         <a:t>추가</a:t>
                       </a:r>
                       <a:r>
-                        <a:rPr lang="ko-KR" altLang="en-US" sz="1600" b="0" kern="1200" cap="none" baseline="0" dirty="0" smtClean="0">
+                        <a:rPr lang="ko-KR" altLang="en-US" sz="1600" b="0" kern="1200" cap="none" baseline="0" dirty="0">
                           <a:solidFill>
                             <a:schemeClr val="bg1"/>
                           </a:solidFill>
@@ -11391,7 +11200,7 @@
                         <a:t> 캐릭터 및 맵 기능</a:t>
                       </a:r>
                       <a:r>
-                        <a:rPr lang="en-US" altLang="ko-KR" sz="1600" b="0" kern="1200" cap="none" baseline="0" dirty="0" smtClean="0">
+                        <a:rPr lang="en-US" altLang="ko-KR" sz="1600" b="0" kern="1200" cap="none" baseline="0" dirty="0">
                           <a:solidFill>
                             <a:schemeClr val="bg1"/>
                           </a:solidFill>
@@ -11401,7 +11210,7 @@
                         <a:t> </a:t>
                       </a:r>
                       <a:r>
-                        <a:rPr lang="ko-KR" altLang="en-US" sz="1600" b="0" kern="1200" cap="none" baseline="0" dirty="0" smtClean="0">
+                        <a:rPr lang="ko-KR" altLang="en-US" sz="1600" b="0" kern="1200" cap="none" baseline="0" dirty="0">
                           <a:solidFill>
                             <a:schemeClr val="bg1"/>
                           </a:solidFill>
@@ -11410,7 +11219,7 @@
                         </a:rPr>
                         <a:t>구현</a:t>
                       </a:r>
-                      <a:endParaRPr lang="en-US" altLang="ko-KR" sz="1600" b="0" kern="1200" cap="none" baseline="0" dirty="0" smtClean="0">
+                      <a:endParaRPr lang="en-US" altLang="ko-KR" sz="1600" b="0" kern="1200" cap="none" baseline="0" dirty="0">
                         <a:solidFill>
                           <a:schemeClr val="bg1"/>
                         </a:solidFill>
@@ -11433,7 +11242,7 @@
                         <a:buNone/>
                       </a:pPr>
                       <a:r>
-                        <a:rPr lang="ko-KR" altLang="en-US" sz="1600" b="0" kern="1200" cap="none" baseline="0" dirty="0" smtClean="0">
+                        <a:rPr lang="ko-KR" altLang="en-US" sz="1600" b="0" kern="1200" cap="none" baseline="0" dirty="0">
                           <a:solidFill>
                             <a:schemeClr val="bg1"/>
                           </a:solidFill>
@@ -11442,7 +11251,7 @@
                         </a:rPr>
                         <a:t>캐릭터 랜더링</a:t>
                       </a:r>
-                      <a:endParaRPr lang="en-US" altLang="ko-KR" sz="1600" b="0" kern="1200" cap="none" baseline="0" dirty="0" smtClean="0">
+                      <a:endParaRPr lang="en-US" altLang="ko-KR" sz="1600" b="0" kern="1200" cap="none" baseline="0" dirty="0">
                         <a:solidFill>
                           <a:schemeClr val="bg1"/>
                         </a:solidFill>
@@ -11475,7 +11284,7 @@
                 </a:tc>
                 <a:extLst>
                   <a:ext uri="{0D108BD9-81ED-4DB2-BD59-A6C34878D82A}">
-                    <a16:rowId xmlns:a16="http://schemas.microsoft.com/office/drawing/2014/main" xmlns="" val="10002"/>
+                    <a16:rowId xmlns:a16="http://schemas.microsoft.com/office/drawing/2014/main" val="10002"/>
                   </a:ext>
                 </a:extLst>
               </a:tr>
@@ -11589,7 +11398,7 @@
                         <a:buNone/>
                       </a:pPr>
                       <a:r>
-                        <a:rPr lang="en-US" altLang="ko-KR" sz="1600" b="0" kern="1200" cap="none" dirty="0" smtClean="0">
+                        <a:rPr lang="en-US" altLang="ko-KR" sz="1600" b="0" kern="1200" cap="none" dirty="0">
                           <a:solidFill>
                             <a:schemeClr val="bg1"/>
                           </a:solidFill>
@@ -11599,7 +11408,7 @@
                         <a:t>캐릭터와 맵 상호작용 </a:t>
                       </a:r>
                       <a:r>
-                        <a:rPr lang="ko-KR" altLang="en-US" sz="1600" b="0" kern="1200" cap="none" dirty="0" smtClean="0">
+                        <a:rPr lang="ko-KR" altLang="en-US" sz="1600" b="0" kern="1200" cap="none" dirty="0">
                           <a:solidFill>
                             <a:schemeClr val="bg1"/>
                           </a:solidFill>
@@ -11608,7 +11417,7 @@
                         </a:rPr>
                         <a:t>및 </a:t>
                       </a:r>
-                      <a:endParaRPr lang="en-US" altLang="ko-KR" sz="1600" b="0" kern="1200" cap="none" dirty="0" smtClean="0">
+                      <a:endParaRPr lang="en-US" altLang="ko-KR" sz="1600" b="0" kern="1200" cap="none" dirty="0">
                         <a:solidFill>
                           <a:schemeClr val="bg1"/>
                         </a:solidFill>
@@ -11631,7 +11440,7 @@
                         <a:buNone/>
                       </a:pPr>
                       <a:r>
-                        <a:rPr lang="ko-KR" altLang="en-US" sz="1600" b="0" kern="1200" cap="none" dirty="0" smtClean="0">
+                        <a:rPr lang="ko-KR" altLang="en-US" sz="1600" b="0" kern="1200" cap="none" dirty="0">
                           <a:solidFill>
                             <a:schemeClr val="bg1"/>
                           </a:solidFill>
@@ -11641,7 +11450,7 @@
                         <a:t>아이템 인게임 적용</a:t>
                       </a:r>
                       <a:r>
-                        <a:rPr lang="en-US" altLang="ko-KR" sz="1600" b="0" kern="1200" cap="none" dirty="0" smtClean="0">
+                        <a:rPr lang="en-US" altLang="ko-KR" sz="1600" b="0" kern="1200" cap="none" dirty="0">
                           <a:solidFill>
                             <a:schemeClr val="bg1"/>
                           </a:solidFill>
@@ -11650,7 +11459,7 @@
                         </a:rPr>
                         <a:t> 구현</a:t>
                       </a:r>
-                      <a:endParaRPr lang="ko-KR" altLang="en-US" sz="1600" b="0" kern="1200" cap="none" dirty="0" smtClean="0">
+                      <a:endParaRPr lang="ko-KR" altLang="en-US" sz="1600" b="0" kern="1200" cap="none" dirty="0">
                         <a:solidFill>
                           <a:schemeClr val="bg1"/>
                         </a:solidFill>
@@ -11714,7 +11523,7 @@
                 </a:tc>
                 <a:extLst>
                   <a:ext uri="{0D108BD9-81ED-4DB2-BD59-A6C34878D82A}">
-                    <a16:rowId xmlns:a16="http://schemas.microsoft.com/office/drawing/2014/main" xmlns="" val="10003"/>
+                    <a16:rowId xmlns:a16="http://schemas.microsoft.com/office/drawing/2014/main" val="10003"/>
                   </a:ext>
                 </a:extLst>
               </a:tr>
@@ -11794,7 +11603,7 @@
                         <a:buNone/>
                       </a:pPr>
                       <a:r>
-                        <a:rPr lang="en-US" altLang="ko-KR" sz="1600" b="0" kern="1200" cap="none" dirty="0" smtClean="0">
+                        <a:rPr lang="en-US" altLang="ko-KR" sz="1600" b="0" kern="1200" cap="none" dirty="0">
                           <a:solidFill>
                             <a:schemeClr val="bg1"/>
                           </a:solidFill>
@@ -11804,7 +11613,7 @@
                         <a:t>아이템 파밍,</a:t>
                       </a:r>
                       <a:r>
-                        <a:rPr lang="en-US" altLang="ko-KR" sz="1600" b="0" kern="1200" cap="none" baseline="0" dirty="0" smtClean="0">
+                        <a:rPr lang="en-US" altLang="ko-KR" sz="1600" b="0" kern="1200" cap="none" baseline="0" dirty="0">
                           <a:solidFill>
                             <a:schemeClr val="bg1"/>
                           </a:solidFill>
@@ -11814,7 +11623,7 @@
                         <a:t> </a:t>
                       </a:r>
                       <a:r>
-                        <a:rPr lang="ko-KR" altLang="en-US" sz="1600" b="0" kern="1200" cap="none" baseline="0" dirty="0" smtClean="0">
+                        <a:rPr lang="ko-KR" altLang="en-US" sz="1600" b="0" kern="1200" cap="none" baseline="0" dirty="0">
                           <a:solidFill>
                             <a:schemeClr val="bg1"/>
                           </a:solidFill>
@@ -11824,7 +11633,7 @@
                         <a:t>장비 창</a:t>
                       </a:r>
                       <a:r>
-                        <a:rPr lang="en-US" altLang="ko-KR" sz="1600" b="0" kern="1200" cap="none" dirty="0" smtClean="0">
+                        <a:rPr lang="en-US" altLang="ko-KR" sz="1600" b="0" kern="1200" cap="none" dirty="0">
                           <a:solidFill>
                             <a:schemeClr val="bg1"/>
                           </a:solidFill>
@@ -11849,7 +11658,7 @@
                         <a:buNone/>
                       </a:pPr>
                       <a:r>
-                        <a:rPr lang="ko-KR" altLang="en-US" sz="1600" b="0" kern="1200" cap="none" dirty="0" smtClean="0">
+                        <a:rPr lang="ko-KR" altLang="en-US" sz="1600" b="0" kern="1200" cap="none" dirty="0">
                           <a:solidFill>
                             <a:schemeClr val="bg1"/>
                           </a:solidFill>
@@ -11879,6 +11688,11 @@
                   </a:txBody>
                   <a:tcPr/>
                 </a:tc>
+                <a:extLst>
+                  <a:ext uri="{0D108BD9-81ED-4DB2-BD59-A6C34878D82A}">
+                    <a16:rowId xmlns:a16="http://schemas.microsoft.com/office/drawing/2014/main" val="10004"/>
+                  </a:ext>
+                </a:extLst>
               </a:tr>
               <a:tr h="548412">
                 <a:tc>
@@ -12022,7 +11836,7 @@
                         <a:buNone/>
                       </a:pPr>
                       <a:r>
-                        <a:rPr lang="ko-KR" altLang="en-US" sz="1600" b="0" kern="1200" cap="none" dirty="0" smtClean="0">
+                        <a:rPr lang="ko-KR" altLang="en-US" sz="1600" b="0" kern="1200" cap="none" dirty="0">
                           <a:solidFill>
                             <a:schemeClr val="bg1"/>
                           </a:solidFill>
@@ -12032,7 +11846,7 @@
                         <a:t>메뉴 및 설정</a:t>
                       </a:r>
                       <a:r>
-                        <a:rPr lang="en-US" altLang="ko-KR" sz="1600" b="0" kern="1200" cap="none" dirty="0" smtClean="0">
+                        <a:rPr lang="en-US" altLang="ko-KR" sz="1600" b="0" kern="1200" cap="none" dirty="0">
                           <a:solidFill>
                             <a:schemeClr val="bg1"/>
                           </a:solidFill>
@@ -12042,7 +11856,7 @@
                         <a:t>, </a:t>
                       </a:r>
                       <a:r>
-                        <a:rPr lang="ko-KR" altLang="en-US" sz="1600" b="0" kern="1200" cap="none" dirty="0" smtClean="0">
+                        <a:rPr lang="ko-KR" altLang="en-US" sz="1600" b="0" kern="1200" cap="none" dirty="0">
                           <a:solidFill>
                             <a:schemeClr val="bg1"/>
                           </a:solidFill>
@@ -12051,13 +11865,6 @@
                         </a:rPr>
                         <a:t>게임 종료 구현</a:t>
                       </a:r>
-                      <a:endParaRPr lang="ko-KR" altLang="en-US" sz="1600" b="0" kern="1200" cap="none" dirty="0">
-                        <a:solidFill>
-                          <a:schemeClr val="bg1"/>
-                        </a:solidFill>
-                        <a:latin typeface="한컴 윤고딕 240" panose="02020603020101020101" pitchFamily="18" charset="-127"/>
-                        <a:ea typeface="한컴 윤고딕 240" panose="02020603020101020101" pitchFamily="18" charset="-127"/>
-                      </a:endParaRPr>
                     </a:p>
                   </a:txBody>
                   <a:tcPr marL="90170" marR="90170" marT="46990" marB="46990" anchor="ctr">
@@ -12084,7 +11891,7 @@
                 </a:tc>
                 <a:extLst>
                   <a:ext uri="{0D108BD9-81ED-4DB2-BD59-A6C34878D82A}">
-                    <a16:rowId xmlns:a16="http://schemas.microsoft.com/office/drawing/2014/main" xmlns="" val="10005"/>
+                    <a16:rowId xmlns:a16="http://schemas.microsoft.com/office/drawing/2014/main" val="10005"/>
                   </a:ext>
                 </a:extLst>
               </a:tr>
@@ -12198,7 +12005,7 @@
                         <a:buNone/>
                       </a:pPr>
                       <a:r>
-                        <a:rPr lang="en-US" altLang="ko-KR" sz="1600" b="0" kern="1200" cap="none" dirty="0" smtClean="0">
+                        <a:rPr lang="en-US" altLang="ko-KR" sz="1600" b="0" kern="1200" cap="none" dirty="0">
                           <a:solidFill>
                             <a:schemeClr val="bg1"/>
                           </a:solidFill>
@@ -12208,7 +12015,7 @@
                         <a:t>UI</a:t>
                       </a:r>
                       <a:r>
-                        <a:rPr lang="en-US" altLang="ko-KR" sz="1600" b="0" kern="1200" cap="none" baseline="0" dirty="0" smtClean="0">
+                        <a:rPr lang="en-US" altLang="ko-KR" sz="1600" b="0" kern="1200" cap="none" baseline="0" dirty="0">
                           <a:solidFill>
                             <a:schemeClr val="bg1"/>
                           </a:solidFill>
@@ -12218,7 +12025,7 @@
                         <a:t> </a:t>
                       </a:r>
                       <a:r>
-                        <a:rPr lang="ko-KR" altLang="en-US" sz="1600" b="0" kern="1200" cap="none" baseline="0" dirty="0" smtClean="0">
+                        <a:rPr lang="ko-KR" altLang="en-US" sz="1600" b="0" kern="1200" cap="none" baseline="0" dirty="0">
                           <a:solidFill>
                             <a:schemeClr val="bg1"/>
                           </a:solidFill>
@@ -12291,7 +12098,7 @@
                 </a:tc>
                 <a:extLst>
                   <a:ext uri="{0D108BD9-81ED-4DB2-BD59-A6C34878D82A}">
-                    <a16:rowId xmlns:a16="http://schemas.microsoft.com/office/drawing/2014/main" xmlns="" val="10006"/>
+                    <a16:rowId xmlns:a16="http://schemas.microsoft.com/office/drawing/2014/main" val="10006"/>
                   </a:ext>
                 </a:extLst>
               </a:tr>
@@ -12360,7 +12167,7 @@
                         <a:buNone/>
                       </a:pPr>
                       <a:r>
-                        <a:rPr lang="ko-KR" altLang="en-US" sz="1600" b="0" kern="1200" cap="none" dirty="0" smtClean="0">
+                        <a:rPr lang="ko-KR" altLang="en-US" sz="1600" b="0" kern="1200" cap="none" dirty="0">
                           <a:solidFill>
                             <a:schemeClr val="bg1"/>
                           </a:solidFill>
@@ -12369,13 +12176,6 @@
                         </a:rPr>
                         <a:t>테스트 및 버그 수정</a:t>
                       </a:r>
-                      <a:endParaRPr lang="ko-KR" altLang="en-US" sz="1600" b="0" kern="1200" cap="none" dirty="0">
-                        <a:solidFill>
-                          <a:schemeClr val="bg1"/>
-                        </a:solidFill>
-                        <a:latin typeface="한컴 윤고딕 240" panose="02020603020101020101" pitchFamily="18" charset="-127"/>
-                        <a:ea typeface="한컴 윤고딕 240" panose="02020603020101020101" pitchFamily="18" charset="-127"/>
-                      </a:endParaRPr>
                     </a:p>
                   </a:txBody>
                   <a:tcPr marL="90170" marR="90170" marT="46990" marB="46990" anchor="ctr">
@@ -12422,7 +12222,7 @@
                 </a:tc>
                 <a:extLst>
                   <a:ext uri="{0D108BD9-81ED-4DB2-BD59-A6C34878D82A}">
-                    <a16:rowId xmlns:a16="http://schemas.microsoft.com/office/drawing/2014/main" xmlns="" val="10007"/>
+                    <a16:rowId xmlns:a16="http://schemas.microsoft.com/office/drawing/2014/main" val="10007"/>
                   </a:ext>
                 </a:extLst>
               </a:tr>
@@ -12547,7 +12347,7 @@
                 </a:tc>
                 <a:extLst>
                   <a:ext uri="{0D108BD9-81ED-4DB2-BD59-A6C34878D82A}">
-                    <a16:rowId xmlns:a16="http://schemas.microsoft.com/office/drawing/2014/main" xmlns="" val="10008"/>
+                    <a16:rowId xmlns:a16="http://schemas.microsoft.com/office/drawing/2014/main" val="10008"/>
                   </a:ext>
                 </a:extLst>
               </a:tr>
@@ -12558,20 +12358,13 @@
     </p:spTree>
     <p:extLst>
       <p:ext uri="{BB962C8B-B14F-4D97-AF65-F5344CB8AC3E}">
-        <p14:creationId xmlns:p14="http://schemas.microsoft.com/office/powerpoint/2010/main" xmlns="" val="882789802"/>
+        <p14:creationId xmlns:p14="http://schemas.microsoft.com/office/powerpoint/2010/main" val="882789802"/>
       </p:ext>
     </p:extLst>
   </p:cSld>
   <p:clrMapOvr>
     <a:masterClrMapping/>
   </p:clrMapOvr>
-  <p:timing>
-    <p:tnLst>
-      <p:par>
-        <p:cTn id="1" dur="indefinite" restart="never" nodeType="tmRoot"/>
-      </p:par>
-    </p:tnLst>
-  </p:timing>
 </p:sld>
 </file>
 
@@ -12611,7 +12404,7 @@
           <p:cNvPr id="4" name="TextBox 3">
             <a:extLst>
               <a:ext uri="{FF2B5EF4-FFF2-40B4-BE49-F238E27FC236}">
-                <a16:creationId xmlns:a16="http://schemas.microsoft.com/office/drawing/2014/main" xmlns="" id="{9C3D2B6E-ACF8-414D-AA22-6094FEBB5889}"/>
+                <a16:creationId xmlns:a16="http://schemas.microsoft.com/office/drawing/2014/main" id="{9C3D2B6E-ACF8-414D-AA22-6094FEBB5889}"/>
               </a:ext>
             </a:extLst>
           </p:cNvPr>
@@ -12648,7 +12441,7 @@
           <p:cNvPr id="7" name="직사각형 6">
             <a:extLst>
               <a:ext uri="{FF2B5EF4-FFF2-40B4-BE49-F238E27FC236}">
-                <a16:creationId xmlns:a16="http://schemas.microsoft.com/office/drawing/2014/main" xmlns="" id="{F619D7D9-E661-4CF7-AF78-7D9EA1FDFA4D}"/>
+                <a16:creationId xmlns:a16="http://schemas.microsoft.com/office/drawing/2014/main" id="{F619D7D9-E661-4CF7-AF78-7D9EA1FDFA4D}"/>
               </a:ext>
             </a:extLst>
           </p:cNvPr>
@@ -12719,7 +12512,7 @@
           <p:cNvPr id="8" name="타원 7">
             <a:extLst>
               <a:ext uri="{FF2B5EF4-FFF2-40B4-BE49-F238E27FC236}">
-                <a16:creationId xmlns:a16="http://schemas.microsoft.com/office/drawing/2014/main" xmlns="" id="{A8AF1B05-D50F-4D8C-A47B-FA728BED2822}"/>
+                <a16:creationId xmlns:a16="http://schemas.microsoft.com/office/drawing/2014/main" id="{A8AF1B05-D50F-4D8C-A47B-FA728BED2822}"/>
               </a:ext>
             </a:extLst>
           </p:cNvPr>
@@ -12771,7 +12564,7 @@
           <p:cNvPr id="9" name="타원 8">
             <a:extLst>
               <a:ext uri="{FF2B5EF4-FFF2-40B4-BE49-F238E27FC236}">
-                <a16:creationId xmlns:a16="http://schemas.microsoft.com/office/drawing/2014/main" xmlns="" id="{44DE1A9B-F1D9-452E-AF2B-63697FB3F060}"/>
+                <a16:creationId xmlns:a16="http://schemas.microsoft.com/office/drawing/2014/main" id="{44DE1A9B-F1D9-452E-AF2B-63697FB3F060}"/>
               </a:ext>
             </a:extLst>
           </p:cNvPr>
@@ -12823,7 +12616,7 @@
           <p:cNvPr id="10" name="타원 9">
             <a:extLst>
               <a:ext uri="{FF2B5EF4-FFF2-40B4-BE49-F238E27FC236}">
-                <a16:creationId xmlns:a16="http://schemas.microsoft.com/office/drawing/2014/main" xmlns="" id="{B6D34A9E-B27D-4E43-BCC5-E290FA0E4F2D}"/>
+                <a16:creationId xmlns:a16="http://schemas.microsoft.com/office/drawing/2014/main" id="{B6D34A9E-B27D-4E43-BCC5-E290FA0E4F2D}"/>
               </a:ext>
             </a:extLst>
           </p:cNvPr>
@@ -12873,20 +12666,13 @@
     </p:spTree>
     <p:extLst>
       <p:ext uri="{BB962C8B-B14F-4D97-AF65-F5344CB8AC3E}">
-        <p14:creationId xmlns:p14="http://schemas.microsoft.com/office/powerpoint/2010/main" xmlns="" val="2766403010"/>
+        <p14:creationId xmlns:p14="http://schemas.microsoft.com/office/powerpoint/2010/main" val="2766403010"/>
       </p:ext>
     </p:extLst>
   </p:cSld>
   <p:clrMapOvr>
     <a:masterClrMapping/>
   </p:clrMapOvr>
-  <p:timing>
-    <p:tnLst>
-      <p:par>
-        <p:cTn id="1" dur="indefinite" restart="never" nodeType="tmRoot"/>
-      </p:par>
-    </p:tnLst>
-  </p:timing>
 </p:sld>
 </file>
 
@@ -13179,7 +12965,7 @@
   <a:extraClrSchemeLst/>
   <a:extLst>
     <a:ext uri="{05A4C25C-085E-4340-85A3-A5531E510DB2}">
-      <thm15:themeFamily xmlns:thm15="http://schemas.microsoft.com/office/thememl/2012/main" xmlns="" name="Office Theme" id="{62F939B6-93AF-4DB8-9C6B-D6C7DFDC589F}" vid="{4A3C46E8-61CC-4603-A589-7422A47A8E4A}"/>
+      <thm15:themeFamily xmlns:thm15="http://schemas.microsoft.com/office/thememl/2012/main" name="Office Theme" id="{62F939B6-93AF-4DB8-9C6B-D6C7DFDC589F}" vid="{4A3C46E8-61CC-4603-A589-7422A47A8E4A}"/>
     </a:ext>
   </a:extLst>
 </a:theme>
